--- a/문서/시나리오에 따른 공정 시뮬레이션 발표 - 안형석.pptx
+++ b/문서/시나리오에 따른 공정 시뮬레이션 발표 - 안형석.pptx
@@ -1934,7 +1934,7 @@
                 <a:latin typeface="+mj-ea"/>
                 <a:ea typeface="+mj-ea"/>
               </a:rPr>
-              <a:t>2023-03-21-Tuesday</a:t>
+              <a:t>2023-03-22-Wednesday</a:t>
             </a:fld>
             <a:endParaRPr lang="ko-KR" altLang="en-US" dirty="0">
               <a:latin typeface="+mj-ea"/>
@@ -2135,7 +2135,7 @@
             <a:fld id="{94A59610-D21E-4772-A7BF-F2F26E543677}" type="datetime1">
               <a:rPr lang="ko-KR" altLang="en-US" smtClean="0"/>
               <a:pPr/>
-              <a:t>2023-03-21-Tuesday</a:t>
+              <a:t>2023-03-22-Wednesday</a:t>
             </a:fld>
             <a:endParaRPr lang="ko-KR" altLang="en-US" dirty="0"/>
           </a:p>
@@ -24757,22 +24757,41 @@
             <a:pPr rtl="0"/>
             <a:r>
               <a:rPr lang="ko-KR" altLang="en-US" dirty="0"/>
-              <a:t>멋지고 세련된 제품</a:t>
-            </a:r>
+              <a:t>각 시나리오별 생산량</a:t>
+            </a:r>
+            <a:endParaRPr lang="en-US" altLang="ko-KR" dirty="0"/>
           </a:p>
           <a:p>
             <a:pPr rtl="0"/>
             <a:r>
-              <a:rPr lang="ko-KR" altLang="en-US" noProof="1"/>
-              <a:t>해당 분야 커뮤니티 연결 </a:t>
-            </a:r>
+              <a:rPr lang="ko-KR" altLang="en-US" dirty="0"/>
+              <a:t>각 시나리오별 설비 상태 비율</a:t>
+            </a:r>
+            <a:endParaRPr lang="en-US" altLang="ko-KR" dirty="0"/>
           </a:p>
           <a:p>
             <a:pPr rtl="0"/>
             <a:r>
-              <a:rPr lang="ko-KR" altLang="en-US" noProof="1"/>
-              <a:t>온라인 스토어와 시장 전환</a:t>
-            </a:r>
+              <a:rPr lang="ko-KR" altLang="en-US" dirty="0"/>
+              <a:t>각 시나리오별 설비 비율</a:t>
+            </a:r>
+            <a:endParaRPr lang="en-US" altLang="ko-KR" dirty="0"/>
+          </a:p>
+          <a:p>
+            <a:pPr rtl="0"/>
+            <a:r>
+              <a:rPr lang="ko-KR" altLang="en-US" dirty="0"/>
+              <a:t>각 시나리오별</a:t>
+            </a:r>
+            <a:r>
+              <a:rPr lang="en-US" altLang="ko-KR" dirty="0"/>
+              <a:t> </a:t>
+            </a:r>
+            <a:r>
+              <a:rPr lang="ko-KR" altLang="en-US" dirty="0"/>
+              <a:t>버퍼 평균</a:t>
+            </a:r>
+            <a:endParaRPr lang="ko-KR" altLang="en-US" noProof="1"/>
           </a:p>
         </p:txBody>
       </p:sp>
@@ -44598,15 +44617,6 @@
 </file>
 
 <file path=customXml/item1.xml><?xml version="1.0" encoding="utf-8"?>
-<?mso-contentType ?>
-<FormTemplates xmlns="http://schemas.microsoft.com/sharepoint/v3/contenttype/forms">
-  <Display>DocumentLibraryForm</Display>
-  <Edit>DocumentLibraryForm</Edit>
-  <New>DocumentLibraryForm</New>
-</FormTemplates>
-</file>
-
-<file path=customXml/item2.xml><?xml version="1.0" encoding="utf-8"?>
 <p:properties xmlns:p="http://schemas.microsoft.com/office/2006/metadata/properties" xmlns:xsi="http://www.w3.org/2001/XMLSchema-instance" xmlns:pc="http://schemas.microsoft.com/office/infopath/2007/PartnerControls">
   <documentManagement>
     <_ip_UnifiedCompliancePolicyUIAction xmlns="http://schemas.microsoft.com/sharepoint/v3" xsi:nil="true"/>
@@ -44625,7 +44635,7 @@
 </p:properties>
 </file>
 
-<file path=customXml/item3.xml><?xml version="1.0" encoding="utf-8"?>
+<file path=customXml/item2.xml><?xml version="1.0" encoding="utf-8"?>
 <ct:contentTypeSchema xmlns:ct="http://schemas.microsoft.com/office/2006/metadata/contentType" xmlns:ma="http://schemas.microsoft.com/office/2006/metadata/properties/metaAttributes" ct:_="" ma:_="" ma:contentTypeName="Document" ma:contentTypeID="0x01010079F111ED35F8CC479449609E8A0923A6" ma:contentTypeVersion="20" ma:contentTypeDescription="Create a new document." ma:contentTypeScope="" ma:versionID="1267097ee5f5874adfcc408041ae252e">
   <xsd:schema xmlns:xsd="http://www.w3.org/2001/XMLSchema" xmlns:xs="http://www.w3.org/2001/XMLSchema" xmlns:p="http://schemas.microsoft.com/office/2006/metadata/properties" xmlns:ns1="http://schemas.microsoft.com/sharepoint/v3" xmlns:ns2="71af3243-3dd4-4a8d-8c0d-dd76da1f02a5" xmlns:ns3="16c05727-aa75-4e4a-9b5f-8a80a1165891" xmlns:ns4="230e9df3-be65-4c73-a93b-d1236ebd677e" targetNamespace="http://schemas.microsoft.com/office/2006/metadata/properties" ma:root="true" ma:fieldsID="395891a93df65b14727750f2c06c306c" ns1:_="" ns2:_="" ns3:_="" ns4:_="">
     <xsd:import namespace="http://schemas.microsoft.com/sharepoint/v3"/>
@@ -44901,15 +44911,16 @@
 </ct:contentTypeSchema>
 </file>
 
-<file path=customXml/itemProps1.xml><?xml version="1.0" encoding="utf-8"?>
-<ds:datastoreItem xmlns:ds="http://schemas.openxmlformats.org/officeDocument/2006/customXml" ds:itemID="{2D446390-8521-40A2-A462-EA068123BED9}">
-  <ds:schemaRefs>
-    <ds:schemaRef ds:uri="http://schemas.microsoft.com/sharepoint/v3/contenttype/forms"/>
-  </ds:schemaRefs>
-</ds:datastoreItem>
+<file path=customXml/item3.xml><?xml version="1.0" encoding="utf-8"?>
+<?mso-contentType ?>
+<FormTemplates xmlns="http://schemas.microsoft.com/sharepoint/v3/contenttype/forms">
+  <Display>DocumentLibraryForm</Display>
+  <Edit>DocumentLibraryForm</Edit>
+  <New>DocumentLibraryForm</New>
+</FormTemplates>
 </file>
 
-<file path=customXml/itemProps2.xml><?xml version="1.0" encoding="utf-8"?>
+<file path=customXml/itemProps1.xml><?xml version="1.0" encoding="utf-8"?>
 <ds:datastoreItem xmlns:ds="http://schemas.openxmlformats.org/officeDocument/2006/customXml" ds:itemID="{B5BA3906-9696-4247-AC0D-DD5C26B2A70A}">
   <ds:schemaRefs>
     <ds:schemaRef ds:uri="http://schemas.microsoft.com/office/2006/metadata/properties"/>
@@ -44921,7 +44932,7 @@
 </ds:datastoreItem>
 </file>
 
-<file path=customXml/itemProps3.xml><?xml version="1.0" encoding="utf-8"?>
+<file path=customXml/itemProps2.xml><?xml version="1.0" encoding="utf-8"?>
 <ds:datastoreItem xmlns:ds="http://schemas.openxmlformats.org/officeDocument/2006/customXml" ds:itemID="{01E84A1C-2814-43A7-9448-348326113A45}">
   <ds:schemaRefs>
     <ds:schemaRef ds:uri="http://schemas.microsoft.com/office/2006/metadata/contentType"/>
@@ -44942,6 +44953,14 @@
 </ds:datastoreItem>
 </file>
 
+<file path=customXml/itemProps3.xml><?xml version="1.0" encoding="utf-8"?>
+<ds:datastoreItem xmlns:ds="http://schemas.openxmlformats.org/officeDocument/2006/customXml" ds:itemID="{2D446390-8521-40A2-A462-EA068123BED9}">
+  <ds:schemaRefs>
+    <ds:schemaRef ds:uri="http://schemas.microsoft.com/sharepoint/v3/contenttype/forms"/>
+  </ds:schemaRefs>
+</ds:datastoreItem>
+</file>
+
 <file path=docMetadata/LabelInfo.xml><?xml version="1.0" encoding="utf-8"?>
 <clbl:labelList xmlns:clbl="http://schemas.microsoft.com/office/2020/mipLabelMetadata">
   <clbl:label id="{f42aa342-8706-4288-bd11-ebb85995028c}" enabled="1" method="Standard" siteId="{72f988bf-86f1-41af-91ab-2d7cd011db47}" removed="0"/>

--- a/문서/시나리오에 따른 공정 시뮬레이션 발표 - 안형석.pptx
+++ b/문서/시나리오에 따른 공정 시뮬레이션 발표 - 안형석.pptx
@@ -5,10 +5,10 @@
     <p:sldMasterId id="2147483666" r:id="rId4"/>
   </p:sldMasterIdLst>
   <p:notesMasterIdLst>
-    <p:notesMasterId r:id="rId44"/>
+    <p:notesMasterId r:id="rId45"/>
   </p:notesMasterIdLst>
   <p:handoutMasterIdLst>
-    <p:handoutMasterId r:id="rId45"/>
+    <p:handoutMasterId r:id="rId46"/>
   </p:handoutMasterIdLst>
   <p:sldIdLst>
     <p:sldId id="256" r:id="rId5"/>
@@ -32,24 +32,25 @@
     <p:sldId id="311" r:id="rId23"/>
     <p:sldId id="310" r:id="rId24"/>
     <p:sldId id="264" r:id="rId25"/>
-    <p:sldId id="277" r:id="rId26"/>
-    <p:sldId id="262" r:id="rId27"/>
-    <p:sldId id="289" r:id="rId28"/>
-    <p:sldId id="258" r:id="rId29"/>
-    <p:sldId id="278" r:id="rId30"/>
-    <p:sldId id="266" r:id="rId31"/>
-    <p:sldId id="292" r:id="rId32"/>
-    <p:sldId id="293" r:id="rId33"/>
-    <p:sldId id="280" r:id="rId34"/>
-    <p:sldId id="270" r:id="rId35"/>
-    <p:sldId id="271" r:id="rId36"/>
-    <p:sldId id="287" r:id="rId37"/>
-    <p:sldId id="260" r:id="rId38"/>
-    <p:sldId id="282" r:id="rId39"/>
-    <p:sldId id="283" r:id="rId40"/>
-    <p:sldId id="294" r:id="rId41"/>
-    <p:sldId id="275" r:id="rId42"/>
-    <p:sldId id="276" r:id="rId43"/>
+    <p:sldId id="315" r:id="rId26"/>
+    <p:sldId id="277" r:id="rId27"/>
+    <p:sldId id="262" r:id="rId28"/>
+    <p:sldId id="289" r:id="rId29"/>
+    <p:sldId id="258" r:id="rId30"/>
+    <p:sldId id="278" r:id="rId31"/>
+    <p:sldId id="266" r:id="rId32"/>
+    <p:sldId id="292" r:id="rId33"/>
+    <p:sldId id="293" r:id="rId34"/>
+    <p:sldId id="280" r:id="rId35"/>
+    <p:sldId id="270" r:id="rId36"/>
+    <p:sldId id="271" r:id="rId37"/>
+    <p:sldId id="287" r:id="rId38"/>
+    <p:sldId id="260" r:id="rId39"/>
+    <p:sldId id="282" r:id="rId40"/>
+    <p:sldId id="283" r:id="rId41"/>
+    <p:sldId id="294" r:id="rId42"/>
+    <p:sldId id="275" r:id="rId43"/>
+    <p:sldId id="276" r:id="rId44"/>
   </p:sldIdLst>
   <p:sldSz cx="12192000" cy="6858000"/>
   <p:notesSz cx="6858000" cy="9144000"/>
@@ -1934,7 +1935,7 @@
                 <a:latin typeface="+mj-ea"/>
                 <a:ea typeface="+mj-ea"/>
               </a:rPr>
-              <a:t>2023-03-22-Wednesday</a:t>
+              <a:t>2023-03-23-Thursday</a:t>
             </a:fld>
             <a:endParaRPr lang="ko-KR" altLang="en-US" dirty="0">
               <a:latin typeface="+mj-ea"/>
@@ -2135,7 +2136,7 @@
             <a:fld id="{94A59610-D21E-4772-A7BF-F2F26E543677}" type="datetime1">
               <a:rPr lang="ko-KR" altLang="en-US" smtClean="0"/>
               <a:pPr/>
-              <a:t>2023-03-22-Wednesday</a:t>
+              <a:t>2023-03-23-Thursday</a:t>
             </a:fld>
             <a:endParaRPr lang="ko-KR" altLang="en-US" dirty="0"/>
           </a:p>
@@ -2574,7 +2575,7 @@
             <a:fld id="{D4B9A9E5-4F7F-4A7D-9DE1-899232329269}" type="slidenum">
               <a:rPr lang="en-US" altLang="ko-KR" smtClean="0"/>
               <a:pPr/>
-              <a:t>24</a:t>
+              <a:t>25</a:t>
             </a:fld>
             <a:endParaRPr lang="ko-KR" altLang="en-US">
               <a:latin typeface="+mj-ea"/>
@@ -2662,7 +2663,7 @@
             <a:fld id="{D4B9A9E5-4F7F-4A7D-9DE1-899232329269}" type="slidenum">
               <a:rPr lang="en-US" altLang="ko-KR" smtClean="0"/>
               <a:pPr/>
-              <a:t>25</a:t>
+              <a:t>26</a:t>
             </a:fld>
             <a:endParaRPr lang="ko-KR" altLang="en-US">
               <a:latin typeface="+mj-ea"/>
@@ -2750,7 +2751,7 @@
             <a:fld id="{D4B9A9E5-4F7F-4A7D-9DE1-899232329269}" type="slidenum">
               <a:rPr lang="en-US" altLang="ko-KR" smtClean="0"/>
               <a:pPr/>
-              <a:t>26</a:t>
+              <a:t>27</a:t>
             </a:fld>
             <a:endParaRPr lang="ko-KR" altLang="en-US">
               <a:latin typeface="+mj-ea"/>
@@ -2838,7 +2839,7 @@
             <a:fld id="{D4B9A9E5-4F7F-4A7D-9DE1-899232329269}" type="slidenum">
               <a:rPr lang="en-US" altLang="ko-KR" smtClean="0"/>
               <a:pPr/>
-              <a:t>27</a:t>
+              <a:t>28</a:t>
             </a:fld>
             <a:endParaRPr lang="ko-KR" altLang="en-US">
               <a:latin typeface="+mj-ea"/>
@@ -2926,7 +2927,7 @@
             <a:fld id="{D4B9A9E5-4F7F-4A7D-9DE1-899232329269}" type="slidenum">
               <a:rPr lang="en-US" altLang="ko-KR" smtClean="0"/>
               <a:pPr/>
-              <a:t>28</a:t>
+              <a:t>29</a:t>
             </a:fld>
             <a:endParaRPr lang="ko-KR" altLang="en-US">
               <a:latin typeface="+mj-ea"/>
@@ -3014,7 +3015,7 @@
             <a:fld id="{D4B9A9E5-4F7F-4A7D-9DE1-899232329269}" type="slidenum">
               <a:rPr lang="en-US" altLang="ko-KR" smtClean="0"/>
               <a:pPr/>
-              <a:t>29</a:t>
+              <a:t>30</a:t>
             </a:fld>
             <a:endParaRPr lang="ko-KR" altLang="en-US">
               <a:latin typeface="+mj-ea"/>
@@ -3102,7 +3103,7 @@
             <a:fld id="{D4B9A9E5-4F7F-4A7D-9DE1-899232329269}" type="slidenum">
               <a:rPr lang="en-US" altLang="ko-KR" smtClean="0"/>
               <a:pPr/>
-              <a:t>30</a:t>
+              <a:t>31</a:t>
             </a:fld>
             <a:endParaRPr lang="ko-KR" altLang="en-US">
               <a:latin typeface="+mj-ea"/>
@@ -3190,7 +3191,7 @@
             <a:fld id="{D4B9A9E5-4F7F-4A7D-9DE1-899232329269}" type="slidenum">
               <a:rPr lang="en-US" altLang="ko-KR" smtClean="0"/>
               <a:pPr/>
-              <a:t>31</a:t>
+              <a:t>32</a:t>
             </a:fld>
             <a:endParaRPr lang="ko-KR" altLang="en-US">
               <a:latin typeface="+mj-ea"/>
@@ -3278,7 +3279,7 @@
             <a:fld id="{D4B9A9E5-4F7F-4A7D-9DE1-899232329269}" type="slidenum">
               <a:rPr lang="en-US" altLang="ko-KR" smtClean="0"/>
               <a:pPr/>
-              <a:t>32</a:t>
+              <a:t>33</a:t>
             </a:fld>
             <a:endParaRPr lang="ko-KR" altLang="en-US">
               <a:latin typeface="+mj-ea"/>
@@ -3366,7 +3367,7 @@
             <a:fld id="{D4B9A9E5-4F7F-4A7D-9DE1-899232329269}" type="slidenum">
               <a:rPr lang="en-US" altLang="ko-KR" smtClean="0"/>
               <a:pPr/>
-              <a:t>33</a:t>
+              <a:t>34</a:t>
             </a:fld>
             <a:endParaRPr lang="ko-KR" altLang="en-US">
               <a:latin typeface="+mj-ea"/>
@@ -3542,7 +3543,7 @@
             <a:fld id="{D4B9A9E5-4F7F-4A7D-9DE1-899232329269}" type="slidenum">
               <a:rPr lang="en-US" altLang="ko-KR" smtClean="0"/>
               <a:pPr/>
-              <a:t>34</a:t>
+              <a:t>35</a:t>
             </a:fld>
             <a:endParaRPr lang="ko-KR" altLang="en-US">
               <a:latin typeface="+mj-ea"/>
@@ -3630,7 +3631,7 @@
             <a:fld id="{D4B9A9E5-4F7F-4A7D-9DE1-899232329269}" type="slidenum">
               <a:rPr lang="en-US" altLang="ko-KR" smtClean="0"/>
               <a:pPr/>
-              <a:t>35</a:t>
+              <a:t>36</a:t>
             </a:fld>
             <a:endParaRPr lang="ko-KR" altLang="en-US">
               <a:latin typeface="+mj-ea"/>
@@ -3718,7 +3719,7 @@
             <a:fld id="{D4B9A9E5-4F7F-4A7D-9DE1-899232329269}" type="slidenum">
               <a:rPr lang="en-US" altLang="ko-KR" smtClean="0"/>
               <a:pPr/>
-              <a:t>36</a:t>
+              <a:t>37</a:t>
             </a:fld>
             <a:endParaRPr lang="ko-KR" altLang="en-US">
               <a:latin typeface="+mj-ea"/>
@@ -3806,7 +3807,7 @@
             <a:fld id="{D4B9A9E5-4F7F-4A7D-9DE1-899232329269}" type="slidenum">
               <a:rPr lang="en-US" altLang="ko-KR" smtClean="0"/>
               <a:pPr/>
-              <a:t>37</a:t>
+              <a:t>38</a:t>
             </a:fld>
             <a:endParaRPr lang="ko-KR" altLang="en-US">
               <a:latin typeface="+mj-ea"/>
@@ -3894,7 +3895,7 @@
             <a:fld id="{D4B9A9E5-4F7F-4A7D-9DE1-899232329269}" type="slidenum">
               <a:rPr lang="en-US" altLang="ko-KR" smtClean="0"/>
               <a:pPr/>
-              <a:t>38</a:t>
+              <a:t>39</a:t>
             </a:fld>
             <a:endParaRPr lang="ko-KR" altLang="en-US">
               <a:latin typeface="+mj-ea"/>
@@ -3982,7 +3983,7 @@
             <a:fld id="{D4B9A9E5-4F7F-4A7D-9DE1-899232329269}" type="slidenum">
               <a:rPr lang="en-US" altLang="ko-KR" smtClean="0"/>
               <a:pPr/>
-              <a:t>39</a:t>
+              <a:t>40</a:t>
             </a:fld>
             <a:endParaRPr lang="ko-KR" altLang="en-US">
               <a:latin typeface="+mj-ea"/>
@@ -4510,7 +4511,7 @@
             <a:fld id="{D4B9A9E5-4F7F-4A7D-9DE1-899232329269}" type="slidenum">
               <a:rPr lang="en-US" altLang="ko-KR" smtClean="0"/>
               <a:pPr/>
-              <a:t>22</a:t>
+              <a:t>23</a:t>
             </a:fld>
             <a:endParaRPr lang="ko-KR" altLang="en-US">
               <a:latin typeface="+mj-ea"/>
@@ -4599,7 +4600,7 @@
             <a:pPr rtl="0"/>
             <a:fld id="{D4B9A9E5-4F7F-4A7D-9DE1-899232329269}" type="slidenum">
               <a:rPr lang="en-US" altLang="ko-KR" smtClean="0"/>
-              <a:t>23</a:t>
+              <a:t>24</a:t>
             </a:fld>
             <a:endParaRPr lang="ko-KR" altLang="en-US"/>
           </a:p>
@@ -22512,7 +22513,15 @@
             <a:pPr algn="ctr"/>
             <a:r>
               <a:rPr lang="ko-KR" altLang="en-US" dirty="0"/>
-              <a:t>설비 커플</a:t>
+              <a:t>설비 커플 </a:t>
+            </a:r>
+            <a:r>
+              <a:rPr lang="en-US" altLang="ko-KR" dirty="0"/>
+              <a:t>- </a:t>
+            </a:r>
+            <a:r>
+              <a:rPr lang="ko-KR" altLang="en-US" dirty="0" err="1"/>
+              <a:t>투입기</a:t>
             </a:r>
             <a:endParaRPr lang="en-US" altLang="ko-KR" dirty="0"/>
           </a:p>
@@ -22641,7 +22650,7 @@
         </p:blipFill>
         <p:spPr>
           <a:xfrm>
-            <a:off x="0" y="1418243"/>
+            <a:off x="0" y="1440000"/>
             <a:ext cx="12192000" cy="4021514"/>
           </a:xfrm>
           <a:prstGeom prst="rect">
@@ -22742,7 +22751,15 @@
             <a:pPr algn="ctr"/>
             <a:r>
               <a:rPr lang="ko-KR" altLang="en-US" dirty="0"/>
-              <a:t>설비 커플</a:t>
+              <a:t>설비 커플 </a:t>
+            </a:r>
+            <a:r>
+              <a:rPr lang="en-US" altLang="ko-KR" dirty="0"/>
+              <a:t>– </a:t>
+            </a:r>
+            <a:r>
+              <a:rPr lang="ko-KR" altLang="en-US" dirty="0"/>
+              <a:t>트랙</a:t>
             </a:r>
             <a:endParaRPr lang="en-US" altLang="ko-KR" dirty="0"/>
           </a:p>
@@ -22871,7 +22888,7 @@
         </p:blipFill>
         <p:spPr>
           <a:xfrm>
-            <a:off x="0" y="1418243"/>
+            <a:off x="0" y="1440000"/>
             <a:ext cx="12192000" cy="4021514"/>
           </a:xfrm>
           <a:prstGeom prst="rect">
@@ -22972,7 +22989,15 @@
             <a:pPr algn="ctr"/>
             <a:r>
               <a:rPr lang="ko-KR" altLang="en-US" dirty="0"/>
-              <a:t>설비 커플</a:t>
+              <a:t>설비 커플 </a:t>
+            </a:r>
+            <a:r>
+              <a:rPr lang="en-US" altLang="ko-KR" dirty="0"/>
+              <a:t>- </a:t>
+            </a:r>
+            <a:r>
+              <a:rPr lang="ko-KR" altLang="en-US" dirty="0"/>
+              <a:t>공정</a:t>
             </a:r>
             <a:endParaRPr lang="en-US" altLang="ko-KR" dirty="0"/>
           </a:p>
@@ -23101,7 +23126,7 @@
         </p:blipFill>
         <p:spPr>
           <a:xfrm>
-            <a:off x="0" y="1418243"/>
+            <a:off x="0" y="1440000"/>
             <a:ext cx="12192000" cy="4021514"/>
           </a:xfrm>
           <a:prstGeom prst="rect">
@@ -23202,7 +23227,15 @@
             <a:pPr algn="ctr"/>
             <a:r>
               <a:rPr lang="ko-KR" altLang="en-US" dirty="0"/>
-              <a:t>설비 커플</a:t>
+              <a:t>설비 커플 </a:t>
+            </a:r>
+            <a:r>
+              <a:rPr lang="en-US" altLang="ko-KR" dirty="0"/>
+              <a:t>- </a:t>
+            </a:r>
+            <a:r>
+              <a:rPr lang="ko-KR" altLang="en-US" dirty="0"/>
+              <a:t>공정</a:t>
             </a:r>
             <a:endParaRPr lang="en-US" altLang="ko-KR" dirty="0"/>
           </a:p>
@@ -23331,7 +23364,7 @@
         </p:blipFill>
         <p:spPr>
           <a:xfrm>
-            <a:off x="0" y="1418243"/>
+            <a:off x="0" y="1440000"/>
             <a:ext cx="12192000" cy="4021514"/>
           </a:xfrm>
           <a:prstGeom prst="rect">
@@ -23432,7 +23465,15 @@
             <a:pPr algn="ctr"/>
             <a:r>
               <a:rPr lang="ko-KR" altLang="en-US" dirty="0"/>
-              <a:t>설비 커플</a:t>
+              <a:t>설비 커플 </a:t>
+            </a:r>
+            <a:r>
+              <a:rPr lang="en-US" altLang="ko-KR" dirty="0"/>
+              <a:t>- </a:t>
+            </a:r>
+            <a:r>
+              <a:rPr lang="ko-KR" altLang="en-US" dirty="0"/>
+              <a:t>적재</a:t>
             </a:r>
             <a:endParaRPr lang="en-US" altLang="ko-KR" dirty="0"/>
           </a:p>
@@ -23561,8 +23602,8 @@
         </p:blipFill>
         <p:spPr>
           <a:xfrm>
-            <a:off x="0" y="1399218"/>
-            <a:ext cx="12192000" cy="4059563"/>
+            <a:off x="0" y="1440000"/>
+            <a:ext cx="12101513" cy="4029433"/>
           </a:xfrm>
           <a:prstGeom prst="rect">
             <a:avLst/>
@@ -24940,10 +24981,7 @@
           <p:cNvPr id="2" name="제목 1">
             <a:extLst>
               <a:ext uri="{FF2B5EF4-FFF2-40B4-BE49-F238E27FC236}">
-                <a16:creationId xmlns:a16="http://schemas.microsoft.com/office/drawing/2014/main" id="{6719F29B-F233-48AF-8261-F33A4E079E3E}"/>
-              </a:ext>
-              <a:ext uri="{C183D7F6-B498-43B3-948B-1728B52AA6E4}">
-                <adec:decorative xmlns:adec="http://schemas.microsoft.com/office/drawing/2017/decorative" val="0"/>
+                <a16:creationId xmlns:a16="http://schemas.microsoft.com/office/drawing/2014/main" id="{98803CF3-733C-937F-668A-44A2F3E045F0}"/>
               </a:ext>
             </a:extLst>
           </p:cNvPr>
@@ -24954,93 +24992,114 @@
             <p:ph type="title"/>
           </p:nvPr>
         </p:nvSpPr>
-        <p:spPr>
-          <a:xfrm>
-            <a:off x="1333499" y="1020445"/>
-            <a:ext cx="3171825" cy="1325563"/>
-          </a:xfrm>
-        </p:spPr>
-        <p:txBody>
-          <a:bodyPr rtlCol="0"/>
+        <p:spPr/>
+        <p:txBody>
+          <a:bodyPr/>
           <a:lstStyle/>
           <a:p>
-            <a:pPr rtl="0"/>
-            <a:r>
-              <a:rPr lang="ko-KR" altLang="en-US"/>
-              <a:t>회사 소개</a:t>
-            </a:r>
-          </a:p>
-        </p:txBody>
-      </p:sp>
-      <p:sp>
-        <p:nvSpPr>
-          <p:cNvPr id="3" name="부제목 2">
-            <a:extLst>
-              <a:ext uri="{FF2B5EF4-FFF2-40B4-BE49-F238E27FC236}">
-                <a16:creationId xmlns:a16="http://schemas.microsoft.com/office/drawing/2014/main" id="{35E3EA69-4E0E-41BD-8095-A124225A2647}"/>
-              </a:ext>
-              <a:ext uri="{C183D7F6-B498-43B3-948B-1728B52AA6E4}">
-                <adec:decorative xmlns:adec="http://schemas.microsoft.com/office/drawing/2017/decorative" val="0"/>
-              </a:ext>
-            </a:extLst>
-          </p:cNvPr>
-          <p:cNvSpPr>
-            <a:spLocks noGrp="1"/>
-          </p:cNvSpPr>
-          <p:nvPr>
-            <p:ph idx="1"/>
-          </p:nvPr>
-        </p:nvSpPr>
-        <p:spPr>
-          <a:xfrm>
-            <a:off x="1333499" y="2924175"/>
-            <a:ext cx="3171825" cy="2519363"/>
-          </a:xfrm>
-        </p:spPr>
-        <p:txBody>
-          <a:bodyPr rtlCol="0">
-            <a:normAutofit/>
-          </a:bodyPr>
+            <a:endParaRPr lang="ko-KR" altLang="en-US" dirty="0"/>
+          </a:p>
+        </p:txBody>
+      </p:sp>
+      <p:sp>
+        <p:nvSpPr>
+          <p:cNvPr id="3" name="텍스트 개체 틀 2">
+            <a:extLst>
+              <a:ext uri="{FF2B5EF4-FFF2-40B4-BE49-F238E27FC236}">
+                <a16:creationId xmlns:a16="http://schemas.microsoft.com/office/drawing/2014/main" id="{9F8E7E6B-43F4-2004-7390-46E611B177B6}"/>
+              </a:ext>
+            </a:extLst>
+          </p:cNvPr>
+          <p:cNvSpPr>
+            <a:spLocks noGrp="1"/>
+          </p:cNvSpPr>
+          <p:nvPr>
+            <p:ph type="body" sz="quarter" idx="16"/>
+          </p:nvPr>
+        </p:nvSpPr>
+        <p:spPr/>
+        <p:txBody>
+          <a:bodyPr/>
           <a:lstStyle/>
           <a:p>
-            <a:pPr rtl="0"/>
-            <a:r>
-              <a:rPr lang="en-US" altLang="ko-KR"/>
-              <a:t>Contoso</a:t>
-            </a:r>
-            <a:r>
-              <a:rPr lang="ko-KR" altLang="en-US"/>
-              <a:t>에서는 협업하는 사고를 장려하여 업무 공간의 혁신을 추진할 수 있도록 조직을 지원합니다</a:t>
-            </a:r>
-            <a:r>
-              <a:rPr lang="en-US" altLang="ko-KR"/>
-              <a:t>. </a:t>
-            </a:r>
-            <a:r>
-              <a:rPr lang="ko-KR" altLang="en-US"/>
-              <a:t>허점을 보완하고 </a:t>
-            </a:r>
-            <a:r>
-              <a:rPr lang="en-US" altLang="ko-KR"/>
-              <a:t>Agile </a:t>
-            </a:r>
-            <a:r>
-              <a:rPr lang="ko-KR" altLang="en-US"/>
-              <a:t>프레임워크를 활용함으로써 비즈니스가 유기적으로 성장하고 소비자를 우선으로 생각하는 사고방식을 장려합니다</a:t>
-            </a:r>
-            <a:r>
-              <a:rPr lang="en-US" altLang="ko-KR"/>
-              <a:t>.</a:t>
-            </a:r>
-          </a:p>
-        </p:txBody>
-      </p:sp>
-      <p:sp>
-        <p:nvSpPr>
-          <p:cNvPr id="6" name="날짜 개체 틀 5">
-            <a:extLst>
-              <a:ext uri="{FF2B5EF4-FFF2-40B4-BE49-F238E27FC236}">
-                <a16:creationId xmlns:a16="http://schemas.microsoft.com/office/drawing/2014/main" id="{B69DF042-37C5-4E09-AA4C-AA66649C9533}"/>
+            <a:endParaRPr lang="ko-KR" altLang="en-US" dirty="0"/>
+          </a:p>
+        </p:txBody>
+      </p:sp>
+      <p:sp>
+        <p:nvSpPr>
+          <p:cNvPr id="4" name="차트 개체 틀 3">
+            <a:extLst>
+              <a:ext uri="{FF2B5EF4-FFF2-40B4-BE49-F238E27FC236}">
+                <a16:creationId xmlns:a16="http://schemas.microsoft.com/office/drawing/2014/main" id="{AA9FF8EB-2CE1-5B52-56E5-11D04A286637}"/>
+              </a:ext>
+            </a:extLst>
+          </p:cNvPr>
+          <p:cNvSpPr>
+            <a:spLocks noGrp="1"/>
+          </p:cNvSpPr>
+          <p:nvPr>
+            <p:ph type="chart" sz="quarter" idx="13"/>
+          </p:nvPr>
+        </p:nvSpPr>
+        <p:spPr/>
+      </p:sp>
+      <p:sp>
+        <p:nvSpPr>
+          <p:cNvPr id="5" name="텍스트 개체 틀 4">
+            <a:extLst>
+              <a:ext uri="{FF2B5EF4-FFF2-40B4-BE49-F238E27FC236}">
+                <a16:creationId xmlns:a16="http://schemas.microsoft.com/office/drawing/2014/main" id="{A5C34B70-908C-D897-1E9D-A052645D08D9}"/>
+              </a:ext>
+            </a:extLst>
+          </p:cNvPr>
+          <p:cNvSpPr>
+            <a:spLocks noGrp="1"/>
+          </p:cNvSpPr>
+          <p:nvPr>
+            <p:ph type="body" sz="quarter" idx="14"/>
+          </p:nvPr>
+        </p:nvSpPr>
+        <p:spPr/>
+        <p:txBody>
+          <a:bodyPr/>
+          <a:lstStyle/>
+          <a:p>
+            <a:endParaRPr lang="ko-KR" altLang="en-US"/>
+          </a:p>
+        </p:txBody>
+      </p:sp>
+      <p:sp>
+        <p:nvSpPr>
+          <p:cNvPr id="6" name="내용 개체 틀 5">
+            <a:extLst>
+              <a:ext uri="{FF2B5EF4-FFF2-40B4-BE49-F238E27FC236}">
+                <a16:creationId xmlns:a16="http://schemas.microsoft.com/office/drawing/2014/main" id="{883A7069-AF0A-1F42-72C7-9E5FB79B598E}"/>
+              </a:ext>
+            </a:extLst>
+          </p:cNvPr>
+          <p:cNvSpPr>
+            <a:spLocks noGrp="1"/>
+          </p:cNvSpPr>
+          <p:nvPr>
+            <p:ph sz="quarter" idx="15"/>
+          </p:nvPr>
+        </p:nvSpPr>
+        <p:spPr/>
+        <p:txBody>
+          <a:bodyPr/>
+          <a:lstStyle/>
+          <a:p>
+            <a:endParaRPr lang="ko-KR" altLang="en-US" dirty="0"/>
+          </a:p>
+        </p:txBody>
+      </p:sp>
+      <p:sp>
+        <p:nvSpPr>
+          <p:cNvPr id="7" name="날짜 개체 틀 6">
+            <a:extLst>
+              <a:ext uri="{FF2B5EF4-FFF2-40B4-BE49-F238E27FC236}">
+                <a16:creationId xmlns:a16="http://schemas.microsoft.com/office/drawing/2014/main" id="{0CB203D1-0759-58E7-D9AE-11195A70CFD1}"/>
               </a:ext>
             </a:extLst>
           </p:cNvPr>
@@ -25051,34 +25110,32 @@
             <p:ph type="dt" sz="half" idx="10"/>
           </p:nvPr>
         </p:nvSpPr>
-        <p:spPr>
-          <a:xfrm>
-            <a:off x="1333500" y="6356350"/>
-            <a:ext cx="985157" cy="365125"/>
-          </a:xfrm>
-        </p:spPr>
-        <p:txBody>
-          <a:bodyPr rtlCol="0"/>
+        <p:spPr/>
+        <p:txBody>
+          <a:bodyPr/>
           <a:lstStyle/>
           <a:p>
-            <a:pPr rtl="0"/>
-            <a:r>
-              <a:rPr lang="en-US" altLang="ko-KR"/>
+            <a:r>
+              <a:rPr lang="en-US" altLang="ko-KR" noProof="0"/>
               <a:t>20XX</a:t>
             </a:r>
             <a:r>
-              <a:rPr lang="ko-KR" altLang="en-US"/>
+              <a:rPr lang="ko-KR" altLang="en-US" noProof="0"/>
               <a:t>년</a:t>
             </a:r>
-          </a:p>
-        </p:txBody>
-      </p:sp>
-      <p:sp>
-        <p:nvSpPr>
-          <p:cNvPr id="5" name="바닥글 개체 틀 4">
-            <a:extLst>
-              <a:ext uri="{FF2B5EF4-FFF2-40B4-BE49-F238E27FC236}">
-                <a16:creationId xmlns:a16="http://schemas.microsoft.com/office/drawing/2014/main" id="{AF29EA23-F34E-486A-B8B2-0C3019266975}"/>
+            <a:endParaRPr lang="ko-KR" altLang="en-US" noProof="0">
+              <a:latin typeface="맑은 고딕" panose="020B0503020000020004" pitchFamily="50" charset="-127"/>
+              <a:ea typeface="맑은 고딕" panose="020B0503020000020004" pitchFamily="50" charset="-127"/>
+            </a:endParaRPr>
+          </a:p>
+        </p:txBody>
+      </p:sp>
+      <p:sp>
+        <p:nvSpPr>
+          <p:cNvPr id="8" name="바닥글 개체 틀 7">
+            <a:extLst>
+              <a:ext uri="{FF2B5EF4-FFF2-40B4-BE49-F238E27FC236}">
+                <a16:creationId xmlns:a16="http://schemas.microsoft.com/office/drawing/2014/main" id="{68FB7D19-B4F3-7C12-EDDA-D1177DCE3385}"/>
               </a:ext>
             </a:extLst>
           </p:cNvPr>
@@ -25089,30 +25146,28 @@
             <p:ph type="ftr" sz="quarter" idx="11"/>
           </p:nvPr>
         </p:nvSpPr>
-        <p:spPr>
-          <a:xfrm>
-            <a:off x="2669886" y="6356349"/>
-            <a:ext cx="2482842" cy="365125"/>
-          </a:xfrm>
-        </p:spPr>
-        <p:txBody>
-          <a:bodyPr rtlCol="0"/>
+        <p:spPr/>
+        <p:txBody>
+          <a:bodyPr/>
           <a:lstStyle/>
           <a:p>
-            <a:pPr rtl="0"/>
-            <a:r>
-              <a:rPr lang="ko-KR" altLang="en-US"/>
+            <a:r>
+              <a:rPr lang="ko-KR" altLang="en-US" noProof="0"/>
               <a:t>설명 자료</a:t>
             </a:r>
-          </a:p>
-        </p:txBody>
-      </p:sp>
-      <p:sp>
-        <p:nvSpPr>
-          <p:cNvPr id="4" name="슬라이드 번호 개체 틀 3">
-            <a:extLst>
-              <a:ext uri="{FF2B5EF4-FFF2-40B4-BE49-F238E27FC236}">
-                <a16:creationId xmlns:a16="http://schemas.microsoft.com/office/drawing/2014/main" id="{328F602C-7F98-4C02-99D4-ED65E00D66A4}"/>
+            <a:endParaRPr lang="ko-KR" altLang="en-US" noProof="0">
+              <a:latin typeface="맑은 고딕" panose="020B0503020000020004" pitchFamily="50" charset="-127"/>
+              <a:ea typeface="맑은 고딕" panose="020B0503020000020004" pitchFamily="50" charset="-127"/>
+            </a:endParaRPr>
+          </a:p>
+        </p:txBody>
+      </p:sp>
+      <p:sp>
+        <p:nvSpPr>
+          <p:cNvPr id="9" name="슬라이드 번호 개체 틀 8">
+            <a:extLst>
+              <a:ext uri="{FF2B5EF4-FFF2-40B4-BE49-F238E27FC236}">
+                <a16:creationId xmlns:a16="http://schemas.microsoft.com/office/drawing/2014/main" id="{6B5740C5-796A-4F0D-3C5C-550843FA438D}"/>
               </a:ext>
             </a:extLst>
           </p:cNvPr>
@@ -25123,30 +25178,27 @@
             <p:ph type="sldNum" sz="quarter" idx="12"/>
           </p:nvPr>
         </p:nvSpPr>
-        <p:spPr>
-          <a:xfrm>
-            <a:off x="5536305" y="6356350"/>
-            <a:ext cx="987552" cy="365125"/>
-          </a:xfrm>
-        </p:spPr>
-        <p:txBody>
-          <a:bodyPr rtlCol="0"/>
+        <p:spPr/>
+        <p:txBody>
+          <a:bodyPr/>
           <a:lstStyle/>
           <a:p>
-            <a:pPr rtl="0"/>
-            <a:fld id="{19B51A1E-902D-48AF-9020-955120F399B6}" type="slidenum">
-              <a:rPr lang="en-ZA" altLang="ko-KR" smtClean="0"/>
-              <a:pPr rtl="0"/>
+            <a:fld id="{B5CEABB6-07DC-46E8-9B57-56EC44A396E5}" type="slidenum">
+              <a:rPr lang="en-US" altLang="ko-KR" noProof="0" smtClean="0"/>
+              <a:pPr/>
               <a:t>22</a:t>
             </a:fld>
-            <a:endParaRPr lang="ko-KR" altLang="en-ZA"/>
+            <a:endParaRPr lang="ko-KR" altLang="en-US" noProof="0">
+              <a:latin typeface="맑은 고딕" panose="020B0503020000020004" pitchFamily="50" charset="-127"/>
+              <a:ea typeface="맑은 고딕" panose="020B0503020000020004" pitchFamily="50" charset="-127"/>
+            </a:endParaRPr>
           </a:p>
         </p:txBody>
       </p:sp>
     </p:spTree>
     <p:extLst>
       <p:ext uri="{BB962C8B-B14F-4D97-AF65-F5344CB8AC3E}">
-        <p14:creationId xmlns:p14="http://schemas.microsoft.com/office/powerpoint/2010/main" val="2243494996"/>
+        <p14:creationId xmlns:p14="http://schemas.microsoft.com/office/powerpoint/2010/main" val="1726351498"/>
       </p:ext>
     </p:extLst>
   </p:cSld>
@@ -25178,7 +25230,10 @@
           <p:cNvPr id="2" name="제목 1">
             <a:extLst>
               <a:ext uri="{FF2B5EF4-FFF2-40B4-BE49-F238E27FC236}">
-                <a16:creationId xmlns:a16="http://schemas.microsoft.com/office/drawing/2014/main" id="{75031FE9-9059-4FE8-B4AC-9771F23A1B89}"/>
+                <a16:creationId xmlns:a16="http://schemas.microsoft.com/office/drawing/2014/main" id="{6719F29B-F233-48AF-8261-F33A4E079E3E}"/>
+              </a:ext>
+              <a:ext uri="{C183D7F6-B498-43B3-948B-1728B52AA6E4}">
+                <adec:decorative xmlns:adec="http://schemas.microsoft.com/office/drawing/2017/decorative" val="0"/>
               </a:ext>
             </a:extLst>
           </p:cNvPr>
@@ -25191,8 +25246,8 @@
         </p:nvSpPr>
         <p:spPr>
           <a:xfrm>
-            <a:off x="1885156" y="892177"/>
-            <a:ext cx="8421688" cy="1325563"/>
+            <a:off x="1333499" y="1020445"/>
+            <a:ext cx="3171825" cy="1325563"/>
           </a:xfrm>
         </p:spPr>
         <p:txBody>
@@ -25202,67 +25257,94 @@
             <a:pPr rtl="0"/>
             <a:r>
               <a:rPr lang="ko-KR" altLang="en-US"/>
-              <a:t>해결 방법</a:t>
-            </a:r>
-          </a:p>
-        </p:txBody>
-      </p:sp>
-      <p:sp>
-        <p:nvSpPr>
-          <p:cNvPr id="3" name="내용 개체 틀 2">
-            <a:extLst>
-              <a:ext uri="{FF2B5EF4-FFF2-40B4-BE49-F238E27FC236}">
-                <a16:creationId xmlns:a16="http://schemas.microsoft.com/office/drawing/2014/main" id="{D4A2EB3F-4D60-451F-8F45-7D6654D2FCD9}"/>
-              </a:ext>
-            </a:extLst>
-          </p:cNvPr>
-          <p:cNvSpPr>
-            <a:spLocks noGrp="1"/>
-          </p:cNvSpPr>
-          <p:nvPr>
-            <p:ph type="body" sz="quarter" idx="13"/>
-          </p:nvPr>
-        </p:nvSpPr>
-        <p:spPr>
-          <a:xfrm>
-            <a:off x="1485900" y="2563123"/>
-            <a:ext cx="4031945" cy="365125"/>
-          </a:xfrm>
-        </p:spPr>
-        <p:txBody>
-          <a:bodyPr vert="horz" lIns="91440" tIns="45720" rIns="91440" bIns="45720" rtlCol="0" anchor="t">
-            <a:normAutofit lnSpcReduction="10000"/>
+              <a:t>회사 소개</a:t>
+            </a:r>
+          </a:p>
+        </p:txBody>
+      </p:sp>
+      <p:sp>
+        <p:nvSpPr>
+          <p:cNvPr id="3" name="부제목 2">
+            <a:extLst>
+              <a:ext uri="{FF2B5EF4-FFF2-40B4-BE49-F238E27FC236}">
+                <a16:creationId xmlns:a16="http://schemas.microsoft.com/office/drawing/2014/main" id="{35E3EA69-4E0E-41BD-8095-A124225A2647}"/>
+              </a:ext>
+              <a:ext uri="{C183D7F6-B498-43B3-948B-1728B52AA6E4}">
+                <adec:decorative xmlns:adec="http://schemas.microsoft.com/office/drawing/2017/decorative" val="0"/>
+              </a:ext>
+            </a:extLst>
+          </p:cNvPr>
+          <p:cNvSpPr>
+            <a:spLocks noGrp="1"/>
+          </p:cNvSpPr>
+          <p:nvPr>
+            <p:ph idx="1"/>
+          </p:nvPr>
+        </p:nvSpPr>
+        <p:spPr>
+          <a:xfrm>
+            <a:off x="1333499" y="2924175"/>
+            <a:ext cx="3171825" cy="2519363"/>
+          </a:xfrm>
+        </p:spPr>
+        <p:txBody>
+          <a:bodyPr rtlCol="0">
+            <a:normAutofit/>
           </a:bodyPr>
           <a:lstStyle/>
           <a:p>
             <a:pPr rtl="0"/>
             <a:r>
-              <a:rPr lang="ko-KR" altLang="en-US" dirty="0"/>
-              <a:t>차이 줄이기</a:t>
-            </a:r>
-          </a:p>
-        </p:txBody>
-      </p:sp>
-      <p:sp>
-        <p:nvSpPr>
-          <p:cNvPr id="4" name="텍스트 개체 틀 3">
-            <a:extLst>
-              <a:ext uri="{FF2B5EF4-FFF2-40B4-BE49-F238E27FC236}">
-                <a16:creationId xmlns:a16="http://schemas.microsoft.com/office/drawing/2014/main" id="{AC1C80FB-53F9-42EE-B1E6-D0F998EC5DFA}"/>
-              </a:ext>
-            </a:extLst>
-          </p:cNvPr>
-          <p:cNvSpPr>
-            <a:spLocks noGrp="1"/>
-          </p:cNvSpPr>
-          <p:nvPr>
-            <p:ph type="body" sz="quarter" idx="15"/>
-          </p:nvPr>
-        </p:nvSpPr>
-        <p:spPr>
-          <a:xfrm>
-            <a:off x="1485664" y="3070348"/>
-            <a:ext cx="4031030" cy="1057308"/>
+              <a:rPr lang="en-US" altLang="ko-KR"/>
+              <a:t>Contoso</a:t>
+            </a:r>
+            <a:r>
+              <a:rPr lang="ko-KR" altLang="en-US"/>
+              <a:t>에서는 협업하는 사고를 장려하여 업무 공간의 혁신을 추진할 수 있도록 조직을 지원합니다</a:t>
+            </a:r>
+            <a:r>
+              <a:rPr lang="en-US" altLang="ko-KR"/>
+              <a:t>. </a:t>
+            </a:r>
+            <a:r>
+              <a:rPr lang="ko-KR" altLang="en-US"/>
+              <a:t>허점을 보완하고 </a:t>
+            </a:r>
+            <a:r>
+              <a:rPr lang="en-US" altLang="ko-KR"/>
+              <a:t>Agile </a:t>
+            </a:r>
+            <a:r>
+              <a:rPr lang="ko-KR" altLang="en-US"/>
+              <a:t>프레임워크를 활용함으로써 비즈니스가 유기적으로 성장하고 소비자를 우선으로 생각하는 사고방식을 장려합니다</a:t>
+            </a:r>
+            <a:r>
+              <a:rPr lang="en-US" altLang="ko-KR"/>
+              <a:t>.</a:t>
+            </a:r>
+          </a:p>
+        </p:txBody>
+      </p:sp>
+      <p:sp>
+        <p:nvSpPr>
+          <p:cNvPr id="6" name="날짜 개체 틀 5">
+            <a:extLst>
+              <a:ext uri="{FF2B5EF4-FFF2-40B4-BE49-F238E27FC236}">
+                <a16:creationId xmlns:a16="http://schemas.microsoft.com/office/drawing/2014/main" id="{B69DF042-37C5-4E09-AA4C-AA66649C9533}"/>
+              </a:ext>
+            </a:extLst>
+          </p:cNvPr>
+          <p:cNvSpPr>
+            <a:spLocks noGrp="1"/>
+          </p:cNvSpPr>
+          <p:nvPr>
+            <p:ph type="dt" sz="half" idx="10"/>
+          </p:nvPr>
+        </p:nvSpPr>
+        <p:spPr>
+          <a:xfrm>
+            <a:off x="1333500" y="6356350"/>
+            <a:ext cx="985157" cy="365125"/>
           </a:xfrm>
         </p:spPr>
         <p:txBody>
@@ -25271,80 +25353,36 @@
           <a:p>
             <a:pPr rtl="0"/>
             <a:r>
-              <a:rPr lang="ko-KR" altLang="en-US" dirty="0"/>
-              <a:t>당사의 제품은 소비자의 삶을 더 편리하게 만들며</a:t>
-            </a:r>
-            <a:r>
-              <a:rPr lang="en-US" altLang="ko-KR" dirty="0"/>
-              <a:t>, </a:t>
-            </a:r>
-            <a:r>
-              <a:rPr lang="ko-KR" altLang="en-US" dirty="0"/>
-              <a:t>시장의 어떤 다른 제품도 동일한 기능을 제공하지 않습니다</a:t>
-            </a:r>
-            <a:r>
-              <a:rPr lang="en-US" altLang="ko-KR" dirty="0"/>
-              <a:t>.</a:t>
-            </a:r>
-          </a:p>
-        </p:txBody>
-      </p:sp>
-      <p:sp>
-        <p:nvSpPr>
-          <p:cNvPr id="5" name="텍스트 개체 틀 4">
-            <a:extLst>
-              <a:ext uri="{FF2B5EF4-FFF2-40B4-BE49-F238E27FC236}">
-                <a16:creationId xmlns:a16="http://schemas.microsoft.com/office/drawing/2014/main" id="{E81BA2B5-6A90-4204-ABDD-7183FBB03A02}"/>
-              </a:ext>
-            </a:extLst>
-          </p:cNvPr>
-          <p:cNvSpPr>
-            <a:spLocks noGrp="1"/>
-          </p:cNvSpPr>
-          <p:nvPr>
-            <p:ph type="body" sz="quarter" idx="16"/>
-          </p:nvPr>
-        </p:nvSpPr>
-        <p:spPr>
-          <a:xfrm>
-            <a:off x="6673004" y="2563123"/>
-            <a:ext cx="4031945" cy="365125"/>
-          </a:xfrm>
-        </p:spPr>
-        <p:txBody>
-          <a:bodyPr rtlCol="0">
-            <a:normAutofit lnSpcReduction="10000"/>
-          </a:bodyPr>
-          <a:lstStyle/>
-          <a:p>
-            <a:pPr rtl="0"/>
+              <a:rPr lang="en-US" altLang="ko-KR"/>
+              <a:t>20XX</a:t>
+            </a:r>
             <a:r>
               <a:rPr lang="ko-KR" altLang="en-US"/>
-              <a:t>대상 고객</a:t>
-            </a:r>
-          </a:p>
-        </p:txBody>
-      </p:sp>
-      <p:sp>
-        <p:nvSpPr>
-          <p:cNvPr id="6" name="텍스트 개체 틀 5">
-            <a:extLst>
-              <a:ext uri="{FF2B5EF4-FFF2-40B4-BE49-F238E27FC236}">
-                <a16:creationId xmlns:a16="http://schemas.microsoft.com/office/drawing/2014/main" id="{7E7D4C34-22A0-4D54-A07D-E1E9A11463E5}"/>
-              </a:ext>
-            </a:extLst>
-          </p:cNvPr>
-          <p:cNvSpPr>
-            <a:spLocks noGrp="1"/>
-          </p:cNvSpPr>
-          <p:nvPr>
-            <p:ph type="body" sz="quarter" idx="17"/>
-          </p:nvPr>
-        </p:nvSpPr>
-        <p:spPr>
-          <a:xfrm>
-            <a:off x="6673143" y="3070348"/>
-            <a:ext cx="4031030" cy="1057308"/>
+              <a:t>년</a:t>
+            </a:r>
+          </a:p>
+        </p:txBody>
+      </p:sp>
+      <p:sp>
+        <p:nvSpPr>
+          <p:cNvPr id="5" name="바닥글 개체 틀 4">
+            <a:extLst>
+              <a:ext uri="{FF2B5EF4-FFF2-40B4-BE49-F238E27FC236}">
+                <a16:creationId xmlns:a16="http://schemas.microsoft.com/office/drawing/2014/main" id="{AF29EA23-F34E-486A-B8B2-0C3019266975}"/>
+              </a:ext>
+            </a:extLst>
+          </p:cNvPr>
+          <p:cNvSpPr>
+            <a:spLocks noGrp="1"/>
+          </p:cNvSpPr>
+          <p:nvPr>
+            <p:ph type="ftr" sz="quarter" idx="11"/>
+          </p:nvPr>
+        </p:nvSpPr>
+        <p:spPr>
+          <a:xfrm>
+            <a:off x="2669886" y="6356349"/>
+            <a:ext cx="2482842" cy="365125"/>
           </a:xfrm>
         </p:spPr>
         <p:txBody>
@@ -25354,95 +25392,31 @@
             <a:pPr rtl="0"/>
             <a:r>
               <a:rPr lang="ko-KR" altLang="en-US"/>
-              <a:t>대상 그룹은 </a:t>
-            </a:r>
-            <a:r>
-              <a:rPr lang="en-US" altLang="ko-KR"/>
-              <a:t>Z</a:t>
-            </a:r>
-            <a:r>
-              <a:rPr lang="ko-KR" altLang="en-US"/>
-              <a:t>세대</a:t>
-            </a:r>
-            <a:r>
-              <a:rPr lang="en-US" altLang="ko-KR"/>
-              <a:t>(18~25</a:t>
-            </a:r>
-            <a:r>
-              <a:rPr lang="ko-KR" altLang="en-US"/>
-              <a:t>세</a:t>
-            </a:r>
-            <a:r>
-              <a:rPr lang="en-US" altLang="ko-KR"/>
-              <a:t>)</a:t>
-            </a:r>
-            <a:r>
-              <a:rPr lang="ko-KR" altLang="en-US"/>
-              <a:t>임</a:t>
-            </a:r>
-          </a:p>
-          <a:p>
-            <a:pPr rtl="0"/>
-            <a:endParaRPr lang="ko-KR" altLang="en-US"/>
-          </a:p>
-        </p:txBody>
-      </p:sp>
-      <p:sp>
-        <p:nvSpPr>
-          <p:cNvPr id="7" name="텍스트 개체 틀 6">
-            <a:extLst>
-              <a:ext uri="{FF2B5EF4-FFF2-40B4-BE49-F238E27FC236}">
-                <a16:creationId xmlns:a16="http://schemas.microsoft.com/office/drawing/2014/main" id="{301D392D-FB66-47A0-B628-5ADE822A2CFF}"/>
-              </a:ext>
-            </a:extLst>
-          </p:cNvPr>
-          <p:cNvSpPr>
-            <a:spLocks noGrp="1"/>
-          </p:cNvSpPr>
-          <p:nvPr>
-            <p:ph type="body" sz="quarter" idx="18"/>
-          </p:nvPr>
-        </p:nvSpPr>
-        <p:spPr>
-          <a:xfrm>
-            <a:off x="1485899" y="4319431"/>
-            <a:ext cx="4031945" cy="365125"/>
-          </a:xfrm>
-        </p:spPr>
-        <p:txBody>
-          <a:bodyPr rtlCol="0">
-            <a:normAutofit lnSpcReduction="10000"/>
-          </a:bodyPr>
-          <a:lstStyle/>
-          <a:p>
-            <a:pPr rtl="0"/>
-            <a:r>
-              <a:rPr lang="ko-KR" altLang="en-US"/>
-              <a:t>비용 절감</a:t>
-            </a:r>
-          </a:p>
-        </p:txBody>
-      </p:sp>
-      <p:sp>
-        <p:nvSpPr>
-          <p:cNvPr id="8" name="텍스트 개체 틀 7">
-            <a:extLst>
-              <a:ext uri="{FF2B5EF4-FFF2-40B4-BE49-F238E27FC236}">
-                <a16:creationId xmlns:a16="http://schemas.microsoft.com/office/drawing/2014/main" id="{51C26CE0-2506-4B44-A26F-C12BFA5B18B5}"/>
-              </a:ext>
-            </a:extLst>
-          </p:cNvPr>
-          <p:cNvSpPr>
-            <a:spLocks noGrp="1"/>
-          </p:cNvSpPr>
-          <p:nvPr>
-            <p:ph type="body" sz="quarter" idx="19"/>
-          </p:nvPr>
-        </p:nvSpPr>
-        <p:spPr>
-          <a:xfrm>
-            <a:off x="1486412" y="4826656"/>
-            <a:ext cx="4031030" cy="1057308"/>
+              <a:t>설명 자료</a:t>
+            </a:r>
+          </a:p>
+        </p:txBody>
+      </p:sp>
+      <p:sp>
+        <p:nvSpPr>
+          <p:cNvPr id="4" name="슬라이드 번호 개체 틀 3">
+            <a:extLst>
+              <a:ext uri="{FF2B5EF4-FFF2-40B4-BE49-F238E27FC236}">
+                <a16:creationId xmlns:a16="http://schemas.microsoft.com/office/drawing/2014/main" id="{328F602C-7F98-4C02-99D4-ED65E00D66A4}"/>
+              </a:ext>
+            </a:extLst>
+          </p:cNvPr>
+          <p:cNvSpPr>
+            <a:spLocks noGrp="1"/>
+          </p:cNvSpPr>
+          <p:nvPr>
+            <p:ph type="sldNum" sz="quarter" idx="12"/>
+          </p:nvPr>
+        </p:nvSpPr>
+        <p:spPr>
+          <a:xfrm>
+            <a:off x="5536305" y="6356350"/>
+            <a:ext cx="987552" cy="365125"/>
           </a:xfrm>
         </p:spPr>
         <p:txBody>
@@ -25450,199 +25424,19 @@
           <a:lstStyle/>
           <a:p>
             <a:pPr rtl="0"/>
-            <a:r>
-              <a:rPr lang="ko-KR" altLang="en-US"/>
-              <a:t>교체 제품에 대한 비용 절감 </a:t>
-            </a:r>
-          </a:p>
-          <a:p>
-            <a:pPr rtl="0"/>
-            <a:endParaRPr lang="ko-KR" altLang="en-US"/>
-          </a:p>
-        </p:txBody>
-      </p:sp>
-      <p:sp>
-        <p:nvSpPr>
-          <p:cNvPr id="9" name="텍스트 개체 틀 8">
-            <a:extLst>
-              <a:ext uri="{FF2B5EF4-FFF2-40B4-BE49-F238E27FC236}">
-                <a16:creationId xmlns:a16="http://schemas.microsoft.com/office/drawing/2014/main" id="{868F40F8-BF35-45E9-B3DD-5436362D746E}"/>
-              </a:ext>
-            </a:extLst>
-          </p:cNvPr>
-          <p:cNvSpPr>
-            <a:spLocks noGrp="1"/>
-          </p:cNvSpPr>
-          <p:nvPr>
-            <p:ph type="body" sz="quarter" idx="23"/>
-          </p:nvPr>
-        </p:nvSpPr>
-        <p:spPr>
-          <a:xfrm>
-            <a:off x="6672630" y="4319431"/>
-            <a:ext cx="4031945" cy="365125"/>
-          </a:xfrm>
-        </p:spPr>
-        <p:txBody>
-          <a:bodyPr rtlCol="0">
-            <a:normAutofit lnSpcReduction="10000"/>
-          </a:bodyPr>
-          <a:lstStyle/>
-          <a:p>
-            <a:pPr rtl="0"/>
-            <a:r>
-              <a:rPr lang="ko-KR" altLang="en-US"/>
-              <a:t>편리성</a:t>
-            </a:r>
-          </a:p>
-        </p:txBody>
-      </p:sp>
-      <p:sp>
-        <p:nvSpPr>
-          <p:cNvPr id="10" name="텍스트 개체 틀 9">
-            <a:extLst>
-              <a:ext uri="{FF2B5EF4-FFF2-40B4-BE49-F238E27FC236}">
-                <a16:creationId xmlns:a16="http://schemas.microsoft.com/office/drawing/2014/main" id="{7F39C97C-2DDC-4706-B96C-B02FAE53A426}"/>
-              </a:ext>
-            </a:extLst>
-          </p:cNvPr>
-          <p:cNvSpPr>
-            <a:spLocks noGrp="1"/>
-          </p:cNvSpPr>
-          <p:nvPr>
-            <p:ph type="body" sz="quarter" idx="24"/>
-          </p:nvPr>
-        </p:nvSpPr>
-        <p:spPr>
-          <a:xfrm>
-            <a:off x="6673143" y="4826656"/>
-            <a:ext cx="4031030" cy="1057308"/>
-          </a:xfrm>
-        </p:spPr>
-        <p:txBody>
-          <a:bodyPr rtlCol="0"/>
-          <a:lstStyle/>
-          <a:p>
-            <a:pPr rtl="0"/>
-            <a:r>
-              <a:rPr lang="ko-KR" altLang="en-US"/>
-              <a:t>고객에게 필요한 대상 정보를 제공하는 간단한 디자인</a:t>
-            </a:r>
-          </a:p>
-        </p:txBody>
-      </p:sp>
-      <p:sp>
-        <p:nvSpPr>
-          <p:cNvPr id="80" name="날짜 개체 틀 79">
-            <a:extLst>
-              <a:ext uri="{FF2B5EF4-FFF2-40B4-BE49-F238E27FC236}">
-                <a16:creationId xmlns:a16="http://schemas.microsoft.com/office/drawing/2014/main" id="{BC1F9D86-85D8-4FD0-B0D3-47D778722782}"/>
-              </a:ext>
-            </a:extLst>
-          </p:cNvPr>
-          <p:cNvSpPr>
-            <a:spLocks noGrp="1"/>
-          </p:cNvSpPr>
-          <p:nvPr>
-            <p:ph type="dt" sz="half" idx="20"/>
-          </p:nvPr>
-        </p:nvSpPr>
-        <p:spPr>
-          <a:xfrm>
-            <a:off x="838200" y="6356350"/>
-            <a:ext cx="2743200" cy="365125"/>
-          </a:xfrm>
-        </p:spPr>
-        <p:txBody>
-          <a:bodyPr rtlCol="0"/>
-          <a:lstStyle/>
-          <a:p>
-            <a:pPr rtl="0"/>
-            <a:r>
-              <a:rPr lang="en-US" altLang="ko-KR"/>
-              <a:t>20XX</a:t>
-            </a:r>
-            <a:r>
-              <a:rPr lang="ko-KR" altLang="en-US"/>
-              <a:t>년</a:t>
-            </a:r>
-          </a:p>
-        </p:txBody>
-      </p:sp>
-      <p:sp>
-        <p:nvSpPr>
-          <p:cNvPr id="81" name="바닥글 개체 틀 80">
-            <a:extLst>
-              <a:ext uri="{FF2B5EF4-FFF2-40B4-BE49-F238E27FC236}">
-                <a16:creationId xmlns:a16="http://schemas.microsoft.com/office/drawing/2014/main" id="{E94F1D24-E4A1-4B59-B57E-A28453963B88}"/>
-              </a:ext>
-            </a:extLst>
-          </p:cNvPr>
-          <p:cNvSpPr>
-            <a:spLocks noGrp="1"/>
-          </p:cNvSpPr>
-          <p:nvPr>
-            <p:ph type="ftr" sz="quarter" idx="21"/>
-          </p:nvPr>
-        </p:nvSpPr>
-        <p:spPr>
-          <a:xfrm>
-            <a:off x="4038600" y="6356350"/>
-            <a:ext cx="4114800" cy="365125"/>
-          </a:xfrm>
-        </p:spPr>
-        <p:txBody>
-          <a:bodyPr rtlCol="0"/>
-          <a:lstStyle/>
-          <a:p>
-            <a:pPr rtl="0"/>
-            <a:r>
-              <a:rPr lang="ko-KR" altLang="en-US"/>
-              <a:t>설명 자료</a:t>
-            </a:r>
-          </a:p>
-        </p:txBody>
-      </p:sp>
-      <p:sp>
-        <p:nvSpPr>
-          <p:cNvPr id="82" name="슬라이드 번호 개체 틀 81">
-            <a:extLst>
-              <a:ext uri="{FF2B5EF4-FFF2-40B4-BE49-F238E27FC236}">
-                <a16:creationId xmlns:a16="http://schemas.microsoft.com/office/drawing/2014/main" id="{CE36A058-BEC2-4BC5-A467-F2EB2A365051}"/>
-              </a:ext>
-            </a:extLst>
-          </p:cNvPr>
-          <p:cNvSpPr>
-            <a:spLocks noGrp="1"/>
-          </p:cNvSpPr>
-          <p:nvPr>
-            <p:ph type="sldNum" sz="quarter" idx="22"/>
-          </p:nvPr>
-        </p:nvSpPr>
-        <p:spPr>
-          <a:xfrm>
-            <a:off x="8610600" y="6356350"/>
-            <a:ext cx="2743200" cy="365125"/>
-          </a:xfrm>
-        </p:spPr>
-        <p:txBody>
-          <a:bodyPr rtlCol="0"/>
-          <a:lstStyle/>
-          <a:p>
-            <a:pPr rtl="0"/>
-            <a:fld id="{B5CEABB6-07DC-46E8-9B57-56EC44A396E5}" type="slidenum">
-              <a:rPr lang="en-US" altLang="ko-KR" smtClean="0"/>
+            <a:fld id="{19B51A1E-902D-48AF-9020-955120F399B6}" type="slidenum">
+              <a:rPr lang="en-ZA" altLang="ko-KR" smtClean="0"/>
               <a:pPr rtl="0"/>
               <a:t>23</a:t>
             </a:fld>
-            <a:endParaRPr lang="ko-KR" altLang="en-US"/>
+            <a:endParaRPr lang="ko-KR" altLang="en-ZA"/>
           </a:p>
         </p:txBody>
       </p:sp>
     </p:spTree>
     <p:extLst>
       <p:ext uri="{BB962C8B-B14F-4D97-AF65-F5344CB8AC3E}">
-        <p14:creationId xmlns:p14="http://schemas.microsoft.com/office/powerpoint/2010/main" val="1593920805"/>
+        <p14:creationId xmlns:p14="http://schemas.microsoft.com/office/powerpoint/2010/main" val="2243494996"/>
       </p:ext>
     </p:extLst>
   </p:cSld>
@@ -25687,8 +25481,8 @@
         </p:nvSpPr>
         <p:spPr>
           <a:xfrm>
-            <a:off x="1508760" y="4156405"/>
-            <a:ext cx="3139440" cy="1325563"/>
+            <a:off x="1885156" y="892177"/>
+            <a:ext cx="8421688" cy="1325563"/>
           </a:xfrm>
         </p:spPr>
         <p:txBody>
@@ -25697,8 +25491,8 @@
           <a:p>
             <a:pPr rtl="0"/>
             <a:r>
-              <a:rPr lang="ko-KR" altLang="en-US" dirty="0"/>
-              <a:t>제품 개요</a:t>
+              <a:rPr lang="ko-KR" altLang="en-US"/>
+              <a:t>해결 방법</a:t>
             </a:r>
           </a:p>
         </p:txBody>
@@ -25721,8 +25515,8 @@
         </p:nvSpPr>
         <p:spPr>
           <a:xfrm>
-            <a:off x="5922254" y="1530635"/>
-            <a:ext cx="5433204" cy="365125"/>
+            <a:off x="1485900" y="2563123"/>
+            <a:ext cx="4031945" cy="365125"/>
           </a:xfrm>
         </p:spPr>
         <p:txBody>
@@ -25733,8 +25527,8 @@
           <a:p>
             <a:pPr rtl="0"/>
             <a:r>
-              <a:rPr lang="ko-KR" altLang="en-US"/>
-              <a:t>고유성</a:t>
+              <a:rPr lang="ko-KR" altLang="en-US" dirty="0"/>
+              <a:t>차이 줄이기</a:t>
             </a:r>
           </a:p>
         </p:txBody>
@@ -25757,20 +25551,30 @@
         </p:nvSpPr>
         <p:spPr>
           <a:xfrm>
-            <a:off x="5921828" y="1860060"/>
-            <a:ext cx="5431971" cy="557950"/>
-          </a:xfrm>
-        </p:spPr>
-        <p:txBody>
-          <a:bodyPr rtlCol="0">
-            <a:normAutofit/>
-          </a:bodyPr>
+            <a:off x="1485664" y="3070348"/>
+            <a:ext cx="4031030" cy="1057308"/>
+          </a:xfrm>
+        </p:spPr>
+        <p:txBody>
+          <a:bodyPr rtlCol="0"/>
           <a:lstStyle/>
           <a:p>
             <a:pPr rtl="0"/>
             <a:r>
-              <a:rPr lang="ko-KR" altLang="en-US"/>
-              <a:t>이 틈새 시장 전용 제품만</a:t>
+              <a:rPr lang="ko-KR" altLang="en-US" dirty="0"/>
+              <a:t>당사의 제품은 소비자의 삶을 더 편리하게 만들며</a:t>
+            </a:r>
+            <a:r>
+              <a:rPr lang="en-US" altLang="ko-KR" dirty="0"/>
+              <a:t>, </a:t>
+            </a:r>
+            <a:r>
+              <a:rPr lang="ko-KR" altLang="en-US" dirty="0"/>
+              <a:t>시장의 어떤 다른 제품도 동일한 기능을 제공하지 않습니다</a:t>
+            </a:r>
+            <a:r>
+              <a:rPr lang="en-US" altLang="ko-KR" dirty="0"/>
+              <a:t>.</a:t>
             </a:r>
           </a:p>
         </p:txBody>
@@ -25788,13 +25592,13 @@
             <a:spLocks noGrp="1"/>
           </p:cNvSpPr>
           <p:nvPr>
-            <p:ph type="body" sz="quarter" idx="23"/>
-          </p:nvPr>
-        </p:nvSpPr>
-        <p:spPr>
-          <a:xfrm>
-            <a:off x="5922254" y="2630431"/>
-            <a:ext cx="5433204" cy="365125"/>
+            <p:ph type="body" sz="quarter" idx="16"/>
+          </p:nvPr>
+        </p:nvSpPr>
+        <p:spPr>
+          <a:xfrm>
+            <a:off x="6673004" y="2563123"/>
+            <a:ext cx="4031945" cy="365125"/>
           </a:xfrm>
         </p:spPr>
         <p:txBody>
@@ -25806,7 +25610,7 @@
             <a:pPr rtl="0"/>
             <a:r>
               <a:rPr lang="ko-KR" altLang="en-US"/>
-              <a:t>시장 선점</a:t>
+              <a:t>대상 고객</a:t>
             </a:r>
           </a:p>
         </p:txBody>
@@ -25824,13 +25628,13 @@
             <a:spLocks noGrp="1"/>
           </p:cNvSpPr>
           <p:nvPr>
-            <p:ph type="body" sz="quarter" idx="24"/>
-          </p:nvPr>
-        </p:nvSpPr>
-        <p:spPr>
-          <a:xfrm>
-            <a:off x="5921828" y="2959856"/>
-            <a:ext cx="5431971" cy="557950"/>
+            <p:ph type="body" sz="quarter" idx="17"/>
+          </p:nvPr>
+        </p:nvSpPr>
+        <p:spPr>
+          <a:xfrm>
+            <a:off x="6673143" y="3070348"/>
+            <a:ext cx="4031030" cy="1057308"/>
           </a:xfrm>
         </p:spPr>
         <p:txBody>
@@ -25840,8 +25644,36 @@
             <a:pPr rtl="0"/>
             <a:r>
               <a:rPr lang="ko-KR" altLang="en-US"/>
-              <a:t>세련되고 기능적으로 아름답게 디자인된 제품</a:t>
-            </a:r>
+              <a:t>대상 그룹은 </a:t>
+            </a:r>
+            <a:r>
+              <a:rPr lang="en-US" altLang="ko-KR"/>
+              <a:t>Z</a:t>
+            </a:r>
+            <a:r>
+              <a:rPr lang="ko-KR" altLang="en-US"/>
+              <a:t>세대</a:t>
+            </a:r>
+            <a:r>
+              <a:rPr lang="en-US" altLang="ko-KR"/>
+              <a:t>(18~25</a:t>
+            </a:r>
+            <a:r>
+              <a:rPr lang="ko-KR" altLang="en-US"/>
+              <a:t>세</a:t>
+            </a:r>
+            <a:r>
+              <a:rPr lang="en-US" altLang="ko-KR"/>
+              <a:t>)</a:t>
+            </a:r>
+            <a:r>
+              <a:rPr lang="ko-KR" altLang="en-US"/>
+              <a:t>임</a:t>
+            </a:r>
+          </a:p>
+          <a:p>
+            <a:pPr rtl="0"/>
+            <a:endParaRPr lang="ko-KR" altLang="en-US"/>
           </a:p>
         </p:txBody>
       </p:sp>
@@ -25858,13 +25690,13 @@
             <a:spLocks noGrp="1"/>
           </p:cNvSpPr>
           <p:nvPr>
-            <p:ph type="body" sz="quarter" idx="25"/>
-          </p:nvPr>
-        </p:nvSpPr>
-        <p:spPr>
-          <a:xfrm>
-            <a:off x="5922254" y="3730227"/>
-            <a:ext cx="5433204" cy="365125"/>
+            <p:ph type="body" sz="quarter" idx="18"/>
+          </p:nvPr>
+        </p:nvSpPr>
+        <p:spPr>
+          <a:xfrm>
+            <a:off x="1485899" y="4319431"/>
+            <a:ext cx="4031945" cy="365125"/>
           </a:xfrm>
         </p:spPr>
         <p:txBody>
@@ -25876,7 +25708,7 @@
             <a:pPr rtl="0"/>
             <a:r>
               <a:rPr lang="ko-KR" altLang="en-US"/>
-              <a:t>테스트됨 </a:t>
+              <a:t>비용 절감</a:t>
             </a:r>
           </a:p>
         </p:txBody>
@@ -25894,13 +25726,13 @@
             <a:spLocks noGrp="1"/>
           </p:cNvSpPr>
           <p:nvPr>
-            <p:ph type="body" sz="quarter" idx="26"/>
-          </p:nvPr>
-        </p:nvSpPr>
-        <p:spPr>
-          <a:xfrm>
-            <a:off x="5921828" y="4059652"/>
-            <a:ext cx="5431971" cy="557950"/>
+            <p:ph type="body" sz="quarter" idx="19"/>
+          </p:nvPr>
+        </p:nvSpPr>
+        <p:spPr>
+          <a:xfrm>
+            <a:off x="1486412" y="4826656"/>
+            <a:ext cx="4031030" cy="1057308"/>
           </a:xfrm>
         </p:spPr>
         <p:txBody>
@@ -25910,8 +25742,12 @@
             <a:pPr rtl="0"/>
             <a:r>
               <a:rPr lang="ko-KR" altLang="en-US"/>
-              <a:t>해당 지역의 대학생과 함께 테스트를 수행함</a:t>
-            </a:r>
+              <a:t>교체 제품에 대한 비용 절감 </a:t>
+            </a:r>
+          </a:p>
+          <a:p>
+            <a:pPr rtl="0"/>
+            <a:endParaRPr lang="ko-KR" altLang="en-US"/>
           </a:p>
         </p:txBody>
       </p:sp>
@@ -25928,13 +25764,13 @@
             <a:spLocks noGrp="1"/>
           </p:cNvSpPr>
           <p:nvPr>
-            <p:ph type="body" sz="quarter" idx="27"/>
-          </p:nvPr>
-        </p:nvSpPr>
-        <p:spPr>
-          <a:xfrm>
-            <a:off x="5920106" y="4830024"/>
-            <a:ext cx="5433204" cy="365125"/>
+            <p:ph type="body" sz="quarter" idx="23"/>
+          </p:nvPr>
+        </p:nvSpPr>
+        <p:spPr>
+          <a:xfrm>
+            <a:off x="6672630" y="4319431"/>
+            <a:ext cx="4031945" cy="365125"/>
           </a:xfrm>
         </p:spPr>
         <p:txBody>
@@ -25946,7 +25782,7 @@
             <a:pPr rtl="0"/>
             <a:r>
               <a:rPr lang="ko-KR" altLang="en-US"/>
-              <a:t>정통성</a:t>
+              <a:t>편리성</a:t>
             </a:r>
           </a:p>
         </p:txBody>
@@ -25964,13 +25800,13 @@
             <a:spLocks noGrp="1"/>
           </p:cNvSpPr>
           <p:nvPr>
-            <p:ph type="body" sz="quarter" idx="28"/>
-          </p:nvPr>
-        </p:nvSpPr>
-        <p:spPr>
-          <a:xfrm>
-            <a:off x="5919680" y="5159449"/>
-            <a:ext cx="5431971" cy="557950"/>
+            <p:ph type="body" sz="quarter" idx="24"/>
+          </p:nvPr>
+        </p:nvSpPr>
+        <p:spPr>
+          <a:xfrm>
+            <a:off x="6673143" y="4826656"/>
+            <a:ext cx="4031030" cy="1057308"/>
           </a:xfrm>
         </p:spPr>
         <p:txBody>
@@ -25980,17 +25816,17 @@
             <a:pPr rtl="0"/>
             <a:r>
               <a:rPr lang="ko-KR" altLang="en-US"/>
-              <a:t>현장 전문가의 도움과 의견을 활용하여 설계 </a:t>
-            </a:r>
-          </a:p>
-        </p:txBody>
-      </p:sp>
-      <p:sp>
-        <p:nvSpPr>
-          <p:cNvPr id="20" name="날짜 개체 틀 19">
-            <a:extLst>
-              <a:ext uri="{FF2B5EF4-FFF2-40B4-BE49-F238E27FC236}">
-                <a16:creationId xmlns:a16="http://schemas.microsoft.com/office/drawing/2014/main" id="{A74D661B-510C-4CF2-BF77-3EAFB649883D}"/>
+              <a:t>고객에게 필요한 대상 정보를 제공하는 간단한 디자인</a:t>
+            </a:r>
+          </a:p>
+        </p:txBody>
+      </p:sp>
+      <p:sp>
+        <p:nvSpPr>
+          <p:cNvPr id="80" name="날짜 개체 틀 79">
+            <a:extLst>
+              <a:ext uri="{FF2B5EF4-FFF2-40B4-BE49-F238E27FC236}">
+                <a16:creationId xmlns:a16="http://schemas.microsoft.com/office/drawing/2014/main" id="{BC1F9D86-85D8-4FD0-B0D3-47D778722782}"/>
               </a:ext>
             </a:extLst>
           </p:cNvPr>
@@ -26003,8 +25839,8 @@
         </p:nvSpPr>
         <p:spPr>
           <a:xfrm>
-            <a:off x="5919680" y="6356350"/>
-            <a:ext cx="947516" cy="365125"/>
+            <a:off x="838200" y="6356350"/>
+            <a:ext cx="2743200" cy="365125"/>
           </a:xfrm>
         </p:spPr>
         <p:txBody>
@@ -26025,10 +25861,10 @@
       </p:sp>
       <p:sp>
         <p:nvSpPr>
-          <p:cNvPr id="21" name="바닥글 개체 틀 20">
-            <a:extLst>
-              <a:ext uri="{FF2B5EF4-FFF2-40B4-BE49-F238E27FC236}">
-                <a16:creationId xmlns:a16="http://schemas.microsoft.com/office/drawing/2014/main" id="{7E44CAC0-3B5A-49F6-A2CB-0BC80D111A87}"/>
+          <p:cNvPr id="81" name="바닥글 개체 틀 80">
+            <a:extLst>
+              <a:ext uri="{FF2B5EF4-FFF2-40B4-BE49-F238E27FC236}">
+                <a16:creationId xmlns:a16="http://schemas.microsoft.com/office/drawing/2014/main" id="{E94F1D24-E4A1-4B59-B57E-A28453963B88}"/>
               </a:ext>
             </a:extLst>
           </p:cNvPr>
@@ -26041,8 +25877,8 @@
         </p:nvSpPr>
         <p:spPr>
           <a:xfrm>
-            <a:off x="7161955" y="6356350"/>
-            <a:ext cx="3243942" cy="365125"/>
+            <a:off x="4038600" y="6356350"/>
+            <a:ext cx="4114800" cy="365125"/>
           </a:xfrm>
         </p:spPr>
         <p:txBody>
@@ -26059,10 +25895,10 @@
       </p:sp>
       <p:sp>
         <p:nvSpPr>
-          <p:cNvPr id="22" name="슬라이드 번호 개체 틀 21">
-            <a:extLst>
-              <a:ext uri="{FF2B5EF4-FFF2-40B4-BE49-F238E27FC236}">
-                <a16:creationId xmlns:a16="http://schemas.microsoft.com/office/drawing/2014/main" id="{5D1BD041-3428-4D62-934F-F3FF6D36F90F}"/>
+          <p:cNvPr id="82" name="슬라이드 번호 개체 틀 81">
+            <a:extLst>
+              <a:ext uri="{FF2B5EF4-FFF2-40B4-BE49-F238E27FC236}">
+                <a16:creationId xmlns:a16="http://schemas.microsoft.com/office/drawing/2014/main" id="{CE36A058-BEC2-4BC5-A467-F2EB2A365051}"/>
               </a:ext>
             </a:extLst>
           </p:cNvPr>
@@ -26075,8 +25911,8 @@
         </p:nvSpPr>
         <p:spPr>
           <a:xfrm>
-            <a:off x="10700656" y="6356350"/>
-            <a:ext cx="653143" cy="365125"/>
+            <a:off x="8610600" y="6356350"/>
+            <a:ext cx="2743200" cy="365125"/>
           </a:xfrm>
         </p:spPr>
         <p:txBody>
@@ -26096,7 +25932,7 @@
     </p:spTree>
     <p:extLst>
       <p:ext uri="{BB962C8B-B14F-4D97-AF65-F5344CB8AC3E}">
-        <p14:creationId xmlns:p14="http://schemas.microsoft.com/office/powerpoint/2010/main" val="1844941827"/>
+        <p14:creationId xmlns:p14="http://schemas.microsoft.com/office/powerpoint/2010/main" val="1593920805"/>
       </p:ext>
     </p:extLst>
   </p:cSld>
@@ -26128,21 +25964,21 @@
           <p:cNvPr id="2" name="제목 1">
             <a:extLst>
               <a:ext uri="{FF2B5EF4-FFF2-40B4-BE49-F238E27FC236}">
-                <a16:creationId xmlns:a16="http://schemas.microsoft.com/office/drawing/2014/main" id="{A29DE7F2-E890-4744-88DD-A75F5E300513}"/>
-              </a:ext>
-            </a:extLst>
-          </p:cNvPr>
-          <p:cNvSpPr>
-            <a:spLocks noGrp="1"/>
-          </p:cNvSpPr>
-          <p:nvPr>
-            <p:ph type="ctrTitle"/>
-          </p:nvPr>
-        </p:nvSpPr>
-        <p:spPr>
-          <a:xfrm>
-            <a:off x="6991350" y="2571235"/>
-            <a:ext cx="4179570" cy="1715531"/>
+                <a16:creationId xmlns:a16="http://schemas.microsoft.com/office/drawing/2014/main" id="{75031FE9-9059-4FE8-B4AC-9771F23A1B89}"/>
+              </a:ext>
+            </a:extLst>
+          </p:cNvPr>
+          <p:cNvSpPr>
+            <a:spLocks noGrp="1"/>
+          </p:cNvSpPr>
+          <p:nvPr>
+            <p:ph type="title"/>
+          </p:nvPr>
+        </p:nvSpPr>
+        <p:spPr>
+          <a:xfrm>
+            <a:off x="1508760" y="4156405"/>
+            <a:ext cx="3139440" cy="1325563"/>
           </a:xfrm>
         </p:spPr>
         <p:txBody>
@@ -26151,16 +25987,406 @@
           <a:p>
             <a:pPr rtl="0"/>
             <a:r>
+              <a:rPr lang="ko-KR" altLang="en-US" dirty="0"/>
+              <a:t>제품 개요</a:t>
+            </a:r>
+          </a:p>
+        </p:txBody>
+      </p:sp>
+      <p:sp>
+        <p:nvSpPr>
+          <p:cNvPr id="3" name="내용 개체 틀 2">
+            <a:extLst>
+              <a:ext uri="{FF2B5EF4-FFF2-40B4-BE49-F238E27FC236}">
+                <a16:creationId xmlns:a16="http://schemas.microsoft.com/office/drawing/2014/main" id="{D4A2EB3F-4D60-451F-8F45-7D6654D2FCD9}"/>
+              </a:ext>
+            </a:extLst>
+          </p:cNvPr>
+          <p:cNvSpPr>
+            <a:spLocks noGrp="1"/>
+          </p:cNvSpPr>
+          <p:nvPr>
+            <p:ph type="body" sz="quarter" idx="13"/>
+          </p:nvPr>
+        </p:nvSpPr>
+        <p:spPr>
+          <a:xfrm>
+            <a:off x="5922254" y="1530635"/>
+            <a:ext cx="5433204" cy="365125"/>
+          </a:xfrm>
+        </p:spPr>
+        <p:txBody>
+          <a:bodyPr vert="horz" lIns="91440" tIns="45720" rIns="91440" bIns="45720" rtlCol="0" anchor="t">
+            <a:normAutofit lnSpcReduction="10000"/>
+          </a:bodyPr>
+          <a:lstStyle/>
+          <a:p>
+            <a:pPr rtl="0"/>
+            <a:r>
               <a:rPr lang="ko-KR" altLang="en-US"/>
-              <a:t>회사 개요</a:t>
-            </a:r>
+              <a:t>고유성</a:t>
+            </a:r>
+          </a:p>
+        </p:txBody>
+      </p:sp>
+      <p:sp>
+        <p:nvSpPr>
+          <p:cNvPr id="4" name="텍스트 개체 틀 3">
+            <a:extLst>
+              <a:ext uri="{FF2B5EF4-FFF2-40B4-BE49-F238E27FC236}">
+                <a16:creationId xmlns:a16="http://schemas.microsoft.com/office/drawing/2014/main" id="{AC1C80FB-53F9-42EE-B1E6-D0F998EC5DFA}"/>
+              </a:ext>
+            </a:extLst>
+          </p:cNvPr>
+          <p:cNvSpPr>
+            <a:spLocks noGrp="1"/>
+          </p:cNvSpPr>
+          <p:nvPr>
+            <p:ph type="body" sz="quarter" idx="15"/>
+          </p:nvPr>
+        </p:nvSpPr>
+        <p:spPr>
+          <a:xfrm>
+            <a:off x="5921828" y="1860060"/>
+            <a:ext cx="5431971" cy="557950"/>
+          </a:xfrm>
+        </p:spPr>
+        <p:txBody>
+          <a:bodyPr rtlCol="0">
+            <a:normAutofit/>
+          </a:bodyPr>
+          <a:lstStyle/>
+          <a:p>
+            <a:pPr rtl="0"/>
+            <a:r>
+              <a:rPr lang="ko-KR" altLang="en-US"/>
+              <a:t>이 틈새 시장 전용 제품만</a:t>
+            </a:r>
+          </a:p>
+        </p:txBody>
+      </p:sp>
+      <p:sp>
+        <p:nvSpPr>
+          <p:cNvPr id="5" name="텍스트 개체 틀 4">
+            <a:extLst>
+              <a:ext uri="{FF2B5EF4-FFF2-40B4-BE49-F238E27FC236}">
+                <a16:creationId xmlns:a16="http://schemas.microsoft.com/office/drawing/2014/main" id="{E81BA2B5-6A90-4204-ABDD-7183FBB03A02}"/>
+              </a:ext>
+            </a:extLst>
+          </p:cNvPr>
+          <p:cNvSpPr>
+            <a:spLocks noGrp="1"/>
+          </p:cNvSpPr>
+          <p:nvPr>
+            <p:ph type="body" sz="quarter" idx="23"/>
+          </p:nvPr>
+        </p:nvSpPr>
+        <p:spPr>
+          <a:xfrm>
+            <a:off x="5922254" y="2630431"/>
+            <a:ext cx="5433204" cy="365125"/>
+          </a:xfrm>
+        </p:spPr>
+        <p:txBody>
+          <a:bodyPr rtlCol="0">
+            <a:normAutofit lnSpcReduction="10000"/>
+          </a:bodyPr>
+          <a:lstStyle/>
+          <a:p>
+            <a:pPr rtl="0"/>
+            <a:r>
+              <a:rPr lang="ko-KR" altLang="en-US"/>
+              <a:t>시장 선점</a:t>
+            </a:r>
+          </a:p>
+        </p:txBody>
+      </p:sp>
+      <p:sp>
+        <p:nvSpPr>
+          <p:cNvPr id="6" name="텍스트 개체 틀 5">
+            <a:extLst>
+              <a:ext uri="{FF2B5EF4-FFF2-40B4-BE49-F238E27FC236}">
+                <a16:creationId xmlns:a16="http://schemas.microsoft.com/office/drawing/2014/main" id="{7E7D4C34-22A0-4D54-A07D-E1E9A11463E5}"/>
+              </a:ext>
+            </a:extLst>
+          </p:cNvPr>
+          <p:cNvSpPr>
+            <a:spLocks noGrp="1"/>
+          </p:cNvSpPr>
+          <p:nvPr>
+            <p:ph type="body" sz="quarter" idx="24"/>
+          </p:nvPr>
+        </p:nvSpPr>
+        <p:spPr>
+          <a:xfrm>
+            <a:off x="5921828" y="2959856"/>
+            <a:ext cx="5431971" cy="557950"/>
+          </a:xfrm>
+        </p:spPr>
+        <p:txBody>
+          <a:bodyPr rtlCol="0"/>
+          <a:lstStyle/>
+          <a:p>
+            <a:pPr rtl="0"/>
+            <a:r>
+              <a:rPr lang="ko-KR" altLang="en-US"/>
+              <a:t>세련되고 기능적으로 아름답게 디자인된 제품</a:t>
+            </a:r>
+          </a:p>
+        </p:txBody>
+      </p:sp>
+      <p:sp>
+        <p:nvSpPr>
+          <p:cNvPr id="7" name="텍스트 개체 틀 6">
+            <a:extLst>
+              <a:ext uri="{FF2B5EF4-FFF2-40B4-BE49-F238E27FC236}">
+                <a16:creationId xmlns:a16="http://schemas.microsoft.com/office/drawing/2014/main" id="{301D392D-FB66-47A0-B628-5ADE822A2CFF}"/>
+              </a:ext>
+            </a:extLst>
+          </p:cNvPr>
+          <p:cNvSpPr>
+            <a:spLocks noGrp="1"/>
+          </p:cNvSpPr>
+          <p:nvPr>
+            <p:ph type="body" sz="quarter" idx="25"/>
+          </p:nvPr>
+        </p:nvSpPr>
+        <p:spPr>
+          <a:xfrm>
+            <a:off x="5922254" y="3730227"/>
+            <a:ext cx="5433204" cy="365125"/>
+          </a:xfrm>
+        </p:spPr>
+        <p:txBody>
+          <a:bodyPr rtlCol="0">
+            <a:normAutofit lnSpcReduction="10000"/>
+          </a:bodyPr>
+          <a:lstStyle/>
+          <a:p>
+            <a:pPr rtl="0"/>
+            <a:r>
+              <a:rPr lang="ko-KR" altLang="en-US"/>
+              <a:t>테스트됨 </a:t>
+            </a:r>
+          </a:p>
+        </p:txBody>
+      </p:sp>
+      <p:sp>
+        <p:nvSpPr>
+          <p:cNvPr id="8" name="텍스트 개체 틀 7">
+            <a:extLst>
+              <a:ext uri="{FF2B5EF4-FFF2-40B4-BE49-F238E27FC236}">
+                <a16:creationId xmlns:a16="http://schemas.microsoft.com/office/drawing/2014/main" id="{51C26CE0-2506-4B44-A26F-C12BFA5B18B5}"/>
+              </a:ext>
+            </a:extLst>
+          </p:cNvPr>
+          <p:cNvSpPr>
+            <a:spLocks noGrp="1"/>
+          </p:cNvSpPr>
+          <p:nvPr>
+            <p:ph type="body" sz="quarter" idx="26"/>
+          </p:nvPr>
+        </p:nvSpPr>
+        <p:spPr>
+          <a:xfrm>
+            <a:off x="5921828" y="4059652"/>
+            <a:ext cx="5431971" cy="557950"/>
+          </a:xfrm>
+        </p:spPr>
+        <p:txBody>
+          <a:bodyPr rtlCol="0"/>
+          <a:lstStyle/>
+          <a:p>
+            <a:pPr rtl="0"/>
+            <a:r>
+              <a:rPr lang="ko-KR" altLang="en-US"/>
+              <a:t>해당 지역의 대학생과 함께 테스트를 수행함</a:t>
+            </a:r>
+          </a:p>
+        </p:txBody>
+      </p:sp>
+      <p:sp>
+        <p:nvSpPr>
+          <p:cNvPr id="9" name="텍스트 개체 틀 8">
+            <a:extLst>
+              <a:ext uri="{FF2B5EF4-FFF2-40B4-BE49-F238E27FC236}">
+                <a16:creationId xmlns:a16="http://schemas.microsoft.com/office/drawing/2014/main" id="{868F40F8-BF35-45E9-B3DD-5436362D746E}"/>
+              </a:ext>
+            </a:extLst>
+          </p:cNvPr>
+          <p:cNvSpPr>
+            <a:spLocks noGrp="1"/>
+          </p:cNvSpPr>
+          <p:nvPr>
+            <p:ph type="body" sz="quarter" idx="27"/>
+          </p:nvPr>
+        </p:nvSpPr>
+        <p:spPr>
+          <a:xfrm>
+            <a:off x="5920106" y="4830024"/>
+            <a:ext cx="5433204" cy="365125"/>
+          </a:xfrm>
+        </p:spPr>
+        <p:txBody>
+          <a:bodyPr rtlCol="0">
+            <a:normAutofit lnSpcReduction="10000"/>
+          </a:bodyPr>
+          <a:lstStyle/>
+          <a:p>
+            <a:pPr rtl="0"/>
+            <a:r>
+              <a:rPr lang="ko-KR" altLang="en-US"/>
+              <a:t>정통성</a:t>
+            </a:r>
+          </a:p>
+        </p:txBody>
+      </p:sp>
+      <p:sp>
+        <p:nvSpPr>
+          <p:cNvPr id="10" name="텍스트 개체 틀 9">
+            <a:extLst>
+              <a:ext uri="{FF2B5EF4-FFF2-40B4-BE49-F238E27FC236}">
+                <a16:creationId xmlns:a16="http://schemas.microsoft.com/office/drawing/2014/main" id="{7F39C97C-2DDC-4706-B96C-B02FAE53A426}"/>
+              </a:ext>
+            </a:extLst>
+          </p:cNvPr>
+          <p:cNvSpPr>
+            <a:spLocks noGrp="1"/>
+          </p:cNvSpPr>
+          <p:nvPr>
+            <p:ph type="body" sz="quarter" idx="28"/>
+          </p:nvPr>
+        </p:nvSpPr>
+        <p:spPr>
+          <a:xfrm>
+            <a:off x="5919680" y="5159449"/>
+            <a:ext cx="5431971" cy="557950"/>
+          </a:xfrm>
+        </p:spPr>
+        <p:txBody>
+          <a:bodyPr rtlCol="0"/>
+          <a:lstStyle/>
+          <a:p>
+            <a:pPr rtl="0"/>
+            <a:r>
+              <a:rPr lang="ko-KR" altLang="en-US"/>
+              <a:t>현장 전문가의 도움과 의견을 활용하여 설계 </a:t>
+            </a:r>
+          </a:p>
+        </p:txBody>
+      </p:sp>
+      <p:sp>
+        <p:nvSpPr>
+          <p:cNvPr id="20" name="날짜 개체 틀 19">
+            <a:extLst>
+              <a:ext uri="{FF2B5EF4-FFF2-40B4-BE49-F238E27FC236}">
+                <a16:creationId xmlns:a16="http://schemas.microsoft.com/office/drawing/2014/main" id="{A74D661B-510C-4CF2-BF77-3EAFB649883D}"/>
+              </a:ext>
+            </a:extLst>
+          </p:cNvPr>
+          <p:cNvSpPr>
+            <a:spLocks noGrp="1"/>
+          </p:cNvSpPr>
+          <p:nvPr>
+            <p:ph type="dt" sz="half" idx="20"/>
+          </p:nvPr>
+        </p:nvSpPr>
+        <p:spPr>
+          <a:xfrm>
+            <a:off x="5919680" y="6356350"/>
+            <a:ext cx="947516" cy="365125"/>
+          </a:xfrm>
+        </p:spPr>
+        <p:txBody>
+          <a:bodyPr rtlCol="0"/>
+          <a:lstStyle/>
+          <a:p>
+            <a:pPr rtl="0"/>
+            <a:r>
+              <a:rPr lang="en-US" altLang="ko-KR"/>
+              <a:t>20XX</a:t>
+            </a:r>
+            <a:r>
+              <a:rPr lang="ko-KR" altLang="en-US"/>
+              <a:t>년</a:t>
+            </a:r>
+          </a:p>
+        </p:txBody>
+      </p:sp>
+      <p:sp>
+        <p:nvSpPr>
+          <p:cNvPr id="21" name="바닥글 개체 틀 20">
+            <a:extLst>
+              <a:ext uri="{FF2B5EF4-FFF2-40B4-BE49-F238E27FC236}">
+                <a16:creationId xmlns:a16="http://schemas.microsoft.com/office/drawing/2014/main" id="{7E44CAC0-3B5A-49F6-A2CB-0BC80D111A87}"/>
+              </a:ext>
+            </a:extLst>
+          </p:cNvPr>
+          <p:cNvSpPr>
+            <a:spLocks noGrp="1"/>
+          </p:cNvSpPr>
+          <p:nvPr>
+            <p:ph type="ftr" sz="quarter" idx="21"/>
+          </p:nvPr>
+        </p:nvSpPr>
+        <p:spPr>
+          <a:xfrm>
+            <a:off x="7161955" y="6356350"/>
+            <a:ext cx="3243942" cy="365125"/>
+          </a:xfrm>
+        </p:spPr>
+        <p:txBody>
+          <a:bodyPr rtlCol="0"/>
+          <a:lstStyle/>
+          <a:p>
+            <a:pPr rtl="0"/>
+            <a:r>
+              <a:rPr lang="ko-KR" altLang="en-US"/>
+              <a:t>설명 자료</a:t>
+            </a:r>
+          </a:p>
+        </p:txBody>
+      </p:sp>
+      <p:sp>
+        <p:nvSpPr>
+          <p:cNvPr id="22" name="슬라이드 번호 개체 틀 21">
+            <a:extLst>
+              <a:ext uri="{FF2B5EF4-FFF2-40B4-BE49-F238E27FC236}">
+                <a16:creationId xmlns:a16="http://schemas.microsoft.com/office/drawing/2014/main" id="{5D1BD041-3428-4D62-934F-F3FF6D36F90F}"/>
+              </a:ext>
+            </a:extLst>
+          </p:cNvPr>
+          <p:cNvSpPr>
+            <a:spLocks noGrp="1"/>
+          </p:cNvSpPr>
+          <p:nvPr>
+            <p:ph type="sldNum" sz="quarter" idx="22"/>
+          </p:nvPr>
+        </p:nvSpPr>
+        <p:spPr>
+          <a:xfrm>
+            <a:off x="10700656" y="6356350"/>
+            <a:ext cx="653143" cy="365125"/>
+          </a:xfrm>
+        </p:spPr>
+        <p:txBody>
+          <a:bodyPr rtlCol="0"/>
+          <a:lstStyle/>
+          <a:p>
+            <a:pPr rtl="0"/>
+            <a:fld id="{B5CEABB6-07DC-46E8-9B57-56EC44A396E5}" type="slidenum">
+              <a:rPr lang="en-US" altLang="ko-KR" smtClean="0"/>
+              <a:pPr rtl="0"/>
+              <a:t>25</a:t>
+            </a:fld>
+            <a:endParaRPr lang="ko-KR" altLang="en-US"/>
           </a:p>
         </p:txBody>
       </p:sp>
     </p:spTree>
     <p:extLst>
       <p:ext uri="{BB962C8B-B14F-4D97-AF65-F5344CB8AC3E}">
-        <p14:creationId xmlns:p14="http://schemas.microsoft.com/office/powerpoint/2010/main" val="707789176"/>
+        <p14:creationId xmlns:p14="http://schemas.microsoft.com/office/powerpoint/2010/main" val="1844941827"/>
       </p:ext>
     </p:extLst>
   </p:cSld>
@@ -26192,21 +26418,21 @@
           <p:cNvPr id="2" name="제목 1">
             <a:extLst>
               <a:ext uri="{FF2B5EF4-FFF2-40B4-BE49-F238E27FC236}">
-                <a16:creationId xmlns:a16="http://schemas.microsoft.com/office/drawing/2014/main" id="{8A4E0A63-A388-49B1-A04E-27CE9BD622EF}"/>
-              </a:ext>
-            </a:extLst>
-          </p:cNvPr>
-          <p:cNvSpPr>
-            <a:spLocks noGrp="1"/>
-          </p:cNvSpPr>
-          <p:nvPr>
-            <p:ph type="title"/>
-          </p:nvPr>
-        </p:nvSpPr>
-        <p:spPr>
-          <a:xfrm>
-            <a:off x="5920169" y="1152771"/>
-            <a:ext cx="5431971" cy="846301"/>
+                <a16:creationId xmlns:a16="http://schemas.microsoft.com/office/drawing/2014/main" id="{A29DE7F2-E890-4744-88DD-A75F5E300513}"/>
+              </a:ext>
+            </a:extLst>
+          </p:cNvPr>
+          <p:cNvSpPr>
+            <a:spLocks noGrp="1"/>
+          </p:cNvSpPr>
+          <p:nvPr>
+            <p:ph type="ctrTitle"/>
+          </p:nvPr>
+        </p:nvSpPr>
+        <p:spPr>
+          <a:xfrm>
+            <a:off x="6991350" y="2571235"/>
+            <a:ext cx="4179570" cy="1715531"/>
           </a:xfrm>
         </p:spPr>
         <p:txBody>
@@ -26215,336 +26441,16 @@
           <a:p>
             <a:pPr rtl="0"/>
             <a:r>
-              <a:rPr lang="ko"/>
-              <a:t>비즈니스 모델</a:t>
-            </a:r>
-          </a:p>
-        </p:txBody>
-      </p:sp>
-      <p:sp>
-        <p:nvSpPr>
-          <p:cNvPr id="6" name="텍스트 개체 틀 5">
-            <a:extLst>
-              <a:ext uri="{FF2B5EF4-FFF2-40B4-BE49-F238E27FC236}">
-                <a16:creationId xmlns:a16="http://schemas.microsoft.com/office/drawing/2014/main" id="{7640DF9D-0C9E-4C5D-9635-6B4DE10CCEE5}"/>
-              </a:ext>
-            </a:extLst>
-          </p:cNvPr>
-          <p:cNvSpPr>
-            <a:spLocks noGrp="1"/>
-          </p:cNvSpPr>
-          <p:nvPr>
-            <p:ph type="body" sz="quarter" idx="13"/>
-          </p:nvPr>
-        </p:nvSpPr>
-        <p:spPr>
-          <a:xfrm>
-            <a:off x="5922254" y="2469515"/>
-            <a:ext cx="5433204" cy="365125"/>
-          </a:xfrm>
-        </p:spPr>
-        <p:txBody>
-          <a:bodyPr vert="horz" lIns="91440" tIns="45720" rIns="91440" bIns="45720" rtlCol="0" anchor="t">
-            <a:noAutofit/>
-          </a:bodyPr>
-          <a:lstStyle/>
-          <a:p>
-            <a:pPr rtl="0"/>
-            <a:r>
-              <a:rPr lang="ko" noProof="1"/>
-              <a:t>요약</a:t>
-            </a:r>
-          </a:p>
-        </p:txBody>
-      </p:sp>
-      <p:sp>
-        <p:nvSpPr>
-          <p:cNvPr id="7" name="텍스트 개체 틀 6">
-            <a:extLst>
-              <a:ext uri="{FF2B5EF4-FFF2-40B4-BE49-F238E27FC236}">
-                <a16:creationId xmlns:a16="http://schemas.microsoft.com/office/drawing/2014/main" id="{40297407-CE4E-4284-879D-AEC395713625}"/>
-              </a:ext>
-            </a:extLst>
-          </p:cNvPr>
-          <p:cNvSpPr>
-            <a:spLocks noGrp="1"/>
-          </p:cNvSpPr>
-          <p:nvPr>
-            <p:ph type="body" sz="quarter" idx="15"/>
-          </p:nvPr>
-        </p:nvSpPr>
-        <p:spPr>
-          <a:xfrm>
-            <a:off x="5921828" y="2798940"/>
-            <a:ext cx="5431971" cy="557950"/>
-          </a:xfrm>
-        </p:spPr>
-        <p:txBody>
-          <a:bodyPr rtlCol="0">
-            <a:normAutofit/>
-          </a:bodyPr>
-          <a:lstStyle/>
-          <a:p>
-            <a:pPr rtl="0"/>
-            <a:r>
-              <a:rPr lang="ko" noProof="1"/>
-              <a:t>시장 추세 및 소셜 미디어에 관한 연구를 기반으로 합니다.</a:t>
-            </a:r>
-          </a:p>
-        </p:txBody>
-      </p:sp>
-      <p:sp>
-        <p:nvSpPr>
-          <p:cNvPr id="8" name="텍스트 개체 틀 7">
-            <a:extLst>
-              <a:ext uri="{FF2B5EF4-FFF2-40B4-BE49-F238E27FC236}">
-                <a16:creationId xmlns:a16="http://schemas.microsoft.com/office/drawing/2014/main" id="{F5C3A7BE-F7FC-4942-A31A-491A8A806103}"/>
-              </a:ext>
-            </a:extLst>
-          </p:cNvPr>
-          <p:cNvSpPr>
-            <a:spLocks noGrp="1"/>
-          </p:cNvSpPr>
-          <p:nvPr>
-            <p:ph type="body" sz="quarter" idx="23"/>
-          </p:nvPr>
-        </p:nvSpPr>
-        <p:spPr>
-          <a:xfrm>
-            <a:off x="5922254" y="3569311"/>
-            <a:ext cx="5433204" cy="365125"/>
-          </a:xfrm>
-        </p:spPr>
-        <p:txBody>
-          <a:bodyPr vert="horz" lIns="91440" tIns="45720" rIns="91440" bIns="45720" rtlCol="0" anchor="t">
-            <a:noAutofit/>
-          </a:bodyPr>
-          <a:lstStyle/>
-          <a:p>
-            <a:pPr rtl="0"/>
-            <a:r>
-              <a:rPr lang="ko" noProof="1"/>
-              <a:t>디자인</a:t>
-            </a:r>
-          </a:p>
-        </p:txBody>
-      </p:sp>
-      <p:sp>
-        <p:nvSpPr>
-          <p:cNvPr id="9" name="텍스트 개체 틀 8">
-            <a:extLst>
-              <a:ext uri="{FF2B5EF4-FFF2-40B4-BE49-F238E27FC236}">
-                <a16:creationId xmlns:a16="http://schemas.microsoft.com/office/drawing/2014/main" id="{95CCE699-03D1-4642-B46A-B14EF17DA183}"/>
-              </a:ext>
-            </a:extLst>
-          </p:cNvPr>
-          <p:cNvSpPr>
-            <a:spLocks noGrp="1"/>
-          </p:cNvSpPr>
-          <p:nvPr>
-            <p:ph type="body" sz="quarter" idx="24"/>
-          </p:nvPr>
-        </p:nvSpPr>
-        <p:spPr>
-          <a:xfrm>
-            <a:off x="5921828" y="3898736"/>
-            <a:ext cx="5431971" cy="557950"/>
-          </a:xfrm>
-        </p:spPr>
-        <p:txBody>
-          <a:bodyPr rtlCol="0">
-            <a:normAutofit/>
-          </a:bodyPr>
-          <a:lstStyle/>
-          <a:p>
-            <a:pPr rtl="0"/>
-            <a:r>
-              <a:rPr lang="ko" noProof="1"/>
-              <a:t>당사는 사람들이 이 틈새 시장 전용 제품을 더 많이 필요로 한다고 생각합니다.</a:t>
-            </a:r>
-          </a:p>
-        </p:txBody>
-      </p:sp>
-      <p:sp>
-        <p:nvSpPr>
-          <p:cNvPr id="10" name="텍스트 개체 틀 9">
-            <a:extLst>
-              <a:ext uri="{FF2B5EF4-FFF2-40B4-BE49-F238E27FC236}">
-                <a16:creationId xmlns:a16="http://schemas.microsoft.com/office/drawing/2014/main" id="{BC1DF189-6F2F-4C21-88CC-C82D3D0D147B}"/>
-              </a:ext>
-            </a:extLst>
-          </p:cNvPr>
-          <p:cNvSpPr>
-            <a:spLocks noGrp="1"/>
-          </p:cNvSpPr>
-          <p:nvPr>
-            <p:ph type="body" sz="quarter" idx="25"/>
-          </p:nvPr>
-        </p:nvSpPr>
-        <p:spPr>
-          <a:xfrm>
-            <a:off x="5922254" y="4669107"/>
-            <a:ext cx="5433204" cy="365125"/>
-          </a:xfrm>
-        </p:spPr>
-        <p:txBody>
-          <a:bodyPr vert="horz" lIns="91440" tIns="45720" rIns="91440" bIns="45720" rtlCol="0" anchor="t">
-            <a:normAutofit lnSpcReduction="10000"/>
-          </a:bodyPr>
-          <a:lstStyle/>
-          <a:p>
-            <a:pPr rtl="0"/>
-            <a:r>
-              <a:rPr lang="ko" noProof="1"/>
-              <a:t>연구</a:t>
-            </a:r>
-          </a:p>
-        </p:txBody>
-      </p:sp>
-      <p:sp>
-        <p:nvSpPr>
-          <p:cNvPr id="5" name="텍스트 개체 틀 4">
-            <a:extLst>
-              <a:ext uri="{FF2B5EF4-FFF2-40B4-BE49-F238E27FC236}">
-                <a16:creationId xmlns:a16="http://schemas.microsoft.com/office/drawing/2014/main" id="{06E82690-B145-4D4F-B2D1-0B2A8C50FD71}"/>
-              </a:ext>
-            </a:extLst>
-          </p:cNvPr>
-          <p:cNvSpPr>
-            <a:spLocks noGrp="1"/>
-          </p:cNvSpPr>
-          <p:nvPr>
-            <p:ph type="body" sz="quarter" idx="26"/>
-          </p:nvPr>
-        </p:nvSpPr>
-        <p:spPr>
-          <a:xfrm>
-            <a:off x="5921828" y="4998532"/>
-            <a:ext cx="5431971" cy="557950"/>
-          </a:xfrm>
-        </p:spPr>
-        <p:txBody>
-          <a:bodyPr rtlCol="0">
-            <a:normAutofit/>
-          </a:bodyPr>
-          <a:lstStyle/>
-          <a:p>
-            <a:pPr rtl="0"/>
-            <a:r>
-              <a:rPr lang="ko" noProof="1"/>
-              <a:t>미니멀리스트와 편리성 </a:t>
-            </a:r>
-          </a:p>
-        </p:txBody>
-      </p:sp>
-      <p:sp>
-        <p:nvSpPr>
-          <p:cNvPr id="32" name="날짜 개체 틀 31">
-            <a:extLst>
-              <a:ext uri="{FF2B5EF4-FFF2-40B4-BE49-F238E27FC236}">
-                <a16:creationId xmlns:a16="http://schemas.microsoft.com/office/drawing/2014/main" id="{D5DB19F8-B538-4965-BA90-ED372B99F5DC}"/>
-              </a:ext>
-            </a:extLst>
-          </p:cNvPr>
-          <p:cNvSpPr>
-            <a:spLocks noGrp="1"/>
-          </p:cNvSpPr>
-          <p:nvPr>
-            <p:ph type="dt" sz="half" idx="20"/>
-          </p:nvPr>
-        </p:nvSpPr>
-        <p:spPr>
-          <a:xfrm>
-            <a:off x="5919680" y="6356350"/>
-            <a:ext cx="947516" cy="365125"/>
-          </a:xfrm>
-        </p:spPr>
-        <p:txBody>
-          <a:bodyPr rtlCol="0"/>
-          <a:lstStyle/>
-          <a:p>
-            <a:pPr rtl="0"/>
-            <a:r>
-              <a:rPr lang="ko"/>
-              <a:t>20XX년</a:t>
-            </a:r>
-          </a:p>
-        </p:txBody>
-      </p:sp>
-      <p:sp>
-        <p:nvSpPr>
-          <p:cNvPr id="3" name="바닥글 개체 틀 2">
-            <a:extLst>
-              <a:ext uri="{FF2B5EF4-FFF2-40B4-BE49-F238E27FC236}">
-                <a16:creationId xmlns:a16="http://schemas.microsoft.com/office/drawing/2014/main" id="{005C44B1-BA82-483C-BD91-F89067442F9E}"/>
-              </a:ext>
-            </a:extLst>
-          </p:cNvPr>
-          <p:cNvSpPr>
-            <a:spLocks noGrp="1"/>
-          </p:cNvSpPr>
-          <p:nvPr>
-            <p:ph type="ftr" sz="quarter" idx="21"/>
-          </p:nvPr>
-        </p:nvSpPr>
-        <p:spPr>
-          <a:xfrm>
-            <a:off x="7161955" y="6356350"/>
-            <a:ext cx="3243942" cy="365125"/>
-          </a:xfrm>
-        </p:spPr>
-        <p:txBody>
-          <a:bodyPr rtlCol="0"/>
-          <a:lstStyle/>
-          <a:p>
-            <a:pPr rtl="0"/>
-            <a:r>
-              <a:rPr lang="ko"/>
-              <a:t>설명 자료</a:t>
-            </a:r>
-          </a:p>
-        </p:txBody>
-      </p:sp>
-      <p:sp>
-        <p:nvSpPr>
-          <p:cNvPr id="4" name="슬라이드 번호 개체 틀 3">
-            <a:extLst>
-              <a:ext uri="{FF2B5EF4-FFF2-40B4-BE49-F238E27FC236}">
-                <a16:creationId xmlns:a16="http://schemas.microsoft.com/office/drawing/2014/main" id="{79ED4A67-3A46-4F54-A12A-EAE1B53E6457}"/>
-              </a:ext>
-            </a:extLst>
-          </p:cNvPr>
-          <p:cNvSpPr>
-            <a:spLocks noGrp="1"/>
-          </p:cNvSpPr>
-          <p:nvPr>
-            <p:ph type="sldNum" sz="quarter" idx="22"/>
-          </p:nvPr>
-        </p:nvSpPr>
-        <p:spPr>
-          <a:xfrm>
-            <a:off x="10700656" y="6356350"/>
-            <a:ext cx="653143" cy="365125"/>
-          </a:xfrm>
-        </p:spPr>
-        <p:txBody>
-          <a:bodyPr rtlCol="0"/>
-          <a:lstStyle/>
-          <a:p>
-            <a:pPr rtl="0"/>
-            <a:fld id="{19B51A1E-902D-48AF-9020-955120F399B6}" type="slidenum">
-              <a:rPr lang="en-ZA" smtClean="0"/>
-              <a:pPr rtl="0"/>
-              <a:t>26</a:t>
-            </a:fld>
-            <a:endParaRPr lang="en-ZA" dirty="0"/>
+              <a:rPr lang="ko-KR" altLang="en-US"/>
+              <a:t>회사 개요</a:t>
+            </a:r>
           </a:p>
         </p:txBody>
       </p:sp>
     </p:spTree>
     <p:extLst>
       <p:ext uri="{BB962C8B-B14F-4D97-AF65-F5344CB8AC3E}">
-        <p14:creationId xmlns:p14="http://schemas.microsoft.com/office/powerpoint/2010/main" val="2069393026"/>
+        <p14:creationId xmlns:p14="http://schemas.microsoft.com/office/powerpoint/2010/main" val="707789176"/>
       </p:ext>
     </p:extLst>
   </p:cSld>
@@ -26576,7 +26482,7 @@
           <p:cNvPr id="2" name="제목 1">
             <a:extLst>
               <a:ext uri="{FF2B5EF4-FFF2-40B4-BE49-F238E27FC236}">
-                <a16:creationId xmlns:a16="http://schemas.microsoft.com/office/drawing/2014/main" id="{5CE54ABB-4929-4810-950B-2DAEA0A5BAB4}"/>
+                <a16:creationId xmlns:a16="http://schemas.microsoft.com/office/drawing/2014/main" id="{8A4E0A63-A388-49B1-A04E-27CE9BD622EF}"/>
               </a:ext>
             </a:extLst>
           </p:cNvPr>
@@ -26589,8 +26495,8 @@
         </p:nvSpPr>
         <p:spPr>
           <a:xfrm>
-            <a:off x="1885156" y="892177"/>
-            <a:ext cx="8421688" cy="1325563"/>
+            <a:off x="5920169" y="1152771"/>
+            <a:ext cx="5431971" cy="846301"/>
           </a:xfrm>
         </p:spPr>
         <p:txBody>
@@ -26599,284 +26505,248 @@
           <a:p>
             <a:pPr rtl="0"/>
             <a:r>
-              <a:rPr lang="ko-KR" altLang="en-US" dirty="0"/>
-              <a:t>시장 개요</a:t>
-            </a:r>
-          </a:p>
-        </p:txBody>
-      </p:sp>
-      <p:sp>
-        <p:nvSpPr>
-          <p:cNvPr id="4" name="텍스트 개체 틀 3">
-            <a:extLst>
-              <a:ext uri="{FF2B5EF4-FFF2-40B4-BE49-F238E27FC236}">
-                <a16:creationId xmlns:a16="http://schemas.microsoft.com/office/drawing/2014/main" id="{A112B089-A8F9-45B1-BE6E-EAC10163F082}"/>
-              </a:ext>
-            </a:extLst>
-          </p:cNvPr>
-          <p:cNvSpPr>
-            <a:spLocks noGrp="1"/>
-          </p:cNvSpPr>
-          <p:nvPr>
-            <p:ph type="body" idx="1"/>
-          </p:nvPr>
-        </p:nvSpPr>
-        <p:spPr>
-          <a:xfrm>
-            <a:off x="1243104" y="2776936"/>
-            <a:ext cx="2882475" cy="823912"/>
-          </a:xfrm>
-        </p:spPr>
-        <p:txBody>
-          <a:bodyPr rtlCol="0"/>
+              <a:rPr lang="ko"/>
+              <a:t>비즈니스 모델</a:t>
+            </a:r>
+          </a:p>
+        </p:txBody>
+      </p:sp>
+      <p:sp>
+        <p:nvSpPr>
+          <p:cNvPr id="6" name="텍스트 개체 틀 5">
+            <a:extLst>
+              <a:ext uri="{FF2B5EF4-FFF2-40B4-BE49-F238E27FC236}">
+                <a16:creationId xmlns:a16="http://schemas.microsoft.com/office/drawing/2014/main" id="{7640DF9D-0C9E-4C5D-9635-6B4DE10CCEE5}"/>
+              </a:ext>
+            </a:extLst>
+          </p:cNvPr>
+          <p:cNvSpPr>
+            <a:spLocks noGrp="1"/>
+          </p:cNvSpPr>
+          <p:nvPr>
+            <p:ph type="body" sz="quarter" idx="13"/>
+          </p:nvPr>
+        </p:nvSpPr>
+        <p:spPr>
+          <a:xfrm>
+            <a:off x="5922254" y="2469515"/>
+            <a:ext cx="5433204" cy="365125"/>
+          </a:xfrm>
+        </p:spPr>
+        <p:txBody>
+          <a:bodyPr vert="horz" lIns="91440" tIns="45720" rIns="91440" bIns="45720" rtlCol="0" anchor="t">
+            <a:noAutofit/>
+          </a:bodyPr>
           <a:lstStyle/>
           <a:p>
             <a:pPr rtl="0"/>
             <a:r>
-              <a:rPr lang="ko-KR" altLang="en-US"/>
-              <a:t>₩</a:t>
-            </a:r>
-            <a:r>
-              <a:rPr lang="en-US" altLang="ko-KR"/>
-              <a:t>30</a:t>
-            </a:r>
-            <a:r>
-              <a:rPr lang="ko-KR" altLang="en-US"/>
-              <a:t>억</a:t>
-            </a:r>
-            <a:endParaRPr lang="ko-KR" altLang="en-US" dirty="0"/>
-          </a:p>
-        </p:txBody>
-      </p:sp>
-      <p:sp>
-        <p:nvSpPr>
-          <p:cNvPr id="7" name="내용 개체 틀 6">
-            <a:extLst>
-              <a:ext uri="{FF2B5EF4-FFF2-40B4-BE49-F238E27FC236}">
-                <a16:creationId xmlns:a16="http://schemas.microsoft.com/office/drawing/2014/main" id="{6B35F89A-6CDF-41F7-BD87-18B45BD7330B}"/>
-              </a:ext>
-            </a:extLst>
-          </p:cNvPr>
-          <p:cNvSpPr>
-            <a:spLocks noGrp="1"/>
-          </p:cNvSpPr>
-          <p:nvPr>
-            <p:ph sz="half" idx="2"/>
-          </p:nvPr>
-        </p:nvSpPr>
-        <p:spPr>
-          <a:xfrm>
-            <a:off x="1243104" y="3834606"/>
-            <a:ext cx="2882475" cy="1997867"/>
-          </a:xfrm>
-        </p:spPr>
-        <p:txBody>
-          <a:bodyPr vert="horz" lIns="91440" tIns="45720" rIns="91440" bIns="45720" rtlCol="0" anchor="t">
+              <a:rPr lang="ko" noProof="1"/>
+              <a:t>요약</a:t>
+            </a:r>
+          </a:p>
+        </p:txBody>
+      </p:sp>
+      <p:sp>
+        <p:nvSpPr>
+          <p:cNvPr id="7" name="텍스트 개체 틀 6">
+            <a:extLst>
+              <a:ext uri="{FF2B5EF4-FFF2-40B4-BE49-F238E27FC236}">
+                <a16:creationId xmlns:a16="http://schemas.microsoft.com/office/drawing/2014/main" id="{40297407-CE4E-4284-879D-AEC395713625}"/>
+              </a:ext>
+            </a:extLst>
+          </p:cNvPr>
+          <p:cNvSpPr>
+            <a:spLocks noGrp="1"/>
+          </p:cNvSpPr>
+          <p:nvPr>
+            <p:ph type="body" sz="quarter" idx="15"/>
+          </p:nvPr>
+        </p:nvSpPr>
+        <p:spPr>
+          <a:xfrm>
+            <a:off x="5921828" y="2798940"/>
+            <a:ext cx="5431971" cy="557950"/>
+          </a:xfrm>
+        </p:spPr>
+        <p:txBody>
+          <a:bodyPr rtlCol="0">
             <a:normAutofit/>
           </a:bodyPr>
           <a:lstStyle/>
           <a:p>
             <a:pPr rtl="0"/>
             <a:r>
-              <a:rPr lang="ko-KR" altLang="en-US" noProof="1"/>
-              <a:t>창조의 자유</a:t>
-            </a:r>
-            <a:endParaRPr lang="ko-KR" altLang="en-US" dirty="0"/>
-          </a:p>
+              <a:rPr lang="ko" noProof="1"/>
+              <a:t>시장 추세 및 소셜 미디어에 관한 연구를 기반으로 합니다.</a:t>
+            </a:r>
+          </a:p>
+        </p:txBody>
+      </p:sp>
+      <p:sp>
+        <p:nvSpPr>
+          <p:cNvPr id="8" name="텍스트 개체 틀 7">
+            <a:extLst>
+              <a:ext uri="{FF2B5EF4-FFF2-40B4-BE49-F238E27FC236}">
+                <a16:creationId xmlns:a16="http://schemas.microsoft.com/office/drawing/2014/main" id="{F5C3A7BE-F7FC-4942-A31A-491A8A806103}"/>
+              </a:ext>
+            </a:extLst>
+          </p:cNvPr>
+          <p:cNvSpPr>
+            <a:spLocks noGrp="1"/>
+          </p:cNvSpPr>
+          <p:nvPr>
+            <p:ph type="body" sz="quarter" idx="23"/>
+          </p:nvPr>
+        </p:nvSpPr>
+        <p:spPr>
+          <a:xfrm>
+            <a:off x="5922254" y="3569311"/>
+            <a:ext cx="5433204" cy="365125"/>
+          </a:xfrm>
+        </p:spPr>
+        <p:txBody>
+          <a:bodyPr vert="horz" lIns="91440" tIns="45720" rIns="91440" bIns="45720" rtlCol="0" anchor="t">
+            <a:noAutofit/>
+          </a:bodyPr>
+          <a:lstStyle/>
           <a:p>
             <a:pPr rtl="0"/>
             <a:r>
-              <a:rPr lang="ko-KR" altLang="en-US" noProof="1"/>
-              <a:t>선택적 포괄 시장</a:t>
-            </a:r>
-          </a:p>
-          <a:p>
-            <a:pPr rtl="0"/>
-            <a:r>
-              <a:rPr lang="en-US" altLang="ko-KR" noProof="1"/>
-              <a:t>SAM(</a:t>
-            </a:r>
-            <a:r>
-              <a:rPr lang="ko-KR" altLang="en-US" noProof="1"/>
-              <a:t>유효 시장</a:t>
-            </a:r>
-            <a:r>
-              <a:rPr lang="en-US" altLang="ko-KR" noProof="1"/>
-              <a:t>)</a:t>
-            </a:r>
-            <a:endParaRPr lang="ko-KR" altLang="en-US" noProof="1"/>
-          </a:p>
-          <a:p>
-            <a:pPr rtl="0"/>
-            <a:endParaRPr lang="ko-KR" altLang="en-US" noProof="1"/>
-          </a:p>
-        </p:txBody>
-      </p:sp>
-      <p:sp>
-        <p:nvSpPr>
-          <p:cNvPr id="6" name="텍스트 개체 틀 5">
-            <a:extLst>
-              <a:ext uri="{FF2B5EF4-FFF2-40B4-BE49-F238E27FC236}">
-                <a16:creationId xmlns:a16="http://schemas.microsoft.com/office/drawing/2014/main" id="{0FE22F9B-4BF8-41DC-8F1C-836B546E59AD}"/>
-              </a:ext>
-            </a:extLst>
-          </p:cNvPr>
-          <p:cNvSpPr>
-            <a:spLocks noGrp="1"/>
-          </p:cNvSpPr>
-          <p:nvPr>
-            <p:ph type="body" sz="quarter" idx="3"/>
-          </p:nvPr>
-        </p:nvSpPr>
-        <p:spPr>
-          <a:xfrm>
-            <a:off x="4647665" y="2776936"/>
-            <a:ext cx="2896671" cy="823912"/>
-          </a:xfrm>
-        </p:spPr>
-        <p:txBody>
-          <a:bodyPr rtlCol="0"/>
-          <a:lstStyle/>
-          <a:p>
-            <a:pPr rtl="0"/>
-            <a:r>
-              <a:rPr lang="ko-KR" altLang="en-US"/>
-              <a:t>₩</a:t>
-            </a:r>
-            <a:r>
-              <a:rPr lang="en-US" altLang="ko-KR"/>
-              <a:t>10</a:t>
-            </a:r>
-            <a:r>
-              <a:rPr lang="ko-KR" altLang="en-US"/>
-              <a:t>억</a:t>
-            </a:r>
-            <a:endParaRPr lang="ko-KR" altLang="en-US" dirty="0"/>
-          </a:p>
-        </p:txBody>
-      </p:sp>
-      <p:sp>
-        <p:nvSpPr>
-          <p:cNvPr id="3" name="텍스트 개체 틀 2">
-            <a:extLst>
-              <a:ext uri="{FF2B5EF4-FFF2-40B4-BE49-F238E27FC236}">
-                <a16:creationId xmlns:a16="http://schemas.microsoft.com/office/drawing/2014/main" id="{D5E1C399-8F48-44F5-9461-3C89866D4CE1}"/>
-              </a:ext>
-            </a:extLst>
-          </p:cNvPr>
-          <p:cNvSpPr>
-            <a:spLocks noGrp="1"/>
-          </p:cNvSpPr>
-          <p:nvPr>
-            <p:ph sz="quarter" idx="4"/>
-          </p:nvPr>
-        </p:nvSpPr>
-        <p:spPr>
-          <a:xfrm>
-            <a:off x="4647665" y="3834606"/>
-            <a:ext cx="2896671" cy="1997867"/>
-          </a:xfrm>
-        </p:spPr>
-        <p:txBody>
-          <a:bodyPr rtlCol="0"/>
-          <a:lstStyle/>
-          <a:p>
-            <a:pPr rtl="0"/>
-            <a:r>
-              <a:rPr lang="ko-KR" altLang="en-US" dirty="0"/>
-              <a:t>구축 기회</a:t>
-            </a:r>
-          </a:p>
-          <a:p>
-            <a:pPr rtl="0"/>
-            <a:r>
-              <a:rPr lang="ko-KR" altLang="en-US" dirty="0"/>
-              <a:t>완전 포괄 시장</a:t>
-            </a:r>
-          </a:p>
-          <a:p>
-            <a:pPr rtl="0"/>
-            <a:r>
-              <a:rPr lang="en-US" altLang="ko-KR"/>
-              <a:t>TAM(</a:t>
-            </a:r>
-            <a:r>
-              <a:rPr lang="ko-KR" altLang="en-US"/>
-              <a:t>전체 시장</a:t>
-            </a:r>
-            <a:r>
-              <a:rPr lang="en-US" altLang="ko-KR"/>
-              <a:t>)</a:t>
-            </a:r>
-            <a:endParaRPr lang="ko-KR" altLang="en-US" dirty="0"/>
-          </a:p>
-        </p:txBody>
-      </p:sp>
-      <p:sp>
-        <p:nvSpPr>
-          <p:cNvPr id="5" name="내용 개체 틀 4">
-            <a:extLst>
-              <a:ext uri="{FF2B5EF4-FFF2-40B4-BE49-F238E27FC236}">
-                <a16:creationId xmlns:a16="http://schemas.microsoft.com/office/drawing/2014/main" id="{CF515C5D-2CDB-4E66-B2B8-1451BC44247F}"/>
-              </a:ext>
-            </a:extLst>
-          </p:cNvPr>
-          <p:cNvSpPr>
-            <a:spLocks noGrp="1"/>
-          </p:cNvSpPr>
-          <p:nvPr>
-            <p:ph type="body" idx="13"/>
-          </p:nvPr>
-        </p:nvSpPr>
-        <p:spPr>
-          <a:xfrm>
-            <a:off x="8066421" y="2776936"/>
-            <a:ext cx="2882475" cy="823912"/>
-          </a:xfrm>
-        </p:spPr>
-        <p:txBody>
-          <a:bodyPr vert="horz" lIns="91440" tIns="45720" rIns="91440" bIns="45720" rtlCol="0" anchor="b">
+              <a:rPr lang="ko" noProof="1"/>
+              <a:t>디자인</a:t>
+            </a:r>
+          </a:p>
+        </p:txBody>
+      </p:sp>
+      <p:sp>
+        <p:nvSpPr>
+          <p:cNvPr id="9" name="텍스트 개체 틀 8">
+            <a:extLst>
+              <a:ext uri="{FF2B5EF4-FFF2-40B4-BE49-F238E27FC236}">
+                <a16:creationId xmlns:a16="http://schemas.microsoft.com/office/drawing/2014/main" id="{95CCE699-03D1-4642-B46A-B14EF17DA183}"/>
+              </a:ext>
+            </a:extLst>
+          </p:cNvPr>
+          <p:cNvSpPr>
+            <a:spLocks noGrp="1"/>
+          </p:cNvSpPr>
+          <p:nvPr>
+            <p:ph type="body" sz="quarter" idx="24"/>
+          </p:nvPr>
+        </p:nvSpPr>
+        <p:spPr>
+          <a:xfrm>
+            <a:off x="5921828" y="3898736"/>
+            <a:ext cx="5431971" cy="557950"/>
+          </a:xfrm>
+        </p:spPr>
+        <p:txBody>
+          <a:bodyPr rtlCol="0">
             <a:normAutofit/>
           </a:bodyPr>
           <a:lstStyle/>
           <a:p>
             <a:pPr rtl="0"/>
             <a:r>
-              <a:rPr lang="ko-KR" altLang="en-US"/>
-              <a:t>₩</a:t>
-            </a:r>
-            <a:r>
-              <a:rPr lang="en-US" altLang="ko-KR"/>
-              <a:t>20</a:t>
-            </a:r>
-            <a:r>
-              <a:rPr lang="ko-KR" altLang="en-US"/>
-              <a:t>억</a:t>
-            </a:r>
-            <a:endParaRPr lang="ko-KR" altLang="en-US" dirty="0"/>
-          </a:p>
-        </p:txBody>
-      </p:sp>
-      <p:sp>
-        <p:nvSpPr>
-          <p:cNvPr id="8" name="텍스트 개체 틀 7">
-            <a:extLst>
-              <a:ext uri="{FF2B5EF4-FFF2-40B4-BE49-F238E27FC236}">
-                <a16:creationId xmlns:a16="http://schemas.microsoft.com/office/drawing/2014/main" id="{E92B9716-8D44-4864-8986-720957B34362}"/>
-              </a:ext>
-            </a:extLst>
-          </p:cNvPr>
-          <p:cNvSpPr>
-            <a:spLocks noGrp="1"/>
-          </p:cNvSpPr>
-          <p:nvPr>
-            <p:ph sz="half" idx="14"/>
-          </p:nvPr>
-        </p:nvSpPr>
-        <p:spPr>
-          <a:xfrm>
-            <a:off x="8066421" y="3834606"/>
-            <a:ext cx="2882475" cy="1997867"/>
+              <a:rPr lang="ko" noProof="1"/>
+              <a:t>당사는 사람들이 이 틈새 시장 전용 제품을 더 많이 필요로 한다고 생각합니다.</a:t>
+            </a:r>
+          </a:p>
+        </p:txBody>
+      </p:sp>
+      <p:sp>
+        <p:nvSpPr>
+          <p:cNvPr id="10" name="텍스트 개체 틀 9">
+            <a:extLst>
+              <a:ext uri="{FF2B5EF4-FFF2-40B4-BE49-F238E27FC236}">
+                <a16:creationId xmlns:a16="http://schemas.microsoft.com/office/drawing/2014/main" id="{BC1DF189-6F2F-4C21-88CC-C82D3D0D147B}"/>
+              </a:ext>
+            </a:extLst>
+          </p:cNvPr>
+          <p:cNvSpPr>
+            <a:spLocks noGrp="1"/>
+          </p:cNvSpPr>
+          <p:nvPr>
+            <p:ph type="body" sz="quarter" idx="25"/>
+          </p:nvPr>
+        </p:nvSpPr>
+        <p:spPr>
+          <a:xfrm>
+            <a:off x="5922254" y="4669107"/>
+            <a:ext cx="5433204" cy="365125"/>
+          </a:xfrm>
+        </p:spPr>
+        <p:txBody>
+          <a:bodyPr vert="horz" lIns="91440" tIns="45720" rIns="91440" bIns="45720" rtlCol="0" anchor="t">
+            <a:normAutofit lnSpcReduction="10000"/>
+          </a:bodyPr>
+          <a:lstStyle/>
+          <a:p>
+            <a:pPr rtl="0"/>
+            <a:r>
+              <a:rPr lang="ko" noProof="1"/>
+              <a:t>연구</a:t>
+            </a:r>
+          </a:p>
+        </p:txBody>
+      </p:sp>
+      <p:sp>
+        <p:nvSpPr>
+          <p:cNvPr id="5" name="텍스트 개체 틀 4">
+            <a:extLst>
+              <a:ext uri="{FF2B5EF4-FFF2-40B4-BE49-F238E27FC236}">
+                <a16:creationId xmlns:a16="http://schemas.microsoft.com/office/drawing/2014/main" id="{06E82690-B145-4D4F-B2D1-0B2A8C50FD71}"/>
+              </a:ext>
+            </a:extLst>
+          </p:cNvPr>
+          <p:cNvSpPr>
+            <a:spLocks noGrp="1"/>
+          </p:cNvSpPr>
+          <p:nvPr>
+            <p:ph type="body" sz="quarter" idx="26"/>
+          </p:nvPr>
+        </p:nvSpPr>
+        <p:spPr>
+          <a:xfrm>
+            <a:off x="5921828" y="4998532"/>
+            <a:ext cx="5431971" cy="557950"/>
+          </a:xfrm>
+        </p:spPr>
+        <p:txBody>
+          <a:bodyPr rtlCol="0">
+            <a:normAutofit/>
+          </a:bodyPr>
+          <a:lstStyle/>
+          <a:p>
+            <a:pPr rtl="0"/>
+            <a:r>
+              <a:rPr lang="ko" noProof="1"/>
+              <a:t>미니멀리스트와 편리성 </a:t>
+            </a:r>
+          </a:p>
+        </p:txBody>
+      </p:sp>
+      <p:sp>
+        <p:nvSpPr>
+          <p:cNvPr id="32" name="날짜 개체 틀 31">
+            <a:extLst>
+              <a:ext uri="{FF2B5EF4-FFF2-40B4-BE49-F238E27FC236}">
+                <a16:creationId xmlns:a16="http://schemas.microsoft.com/office/drawing/2014/main" id="{D5DB19F8-B538-4965-BA90-ED372B99F5DC}"/>
+              </a:ext>
+            </a:extLst>
+          </p:cNvPr>
+          <p:cNvSpPr>
+            <a:spLocks noGrp="1"/>
+          </p:cNvSpPr>
+          <p:nvPr>
+            <p:ph type="dt" sz="half" idx="20"/>
+          </p:nvPr>
+        </p:nvSpPr>
+        <p:spPr>
+          <a:xfrm>
+            <a:off x="5919680" y="6356350"/>
+            <a:ext cx="947516" cy="365125"/>
           </a:xfrm>
         </p:spPr>
         <p:txBody>
@@ -26885,59 +26755,32 @@
           <a:p>
             <a:pPr rtl="0"/>
             <a:r>
-              <a:rPr lang="ko-KR" altLang="en-US" noProof="1"/>
-              <a:t>경쟁 업체가 거의 없음</a:t>
-            </a:r>
-          </a:p>
-          <a:p>
-            <a:pPr rtl="0"/>
-            <a:r>
-              <a:rPr lang="ko-KR" altLang="en-US" noProof="1"/>
-              <a:t>특정 대상 시장</a:t>
-            </a:r>
-          </a:p>
-          <a:p>
-            <a:pPr rtl="0"/>
-            <a:r>
-              <a:rPr lang="en-US" altLang="ko-KR" noProof="1"/>
-              <a:t>SOM(</a:t>
-            </a:r>
-            <a:r>
-              <a:rPr lang="ko-KR" altLang="en-US" noProof="1"/>
-              <a:t>수익 시장</a:t>
-            </a:r>
-            <a:r>
-              <a:rPr lang="en-US" altLang="ko-KR" noProof="1"/>
-              <a:t>)</a:t>
-            </a:r>
-            <a:endParaRPr lang="ko-KR" altLang="en-US" dirty="0"/>
-          </a:p>
-          <a:p>
-            <a:pPr rtl="0"/>
-            <a:endParaRPr lang="ko-KR" altLang="en-US" dirty="0"/>
-          </a:p>
-        </p:txBody>
-      </p:sp>
-      <p:sp>
-        <p:nvSpPr>
-          <p:cNvPr id="9" name="날짜 개체 틀 8">
-            <a:extLst>
-              <a:ext uri="{FF2B5EF4-FFF2-40B4-BE49-F238E27FC236}">
-                <a16:creationId xmlns:a16="http://schemas.microsoft.com/office/drawing/2014/main" id="{7B78F7A0-88C5-4940-B21C-099F472F39F9}"/>
-              </a:ext>
-            </a:extLst>
-          </p:cNvPr>
-          <p:cNvSpPr>
-            <a:spLocks noGrp="1"/>
-          </p:cNvSpPr>
-          <p:nvPr>
-            <p:ph type="dt" sz="half" idx="10"/>
-          </p:nvPr>
-        </p:nvSpPr>
-        <p:spPr>
-          <a:xfrm>
-            <a:off x="838200" y="6356350"/>
-            <a:ext cx="2743200" cy="365125"/>
+              <a:rPr lang="ko"/>
+              <a:t>20XX년</a:t>
+            </a:r>
+          </a:p>
+        </p:txBody>
+      </p:sp>
+      <p:sp>
+        <p:nvSpPr>
+          <p:cNvPr id="3" name="바닥글 개체 틀 2">
+            <a:extLst>
+              <a:ext uri="{FF2B5EF4-FFF2-40B4-BE49-F238E27FC236}">
+                <a16:creationId xmlns:a16="http://schemas.microsoft.com/office/drawing/2014/main" id="{005C44B1-BA82-483C-BD91-F89067442F9E}"/>
+              </a:ext>
+            </a:extLst>
+          </p:cNvPr>
+          <p:cNvSpPr>
+            <a:spLocks noGrp="1"/>
+          </p:cNvSpPr>
+          <p:nvPr>
+            <p:ph type="ftr" sz="quarter" idx="21"/>
+          </p:nvPr>
+        </p:nvSpPr>
+        <p:spPr>
+          <a:xfrm>
+            <a:off x="7161955" y="6356350"/>
+            <a:ext cx="3243942" cy="365125"/>
           </a:xfrm>
         </p:spPr>
         <p:txBody>
@@ -26946,37 +26789,32 @@
           <a:p>
             <a:pPr rtl="0"/>
             <a:r>
-              <a:rPr lang="en-US" altLang="ko-KR"/>
-              <a:t>20XX</a:t>
-            </a:r>
-            <a:r>
-              <a:rPr lang="ko-KR" altLang="en-US"/>
-              <a:t>년</a:t>
-            </a:r>
-            <a:endParaRPr lang="ko-KR" altLang="en-US" dirty="0"/>
-          </a:p>
-        </p:txBody>
-      </p:sp>
-      <p:sp>
-        <p:nvSpPr>
-          <p:cNvPr id="10" name="바닥글 개체 틀 9">
-            <a:extLst>
-              <a:ext uri="{FF2B5EF4-FFF2-40B4-BE49-F238E27FC236}">
-                <a16:creationId xmlns:a16="http://schemas.microsoft.com/office/drawing/2014/main" id="{D2186069-FC8E-433D-9BB4-942220CE8CFB}"/>
-              </a:ext>
-            </a:extLst>
-          </p:cNvPr>
-          <p:cNvSpPr>
-            <a:spLocks noGrp="1"/>
-          </p:cNvSpPr>
-          <p:nvPr>
-            <p:ph type="ftr" sz="quarter" idx="11"/>
-          </p:nvPr>
-        </p:nvSpPr>
-        <p:spPr>
-          <a:xfrm>
-            <a:off x="4038600" y="6356350"/>
-            <a:ext cx="4114800" cy="365125"/>
+              <a:rPr lang="ko"/>
+              <a:t>설명 자료</a:t>
+            </a:r>
+          </a:p>
+        </p:txBody>
+      </p:sp>
+      <p:sp>
+        <p:nvSpPr>
+          <p:cNvPr id="4" name="슬라이드 번호 개체 틀 3">
+            <a:extLst>
+              <a:ext uri="{FF2B5EF4-FFF2-40B4-BE49-F238E27FC236}">
+                <a16:creationId xmlns:a16="http://schemas.microsoft.com/office/drawing/2014/main" id="{79ED4A67-3A46-4F54-A12A-EAE1B53E6457}"/>
+              </a:ext>
+            </a:extLst>
+          </p:cNvPr>
+          <p:cNvSpPr>
+            <a:spLocks noGrp="1"/>
+          </p:cNvSpPr>
+          <p:nvPr>
+            <p:ph type="sldNum" sz="quarter" idx="22"/>
+          </p:nvPr>
+        </p:nvSpPr>
+        <p:spPr>
+          <a:xfrm>
+            <a:off x="10700656" y="6356350"/>
+            <a:ext cx="653143" cy="365125"/>
           </a:xfrm>
         </p:spPr>
         <p:txBody>
@@ -26984,53 +26822,19 @@
           <a:lstStyle/>
           <a:p>
             <a:pPr rtl="0"/>
-            <a:r>
-              <a:rPr lang="ko-KR" altLang="en-US" dirty="0"/>
-              <a:t>설명 자료</a:t>
-            </a:r>
-          </a:p>
-        </p:txBody>
-      </p:sp>
-      <p:sp>
-        <p:nvSpPr>
-          <p:cNvPr id="11" name="슬라이드 번호 개체 틀 10">
-            <a:extLst>
-              <a:ext uri="{FF2B5EF4-FFF2-40B4-BE49-F238E27FC236}">
-                <a16:creationId xmlns:a16="http://schemas.microsoft.com/office/drawing/2014/main" id="{BAD5B6F4-0A90-447A-A1AE-D75C934B6B29}"/>
-              </a:ext>
-            </a:extLst>
-          </p:cNvPr>
-          <p:cNvSpPr>
-            <a:spLocks noGrp="1"/>
-          </p:cNvSpPr>
-          <p:nvPr>
-            <p:ph type="sldNum" sz="quarter" idx="12"/>
-          </p:nvPr>
-        </p:nvSpPr>
-        <p:spPr>
-          <a:xfrm>
-            <a:off x="8610600" y="6356350"/>
-            <a:ext cx="2743200" cy="365125"/>
-          </a:xfrm>
-        </p:spPr>
-        <p:txBody>
-          <a:bodyPr rtlCol="0"/>
-          <a:lstStyle/>
-          <a:p>
-            <a:pPr rtl="0"/>
-            <a:fld id="{B5CEABB6-07DC-46E8-9B57-56EC44A396E5}" type="slidenum">
-              <a:rPr lang="en-US" altLang="ko-KR" smtClean="0"/>
+            <a:fld id="{19B51A1E-902D-48AF-9020-955120F399B6}" type="slidenum">
+              <a:rPr lang="en-ZA" smtClean="0"/>
               <a:pPr rtl="0"/>
               <a:t>27</a:t>
             </a:fld>
-            <a:endParaRPr lang="ko-KR" altLang="en-US" dirty="0"/>
+            <a:endParaRPr lang="en-ZA" dirty="0"/>
           </a:p>
         </p:txBody>
       </p:sp>
     </p:spTree>
     <p:extLst>
       <p:ext uri="{BB962C8B-B14F-4D97-AF65-F5344CB8AC3E}">
-        <p14:creationId xmlns:p14="http://schemas.microsoft.com/office/powerpoint/2010/main" val="2121178069"/>
+        <p14:creationId xmlns:p14="http://schemas.microsoft.com/office/powerpoint/2010/main" val="2069393026"/>
       </p:ext>
     </p:extLst>
   </p:cSld>
@@ -27062,7 +26866,7 @@
           <p:cNvPr id="2" name="제목 1">
             <a:extLst>
               <a:ext uri="{FF2B5EF4-FFF2-40B4-BE49-F238E27FC236}">
-                <a16:creationId xmlns:a16="http://schemas.microsoft.com/office/drawing/2014/main" id="{5864BC4F-3D59-464A-857E-6F155B368ED7}"/>
+                <a16:creationId xmlns:a16="http://schemas.microsoft.com/office/drawing/2014/main" id="{5CE54ABB-4929-4810-950B-2DAEA0A5BAB4}"/>
               </a:ext>
             </a:extLst>
           </p:cNvPr>
@@ -27085,18 +26889,18 @@
           <a:p>
             <a:pPr rtl="0"/>
             <a:r>
-              <a:rPr lang="ko-KR" altLang="en-US"/>
-              <a:t>시장 비교</a:t>
-            </a:r>
-          </a:p>
-        </p:txBody>
-      </p:sp>
-      <p:sp>
-        <p:nvSpPr>
-          <p:cNvPr id="9" name="텍스트 개체 틀 8">
-            <a:extLst>
-              <a:ext uri="{FF2B5EF4-FFF2-40B4-BE49-F238E27FC236}">
-                <a16:creationId xmlns:a16="http://schemas.microsoft.com/office/drawing/2014/main" id="{8C1455DF-5CEC-44A2-A92D-8E901D15B7CC}"/>
+              <a:rPr lang="ko-KR" altLang="en-US" dirty="0"/>
+              <a:t>시장 개요</a:t>
+            </a:r>
+          </a:p>
+        </p:txBody>
+      </p:sp>
+      <p:sp>
+        <p:nvSpPr>
+          <p:cNvPr id="4" name="텍스트 개체 틀 3">
+            <a:extLst>
+              <a:ext uri="{FF2B5EF4-FFF2-40B4-BE49-F238E27FC236}">
+                <a16:creationId xmlns:a16="http://schemas.microsoft.com/office/drawing/2014/main" id="{A112B089-A8F9-45B1-BE6E-EAC10163F082}"/>
               </a:ext>
             </a:extLst>
           </p:cNvPr>
@@ -27109,8 +26913,8 @@
         </p:nvSpPr>
         <p:spPr>
           <a:xfrm>
-            <a:off x="1885157" y="3118405"/>
-            <a:ext cx="1696244" cy="823912"/>
+            <a:off x="1243104" y="2776936"/>
+            <a:ext cx="2882475" cy="823912"/>
           </a:xfrm>
         </p:spPr>
         <p:txBody>
@@ -27119,40 +26923,105 @@
           <a:p>
             <a:pPr rtl="0"/>
             <a:r>
-              <a:rPr lang="ko-KR" altLang="en-US" sz="3600"/>
+              <a:rPr lang="ko-KR" altLang="en-US"/>
               <a:t>₩</a:t>
             </a:r>
             <a:r>
-              <a:rPr lang="en-US" altLang="ko-KR" sz="3600"/>
+              <a:rPr lang="en-US" altLang="ko-KR"/>
               <a:t>30</a:t>
             </a:r>
             <a:r>
-              <a:rPr lang="ko-KR" altLang="en-US" sz="3600"/>
+              <a:rPr lang="ko-KR" altLang="en-US"/>
               <a:t>억</a:t>
             </a:r>
-          </a:p>
-        </p:txBody>
-      </p:sp>
-      <p:sp>
-        <p:nvSpPr>
-          <p:cNvPr id="10" name="텍스트 개체 틀 9">
-            <a:extLst>
-              <a:ext uri="{FF2B5EF4-FFF2-40B4-BE49-F238E27FC236}">
-                <a16:creationId xmlns:a16="http://schemas.microsoft.com/office/drawing/2014/main" id="{7C7E7B18-D05F-4C44-8718-8C671160FC98}"/>
-              </a:ext>
-            </a:extLst>
-          </p:cNvPr>
-          <p:cNvSpPr>
-            <a:spLocks noGrp="1"/>
-          </p:cNvSpPr>
-          <p:nvPr>
-            <p:ph type="body" idx="15"/>
-          </p:nvPr>
-        </p:nvSpPr>
-        <p:spPr>
-          <a:xfrm>
-            <a:off x="5296816" y="3118405"/>
-            <a:ext cx="1696244" cy="823912"/>
+            <a:endParaRPr lang="ko-KR" altLang="en-US" dirty="0"/>
+          </a:p>
+        </p:txBody>
+      </p:sp>
+      <p:sp>
+        <p:nvSpPr>
+          <p:cNvPr id="7" name="내용 개체 틀 6">
+            <a:extLst>
+              <a:ext uri="{FF2B5EF4-FFF2-40B4-BE49-F238E27FC236}">
+                <a16:creationId xmlns:a16="http://schemas.microsoft.com/office/drawing/2014/main" id="{6B35F89A-6CDF-41F7-BD87-18B45BD7330B}"/>
+              </a:ext>
+            </a:extLst>
+          </p:cNvPr>
+          <p:cNvSpPr>
+            <a:spLocks noGrp="1"/>
+          </p:cNvSpPr>
+          <p:nvPr>
+            <p:ph sz="half" idx="2"/>
+          </p:nvPr>
+        </p:nvSpPr>
+        <p:spPr>
+          <a:xfrm>
+            <a:off x="1243104" y="3834606"/>
+            <a:ext cx="2882475" cy="1997867"/>
+          </a:xfrm>
+        </p:spPr>
+        <p:txBody>
+          <a:bodyPr vert="horz" lIns="91440" tIns="45720" rIns="91440" bIns="45720" rtlCol="0" anchor="t">
+            <a:normAutofit/>
+          </a:bodyPr>
+          <a:lstStyle/>
+          <a:p>
+            <a:pPr rtl="0"/>
+            <a:r>
+              <a:rPr lang="ko-KR" altLang="en-US" noProof="1"/>
+              <a:t>창조의 자유</a:t>
+            </a:r>
+            <a:endParaRPr lang="ko-KR" altLang="en-US" dirty="0"/>
+          </a:p>
+          <a:p>
+            <a:pPr rtl="0"/>
+            <a:r>
+              <a:rPr lang="ko-KR" altLang="en-US" noProof="1"/>
+              <a:t>선택적 포괄 시장</a:t>
+            </a:r>
+          </a:p>
+          <a:p>
+            <a:pPr rtl="0"/>
+            <a:r>
+              <a:rPr lang="en-US" altLang="ko-KR" noProof="1"/>
+              <a:t>SAM(</a:t>
+            </a:r>
+            <a:r>
+              <a:rPr lang="ko-KR" altLang="en-US" noProof="1"/>
+              <a:t>유효 시장</a:t>
+            </a:r>
+            <a:r>
+              <a:rPr lang="en-US" altLang="ko-KR" noProof="1"/>
+              <a:t>)</a:t>
+            </a:r>
+            <a:endParaRPr lang="ko-KR" altLang="en-US" noProof="1"/>
+          </a:p>
+          <a:p>
+            <a:pPr rtl="0"/>
+            <a:endParaRPr lang="ko-KR" altLang="en-US" noProof="1"/>
+          </a:p>
+        </p:txBody>
+      </p:sp>
+      <p:sp>
+        <p:nvSpPr>
+          <p:cNvPr id="6" name="텍스트 개체 틀 5">
+            <a:extLst>
+              <a:ext uri="{FF2B5EF4-FFF2-40B4-BE49-F238E27FC236}">
+                <a16:creationId xmlns:a16="http://schemas.microsoft.com/office/drawing/2014/main" id="{0FE22F9B-4BF8-41DC-8F1C-836B546E59AD}"/>
+              </a:ext>
+            </a:extLst>
+          </p:cNvPr>
+          <p:cNvSpPr>
+            <a:spLocks noGrp="1"/>
+          </p:cNvSpPr>
+          <p:nvPr>
+            <p:ph type="body" sz="quarter" idx="3"/>
+          </p:nvPr>
+        </p:nvSpPr>
+        <p:spPr>
+          <a:xfrm>
+            <a:off x="4647665" y="2776936"/>
+            <a:ext cx="2896671" cy="823912"/>
           </a:xfrm>
         </p:spPr>
         <p:txBody>
@@ -27161,40 +27030,41 @@
           <a:p>
             <a:pPr rtl="0"/>
             <a:r>
-              <a:rPr lang="ko-KR" altLang="en-US" sz="3600"/>
+              <a:rPr lang="ko-KR" altLang="en-US"/>
               <a:t>₩</a:t>
             </a:r>
             <a:r>
-              <a:rPr lang="en-US" altLang="ko-KR" sz="3600"/>
-              <a:t>20</a:t>
-            </a:r>
-            <a:r>
-              <a:rPr lang="ko-KR" altLang="en-US" sz="3600"/>
+              <a:rPr lang="en-US" altLang="ko-KR"/>
+              <a:t>10</a:t>
+            </a:r>
+            <a:r>
+              <a:rPr lang="ko-KR" altLang="en-US"/>
               <a:t>억</a:t>
             </a:r>
-          </a:p>
-        </p:txBody>
-      </p:sp>
-      <p:sp>
-        <p:nvSpPr>
-          <p:cNvPr id="11" name="텍스트 개체 틀 10">
-            <a:extLst>
-              <a:ext uri="{FF2B5EF4-FFF2-40B4-BE49-F238E27FC236}">
-                <a16:creationId xmlns:a16="http://schemas.microsoft.com/office/drawing/2014/main" id="{C4EAD5C6-02F0-4D27-8D85-1BD5EA833D6F}"/>
-              </a:ext>
-            </a:extLst>
-          </p:cNvPr>
-          <p:cNvSpPr>
-            <a:spLocks noGrp="1"/>
-          </p:cNvSpPr>
-          <p:nvPr>
-            <p:ph type="body" idx="16"/>
-          </p:nvPr>
-        </p:nvSpPr>
-        <p:spPr>
-          <a:xfrm>
-            <a:off x="8708476" y="3118405"/>
-            <a:ext cx="1696244" cy="823912"/>
+            <a:endParaRPr lang="ko-KR" altLang="en-US" dirty="0"/>
+          </a:p>
+        </p:txBody>
+      </p:sp>
+      <p:sp>
+        <p:nvSpPr>
+          <p:cNvPr id="3" name="텍스트 개체 틀 2">
+            <a:extLst>
+              <a:ext uri="{FF2B5EF4-FFF2-40B4-BE49-F238E27FC236}">
+                <a16:creationId xmlns:a16="http://schemas.microsoft.com/office/drawing/2014/main" id="{D5E1C399-8F48-44F5-9461-3C89866D4CE1}"/>
+              </a:ext>
+            </a:extLst>
+          </p:cNvPr>
+          <p:cNvSpPr>
+            <a:spLocks noGrp="1"/>
+          </p:cNvSpPr>
+          <p:nvPr>
+            <p:ph sz="quarter" idx="4"/>
+          </p:nvPr>
+        </p:nvSpPr>
+        <p:spPr>
+          <a:xfrm>
+            <a:off x="4647665" y="3834606"/>
+            <a:ext cx="2896671" cy="1997867"/>
           </a:xfrm>
         </p:spPr>
         <p:txBody>
@@ -27203,40 +27073,100 @@
           <a:p>
             <a:pPr rtl="0"/>
             <a:r>
-              <a:rPr lang="ko-KR" altLang="en-US" sz="3600"/>
+              <a:rPr lang="ko-KR" altLang="en-US" dirty="0"/>
+              <a:t>구축 기회</a:t>
+            </a:r>
+          </a:p>
+          <a:p>
+            <a:pPr rtl="0"/>
+            <a:r>
+              <a:rPr lang="ko-KR" altLang="en-US" dirty="0"/>
+              <a:t>완전 포괄 시장</a:t>
+            </a:r>
+          </a:p>
+          <a:p>
+            <a:pPr rtl="0"/>
+            <a:r>
+              <a:rPr lang="en-US" altLang="ko-KR"/>
+              <a:t>TAM(</a:t>
+            </a:r>
+            <a:r>
+              <a:rPr lang="ko-KR" altLang="en-US"/>
+              <a:t>전체 시장</a:t>
+            </a:r>
+            <a:r>
+              <a:rPr lang="en-US" altLang="ko-KR"/>
+              <a:t>)</a:t>
+            </a:r>
+            <a:endParaRPr lang="ko-KR" altLang="en-US" dirty="0"/>
+          </a:p>
+        </p:txBody>
+      </p:sp>
+      <p:sp>
+        <p:nvSpPr>
+          <p:cNvPr id="5" name="내용 개체 틀 4">
+            <a:extLst>
+              <a:ext uri="{FF2B5EF4-FFF2-40B4-BE49-F238E27FC236}">
+                <a16:creationId xmlns:a16="http://schemas.microsoft.com/office/drawing/2014/main" id="{CF515C5D-2CDB-4E66-B2B8-1451BC44247F}"/>
+              </a:ext>
+            </a:extLst>
+          </p:cNvPr>
+          <p:cNvSpPr>
+            <a:spLocks noGrp="1"/>
+          </p:cNvSpPr>
+          <p:nvPr>
+            <p:ph type="body" idx="13"/>
+          </p:nvPr>
+        </p:nvSpPr>
+        <p:spPr>
+          <a:xfrm>
+            <a:off x="8066421" y="2776936"/>
+            <a:ext cx="2882475" cy="823912"/>
+          </a:xfrm>
+        </p:spPr>
+        <p:txBody>
+          <a:bodyPr vert="horz" lIns="91440" tIns="45720" rIns="91440" bIns="45720" rtlCol="0" anchor="b">
+            <a:normAutofit/>
+          </a:bodyPr>
+          <a:lstStyle/>
+          <a:p>
+            <a:pPr rtl="0"/>
+            <a:r>
+              <a:rPr lang="ko-KR" altLang="en-US"/>
               <a:t>₩</a:t>
             </a:r>
             <a:r>
-              <a:rPr lang="en-US" altLang="ko-KR" sz="3600"/>
-              <a:t>10</a:t>
-            </a:r>
-            <a:r>
-              <a:rPr lang="ko-KR" altLang="en-US" sz="3600"/>
+              <a:rPr lang="en-US" altLang="ko-KR"/>
+              <a:t>20</a:t>
+            </a:r>
+            <a:r>
+              <a:rPr lang="ko-KR" altLang="en-US"/>
               <a:t>억</a:t>
             </a:r>
-          </a:p>
-        </p:txBody>
-      </p:sp>
-      <p:sp>
-        <p:nvSpPr>
-          <p:cNvPr id="19" name="내용 개체 틀 18">
-            <a:extLst>
-              <a:ext uri="{FF2B5EF4-FFF2-40B4-BE49-F238E27FC236}">
-                <a16:creationId xmlns:a16="http://schemas.microsoft.com/office/drawing/2014/main" id="{791D6145-F7F7-43DE-A16B-BF4F9607D4E8}"/>
-              </a:ext>
-            </a:extLst>
-          </p:cNvPr>
-          <p:cNvSpPr>
-            <a:spLocks noGrp="1"/>
-          </p:cNvSpPr>
-          <p:nvPr>
-            <p:ph sz="half" idx="2"/>
-          </p:nvPr>
-        </p:nvSpPr>
-        <p:spPr>
-          <a:xfrm>
-            <a:off x="1129698" y="4824188"/>
-            <a:ext cx="3124093" cy="462927"/>
+            <a:endParaRPr lang="ko-KR" altLang="en-US" dirty="0"/>
+          </a:p>
+        </p:txBody>
+      </p:sp>
+      <p:sp>
+        <p:nvSpPr>
+          <p:cNvPr id="8" name="텍스트 개체 틀 7">
+            <a:extLst>
+              <a:ext uri="{FF2B5EF4-FFF2-40B4-BE49-F238E27FC236}">
+                <a16:creationId xmlns:a16="http://schemas.microsoft.com/office/drawing/2014/main" id="{E92B9716-8D44-4864-8986-720957B34362}"/>
+              </a:ext>
+            </a:extLst>
+          </p:cNvPr>
+          <p:cNvSpPr>
+            <a:spLocks noGrp="1"/>
+          </p:cNvSpPr>
+          <p:nvPr>
+            <p:ph sz="half" idx="14"/>
+          </p:nvPr>
+        </p:nvSpPr>
+        <p:spPr>
+          <a:xfrm>
+            <a:off x="8066421" y="3834606"/>
+            <a:ext cx="2882475" cy="1997867"/>
           </a:xfrm>
         </p:spPr>
         <p:txBody>
@@ -27245,32 +27175,59 @@
           <a:p>
             <a:pPr rtl="0"/>
             <a:r>
-              <a:rPr lang="ko-KR" altLang="en-US"/>
-              <a:t>구축 기회</a:t>
-            </a:r>
-          </a:p>
-        </p:txBody>
-      </p:sp>
-      <p:sp>
-        <p:nvSpPr>
-          <p:cNvPr id="22" name="내용 개체 틀 21">
-            <a:extLst>
-              <a:ext uri="{FF2B5EF4-FFF2-40B4-BE49-F238E27FC236}">
-                <a16:creationId xmlns:a16="http://schemas.microsoft.com/office/drawing/2014/main" id="{F296843C-0ED0-4314-A6F0-DD60C828DDFB}"/>
-              </a:ext>
-            </a:extLst>
-          </p:cNvPr>
-          <p:cNvSpPr>
-            <a:spLocks noGrp="1"/>
-          </p:cNvSpPr>
-          <p:nvPr>
-            <p:ph sz="half" idx="17"/>
-          </p:nvPr>
-        </p:nvSpPr>
-        <p:spPr>
-          <a:xfrm>
-            <a:off x="1129698" y="5280763"/>
-            <a:ext cx="3124093" cy="462927"/>
+              <a:rPr lang="ko-KR" altLang="en-US" noProof="1"/>
+              <a:t>경쟁 업체가 거의 없음</a:t>
+            </a:r>
+          </a:p>
+          <a:p>
+            <a:pPr rtl="0"/>
+            <a:r>
+              <a:rPr lang="ko-KR" altLang="en-US" noProof="1"/>
+              <a:t>특정 대상 시장</a:t>
+            </a:r>
+          </a:p>
+          <a:p>
+            <a:pPr rtl="0"/>
+            <a:r>
+              <a:rPr lang="en-US" altLang="ko-KR" noProof="1"/>
+              <a:t>SOM(</a:t>
+            </a:r>
+            <a:r>
+              <a:rPr lang="ko-KR" altLang="en-US" noProof="1"/>
+              <a:t>수익 시장</a:t>
+            </a:r>
+            <a:r>
+              <a:rPr lang="en-US" altLang="ko-KR" noProof="1"/>
+              <a:t>)</a:t>
+            </a:r>
+            <a:endParaRPr lang="ko-KR" altLang="en-US" dirty="0"/>
+          </a:p>
+          <a:p>
+            <a:pPr rtl="0"/>
+            <a:endParaRPr lang="ko-KR" altLang="en-US" dirty="0"/>
+          </a:p>
+        </p:txBody>
+      </p:sp>
+      <p:sp>
+        <p:nvSpPr>
+          <p:cNvPr id="9" name="날짜 개체 틀 8">
+            <a:extLst>
+              <a:ext uri="{FF2B5EF4-FFF2-40B4-BE49-F238E27FC236}">
+                <a16:creationId xmlns:a16="http://schemas.microsoft.com/office/drawing/2014/main" id="{7B78F7A0-88C5-4940-B21C-099F472F39F9}"/>
+              </a:ext>
+            </a:extLst>
+          </p:cNvPr>
+          <p:cNvSpPr>
+            <a:spLocks noGrp="1"/>
+          </p:cNvSpPr>
+          <p:nvPr>
+            <p:ph type="dt" sz="half" idx="10"/>
+          </p:nvPr>
+        </p:nvSpPr>
+        <p:spPr>
+          <a:xfrm>
+            <a:off x="838200" y="6356350"/>
+            <a:ext cx="2743200" cy="365125"/>
           </a:xfrm>
         </p:spPr>
         <p:txBody>
@@ -27279,32 +27236,37 @@
           <a:p>
             <a:pPr rtl="0"/>
             <a:r>
+              <a:rPr lang="en-US" altLang="ko-KR"/>
+              <a:t>20XX</a:t>
+            </a:r>
+            <a:r>
               <a:rPr lang="ko-KR" altLang="en-US"/>
-              <a:t>가용 시장</a:t>
-            </a:r>
-          </a:p>
-        </p:txBody>
-      </p:sp>
-      <p:sp>
-        <p:nvSpPr>
-          <p:cNvPr id="20" name="내용 개체 틀 19">
-            <a:extLst>
-              <a:ext uri="{FF2B5EF4-FFF2-40B4-BE49-F238E27FC236}">
-                <a16:creationId xmlns:a16="http://schemas.microsoft.com/office/drawing/2014/main" id="{BC46925A-8382-42EB-891C-DBB4EAAA33F8}"/>
-              </a:ext>
-            </a:extLst>
-          </p:cNvPr>
-          <p:cNvSpPr>
-            <a:spLocks noGrp="1"/>
-          </p:cNvSpPr>
-          <p:nvPr>
-            <p:ph sz="quarter" idx="4"/>
-          </p:nvPr>
-        </p:nvSpPr>
-        <p:spPr>
-          <a:xfrm>
-            <a:off x="4526261" y="4824188"/>
-            <a:ext cx="3139479" cy="462927"/>
+              <a:t>년</a:t>
+            </a:r>
+            <a:endParaRPr lang="ko-KR" altLang="en-US" dirty="0"/>
+          </a:p>
+        </p:txBody>
+      </p:sp>
+      <p:sp>
+        <p:nvSpPr>
+          <p:cNvPr id="10" name="바닥글 개체 틀 9">
+            <a:extLst>
+              <a:ext uri="{FF2B5EF4-FFF2-40B4-BE49-F238E27FC236}">
+                <a16:creationId xmlns:a16="http://schemas.microsoft.com/office/drawing/2014/main" id="{D2186069-FC8E-433D-9BB4-942220CE8CFB}"/>
+              </a:ext>
+            </a:extLst>
+          </p:cNvPr>
+          <p:cNvSpPr>
+            <a:spLocks noGrp="1"/>
+          </p:cNvSpPr>
+          <p:nvPr>
+            <p:ph type="ftr" sz="quarter" idx="11"/>
+          </p:nvPr>
+        </p:nvSpPr>
+        <p:spPr>
+          <a:xfrm>
+            <a:off x="4038600" y="6356350"/>
+            <a:ext cx="4114800" cy="365125"/>
           </a:xfrm>
         </p:spPr>
         <p:txBody>
@@ -27313,181 +27275,7 @@
           <a:p>
             <a:pPr rtl="0"/>
             <a:r>
-              <a:rPr lang="ko-KR" altLang="en-US"/>
-              <a:t>창조의 자유</a:t>
-            </a:r>
-          </a:p>
-        </p:txBody>
-      </p:sp>
-      <p:sp>
-        <p:nvSpPr>
-          <p:cNvPr id="23" name="내용 개체 틀 22">
-            <a:extLst>
-              <a:ext uri="{FF2B5EF4-FFF2-40B4-BE49-F238E27FC236}">
-                <a16:creationId xmlns:a16="http://schemas.microsoft.com/office/drawing/2014/main" id="{649BF20C-562E-400E-BEA6-1D5F81F2FE44}"/>
-              </a:ext>
-            </a:extLst>
-          </p:cNvPr>
-          <p:cNvSpPr>
-            <a:spLocks noGrp="1"/>
-          </p:cNvSpPr>
-          <p:nvPr>
-            <p:ph sz="quarter" idx="18"/>
-          </p:nvPr>
-        </p:nvSpPr>
-        <p:spPr>
-          <a:xfrm>
-            <a:off x="4526261" y="5280763"/>
-            <a:ext cx="3139479" cy="462927"/>
-          </a:xfrm>
-        </p:spPr>
-        <p:txBody>
-          <a:bodyPr rtlCol="0"/>
-          <a:lstStyle/>
-          <a:p>
-            <a:pPr rtl="0"/>
-            <a:r>
-              <a:rPr lang="ko-KR" altLang="en-US"/>
-              <a:t>서비스 가능한 시장</a:t>
-            </a:r>
-          </a:p>
-        </p:txBody>
-      </p:sp>
-      <p:sp>
-        <p:nvSpPr>
-          <p:cNvPr id="21" name="내용 개체 틀 20">
-            <a:extLst>
-              <a:ext uri="{FF2B5EF4-FFF2-40B4-BE49-F238E27FC236}">
-                <a16:creationId xmlns:a16="http://schemas.microsoft.com/office/drawing/2014/main" id="{318AFADE-B54F-4988-8000-B9336A395336}"/>
-              </a:ext>
-            </a:extLst>
-          </p:cNvPr>
-          <p:cNvSpPr>
-            <a:spLocks noGrp="1"/>
-          </p:cNvSpPr>
-          <p:nvPr>
-            <p:ph sz="half" idx="14"/>
-          </p:nvPr>
-        </p:nvSpPr>
-        <p:spPr>
-          <a:xfrm>
-            <a:off x="7938210" y="4824188"/>
-            <a:ext cx="3124093" cy="462927"/>
-          </a:xfrm>
-        </p:spPr>
-        <p:txBody>
-          <a:bodyPr rtlCol="0"/>
-          <a:lstStyle/>
-          <a:p>
-            <a:pPr rtl="0"/>
-            <a:r>
-              <a:rPr lang="ko-KR" altLang="en-US"/>
-              <a:t>경쟁 업체가 거의 없음</a:t>
-            </a:r>
-          </a:p>
-        </p:txBody>
-      </p:sp>
-      <p:sp>
-        <p:nvSpPr>
-          <p:cNvPr id="24" name="내용 개체 틀 23">
-            <a:extLst>
-              <a:ext uri="{FF2B5EF4-FFF2-40B4-BE49-F238E27FC236}">
-                <a16:creationId xmlns:a16="http://schemas.microsoft.com/office/drawing/2014/main" id="{5AA25980-D334-4FC0-9091-936E53B8D321}"/>
-              </a:ext>
-            </a:extLst>
-          </p:cNvPr>
-          <p:cNvSpPr>
-            <a:spLocks noGrp="1"/>
-          </p:cNvSpPr>
-          <p:nvPr>
-            <p:ph sz="half" idx="19"/>
-          </p:nvPr>
-        </p:nvSpPr>
-        <p:spPr>
-          <a:xfrm>
-            <a:off x="7938210" y="5280763"/>
-            <a:ext cx="3124093" cy="462927"/>
-          </a:xfrm>
-        </p:spPr>
-        <p:txBody>
-          <a:bodyPr rtlCol="0"/>
-          <a:lstStyle/>
-          <a:p>
-            <a:pPr rtl="0"/>
-            <a:r>
-              <a:rPr lang="ko-KR" altLang="en-US"/>
-              <a:t>수익 시장</a:t>
-            </a:r>
-          </a:p>
-        </p:txBody>
-      </p:sp>
-      <p:sp>
-        <p:nvSpPr>
-          <p:cNvPr id="5" name="날짜 개체 틀 4">
-            <a:extLst>
-              <a:ext uri="{FF2B5EF4-FFF2-40B4-BE49-F238E27FC236}">
-                <a16:creationId xmlns:a16="http://schemas.microsoft.com/office/drawing/2014/main" id="{79C22D8C-87A6-47AD-8D29-FBBA539EDBE2}"/>
-              </a:ext>
-            </a:extLst>
-          </p:cNvPr>
-          <p:cNvSpPr>
-            <a:spLocks noGrp="1"/>
-          </p:cNvSpPr>
-          <p:nvPr>
-            <p:ph type="dt" sz="half" idx="10"/>
-          </p:nvPr>
-        </p:nvSpPr>
-        <p:spPr>
-          <a:xfrm>
-            <a:off x="838200" y="6356350"/>
-            <a:ext cx="2743200" cy="365125"/>
-          </a:xfrm>
-        </p:spPr>
-        <p:txBody>
-          <a:bodyPr rtlCol="0"/>
-          <a:lstStyle/>
-          <a:p>
-            <a:pPr rtl="0"/>
-            <a:r>
-              <a:rPr lang="en-US" altLang="ko-KR"/>
-              <a:t>20XX</a:t>
-            </a:r>
-            <a:r>
-              <a:rPr lang="ko-KR" altLang="en-US"/>
-              <a:t>년</a:t>
-            </a:r>
-          </a:p>
-        </p:txBody>
-      </p:sp>
-      <p:sp>
-        <p:nvSpPr>
-          <p:cNvPr id="6" name="바닥글 개체 틀 5">
-            <a:extLst>
-              <a:ext uri="{FF2B5EF4-FFF2-40B4-BE49-F238E27FC236}">
-                <a16:creationId xmlns:a16="http://schemas.microsoft.com/office/drawing/2014/main" id="{4D346909-C2E0-4F1D-90FC-F5E1D8DFB515}"/>
-              </a:ext>
-            </a:extLst>
-          </p:cNvPr>
-          <p:cNvSpPr>
-            <a:spLocks noGrp="1"/>
-          </p:cNvSpPr>
-          <p:nvPr>
-            <p:ph type="ftr" sz="quarter" idx="11"/>
-          </p:nvPr>
-        </p:nvSpPr>
-        <p:spPr>
-          <a:xfrm>
-            <a:off x="4038600" y="6356350"/>
-            <a:ext cx="4114800" cy="365125"/>
-          </a:xfrm>
-        </p:spPr>
-        <p:txBody>
-          <a:bodyPr rtlCol="0"/>
-          <a:lstStyle/>
-          <a:p>
-            <a:pPr rtl="0"/>
-            <a:r>
-              <a:rPr lang="ko-KR" altLang="en-US"/>
+              <a:rPr lang="ko-KR" altLang="en-US" dirty="0"/>
               <a:t>설명 자료</a:t>
             </a:r>
           </a:p>
@@ -27495,10 +27283,10 @@
       </p:sp>
       <p:sp>
         <p:nvSpPr>
-          <p:cNvPr id="7" name="슬라이드 번호 개체 틀 6">
-            <a:extLst>
-              <a:ext uri="{FF2B5EF4-FFF2-40B4-BE49-F238E27FC236}">
-                <a16:creationId xmlns:a16="http://schemas.microsoft.com/office/drawing/2014/main" id="{EBC02F21-4E3C-469E-B11C-9214231082D3}"/>
+          <p:cNvPr id="11" name="슬라이드 번호 개체 틀 10">
+            <a:extLst>
+              <a:ext uri="{FF2B5EF4-FFF2-40B4-BE49-F238E27FC236}">
+                <a16:creationId xmlns:a16="http://schemas.microsoft.com/office/drawing/2014/main" id="{BAD5B6F4-0A90-447A-A1AE-D75C934B6B29}"/>
               </a:ext>
             </a:extLst>
           </p:cNvPr>
@@ -27525,14 +27313,14 @@
               <a:pPr rtl="0"/>
               <a:t>28</a:t>
             </a:fld>
-            <a:endParaRPr lang="ko-KR" altLang="en-US"/>
+            <a:endParaRPr lang="ko-KR" altLang="en-US" dirty="0"/>
           </a:p>
         </p:txBody>
       </p:sp>
     </p:spTree>
     <p:extLst>
       <p:ext uri="{BB962C8B-B14F-4D97-AF65-F5344CB8AC3E}">
-        <p14:creationId xmlns:p14="http://schemas.microsoft.com/office/powerpoint/2010/main" val="404854312"/>
+        <p14:creationId xmlns:p14="http://schemas.microsoft.com/office/powerpoint/2010/main" val="2121178069"/>
       </p:ext>
     </p:extLst>
   </p:cSld>
@@ -27561,10 +27349,10 @@
       </p:grpSpPr>
       <p:sp>
         <p:nvSpPr>
-          <p:cNvPr id="4" name="제목 3">
-            <a:extLst>
-              <a:ext uri="{FF2B5EF4-FFF2-40B4-BE49-F238E27FC236}">
-                <a16:creationId xmlns:a16="http://schemas.microsoft.com/office/drawing/2014/main" id="{FAD2AE59-5630-4D5C-83A9-4CDEF4D7DCFB}"/>
+          <p:cNvPr id="2" name="제목 1">
+            <a:extLst>
+              <a:ext uri="{FF2B5EF4-FFF2-40B4-BE49-F238E27FC236}">
+                <a16:creationId xmlns:a16="http://schemas.microsoft.com/office/drawing/2014/main" id="{5864BC4F-3D59-464A-857E-6F155B368ED7}"/>
               </a:ext>
             </a:extLst>
           </p:cNvPr>
@@ -27577,7 +27365,7 @@
         </p:nvSpPr>
         <p:spPr>
           <a:xfrm>
-            <a:off x="2933700" y="892177"/>
+            <a:off x="1885156" y="892177"/>
             <a:ext cx="8421688" cy="1325563"/>
           </a:xfrm>
         </p:spPr>
@@ -27588,18 +27376,17 @@
             <a:pPr rtl="0"/>
             <a:r>
               <a:rPr lang="ko-KR" altLang="en-US"/>
-              <a:t>경쟁 업체</a:t>
-            </a:r>
-            <a:endParaRPr lang="ko-KR" altLang="en-US" dirty="0"/>
-          </a:p>
-        </p:txBody>
-      </p:sp>
-      <p:sp>
-        <p:nvSpPr>
-          <p:cNvPr id="5" name="텍스트 개체 틀 4">
-            <a:extLst>
-              <a:ext uri="{FF2B5EF4-FFF2-40B4-BE49-F238E27FC236}">
-                <a16:creationId xmlns:a16="http://schemas.microsoft.com/office/drawing/2014/main" id="{F8657664-A458-4DDD-ACC2-1D87FCD6FCA9}"/>
+              <a:t>시장 비교</a:t>
+            </a:r>
+          </a:p>
+        </p:txBody>
+      </p:sp>
+      <p:sp>
+        <p:nvSpPr>
+          <p:cNvPr id="9" name="텍스트 개체 틀 8">
+            <a:extLst>
+              <a:ext uri="{FF2B5EF4-FFF2-40B4-BE49-F238E27FC236}">
+                <a16:creationId xmlns:a16="http://schemas.microsoft.com/office/drawing/2014/main" id="{8C1455DF-5CEC-44A2-A92D-8E901D15B7CC}"/>
               </a:ext>
             </a:extLst>
           </p:cNvPr>
@@ -27612,8 +27399,8 @@
         </p:nvSpPr>
         <p:spPr>
           <a:xfrm>
-            <a:off x="2933700" y="2776936"/>
-            <a:ext cx="3924300" cy="823912"/>
+            <a:off x="1885157" y="3118405"/>
+            <a:ext cx="1696244" cy="823912"/>
           </a:xfrm>
         </p:spPr>
         <p:txBody>
@@ -27622,83 +27409,40 @@
           <a:p>
             <a:pPr rtl="0"/>
             <a:r>
-              <a:rPr lang="en-US" altLang="ko-KR"/>
-              <a:t>CONTOSO</a:t>
-            </a:r>
-            <a:endParaRPr lang="en-US" altLang="ko-KR" dirty="0"/>
-          </a:p>
-        </p:txBody>
-      </p:sp>
-      <p:sp>
-        <p:nvSpPr>
-          <p:cNvPr id="6" name="내용 개체 틀 5">
-            <a:extLst>
-              <a:ext uri="{FF2B5EF4-FFF2-40B4-BE49-F238E27FC236}">
-                <a16:creationId xmlns:a16="http://schemas.microsoft.com/office/drawing/2014/main" id="{5A6B31B0-7B84-475D-961F-09C0191F91A2}"/>
-              </a:ext>
-            </a:extLst>
-          </p:cNvPr>
-          <p:cNvSpPr>
-            <a:spLocks noGrp="1"/>
-          </p:cNvSpPr>
-          <p:nvPr>
-            <p:ph sz="half" idx="2"/>
-          </p:nvPr>
-        </p:nvSpPr>
-        <p:spPr>
-          <a:xfrm>
-            <a:off x="2933700" y="3834606"/>
-            <a:ext cx="3924300" cy="1997867"/>
-          </a:xfrm>
-        </p:spPr>
-        <p:txBody>
-          <a:bodyPr vert="horz" lIns="91440" tIns="45720" rIns="91440" bIns="45720" rtlCol="0" anchor="t">
-            <a:normAutofit/>
-          </a:bodyPr>
-          <a:lstStyle/>
-          <a:p>
-            <a:pPr rtl="0"/>
-            <a:r>
-              <a:rPr lang="ko-KR" altLang="en-US" noProof="1"/>
-              <a:t>당사 제품은 경쟁사 제품보다 가격이 저렴함</a:t>
-            </a:r>
-          </a:p>
-          <a:p>
-            <a:pPr rtl="0"/>
-            <a:r>
-              <a:rPr lang="ko-KR" altLang="en-US" noProof="1"/>
-              <a:t>경쟁사의 복잡한 디자인에 비해 디자인이 간단하고 사용하기 쉬움</a:t>
-            </a:r>
-          </a:p>
-          <a:p>
-            <a:pPr rtl="0"/>
-            <a:r>
-              <a:rPr lang="ko-KR" altLang="en-US" noProof="1"/>
-              <a:t>적당한 가격이 소비자가 당사 제품을 선택하는 주요 이유임</a:t>
-            </a:r>
-          </a:p>
-        </p:txBody>
-      </p:sp>
-      <p:sp>
-        <p:nvSpPr>
-          <p:cNvPr id="7" name="텍스트 개체 틀 6">
-            <a:extLst>
-              <a:ext uri="{FF2B5EF4-FFF2-40B4-BE49-F238E27FC236}">
-                <a16:creationId xmlns:a16="http://schemas.microsoft.com/office/drawing/2014/main" id="{578017FE-712E-4E95-B483-B700F1AA4B2A}"/>
-              </a:ext>
-            </a:extLst>
-          </p:cNvPr>
-          <p:cNvSpPr>
-            <a:spLocks noGrp="1"/>
-          </p:cNvSpPr>
-          <p:nvPr>
-            <p:ph type="body" sz="quarter" idx="3"/>
-          </p:nvPr>
-        </p:nvSpPr>
-        <p:spPr>
-          <a:xfrm>
-            <a:off x="7410173" y="2776936"/>
-            <a:ext cx="3943627" cy="823912"/>
+              <a:rPr lang="ko-KR" altLang="en-US" sz="3600"/>
+              <a:t>₩</a:t>
+            </a:r>
+            <a:r>
+              <a:rPr lang="en-US" altLang="ko-KR" sz="3600"/>
+              <a:t>30</a:t>
+            </a:r>
+            <a:r>
+              <a:rPr lang="ko-KR" altLang="en-US" sz="3600"/>
+              <a:t>억</a:t>
+            </a:r>
+          </a:p>
+        </p:txBody>
+      </p:sp>
+      <p:sp>
+        <p:nvSpPr>
+          <p:cNvPr id="10" name="텍스트 개체 틀 9">
+            <a:extLst>
+              <a:ext uri="{FF2B5EF4-FFF2-40B4-BE49-F238E27FC236}">
+                <a16:creationId xmlns:a16="http://schemas.microsoft.com/office/drawing/2014/main" id="{7C7E7B18-D05F-4C44-8718-8C671160FC98}"/>
+              </a:ext>
+            </a:extLst>
+          </p:cNvPr>
+          <p:cNvSpPr>
+            <a:spLocks noGrp="1"/>
+          </p:cNvSpPr>
+          <p:nvPr>
+            <p:ph type="body" idx="15"/>
+          </p:nvPr>
+        </p:nvSpPr>
+        <p:spPr>
+          <a:xfrm>
+            <a:off x="5296816" y="3118405"/>
+            <a:ext cx="1696244" cy="823912"/>
           </a:xfrm>
         </p:spPr>
         <p:txBody>
@@ -27707,33 +27451,40 @@
           <a:p>
             <a:pPr rtl="0"/>
             <a:r>
-              <a:rPr lang="ko-KR" altLang="en-US"/>
-              <a:t>경쟁사</a:t>
-            </a:r>
-            <a:endParaRPr lang="ko-KR" altLang="en-US" dirty="0"/>
-          </a:p>
-        </p:txBody>
-      </p:sp>
-      <p:sp>
-        <p:nvSpPr>
-          <p:cNvPr id="11" name="내용 개체 틀 10">
-            <a:extLst>
-              <a:ext uri="{FF2B5EF4-FFF2-40B4-BE49-F238E27FC236}">
-                <a16:creationId xmlns:a16="http://schemas.microsoft.com/office/drawing/2014/main" id="{D0E0ACA0-9139-4C37-920D-BF3C1FF461C1}"/>
-              </a:ext>
-            </a:extLst>
-          </p:cNvPr>
-          <p:cNvSpPr>
-            <a:spLocks noGrp="1"/>
-          </p:cNvSpPr>
-          <p:nvPr>
-            <p:ph sz="quarter" idx="4"/>
-          </p:nvPr>
-        </p:nvSpPr>
-        <p:spPr>
-          <a:xfrm>
-            <a:off x="7410173" y="3834606"/>
-            <a:ext cx="3943627" cy="1997867"/>
+              <a:rPr lang="ko-KR" altLang="en-US" sz="3600"/>
+              <a:t>₩</a:t>
+            </a:r>
+            <a:r>
+              <a:rPr lang="en-US" altLang="ko-KR" sz="3600"/>
+              <a:t>20</a:t>
+            </a:r>
+            <a:r>
+              <a:rPr lang="ko-KR" altLang="en-US" sz="3600"/>
+              <a:t>억</a:t>
+            </a:r>
+          </a:p>
+        </p:txBody>
+      </p:sp>
+      <p:sp>
+        <p:nvSpPr>
+          <p:cNvPr id="11" name="텍스트 개체 틀 10">
+            <a:extLst>
+              <a:ext uri="{FF2B5EF4-FFF2-40B4-BE49-F238E27FC236}">
+                <a16:creationId xmlns:a16="http://schemas.microsoft.com/office/drawing/2014/main" id="{C4EAD5C6-02F0-4D27-8D85-1BD5EA833D6F}"/>
+              </a:ext>
+            </a:extLst>
+          </p:cNvPr>
+          <p:cNvSpPr>
+            <a:spLocks noGrp="1"/>
+          </p:cNvSpPr>
+          <p:nvPr>
+            <p:ph type="body" idx="16"/>
+          </p:nvPr>
+        </p:nvSpPr>
+        <p:spPr>
+          <a:xfrm>
+            <a:off x="8708476" y="3118405"/>
+            <a:ext cx="1696244" cy="823912"/>
           </a:xfrm>
         </p:spPr>
         <p:txBody>
@@ -27742,81 +27493,230 @@
           <a:p>
             <a:pPr rtl="0"/>
             <a:r>
-              <a:rPr lang="ko-KR" altLang="en-US" b="1" noProof="1"/>
-              <a:t>회사 </a:t>
-            </a:r>
-            <a:r>
-              <a:rPr lang="en-US" altLang="ko-KR" b="1" noProof="1"/>
-              <a:t>A</a:t>
-            </a:r>
-            <a:br>
-              <a:rPr lang="ko-KR" altLang="en-ZA" noProof="1"/>
-            </a:br>
-            <a:r>
-              <a:rPr lang="ko-KR" altLang="en-US" noProof="1"/>
-              <a:t>제품이 더 비쌈</a:t>
-            </a:r>
-          </a:p>
+              <a:rPr lang="ko-KR" altLang="en-US" sz="3600"/>
+              <a:t>₩</a:t>
+            </a:r>
+            <a:r>
+              <a:rPr lang="en-US" altLang="ko-KR" sz="3600"/>
+              <a:t>10</a:t>
+            </a:r>
+            <a:r>
+              <a:rPr lang="ko-KR" altLang="en-US" sz="3600"/>
+              <a:t>억</a:t>
+            </a:r>
+          </a:p>
+        </p:txBody>
+      </p:sp>
+      <p:sp>
+        <p:nvSpPr>
+          <p:cNvPr id="19" name="내용 개체 틀 18">
+            <a:extLst>
+              <a:ext uri="{FF2B5EF4-FFF2-40B4-BE49-F238E27FC236}">
+                <a16:creationId xmlns:a16="http://schemas.microsoft.com/office/drawing/2014/main" id="{791D6145-F7F7-43DE-A16B-BF4F9607D4E8}"/>
+              </a:ext>
+            </a:extLst>
+          </p:cNvPr>
+          <p:cNvSpPr>
+            <a:spLocks noGrp="1"/>
+          </p:cNvSpPr>
+          <p:nvPr>
+            <p:ph sz="half" idx="2"/>
+          </p:nvPr>
+        </p:nvSpPr>
+        <p:spPr>
+          <a:xfrm>
+            <a:off x="1129698" y="4824188"/>
+            <a:ext cx="3124093" cy="462927"/>
+          </a:xfrm>
+        </p:spPr>
+        <p:txBody>
+          <a:bodyPr rtlCol="0"/>
+          <a:lstStyle/>
           <a:p>
             <a:pPr rtl="0"/>
             <a:r>
-              <a:rPr lang="ko-KR" altLang="en-US" b="1" noProof="1"/>
-              <a:t>회사 </a:t>
-            </a:r>
-            <a:r>
-              <a:rPr lang="en-US" altLang="ko-KR" b="1" noProof="1"/>
-              <a:t>B </a:t>
-            </a:r>
-            <a:r>
-              <a:rPr lang="ko-KR" altLang="en-US" b="1" noProof="1"/>
-              <a:t>및 </a:t>
-            </a:r>
-            <a:r>
-              <a:rPr lang="en-US" altLang="ko-KR" b="1" noProof="1"/>
-              <a:t>C </a:t>
-            </a:r>
-            <a:br>
-              <a:rPr lang="ko-KR" altLang="en-ZA" noProof="1"/>
-            </a:br>
-            <a:r>
-              <a:rPr lang="ko-KR" altLang="en-US" noProof="1"/>
-              <a:t>제품이 비싸고 사용하기 불편함</a:t>
-            </a:r>
-          </a:p>
+              <a:rPr lang="ko-KR" altLang="en-US"/>
+              <a:t>구축 기회</a:t>
+            </a:r>
+          </a:p>
+        </p:txBody>
+      </p:sp>
+      <p:sp>
+        <p:nvSpPr>
+          <p:cNvPr id="22" name="내용 개체 틀 21">
+            <a:extLst>
+              <a:ext uri="{FF2B5EF4-FFF2-40B4-BE49-F238E27FC236}">
+                <a16:creationId xmlns:a16="http://schemas.microsoft.com/office/drawing/2014/main" id="{F296843C-0ED0-4314-A6F0-DD60C828DDFB}"/>
+              </a:ext>
+            </a:extLst>
+          </p:cNvPr>
+          <p:cNvSpPr>
+            <a:spLocks noGrp="1"/>
+          </p:cNvSpPr>
+          <p:nvPr>
+            <p:ph sz="half" idx="17"/>
+          </p:nvPr>
+        </p:nvSpPr>
+        <p:spPr>
+          <a:xfrm>
+            <a:off x="1129698" y="5280763"/>
+            <a:ext cx="3124093" cy="462927"/>
+          </a:xfrm>
+        </p:spPr>
+        <p:txBody>
+          <a:bodyPr rtlCol="0"/>
+          <a:lstStyle/>
           <a:p>
             <a:pPr rtl="0"/>
             <a:r>
-              <a:rPr lang="ko-KR" altLang="en-US" b="1" noProof="1"/>
-              <a:t>회사 </a:t>
-            </a:r>
-            <a:r>
-              <a:rPr lang="en-US" altLang="ko-KR" b="1" noProof="1"/>
-              <a:t>D </a:t>
-            </a:r>
-            <a:r>
-              <a:rPr lang="ko-KR" altLang="en-US" b="1" noProof="1"/>
-              <a:t>및 </a:t>
-            </a:r>
-            <a:r>
-              <a:rPr lang="en-US" altLang="ko-KR" b="1" noProof="1"/>
-              <a:t>E</a:t>
-            </a:r>
-            <a:br>
-              <a:rPr lang="ko-KR" altLang="en-ZA" noProof="1"/>
-            </a:br>
-            <a:r>
-              <a:rPr lang="ko-KR" altLang="en-US" noProof="1"/>
-              <a:t>제품은 저렴하지만 사용하기 불편함</a:t>
-            </a:r>
-          </a:p>
-        </p:txBody>
-      </p:sp>
-      <p:sp>
-        <p:nvSpPr>
-          <p:cNvPr id="12" name="날짜 개체 틀 11">
-            <a:extLst>
-              <a:ext uri="{FF2B5EF4-FFF2-40B4-BE49-F238E27FC236}">
-                <a16:creationId xmlns:a16="http://schemas.microsoft.com/office/drawing/2014/main" id="{5909F2DC-F097-42AB-88E7-0CA09BD5E2C2}"/>
+              <a:rPr lang="ko-KR" altLang="en-US"/>
+              <a:t>가용 시장</a:t>
+            </a:r>
+          </a:p>
+        </p:txBody>
+      </p:sp>
+      <p:sp>
+        <p:nvSpPr>
+          <p:cNvPr id="20" name="내용 개체 틀 19">
+            <a:extLst>
+              <a:ext uri="{FF2B5EF4-FFF2-40B4-BE49-F238E27FC236}">
+                <a16:creationId xmlns:a16="http://schemas.microsoft.com/office/drawing/2014/main" id="{BC46925A-8382-42EB-891C-DBB4EAAA33F8}"/>
+              </a:ext>
+            </a:extLst>
+          </p:cNvPr>
+          <p:cNvSpPr>
+            <a:spLocks noGrp="1"/>
+          </p:cNvSpPr>
+          <p:nvPr>
+            <p:ph sz="quarter" idx="4"/>
+          </p:nvPr>
+        </p:nvSpPr>
+        <p:spPr>
+          <a:xfrm>
+            <a:off x="4526261" y="4824188"/>
+            <a:ext cx="3139479" cy="462927"/>
+          </a:xfrm>
+        </p:spPr>
+        <p:txBody>
+          <a:bodyPr rtlCol="0"/>
+          <a:lstStyle/>
+          <a:p>
+            <a:pPr rtl="0"/>
+            <a:r>
+              <a:rPr lang="ko-KR" altLang="en-US"/>
+              <a:t>창조의 자유</a:t>
+            </a:r>
+          </a:p>
+        </p:txBody>
+      </p:sp>
+      <p:sp>
+        <p:nvSpPr>
+          <p:cNvPr id="23" name="내용 개체 틀 22">
+            <a:extLst>
+              <a:ext uri="{FF2B5EF4-FFF2-40B4-BE49-F238E27FC236}">
+                <a16:creationId xmlns:a16="http://schemas.microsoft.com/office/drawing/2014/main" id="{649BF20C-562E-400E-BEA6-1D5F81F2FE44}"/>
+              </a:ext>
+            </a:extLst>
+          </p:cNvPr>
+          <p:cNvSpPr>
+            <a:spLocks noGrp="1"/>
+          </p:cNvSpPr>
+          <p:nvPr>
+            <p:ph sz="quarter" idx="18"/>
+          </p:nvPr>
+        </p:nvSpPr>
+        <p:spPr>
+          <a:xfrm>
+            <a:off x="4526261" y="5280763"/>
+            <a:ext cx="3139479" cy="462927"/>
+          </a:xfrm>
+        </p:spPr>
+        <p:txBody>
+          <a:bodyPr rtlCol="0"/>
+          <a:lstStyle/>
+          <a:p>
+            <a:pPr rtl="0"/>
+            <a:r>
+              <a:rPr lang="ko-KR" altLang="en-US"/>
+              <a:t>서비스 가능한 시장</a:t>
+            </a:r>
+          </a:p>
+        </p:txBody>
+      </p:sp>
+      <p:sp>
+        <p:nvSpPr>
+          <p:cNvPr id="21" name="내용 개체 틀 20">
+            <a:extLst>
+              <a:ext uri="{FF2B5EF4-FFF2-40B4-BE49-F238E27FC236}">
+                <a16:creationId xmlns:a16="http://schemas.microsoft.com/office/drawing/2014/main" id="{318AFADE-B54F-4988-8000-B9336A395336}"/>
+              </a:ext>
+            </a:extLst>
+          </p:cNvPr>
+          <p:cNvSpPr>
+            <a:spLocks noGrp="1"/>
+          </p:cNvSpPr>
+          <p:nvPr>
+            <p:ph sz="half" idx="14"/>
+          </p:nvPr>
+        </p:nvSpPr>
+        <p:spPr>
+          <a:xfrm>
+            <a:off x="7938210" y="4824188"/>
+            <a:ext cx="3124093" cy="462927"/>
+          </a:xfrm>
+        </p:spPr>
+        <p:txBody>
+          <a:bodyPr rtlCol="0"/>
+          <a:lstStyle/>
+          <a:p>
+            <a:pPr rtl="0"/>
+            <a:r>
+              <a:rPr lang="ko-KR" altLang="en-US"/>
+              <a:t>경쟁 업체가 거의 없음</a:t>
+            </a:r>
+          </a:p>
+        </p:txBody>
+      </p:sp>
+      <p:sp>
+        <p:nvSpPr>
+          <p:cNvPr id="24" name="내용 개체 틀 23">
+            <a:extLst>
+              <a:ext uri="{FF2B5EF4-FFF2-40B4-BE49-F238E27FC236}">
+                <a16:creationId xmlns:a16="http://schemas.microsoft.com/office/drawing/2014/main" id="{5AA25980-D334-4FC0-9091-936E53B8D321}"/>
+              </a:ext>
+            </a:extLst>
+          </p:cNvPr>
+          <p:cNvSpPr>
+            <a:spLocks noGrp="1"/>
+          </p:cNvSpPr>
+          <p:nvPr>
+            <p:ph sz="half" idx="19"/>
+          </p:nvPr>
+        </p:nvSpPr>
+        <p:spPr>
+          <a:xfrm>
+            <a:off x="7938210" y="5280763"/>
+            <a:ext cx="3124093" cy="462927"/>
+          </a:xfrm>
+        </p:spPr>
+        <p:txBody>
+          <a:bodyPr rtlCol="0"/>
+          <a:lstStyle/>
+          <a:p>
+            <a:pPr rtl="0"/>
+            <a:r>
+              <a:rPr lang="ko-KR" altLang="en-US"/>
+              <a:t>수익 시장</a:t>
+            </a:r>
+          </a:p>
+        </p:txBody>
+      </p:sp>
+      <p:sp>
+        <p:nvSpPr>
+          <p:cNvPr id="5" name="날짜 개체 틀 4">
+            <a:extLst>
+              <a:ext uri="{FF2B5EF4-FFF2-40B4-BE49-F238E27FC236}">
+                <a16:creationId xmlns:a16="http://schemas.microsoft.com/office/drawing/2014/main" id="{79C22D8C-87A6-47AD-8D29-FBBA539EDBE2}"/>
               </a:ext>
             </a:extLst>
           </p:cNvPr>
@@ -27846,16 +27746,15 @@
               <a:rPr lang="ko-KR" altLang="en-US"/>
               <a:t>년</a:t>
             </a:r>
-            <a:endParaRPr lang="ko-KR" altLang="en-US" dirty="0"/>
-          </a:p>
-        </p:txBody>
-      </p:sp>
-      <p:sp>
-        <p:nvSpPr>
-          <p:cNvPr id="13" name="바닥글 개체 틀 12">
-            <a:extLst>
-              <a:ext uri="{FF2B5EF4-FFF2-40B4-BE49-F238E27FC236}">
-                <a16:creationId xmlns:a16="http://schemas.microsoft.com/office/drawing/2014/main" id="{F4A37AA9-0BEE-42AC-8CC0-AE5B8663553A}"/>
+          </a:p>
+        </p:txBody>
+      </p:sp>
+      <p:sp>
+        <p:nvSpPr>
+          <p:cNvPr id="6" name="바닥글 개체 틀 5">
+            <a:extLst>
+              <a:ext uri="{FF2B5EF4-FFF2-40B4-BE49-F238E27FC236}">
+                <a16:creationId xmlns:a16="http://schemas.microsoft.com/office/drawing/2014/main" id="{4D346909-C2E0-4F1D-90FC-F5E1D8DFB515}"/>
               </a:ext>
             </a:extLst>
           </p:cNvPr>
@@ -27881,16 +27780,15 @@
               <a:rPr lang="ko-KR" altLang="en-US"/>
               <a:t>설명 자료</a:t>
             </a:r>
-            <a:endParaRPr lang="ko-KR" altLang="en-US" dirty="0"/>
-          </a:p>
-        </p:txBody>
-      </p:sp>
-      <p:sp>
-        <p:nvSpPr>
-          <p:cNvPr id="14" name="슬라이드 번호 개체 틀 13">
-            <a:extLst>
-              <a:ext uri="{FF2B5EF4-FFF2-40B4-BE49-F238E27FC236}">
-                <a16:creationId xmlns:a16="http://schemas.microsoft.com/office/drawing/2014/main" id="{42152A75-1CD2-44EC-9374-C83D4604A5DD}"/>
+          </a:p>
+        </p:txBody>
+      </p:sp>
+      <p:sp>
+        <p:nvSpPr>
+          <p:cNvPr id="7" name="슬라이드 번호 개체 틀 6">
+            <a:extLst>
+              <a:ext uri="{FF2B5EF4-FFF2-40B4-BE49-F238E27FC236}">
+                <a16:creationId xmlns:a16="http://schemas.microsoft.com/office/drawing/2014/main" id="{EBC02F21-4E3C-469E-B11C-9214231082D3}"/>
               </a:ext>
             </a:extLst>
           </p:cNvPr>
@@ -27917,14 +27815,14 @@
               <a:pPr rtl="0"/>
               <a:t>29</a:t>
             </a:fld>
-            <a:endParaRPr lang="ko-KR" altLang="en-US" dirty="0"/>
+            <a:endParaRPr lang="ko-KR" altLang="en-US"/>
           </a:p>
         </p:txBody>
       </p:sp>
     </p:spTree>
     <p:extLst>
       <p:ext uri="{BB962C8B-B14F-4D97-AF65-F5344CB8AC3E}">
-        <p14:creationId xmlns:p14="http://schemas.microsoft.com/office/powerpoint/2010/main" val="1057409390"/>
+        <p14:creationId xmlns:p14="http://schemas.microsoft.com/office/powerpoint/2010/main" val="404854312"/>
       </p:ext>
     </p:extLst>
   </p:cSld>
@@ -28475,6 +28373,398 @@
       </p:grpSpPr>
       <p:sp>
         <p:nvSpPr>
+          <p:cNvPr id="4" name="제목 3">
+            <a:extLst>
+              <a:ext uri="{FF2B5EF4-FFF2-40B4-BE49-F238E27FC236}">
+                <a16:creationId xmlns:a16="http://schemas.microsoft.com/office/drawing/2014/main" id="{FAD2AE59-5630-4D5C-83A9-4CDEF4D7DCFB}"/>
+              </a:ext>
+            </a:extLst>
+          </p:cNvPr>
+          <p:cNvSpPr>
+            <a:spLocks noGrp="1"/>
+          </p:cNvSpPr>
+          <p:nvPr>
+            <p:ph type="title"/>
+          </p:nvPr>
+        </p:nvSpPr>
+        <p:spPr>
+          <a:xfrm>
+            <a:off x="2933700" y="892177"/>
+            <a:ext cx="8421688" cy="1325563"/>
+          </a:xfrm>
+        </p:spPr>
+        <p:txBody>
+          <a:bodyPr rtlCol="0"/>
+          <a:lstStyle/>
+          <a:p>
+            <a:pPr rtl="0"/>
+            <a:r>
+              <a:rPr lang="ko-KR" altLang="en-US"/>
+              <a:t>경쟁 업체</a:t>
+            </a:r>
+            <a:endParaRPr lang="ko-KR" altLang="en-US" dirty="0"/>
+          </a:p>
+        </p:txBody>
+      </p:sp>
+      <p:sp>
+        <p:nvSpPr>
+          <p:cNvPr id="5" name="텍스트 개체 틀 4">
+            <a:extLst>
+              <a:ext uri="{FF2B5EF4-FFF2-40B4-BE49-F238E27FC236}">
+                <a16:creationId xmlns:a16="http://schemas.microsoft.com/office/drawing/2014/main" id="{F8657664-A458-4DDD-ACC2-1D87FCD6FCA9}"/>
+              </a:ext>
+            </a:extLst>
+          </p:cNvPr>
+          <p:cNvSpPr>
+            <a:spLocks noGrp="1"/>
+          </p:cNvSpPr>
+          <p:nvPr>
+            <p:ph type="body" idx="1"/>
+          </p:nvPr>
+        </p:nvSpPr>
+        <p:spPr>
+          <a:xfrm>
+            <a:off x="2933700" y="2776936"/>
+            <a:ext cx="3924300" cy="823912"/>
+          </a:xfrm>
+        </p:spPr>
+        <p:txBody>
+          <a:bodyPr rtlCol="0"/>
+          <a:lstStyle/>
+          <a:p>
+            <a:pPr rtl="0"/>
+            <a:r>
+              <a:rPr lang="en-US" altLang="ko-KR"/>
+              <a:t>CONTOSO</a:t>
+            </a:r>
+            <a:endParaRPr lang="en-US" altLang="ko-KR" dirty="0"/>
+          </a:p>
+        </p:txBody>
+      </p:sp>
+      <p:sp>
+        <p:nvSpPr>
+          <p:cNvPr id="6" name="내용 개체 틀 5">
+            <a:extLst>
+              <a:ext uri="{FF2B5EF4-FFF2-40B4-BE49-F238E27FC236}">
+                <a16:creationId xmlns:a16="http://schemas.microsoft.com/office/drawing/2014/main" id="{5A6B31B0-7B84-475D-961F-09C0191F91A2}"/>
+              </a:ext>
+            </a:extLst>
+          </p:cNvPr>
+          <p:cNvSpPr>
+            <a:spLocks noGrp="1"/>
+          </p:cNvSpPr>
+          <p:nvPr>
+            <p:ph sz="half" idx="2"/>
+          </p:nvPr>
+        </p:nvSpPr>
+        <p:spPr>
+          <a:xfrm>
+            <a:off x="2933700" y="3834606"/>
+            <a:ext cx="3924300" cy="1997867"/>
+          </a:xfrm>
+        </p:spPr>
+        <p:txBody>
+          <a:bodyPr vert="horz" lIns="91440" tIns="45720" rIns="91440" bIns="45720" rtlCol="0" anchor="t">
+            <a:normAutofit/>
+          </a:bodyPr>
+          <a:lstStyle/>
+          <a:p>
+            <a:pPr rtl="0"/>
+            <a:r>
+              <a:rPr lang="ko-KR" altLang="en-US" noProof="1"/>
+              <a:t>당사 제품은 경쟁사 제품보다 가격이 저렴함</a:t>
+            </a:r>
+          </a:p>
+          <a:p>
+            <a:pPr rtl="0"/>
+            <a:r>
+              <a:rPr lang="ko-KR" altLang="en-US" noProof="1"/>
+              <a:t>경쟁사의 복잡한 디자인에 비해 디자인이 간단하고 사용하기 쉬움</a:t>
+            </a:r>
+          </a:p>
+          <a:p>
+            <a:pPr rtl="0"/>
+            <a:r>
+              <a:rPr lang="ko-KR" altLang="en-US" noProof="1"/>
+              <a:t>적당한 가격이 소비자가 당사 제품을 선택하는 주요 이유임</a:t>
+            </a:r>
+          </a:p>
+        </p:txBody>
+      </p:sp>
+      <p:sp>
+        <p:nvSpPr>
+          <p:cNvPr id="7" name="텍스트 개체 틀 6">
+            <a:extLst>
+              <a:ext uri="{FF2B5EF4-FFF2-40B4-BE49-F238E27FC236}">
+                <a16:creationId xmlns:a16="http://schemas.microsoft.com/office/drawing/2014/main" id="{578017FE-712E-4E95-B483-B700F1AA4B2A}"/>
+              </a:ext>
+            </a:extLst>
+          </p:cNvPr>
+          <p:cNvSpPr>
+            <a:spLocks noGrp="1"/>
+          </p:cNvSpPr>
+          <p:nvPr>
+            <p:ph type="body" sz="quarter" idx="3"/>
+          </p:nvPr>
+        </p:nvSpPr>
+        <p:spPr>
+          <a:xfrm>
+            <a:off x="7410173" y="2776936"/>
+            <a:ext cx="3943627" cy="823912"/>
+          </a:xfrm>
+        </p:spPr>
+        <p:txBody>
+          <a:bodyPr rtlCol="0"/>
+          <a:lstStyle/>
+          <a:p>
+            <a:pPr rtl="0"/>
+            <a:r>
+              <a:rPr lang="ko-KR" altLang="en-US"/>
+              <a:t>경쟁사</a:t>
+            </a:r>
+            <a:endParaRPr lang="ko-KR" altLang="en-US" dirty="0"/>
+          </a:p>
+        </p:txBody>
+      </p:sp>
+      <p:sp>
+        <p:nvSpPr>
+          <p:cNvPr id="11" name="내용 개체 틀 10">
+            <a:extLst>
+              <a:ext uri="{FF2B5EF4-FFF2-40B4-BE49-F238E27FC236}">
+                <a16:creationId xmlns:a16="http://schemas.microsoft.com/office/drawing/2014/main" id="{D0E0ACA0-9139-4C37-920D-BF3C1FF461C1}"/>
+              </a:ext>
+            </a:extLst>
+          </p:cNvPr>
+          <p:cNvSpPr>
+            <a:spLocks noGrp="1"/>
+          </p:cNvSpPr>
+          <p:nvPr>
+            <p:ph sz="quarter" idx="4"/>
+          </p:nvPr>
+        </p:nvSpPr>
+        <p:spPr>
+          <a:xfrm>
+            <a:off x="7410173" y="3834606"/>
+            <a:ext cx="3943627" cy="1997867"/>
+          </a:xfrm>
+        </p:spPr>
+        <p:txBody>
+          <a:bodyPr rtlCol="0"/>
+          <a:lstStyle/>
+          <a:p>
+            <a:pPr rtl="0"/>
+            <a:r>
+              <a:rPr lang="ko-KR" altLang="en-US" b="1" noProof="1"/>
+              <a:t>회사 </a:t>
+            </a:r>
+            <a:r>
+              <a:rPr lang="en-US" altLang="ko-KR" b="1" noProof="1"/>
+              <a:t>A</a:t>
+            </a:r>
+            <a:br>
+              <a:rPr lang="ko-KR" altLang="en-ZA" noProof="1"/>
+            </a:br>
+            <a:r>
+              <a:rPr lang="ko-KR" altLang="en-US" noProof="1"/>
+              <a:t>제품이 더 비쌈</a:t>
+            </a:r>
+          </a:p>
+          <a:p>
+            <a:pPr rtl="0"/>
+            <a:r>
+              <a:rPr lang="ko-KR" altLang="en-US" b="1" noProof="1"/>
+              <a:t>회사 </a:t>
+            </a:r>
+            <a:r>
+              <a:rPr lang="en-US" altLang="ko-KR" b="1" noProof="1"/>
+              <a:t>B </a:t>
+            </a:r>
+            <a:r>
+              <a:rPr lang="ko-KR" altLang="en-US" b="1" noProof="1"/>
+              <a:t>및 </a:t>
+            </a:r>
+            <a:r>
+              <a:rPr lang="en-US" altLang="ko-KR" b="1" noProof="1"/>
+              <a:t>C </a:t>
+            </a:r>
+            <a:br>
+              <a:rPr lang="ko-KR" altLang="en-ZA" noProof="1"/>
+            </a:br>
+            <a:r>
+              <a:rPr lang="ko-KR" altLang="en-US" noProof="1"/>
+              <a:t>제품이 비싸고 사용하기 불편함</a:t>
+            </a:r>
+          </a:p>
+          <a:p>
+            <a:pPr rtl="0"/>
+            <a:r>
+              <a:rPr lang="ko-KR" altLang="en-US" b="1" noProof="1"/>
+              <a:t>회사 </a:t>
+            </a:r>
+            <a:r>
+              <a:rPr lang="en-US" altLang="ko-KR" b="1" noProof="1"/>
+              <a:t>D </a:t>
+            </a:r>
+            <a:r>
+              <a:rPr lang="ko-KR" altLang="en-US" b="1" noProof="1"/>
+              <a:t>및 </a:t>
+            </a:r>
+            <a:r>
+              <a:rPr lang="en-US" altLang="ko-KR" b="1" noProof="1"/>
+              <a:t>E</a:t>
+            </a:r>
+            <a:br>
+              <a:rPr lang="ko-KR" altLang="en-ZA" noProof="1"/>
+            </a:br>
+            <a:r>
+              <a:rPr lang="ko-KR" altLang="en-US" noProof="1"/>
+              <a:t>제품은 저렴하지만 사용하기 불편함</a:t>
+            </a:r>
+          </a:p>
+        </p:txBody>
+      </p:sp>
+      <p:sp>
+        <p:nvSpPr>
+          <p:cNvPr id="12" name="날짜 개체 틀 11">
+            <a:extLst>
+              <a:ext uri="{FF2B5EF4-FFF2-40B4-BE49-F238E27FC236}">
+                <a16:creationId xmlns:a16="http://schemas.microsoft.com/office/drawing/2014/main" id="{5909F2DC-F097-42AB-88E7-0CA09BD5E2C2}"/>
+              </a:ext>
+            </a:extLst>
+          </p:cNvPr>
+          <p:cNvSpPr>
+            <a:spLocks noGrp="1"/>
+          </p:cNvSpPr>
+          <p:nvPr>
+            <p:ph type="dt" sz="half" idx="10"/>
+          </p:nvPr>
+        </p:nvSpPr>
+        <p:spPr>
+          <a:xfrm>
+            <a:off x="838200" y="6356350"/>
+            <a:ext cx="2743200" cy="365125"/>
+          </a:xfrm>
+        </p:spPr>
+        <p:txBody>
+          <a:bodyPr rtlCol="0"/>
+          <a:lstStyle/>
+          <a:p>
+            <a:pPr rtl="0"/>
+            <a:r>
+              <a:rPr lang="en-US" altLang="ko-KR"/>
+              <a:t>20XX</a:t>
+            </a:r>
+            <a:r>
+              <a:rPr lang="ko-KR" altLang="en-US"/>
+              <a:t>년</a:t>
+            </a:r>
+            <a:endParaRPr lang="ko-KR" altLang="en-US" dirty="0"/>
+          </a:p>
+        </p:txBody>
+      </p:sp>
+      <p:sp>
+        <p:nvSpPr>
+          <p:cNvPr id="13" name="바닥글 개체 틀 12">
+            <a:extLst>
+              <a:ext uri="{FF2B5EF4-FFF2-40B4-BE49-F238E27FC236}">
+                <a16:creationId xmlns:a16="http://schemas.microsoft.com/office/drawing/2014/main" id="{F4A37AA9-0BEE-42AC-8CC0-AE5B8663553A}"/>
+              </a:ext>
+            </a:extLst>
+          </p:cNvPr>
+          <p:cNvSpPr>
+            <a:spLocks noGrp="1"/>
+          </p:cNvSpPr>
+          <p:nvPr>
+            <p:ph type="ftr" sz="quarter" idx="11"/>
+          </p:nvPr>
+        </p:nvSpPr>
+        <p:spPr>
+          <a:xfrm>
+            <a:off x="4038600" y="6356350"/>
+            <a:ext cx="4114800" cy="365125"/>
+          </a:xfrm>
+        </p:spPr>
+        <p:txBody>
+          <a:bodyPr rtlCol="0"/>
+          <a:lstStyle/>
+          <a:p>
+            <a:pPr rtl="0"/>
+            <a:r>
+              <a:rPr lang="ko-KR" altLang="en-US"/>
+              <a:t>설명 자료</a:t>
+            </a:r>
+            <a:endParaRPr lang="ko-KR" altLang="en-US" dirty="0"/>
+          </a:p>
+        </p:txBody>
+      </p:sp>
+      <p:sp>
+        <p:nvSpPr>
+          <p:cNvPr id="14" name="슬라이드 번호 개체 틀 13">
+            <a:extLst>
+              <a:ext uri="{FF2B5EF4-FFF2-40B4-BE49-F238E27FC236}">
+                <a16:creationId xmlns:a16="http://schemas.microsoft.com/office/drawing/2014/main" id="{42152A75-1CD2-44EC-9374-C83D4604A5DD}"/>
+              </a:ext>
+            </a:extLst>
+          </p:cNvPr>
+          <p:cNvSpPr>
+            <a:spLocks noGrp="1"/>
+          </p:cNvSpPr>
+          <p:nvPr>
+            <p:ph type="sldNum" sz="quarter" idx="12"/>
+          </p:nvPr>
+        </p:nvSpPr>
+        <p:spPr>
+          <a:xfrm>
+            <a:off x="8610600" y="6356350"/>
+            <a:ext cx="2743200" cy="365125"/>
+          </a:xfrm>
+        </p:spPr>
+        <p:txBody>
+          <a:bodyPr rtlCol="0"/>
+          <a:lstStyle/>
+          <a:p>
+            <a:pPr rtl="0"/>
+            <a:fld id="{B5CEABB6-07DC-46E8-9B57-56EC44A396E5}" type="slidenum">
+              <a:rPr lang="en-US" altLang="ko-KR" smtClean="0"/>
+              <a:pPr rtl="0"/>
+              <a:t>30</a:t>
+            </a:fld>
+            <a:endParaRPr lang="ko-KR" altLang="en-US" dirty="0"/>
+          </a:p>
+        </p:txBody>
+      </p:sp>
+    </p:spTree>
+    <p:extLst>
+      <p:ext uri="{BB962C8B-B14F-4D97-AF65-F5344CB8AC3E}">
+        <p14:creationId xmlns:p14="http://schemas.microsoft.com/office/powerpoint/2010/main" val="1057409390"/>
+      </p:ext>
+    </p:extLst>
+  </p:cSld>
+  <p:clrMapOvr>
+    <a:masterClrMapping/>
+  </p:clrMapOvr>
+</p:sld>
+</file>
+
+<file path=ppt/slides/slide31.xml><?xml version="1.0" encoding="utf-8"?>
+<p:sld xmlns:a="http://schemas.openxmlformats.org/drawingml/2006/main" xmlns:r="http://schemas.openxmlformats.org/officeDocument/2006/relationships" xmlns:p="http://schemas.openxmlformats.org/presentationml/2006/main">
+  <p:cSld>
+    <p:spTree>
+      <p:nvGrpSpPr>
+        <p:cNvPr id="1" name=""/>
+        <p:cNvGrpSpPr/>
+        <p:nvPr/>
+      </p:nvGrpSpPr>
+      <p:grpSpPr>
+        <a:xfrm>
+          <a:off x="0" y="0"/>
+          <a:ext cx="0" cy="0"/>
+          <a:chOff x="0" y="0"/>
+          <a:chExt cx="0" cy="0"/>
+        </a:xfrm>
+      </p:grpSpPr>
+      <p:sp>
+        <p:nvSpPr>
           <p:cNvPr id="2" name="제목 1">
             <a:extLst>
               <a:ext uri="{FF2B5EF4-FFF2-40B4-BE49-F238E27FC236}">
@@ -28977,7 +29267,7 @@
             <a:fld id="{19B51A1E-902D-48AF-9020-955120F399B6}" type="slidenum">
               <a:rPr lang="en-ZA" altLang="ko-KR" smtClean="0"/>
               <a:pPr rtl="0"/>
-              <a:t>30</a:t>
+              <a:t>31</a:t>
             </a:fld>
             <a:endParaRPr lang="ko-KR" altLang="en-ZA"/>
           </a:p>
@@ -30045,7 +30335,7 @@
 </p:sld>
 </file>
 
-<file path=ppt/slides/slide31.xml><?xml version="1.0" encoding="utf-8"?>
+<file path=ppt/slides/slide32.xml><?xml version="1.0" encoding="utf-8"?>
 <p:sld xmlns:a="http://schemas.openxmlformats.org/drawingml/2006/main" xmlns:r="http://schemas.openxmlformats.org/officeDocument/2006/relationships" xmlns:p="http://schemas.openxmlformats.org/presentationml/2006/main">
   <p:cSld>
     <p:spTree>
@@ -30448,7 +30738,7 @@
             <a:fld id="{B5CEABB6-07DC-46E8-9B57-56EC44A396E5}" type="slidenum">
               <a:rPr lang="en-US" altLang="ko-KR" smtClean="0"/>
               <a:pPr rtl="0"/>
-              <a:t>31</a:t>
+              <a:t>32</a:t>
             </a:fld>
             <a:endParaRPr lang="ko-KR" altLang="en-US"/>
           </a:p>
@@ -30467,7 +30757,7 @@
 </p:sld>
 </file>
 
-<file path=ppt/slides/slide32.xml><?xml version="1.0" encoding="utf-8"?>
+<file path=ppt/slides/slide33.xml><?xml version="1.0" encoding="utf-8"?>
 <p:sld xmlns:a="http://schemas.openxmlformats.org/drawingml/2006/main" xmlns:r="http://schemas.openxmlformats.org/officeDocument/2006/relationships" xmlns:p="http://schemas.openxmlformats.org/presentationml/2006/main">
   <p:cSld>
     <p:spTree>
@@ -32702,7 +32992,7 @@
             <a:fld id="{B5CEABB6-07DC-46E8-9B57-56EC44A396E5}" type="slidenum">
               <a:rPr lang="en-US" altLang="ko-KR" smtClean="0"/>
               <a:pPr rtl="0"/>
-              <a:t>32</a:t>
+              <a:t>33</a:t>
             </a:fld>
             <a:endParaRPr lang="ko-KR" altLang="en-US" dirty="0"/>
           </a:p>
@@ -32813,7 +33103,7 @@
 </p:sld>
 </file>
 
-<file path=ppt/slides/slide33.xml><?xml version="1.0" encoding="utf-8"?>
+<file path=ppt/slides/slide34.xml><?xml version="1.0" encoding="utf-8"?>
 <p:sld xmlns:a="http://schemas.openxmlformats.org/drawingml/2006/main" xmlns:r="http://schemas.openxmlformats.org/officeDocument/2006/relationships" xmlns:p="http://schemas.openxmlformats.org/presentationml/2006/main">
   <p:cSld>
     <p:spTree>
@@ -35936,7 +36226,7 @@
             <a:fld id="{19B51A1E-902D-48AF-9020-955120F399B6}" type="slidenum">
               <a:rPr lang="en-ZA" altLang="ko-KR" smtClean="0"/>
               <a:pPr rtl="0"/>
-              <a:t>33</a:t>
+              <a:t>34</a:t>
             </a:fld>
             <a:endParaRPr lang="ko-KR" altLang="en-US"/>
           </a:p>
@@ -35955,7 +36245,7 @@
 </p:sld>
 </file>
 
-<file path=ppt/slides/slide34.xml><?xml version="1.0" encoding="utf-8"?>
+<file path=ppt/slides/slide35.xml><?xml version="1.0" encoding="utf-8"?>
 <p:sld xmlns:a="http://schemas.openxmlformats.org/drawingml/2006/main" xmlns:r="http://schemas.openxmlformats.org/officeDocument/2006/relationships" xmlns:p="http://schemas.openxmlformats.org/presentationml/2006/main">
   <p:cSld>
     <p:spTree>
@@ -39490,7 +39780,7 @@
             <a:fld id="{B5CEABB6-07DC-46E8-9B57-56EC44A396E5}" type="slidenum">
               <a:rPr lang="en-US" altLang="ko-KR" smtClean="0"/>
               <a:pPr rtl="0"/>
-              <a:t>34</a:t>
+              <a:t>35</a:t>
             </a:fld>
             <a:endParaRPr lang="ko-KR" altLang="en-US"/>
           </a:p>
@@ -39500,594 +39790,6 @@
     <p:extLst>
       <p:ext uri="{BB962C8B-B14F-4D97-AF65-F5344CB8AC3E}">
         <p14:creationId xmlns:p14="http://schemas.microsoft.com/office/powerpoint/2010/main" val="566997565"/>
-      </p:ext>
-    </p:extLst>
-  </p:cSld>
-  <p:clrMapOvr>
-    <a:masterClrMapping/>
-  </p:clrMapOvr>
-</p:sld>
-</file>
-
-<file path=ppt/slides/slide35.xml><?xml version="1.0" encoding="utf-8"?>
-<p:sld xmlns:a="http://schemas.openxmlformats.org/drawingml/2006/main" xmlns:r="http://schemas.openxmlformats.org/officeDocument/2006/relationships" xmlns:p="http://schemas.openxmlformats.org/presentationml/2006/main">
-  <p:cSld>
-    <p:spTree>
-      <p:nvGrpSpPr>
-        <p:cNvPr id="1" name=""/>
-        <p:cNvGrpSpPr/>
-        <p:nvPr/>
-      </p:nvGrpSpPr>
-      <p:grpSpPr>
-        <a:xfrm>
-          <a:off x="0" y="0"/>
-          <a:ext cx="0" cy="0"/>
-          <a:chOff x="0" y="0"/>
-          <a:chExt cx="0" cy="0"/>
-        </a:xfrm>
-      </p:grpSpPr>
-      <p:sp>
-        <p:nvSpPr>
-          <p:cNvPr id="2" name="제목 1">
-            <a:extLst>
-              <a:ext uri="{FF2B5EF4-FFF2-40B4-BE49-F238E27FC236}">
-                <a16:creationId xmlns:a16="http://schemas.microsoft.com/office/drawing/2014/main" id="{27A6F7BB-30A8-4980-AD4A-2FB0B53FA6C9}"/>
-              </a:ext>
-            </a:extLst>
-          </p:cNvPr>
-          <p:cNvSpPr>
-            <a:spLocks noGrp="1"/>
-          </p:cNvSpPr>
-          <p:nvPr>
-            <p:ph type="title"/>
-          </p:nvPr>
-        </p:nvSpPr>
-        <p:spPr>
-          <a:xfrm>
-            <a:off x="1885156" y="892177"/>
-            <a:ext cx="8421688" cy="1325563"/>
-          </a:xfrm>
-        </p:spPr>
-        <p:txBody>
-          <a:bodyPr rtlCol="0"/>
-          <a:lstStyle/>
-          <a:p>
-            <a:pPr rtl="0"/>
-            <a:r>
-              <a:rPr lang="ko-KR" altLang="en-US"/>
-              <a:t>팀 소개</a:t>
-            </a:r>
-          </a:p>
-        </p:txBody>
-      </p:sp>
-      <p:pic>
-        <p:nvPicPr>
-          <p:cNvPr id="26" name="그림 개체 틀 25" descr="팀 구성원 얼굴 사진">
-            <a:extLst>
-              <a:ext uri="{FF2B5EF4-FFF2-40B4-BE49-F238E27FC236}">
-                <a16:creationId xmlns:a16="http://schemas.microsoft.com/office/drawing/2014/main" id="{C38F90B4-657F-4EA8-B86E-B9BD2E8B7BB2}"/>
-              </a:ext>
-            </a:extLst>
-          </p:cNvPr>
-          <p:cNvPicPr>
-            <a:picLocks noGrp="1" noChangeAspect="1"/>
-          </p:cNvPicPr>
-          <p:nvPr>
-            <p:ph type="pic" sz="quarter" idx="14"/>
-          </p:nvPr>
-        </p:nvPicPr>
-        <p:blipFill rotWithShape="1">
-          <a:blip r:embed="rId3" cstate="screen">
-            <a:extLst>
-              <a:ext uri="{28A0092B-C50C-407E-A947-70E740481C1C}">
-                <a14:useLocalDpi xmlns:a14="http://schemas.microsoft.com/office/drawing/2010/main" val="0"/>
-              </a:ext>
-            </a:extLst>
-          </a:blip>
-          <a:srcRect/>
-          <a:stretch/>
-        </p:blipFill>
-        <p:spPr>
-          <a:xfrm>
-            <a:off x="1487181" y="2886074"/>
-            <a:ext cx="1845511" cy="1845511"/>
-          </a:xfrm>
-        </p:spPr>
-      </p:pic>
-      <p:sp>
-        <p:nvSpPr>
-          <p:cNvPr id="24" name="텍스트 개체 틀 23">
-            <a:extLst>
-              <a:ext uri="{FF2B5EF4-FFF2-40B4-BE49-F238E27FC236}">
-                <a16:creationId xmlns:a16="http://schemas.microsoft.com/office/drawing/2014/main" id="{7BAD1FFF-8B97-4CD1-85E7-B7738EAD28CD}"/>
-              </a:ext>
-            </a:extLst>
-          </p:cNvPr>
-          <p:cNvSpPr>
-            <a:spLocks noGrp="1"/>
-          </p:cNvSpPr>
-          <p:nvPr>
-            <p:ph type="body" idx="1"/>
-          </p:nvPr>
-        </p:nvSpPr>
-        <p:spPr>
-          <a:xfrm>
-            <a:off x="1311558" y="5084524"/>
-            <a:ext cx="2196619" cy="343061"/>
-          </a:xfrm>
-        </p:spPr>
-        <p:txBody>
-          <a:bodyPr rtlCol="0"/>
-          <a:lstStyle/>
-          <a:p>
-            <a:pPr rtl="0"/>
-            <a:r>
-              <a:rPr lang="ko-KR" altLang="en-US"/>
-              <a:t>이봉진</a:t>
-            </a:r>
-          </a:p>
-        </p:txBody>
-      </p:sp>
-      <p:sp>
-        <p:nvSpPr>
-          <p:cNvPr id="36" name="텍스트 개체 틀 35">
-            <a:extLst>
-              <a:ext uri="{FF2B5EF4-FFF2-40B4-BE49-F238E27FC236}">
-                <a16:creationId xmlns:a16="http://schemas.microsoft.com/office/drawing/2014/main" id="{B76FA389-A54D-4E4B-81DA-DBA175D78FEC}"/>
-              </a:ext>
-            </a:extLst>
-          </p:cNvPr>
-          <p:cNvSpPr>
-            <a:spLocks noGrp="1"/>
-          </p:cNvSpPr>
-          <p:nvPr>
-            <p:ph type="body" idx="21"/>
-          </p:nvPr>
-        </p:nvSpPr>
-        <p:spPr>
-          <a:xfrm>
-            <a:off x="1487181" y="5464114"/>
-            <a:ext cx="1845511" cy="343061"/>
-          </a:xfrm>
-        </p:spPr>
-        <p:txBody>
-          <a:bodyPr rtlCol="0"/>
-          <a:lstStyle/>
-          <a:p>
-            <a:pPr rtl="0"/>
-            <a:r>
-              <a:rPr lang="ko-KR" altLang="en-US"/>
-              <a:t>대표</a:t>
-            </a:r>
-          </a:p>
-        </p:txBody>
-      </p:sp>
-      <p:pic>
-        <p:nvPicPr>
-          <p:cNvPr id="47" name="그림 개체 틀 46" descr="팀 구성원 얼굴 사진">
-            <a:extLst>
-              <a:ext uri="{FF2B5EF4-FFF2-40B4-BE49-F238E27FC236}">
-                <a16:creationId xmlns:a16="http://schemas.microsoft.com/office/drawing/2014/main" id="{8AF5260A-2860-4F88-BA4D-70530D3E14AA}"/>
-              </a:ext>
-            </a:extLst>
-          </p:cNvPr>
-          <p:cNvPicPr>
-            <a:picLocks noGrp="1" noChangeAspect="1"/>
-          </p:cNvPicPr>
-          <p:nvPr>
-            <p:ph type="pic" sz="quarter" idx="15"/>
-          </p:nvPr>
-        </p:nvPicPr>
-        <p:blipFill rotWithShape="1">
-          <a:blip r:embed="rId4" cstate="screen">
-            <a:extLst>
-              <a:ext uri="{28A0092B-C50C-407E-A947-70E740481C1C}">
-                <a14:useLocalDpi xmlns:a14="http://schemas.microsoft.com/office/drawing/2010/main" val="0"/>
-              </a:ext>
-            </a:extLst>
-          </a:blip>
-          <a:srcRect/>
-          <a:stretch/>
-        </p:blipFill>
-        <p:spPr>
-          <a:xfrm>
-            <a:off x="3836914" y="2886074"/>
-            <a:ext cx="1845511" cy="1845511"/>
-          </a:xfrm>
-        </p:spPr>
-      </p:pic>
-      <p:sp>
-        <p:nvSpPr>
-          <p:cNvPr id="33" name="텍스트 개체 틀 32">
-            <a:extLst>
-              <a:ext uri="{FF2B5EF4-FFF2-40B4-BE49-F238E27FC236}">
-                <a16:creationId xmlns:a16="http://schemas.microsoft.com/office/drawing/2014/main" id="{10C8C8C1-99D8-4034-A628-DECEB703BA1D}"/>
-              </a:ext>
-            </a:extLst>
-          </p:cNvPr>
-          <p:cNvSpPr>
-            <a:spLocks noGrp="1"/>
-          </p:cNvSpPr>
-          <p:nvPr>
-            <p:ph type="body" idx="18"/>
-          </p:nvPr>
-        </p:nvSpPr>
-        <p:spPr>
-          <a:xfrm>
-            <a:off x="3707607" y="5099206"/>
-            <a:ext cx="2145049" cy="343061"/>
-          </a:xfrm>
-        </p:spPr>
-        <p:txBody>
-          <a:bodyPr rtlCol="0"/>
-          <a:lstStyle/>
-          <a:p>
-            <a:pPr rtl="0"/>
-            <a:r>
-              <a:rPr lang="ko-KR" altLang="en-US"/>
-              <a:t>심현기</a:t>
-            </a:r>
-          </a:p>
-        </p:txBody>
-      </p:sp>
-      <p:sp>
-        <p:nvSpPr>
-          <p:cNvPr id="37" name="텍스트 개체 틀 36">
-            <a:extLst>
-              <a:ext uri="{FF2B5EF4-FFF2-40B4-BE49-F238E27FC236}">
-                <a16:creationId xmlns:a16="http://schemas.microsoft.com/office/drawing/2014/main" id="{65786675-BFC6-4743-BFD3-D64691F771D8}"/>
-              </a:ext>
-            </a:extLst>
-          </p:cNvPr>
-          <p:cNvSpPr>
-            <a:spLocks noGrp="1"/>
-          </p:cNvSpPr>
-          <p:nvPr>
-            <p:ph type="body" idx="22"/>
-          </p:nvPr>
-        </p:nvSpPr>
-        <p:spPr>
-          <a:xfrm>
-            <a:off x="3836913" y="5478796"/>
-            <a:ext cx="1855949" cy="343061"/>
-          </a:xfrm>
-        </p:spPr>
-        <p:txBody>
-          <a:bodyPr rtlCol="0"/>
-          <a:lstStyle/>
-          <a:p>
-            <a:pPr rtl="0"/>
-            <a:r>
-              <a:rPr lang="ko-KR" altLang="en-US"/>
-              <a:t>최고 경영자</a:t>
-            </a:r>
-          </a:p>
-        </p:txBody>
-      </p:sp>
-      <p:pic>
-        <p:nvPicPr>
-          <p:cNvPr id="45" name="그림 개체 틀 44" descr="팀 구성원 얼굴 사진">
-            <a:extLst>
-              <a:ext uri="{FF2B5EF4-FFF2-40B4-BE49-F238E27FC236}">
-                <a16:creationId xmlns:a16="http://schemas.microsoft.com/office/drawing/2014/main" id="{4442FA67-BF04-4E45-BFD9-78BF43789E09}"/>
-              </a:ext>
-            </a:extLst>
-          </p:cNvPr>
-          <p:cNvPicPr>
-            <a:picLocks noGrp="1" noChangeAspect="1"/>
-          </p:cNvPicPr>
-          <p:nvPr>
-            <p:ph type="pic" sz="quarter" idx="16"/>
-          </p:nvPr>
-        </p:nvPicPr>
-        <p:blipFill rotWithShape="1">
-          <a:blip r:embed="rId5" cstate="screen">
-            <a:extLst>
-              <a:ext uri="{28A0092B-C50C-407E-A947-70E740481C1C}">
-                <a14:useLocalDpi xmlns:a14="http://schemas.microsoft.com/office/drawing/2010/main" val="0"/>
-              </a:ext>
-            </a:extLst>
-          </a:blip>
-          <a:srcRect/>
-          <a:stretch/>
-        </p:blipFill>
-        <p:spPr>
-          <a:xfrm>
-            <a:off x="6327578" y="2886074"/>
-            <a:ext cx="1845511" cy="1845511"/>
-          </a:xfrm>
-        </p:spPr>
-      </p:pic>
-      <p:sp>
-        <p:nvSpPr>
-          <p:cNvPr id="34" name="텍스트 개체 틀 33">
-            <a:extLst>
-              <a:ext uri="{FF2B5EF4-FFF2-40B4-BE49-F238E27FC236}">
-                <a16:creationId xmlns:a16="http://schemas.microsoft.com/office/drawing/2014/main" id="{08CA58D6-00FD-4D81-A0F6-215C4D558912}"/>
-              </a:ext>
-            </a:extLst>
-          </p:cNvPr>
-          <p:cNvSpPr>
-            <a:spLocks noGrp="1"/>
-          </p:cNvSpPr>
-          <p:nvPr>
-            <p:ph type="body" idx="19"/>
-          </p:nvPr>
-        </p:nvSpPr>
-        <p:spPr>
-          <a:xfrm>
-            <a:off x="6198271" y="5099206"/>
-            <a:ext cx="2132985" cy="343061"/>
-          </a:xfrm>
-        </p:spPr>
-        <p:txBody>
-          <a:bodyPr rtlCol="0"/>
-          <a:lstStyle/>
-          <a:p>
-            <a:pPr rtl="0"/>
-            <a:r>
-              <a:rPr lang="ko-KR" altLang="en-US"/>
-              <a:t>심희영</a:t>
-            </a:r>
-          </a:p>
-        </p:txBody>
-      </p:sp>
-      <p:sp>
-        <p:nvSpPr>
-          <p:cNvPr id="38" name="텍스트 개체 틀 37">
-            <a:extLst>
-              <a:ext uri="{FF2B5EF4-FFF2-40B4-BE49-F238E27FC236}">
-                <a16:creationId xmlns:a16="http://schemas.microsoft.com/office/drawing/2014/main" id="{97062F49-F468-4EA6-B6BF-94BFF89FDCB7}"/>
-              </a:ext>
-            </a:extLst>
-          </p:cNvPr>
-          <p:cNvSpPr>
-            <a:spLocks noGrp="1"/>
-          </p:cNvSpPr>
-          <p:nvPr>
-            <p:ph type="body" idx="23"/>
-          </p:nvPr>
-        </p:nvSpPr>
-        <p:spPr>
-          <a:xfrm>
-            <a:off x="6327577" y="5478796"/>
-            <a:ext cx="1845511" cy="343061"/>
-          </a:xfrm>
-        </p:spPr>
-        <p:txBody>
-          <a:bodyPr rtlCol="0"/>
-          <a:lstStyle/>
-          <a:p>
-            <a:pPr rtl="0"/>
-            <a:r>
-              <a:rPr lang="ko-KR" altLang="en-US"/>
-              <a:t>최고 운영 책임자</a:t>
-            </a:r>
-          </a:p>
-          <a:p>
-            <a:pPr rtl="0"/>
-            <a:endParaRPr lang="ko-KR" altLang="en-US"/>
-          </a:p>
-        </p:txBody>
-      </p:sp>
-      <p:pic>
-        <p:nvPicPr>
-          <p:cNvPr id="43" name="그림 개체 틀 42" descr="팀 구성원 얼굴 사진">
-            <a:extLst>
-              <a:ext uri="{FF2B5EF4-FFF2-40B4-BE49-F238E27FC236}">
-                <a16:creationId xmlns:a16="http://schemas.microsoft.com/office/drawing/2014/main" id="{F328CD15-EA0E-49AD-A3C6-5798A372AA53}"/>
-              </a:ext>
-            </a:extLst>
-          </p:cNvPr>
-          <p:cNvPicPr>
-            <a:picLocks noGrp="1" noChangeAspect="1"/>
-          </p:cNvPicPr>
-          <p:nvPr>
-            <p:ph type="pic" sz="quarter" idx="17"/>
-          </p:nvPr>
-        </p:nvPicPr>
-        <p:blipFill rotWithShape="1">
-          <a:blip r:embed="rId6" cstate="screen">
-            <a:extLst>
-              <a:ext uri="{28A0092B-C50C-407E-A947-70E740481C1C}">
-                <a14:useLocalDpi xmlns:a14="http://schemas.microsoft.com/office/drawing/2010/main" val="0"/>
-              </a:ext>
-            </a:extLst>
-          </a:blip>
-          <a:srcRect/>
-          <a:stretch/>
-        </p:blipFill>
-        <p:spPr>
-          <a:xfrm>
-            <a:off x="8747458" y="2886074"/>
-            <a:ext cx="1845511" cy="1845511"/>
-          </a:xfrm>
-        </p:spPr>
-      </p:pic>
-      <p:sp>
-        <p:nvSpPr>
-          <p:cNvPr id="35" name="텍스트 개체 틀 34">
-            <a:extLst>
-              <a:ext uri="{FF2B5EF4-FFF2-40B4-BE49-F238E27FC236}">
-                <a16:creationId xmlns:a16="http://schemas.microsoft.com/office/drawing/2014/main" id="{60D37431-6A3A-47F6-A367-B5ADCF66AE37}"/>
-              </a:ext>
-            </a:extLst>
-          </p:cNvPr>
-          <p:cNvSpPr>
-            <a:spLocks noGrp="1"/>
-          </p:cNvSpPr>
-          <p:nvPr>
-            <p:ph type="body" idx="20"/>
-          </p:nvPr>
-        </p:nvSpPr>
-        <p:spPr>
-          <a:xfrm>
-            <a:off x="8618152" y="5084524"/>
-            <a:ext cx="2132984" cy="343061"/>
-          </a:xfrm>
-        </p:spPr>
-        <p:txBody>
-          <a:bodyPr rtlCol="0"/>
-          <a:lstStyle/>
-          <a:p>
-            <a:pPr rtl="0"/>
-            <a:r>
-              <a:rPr lang="ko-KR" altLang="en-US"/>
-              <a:t>진현준</a:t>
-            </a:r>
-          </a:p>
-        </p:txBody>
-      </p:sp>
-      <p:sp>
-        <p:nvSpPr>
-          <p:cNvPr id="39" name="텍스트 개체 틀 38">
-            <a:extLst>
-              <a:ext uri="{FF2B5EF4-FFF2-40B4-BE49-F238E27FC236}">
-                <a16:creationId xmlns:a16="http://schemas.microsoft.com/office/drawing/2014/main" id="{59D9F00A-8CF0-41E8-9BB6-3B8ECDA55D49}"/>
-              </a:ext>
-            </a:extLst>
-          </p:cNvPr>
-          <p:cNvSpPr>
-            <a:spLocks noGrp="1"/>
-          </p:cNvSpPr>
-          <p:nvPr>
-            <p:ph type="body" idx="24"/>
-          </p:nvPr>
-        </p:nvSpPr>
-        <p:spPr>
-          <a:xfrm>
-            <a:off x="8747458" y="5464114"/>
-            <a:ext cx="1845510" cy="343061"/>
-          </a:xfrm>
-        </p:spPr>
-        <p:txBody>
-          <a:bodyPr rtlCol="0"/>
-          <a:lstStyle/>
-          <a:p>
-            <a:pPr rtl="0"/>
-            <a:r>
-              <a:rPr lang="ko-KR" altLang="en-US"/>
-              <a:t>마케팅 부사장</a:t>
-            </a:r>
-          </a:p>
-          <a:p>
-            <a:pPr rtl="0"/>
-            <a:endParaRPr lang="ko-KR" altLang="en-US"/>
-          </a:p>
-        </p:txBody>
-      </p:sp>
-      <p:sp>
-        <p:nvSpPr>
-          <p:cNvPr id="3" name="날짜 개체 틀 2">
-            <a:extLst>
-              <a:ext uri="{FF2B5EF4-FFF2-40B4-BE49-F238E27FC236}">
-                <a16:creationId xmlns:a16="http://schemas.microsoft.com/office/drawing/2014/main" id="{02F9CC1F-102C-49CC-B646-8E6826368A81}"/>
-              </a:ext>
-            </a:extLst>
-          </p:cNvPr>
-          <p:cNvSpPr>
-            <a:spLocks noGrp="1"/>
-          </p:cNvSpPr>
-          <p:nvPr>
-            <p:ph type="dt" sz="half" idx="10"/>
-          </p:nvPr>
-        </p:nvSpPr>
-        <p:spPr>
-          <a:xfrm>
-            <a:off x="838200" y="6356350"/>
-            <a:ext cx="2743200" cy="365125"/>
-          </a:xfrm>
-        </p:spPr>
-        <p:txBody>
-          <a:bodyPr rtlCol="0"/>
-          <a:lstStyle/>
-          <a:p>
-            <a:pPr rtl="0"/>
-            <a:r>
-              <a:rPr lang="en-US" altLang="ko-KR"/>
-              <a:t>20XX</a:t>
-            </a:r>
-            <a:r>
-              <a:rPr lang="ko-KR" altLang="en-US"/>
-              <a:t>년</a:t>
-            </a:r>
-          </a:p>
-        </p:txBody>
-      </p:sp>
-      <p:sp>
-        <p:nvSpPr>
-          <p:cNvPr id="4" name="바닥글 개체 틀 3">
-            <a:extLst>
-              <a:ext uri="{FF2B5EF4-FFF2-40B4-BE49-F238E27FC236}">
-                <a16:creationId xmlns:a16="http://schemas.microsoft.com/office/drawing/2014/main" id="{33808A03-6EC3-48BE-9D18-5A746D09243E}"/>
-              </a:ext>
-            </a:extLst>
-          </p:cNvPr>
-          <p:cNvSpPr>
-            <a:spLocks noGrp="1"/>
-          </p:cNvSpPr>
-          <p:nvPr>
-            <p:ph type="ftr" sz="quarter" idx="11"/>
-          </p:nvPr>
-        </p:nvSpPr>
-        <p:spPr>
-          <a:xfrm>
-            <a:off x="4038600" y="6356350"/>
-            <a:ext cx="4114800" cy="365125"/>
-          </a:xfrm>
-        </p:spPr>
-        <p:txBody>
-          <a:bodyPr rtlCol="0"/>
-          <a:lstStyle/>
-          <a:p>
-            <a:pPr rtl="0"/>
-            <a:r>
-              <a:rPr lang="ko-KR" altLang="en-US"/>
-              <a:t>설명 자료</a:t>
-            </a:r>
-          </a:p>
-        </p:txBody>
-      </p:sp>
-      <p:sp>
-        <p:nvSpPr>
-          <p:cNvPr id="5" name="슬라이드 번호 개체 틀 4">
-            <a:extLst>
-              <a:ext uri="{FF2B5EF4-FFF2-40B4-BE49-F238E27FC236}">
-                <a16:creationId xmlns:a16="http://schemas.microsoft.com/office/drawing/2014/main" id="{46868410-BE8A-4C98-9C72-20D0A2A6A8B9}"/>
-              </a:ext>
-            </a:extLst>
-          </p:cNvPr>
-          <p:cNvSpPr>
-            <a:spLocks noGrp="1"/>
-          </p:cNvSpPr>
-          <p:nvPr>
-            <p:ph type="sldNum" sz="quarter" idx="12"/>
-          </p:nvPr>
-        </p:nvSpPr>
-        <p:spPr>
-          <a:xfrm>
-            <a:off x="8610600" y="6356350"/>
-            <a:ext cx="2743200" cy="365125"/>
-          </a:xfrm>
-        </p:spPr>
-        <p:txBody>
-          <a:bodyPr rtlCol="0"/>
-          <a:lstStyle/>
-          <a:p>
-            <a:pPr rtl="0"/>
-            <a:fld id="{B5CEABB6-07DC-46E8-9B57-56EC44A396E5}" type="slidenum">
-              <a:rPr lang="en-US" altLang="ko-KR" smtClean="0"/>
-              <a:pPr rtl="0"/>
-              <a:t>35</a:t>
-            </a:fld>
-            <a:endParaRPr lang="ko-KR" altLang="en-US"/>
-          </a:p>
-        </p:txBody>
-      </p:sp>
-    </p:spTree>
-    <p:extLst>
-      <p:ext uri="{BB962C8B-B14F-4D97-AF65-F5344CB8AC3E}">
-        <p14:creationId xmlns:p14="http://schemas.microsoft.com/office/powerpoint/2010/main" val="3477453048"/>
       </p:ext>
     </p:extLst>
   </p:cSld>
@@ -40143,17 +39845,17 @@
             <a:pPr rtl="0"/>
             <a:r>
               <a:rPr lang="ko-KR" altLang="en-US"/>
-              <a:t>팀 소개 </a:t>
+              <a:t>팀 소개</a:t>
             </a:r>
           </a:p>
         </p:txBody>
       </p:sp>
       <p:pic>
         <p:nvPicPr>
-          <p:cNvPr id="38" name="그림 개체 틀 37" descr="팀 구성원 얼굴 사진">
-            <a:extLst>
-              <a:ext uri="{FF2B5EF4-FFF2-40B4-BE49-F238E27FC236}">
-                <a16:creationId xmlns:a16="http://schemas.microsoft.com/office/drawing/2014/main" id="{76554518-1C01-4B26-9940-1C04FC9D73BA}"/>
+          <p:cNvPr id="26" name="그림 개체 틀 25" descr="팀 구성원 얼굴 사진">
+            <a:extLst>
+              <a:ext uri="{FF2B5EF4-FFF2-40B4-BE49-F238E27FC236}">
+                <a16:creationId xmlns:a16="http://schemas.microsoft.com/office/drawing/2014/main" id="{C38F90B4-657F-4EA8-B86E-B9BD2E8B7BB2}"/>
               </a:ext>
             </a:extLst>
           </p:cNvPr>
@@ -40165,7 +39867,7 @@
           </p:nvPr>
         </p:nvPicPr>
         <p:blipFill rotWithShape="1">
-          <a:blip r:embed="rId3">
+          <a:blip r:embed="rId3" cstate="screen">
             <a:extLst>
               <a:ext uri="{28A0092B-C50C-407E-A947-70E740481C1C}">
                 <a14:useLocalDpi xmlns:a14="http://schemas.microsoft.com/office/drawing/2010/main" val="0"/>
@@ -40177,17 +39879,17 @@
         </p:blipFill>
         <p:spPr>
           <a:xfrm>
-            <a:off x="1877176" y="2428875"/>
-            <a:ext cx="1066800" cy="1066800"/>
+            <a:off x="1487181" y="2886074"/>
+            <a:ext cx="1845511" cy="1845511"/>
           </a:xfrm>
         </p:spPr>
       </p:pic>
       <p:sp>
         <p:nvSpPr>
-          <p:cNvPr id="36" name="텍스트 개체 틀 35">
-            <a:extLst>
-              <a:ext uri="{FF2B5EF4-FFF2-40B4-BE49-F238E27FC236}">
-                <a16:creationId xmlns:a16="http://schemas.microsoft.com/office/drawing/2014/main" id="{23BA8AAF-B08B-441B-AAF3-590A568329BF}"/>
+          <p:cNvPr id="24" name="텍스트 개체 틀 23">
+            <a:extLst>
+              <a:ext uri="{FF2B5EF4-FFF2-40B4-BE49-F238E27FC236}">
+                <a16:creationId xmlns:a16="http://schemas.microsoft.com/office/drawing/2014/main" id="{7BAD1FFF-8B97-4CD1-85E7-B7738EAD28CD}"/>
               </a:ext>
             </a:extLst>
           </p:cNvPr>
@@ -40200,8 +39902,8 @@
         </p:nvSpPr>
         <p:spPr>
           <a:xfrm>
-            <a:off x="1500168" y="3654378"/>
-            <a:ext cx="1828800" cy="343061"/>
+            <a:off x="1311558" y="5084524"/>
+            <a:ext cx="2196619" cy="343061"/>
           </a:xfrm>
         </p:spPr>
         <p:txBody>
@@ -40214,18 +39916,14 @@
               <a:t>이봉진</a:t>
             </a:r>
           </a:p>
-          <a:p>
-            <a:pPr rtl="0"/>
-            <a:endParaRPr lang="ko-KR" altLang="en-US"/>
-          </a:p>
-        </p:txBody>
-      </p:sp>
-      <p:sp>
-        <p:nvSpPr>
-          <p:cNvPr id="52" name="텍스트 개체 틀 51">
-            <a:extLst>
-              <a:ext uri="{FF2B5EF4-FFF2-40B4-BE49-F238E27FC236}">
-                <a16:creationId xmlns:a16="http://schemas.microsoft.com/office/drawing/2014/main" id="{E07741A2-243F-4086-945C-BCA1F24E6DB5}"/>
+        </p:txBody>
+      </p:sp>
+      <p:sp>
+        <p:nvSpPr>
+          <p:cNvPr id="36" name="텍스트 개체 틀 35">
+            <a:extLst>
+              <a:ext uri="{FF2B5EF4-FFF2-40B4-BE49-F238E27FC236}">
+                <a16:creationId xmlns:a16="http://schemas.microsoft.com/office/drawing/2014/main" id="{B76FA389-A54D-4E4B-81DA-DBA175D78FEC}"/>
               </a:ext>
             </a:extLst>
           </p:cNvPr>
@@ -40238,8 +39936,8 @@
         </p:nvSpPr>
         <p:spPr>
           <a:xfrm>
-            <a:off x="1390120" y="3782039"/>
-            <a:ext cx="2057400" cy="343061"/>
+            <a:off x="1487181" y="5464114"/>
+            <a:ext cx="1845511" cy="343061"/>
           </a:xfrm>
         </p:spPr>
         <p:txBody>
@@ -40256,10 +39954,10 @@
       </p:sp>
       <p:pic>
         <p:nvPicPr>
-          <p:cNvPr id="42" name="그림 개체 틀 41" descr="팀 구성원 얼굴 사진">
-            <a:extLst>
-              <a:ext uri="{FF2B5EF4-FFF2-40B4-BE49-F238E27FC236}">
-                <a16:creationId xmlns:a16="http://schemas.microsoft.com/office/drawing/2014/main" id="{CB092FE3-5F48-4433-B8FF-114D1CD7437D}"/>
+          <p:cNvPr id="47" name="그림 개체 틀 46" descr="팀 구성원 얼굴 사진">
+            <a:extLst>
+              <a:ext uri="{FF2B5EF4-FFF2-40B4-BE49-F238E27FC236}">
+                <a16:creationId xmlns:a16="http://schemas.microsoft.com/office/drawing/2014/main" id="{8AF5260A-2860-4F88-BA4D-70530D3E14AA}"/>
               </a:ext>
             </a:extLst>
           </p:cNvPr>
@@ -40271,7 +39969,7 @@
           </p:nvPr>
         </p:nvPicPr>
         <p:blipFill rotWithShape="1">
-          <a:blip r:embed="rId4">
+          <a:blip r:embed="rId4" cstate="screen">
             <a:extLst>
               <a:ext uri="{28A0092B-C50C-407E-A947-70E740481C1C}">
                 <a14:useLocalDpi xmlns:a14="http://schemas.microsoft.com/office/drawing/2010/main" val="0"/>
@@ -40283,17 +39981,17 @@
         </p:blipFill>
         <p:spPr>
           <a:xfrm>
-            <a:off x="4226270" y="2428875"/>
-            <a:ext cx="1066800" cy="1066800"/>
+            <a:off x="3836914" y="2886074"/>
+            <a:ext cx="1845511" cy="1845511"/>
           </a:xfrm>
         </p:spPr>
       </p:pic>
       <p:sp>
         <p:nvSpPr>
-          <p:cNvPr id="49" name="텍스트 개체 틀 48">
-            <a:extLst>
-              <a:ext uri="{FF2B5EF4-FFF2-40B4-BE49-F238E27FC236}">
-                <a16:creationId xmlns:a16="http://schemas.microsoft.com/office/drawing/2014/main" id="{27CB5CB7-B854-4F48-954C-5CF86CC9146D}"/>
+          <p:cNvPr id="33" name="텍스트 개체 틀 32">
+            <a:extLst>
+              <a:ext uri="{FF2B5EF4-FFF2-40B4-BE49-F238E27FC236}">
+                <a16:creationId xmlns:a16="http://schemas.microsoft.com/office/drawing/2014/main" id="{10C8C8C1-99D8-4034-A628-DECEB703BA1D}"/>
               </a:ext>
             </a:extLst>
           </p:cNvPr>
@@ -40306,8 +40004,8 @@
         </p:nvSpPr>
         <p:spPr>
           <a:xfrm>
-            <a:off x="3849262" y="3669060"/>
-            <a:ext cx="1828800" cy="343061"/>
+            <a:off x="3707607" y="5099206"/>
+            <a:ext cx="2145049" cy="343061"/>
           </a:xfrm>
         </p:spPr>
         <p:txBody>
@@ -40324,10 +40022,10 @@
       </p:sp>
       <p:sp>
         <p:nvSpPr>
-          <p:cNvPr id="61" name="텍스트 개체 틀 60">
-            <a:extLst>
-              <a:ext uri="{FF2B5EF4-FFF2-40B4-BE49-F238E27FC236}">
-                <a16:creationId xmlns:a16="http://schemas.microsoft.com/office/drawing/2014/main" id="{F1C860E6-FF87-419F-8B26-B8EA4D5F3D3D}"/>
+          <p:cNvPr id="37" name="텍스트 개체 틀 36">
+            <a:extLst>
+              <a:ext uri="{FF2B5EF4-FFF2-40B4-BE49-F238E27FC236}">
+                <a16:creationId xmlns:a16="http://schemas.microsoft.com/office/drawing/2014/main" id="{65786675-BFC6-4743-BFD3-D64691F771D8}"/>
               </a:ext>
             </a:extLst>
           </p:cNvPr>
@@ -40340,8 +40038,8 @@
         </p:nvSpPr>
         <p:spPr>
           <a:xfrm>
-            <a:off x="3739214" y="3796721"/>
-            <a:ext cx="2057400" cy="343061"/>
+            <a:off x="3836913" y="5478796"/>
+            <a:ext cx="1855949" cy="343061"/>
           </a:xfrm>
         </p:spPr>
         <p:txBody>
@@ -40358,10 +40056,10 @@
       </p:sp>
       <p:pic>
         <p:nvPicPr>
-          <p:cNvPr id="46" name="그림 개체 틀 45" descr="팀 구성원 얼굴 사진">
-            <a:extLst>
-              <a:ext uri="{FF2B5EF4-FFF2-40B4-BE49-F238E27FC236}">
-                <a16:creationId xmlns:a16="http://schemas.microsoft.com/office/drawing/2014/main" id="{570FC090-540A-41E2-99FA-7B7BC171A64E}"/>
+          <p:cNvPr id="45" name="그림 개체 틀 44" descr="팀 구성원 얼굴 사진">
+            <a:extLst>
+              <a:ext uri="{FF2B5EF4-FFF2-40B4-BE49-F238E27FC236}">
+                <a16:creationId xmlns:a16="http://schemas.microsoft.com/office/drawing/2014/main" id="{4442FA67-BF04-4E45-BFD9-78BF43789E09}"/>
               </a:ext>
             </a:extLst>
           </p:cNvPr>
@@ -40373,7 +40071,7 @@
           </p:nvPr>
         </p:nvPicPr>
         <p:blipFill rotWithShape="1">
-          <a:blip r:embed="rId5">
+          <a:blip r:embed="rId5" cstate="screen">
             <a:extLst>
               <a:ext uri="{28A0092B-C50C-407E-A947-70E740481C1C}">
                 <a14:useLocalDpi xmlns:a14="http://schemas.microsoft.com/office/drawing/2010/main" val="0"/>
@@ -40385,17 +40083,17 @@
         </p:blipFill>
         <p:spPr>
           <a:xfrm>
-            <a:off x="6716934" y="2428875"/>
-            <a:ext cx="1066800" cy="1066800"/>
+            <a:off x="6327578" y="2886074"/>
+            <a:ext cx="1845511" cy="1845511"/>
           </a:xfrm>
         </p:spPr>
       </p:pic>
       <p:sp>
         <p:nvSpPr>
-          <p:cNvPr id="50" name="텍스트 개체 틀 49">
-            <a:extLst>
-              <a:ext uri="{FF2B5EF4-FFF2-40B4-BE49-F238E27FC236}">
-                <a16:creationId xmlns:a16="http://schemas.microsoft.com/office/drawing/2014/main" id="{540F887C-E8EB-4467-90FE-023D47FFB454}"/>
+          <p:cNvPr id="34" name="텍스트 개체 틀 33">
+            <a:extLst>
+              <a:ext uri="{FF2B5EF4-FFF2-40B4-BE49-F238E27FC236}">
+                <a16:creationId xmlns:a16="http://schemas.microsoft.com/office/drawing/2014/main" id="{08CA58D6-00FD-4D81-A0F6-215C4D558912}"/>
               </a:ext>
             </a:extLst>
           </p:cNvPr>
@@ -40408,8 +40106,8 @@
         </p:nvSpPr>
         <p:spPr>
           <a:xfrm>
-            <a:off x="6339926" y="3669060"/>
-            <a:ext cx="1828800" cy="343061"/>
+            <a:off x="6198271" y="5099206"/>
+            <a:ext cx="2132985" cy="343061"/>
           </a:xfrm>
         </p:spPr>
         <p:txBody>
@@ -40422,52 +40120,52 @@
               <a:t>심희영</a:t>
             </a:r>
           </a:p>
+        </p:txBody>
+      </p:sp>
+      <p:sp>
+        <p:nvSpPr>
+          <p:cNvPr id="38" name="텍스트 개체 틀 37">
+            <a:extLst>
+              <a:ext uri="{FF2B5EF4-FFF2-40B4-BE49-F238E27FC236}">
+                <a16:creationId xmlns:a16="http://schemas.microsoft.com/office/drawing/2014/main" id="{97062F49-F468-4EA6-B6BF-94BFF89FDCB7}"/>
+              </a:ext>
+            </a:extLst>
+          </p:cNvPr>
+          <p:cNvSpPr>
+            <a:spLocks noGrp="1"/>
+          </p:cNvSpPr>
+          <p:nvPr>
+            <p:ph type="body" idx="23"/>
+          </p:nvPr>
+        </p:nvSpPr>
+        <p:spPr>
+          <a:xfrm>
+            <a:off x="6327577" y="5478796"/>
+            <a:ext cx="1845511" cy="343061"/>
+          </a:xfrm>
+        </p:spPr>
+        <p:txBody>
+          <a:bodyPr rtlCol="0"/>
+          <a:lstStyle/>
+          <a:p>
+            <a:pPr rtl="0"/>
+            <a:r>
+              <a:rPr lang="ko-KR" altLang="en-US"/>
+              <a:t>최고 운영 책임자</a:t>
+            </a:r>
+          </a:p>
           <a:p>
             <a:pPr rtl="0"/>
             <a:endParaRPr lang="ko-KR" altLang="en-US"/>
           </a:p>
         </p:txBody>
       </p:sp>
-      <p:sp>
-        <p:nvSpPr>
-          <p:cNvPr id="62" name="텍스트 개체 틀 61">
-            <a:extLst>
-              <a:ext uri="{FF2B5EF4-FFF2-40B4-BE49-F238E27FC236}">
-                <a16:creationId xmlns:a16="http://schemas.microsoft.com/office/drawing/2014/main" id="{F1AF6C54-9939-432B-BBC2-5E0C0F8B2D8C}"/>
-              </a:ext>
-            </a:extLst>
-          </p:cNvPr>
-          <p:cNvSpPr>
-            <a:spLocks noGrp="1"/>
-          </p:cNvSpPr>
-          <p:nvPr>
-            <p:ph type="body" idx="23"/>
-          </p:nvPr>
-        </p:nvSpPr>
-        <p:spPr>
-          <a:xfrm>
-            <a:off x="6217963" y="3796721"/>
-            <a:ext cx="2057400" cy="343061"/>
-          </a:xfrm>
-        </p:spPr>
-        <p:txBody>
-          <a:bodyPr rtlCol="0"/>
-          <a:lstStyle/>
-          <a:p>
-            <a:pPr rtl="0"/>
-            <a:r>
-              <a:rPr lang="ko-KR" altLang="en-US"/>
-              <a:t>최고 운영 책임자</a:t>
-            </a:r>
-          </a:p>
-        </p:txBody>
-      </p:sp>
       <p:pic>
         <p:nvPicPr>
-          <p:cNvPr id="54" name="그림 개체 틀 53" descr="팀 구성원 얼굴 사진">
-            <a:extLst>
-              <a:ext uri="{FF2B5EF4-FFF2-40B4-BE49-F238E27FC236}">
-                <a16:creationId xmlns:a16="http://schemas.microsoft.com/office/drawing/2014/main" id="{79B06025-9CB9-45C4-BF20-7D0D27D1B814}"/>
+          <p:cNvPr id="43" name="그림 개체 틀 42" descr="팀 구성원 얼굴 사진">
+            <a:extLst>
+              <a:ext uri="{FF2B5EF4-FFF2-40B4-BE49-F238E27FC236}">
+                <a16:creationId xmlns:a16="http://schemas.microsoft.com/office/drawing/2014/main" id="{F328CD15-EA0E-49AD-A3C6-5798A372AA53}"/>
               </a:ext>
             </a:extLst>
           </p:cNvPr>
@@ -40479,7 +40177,7 @@
           </p:nvPr>
         </p:nvPicPr>
         <p:blipFill rotWithShape="1">
-          <a:blip r:embed="rId6">
+          <a:blip r:embed="rId6" cstate="screen">
             <a:extLst>
               <a:ext uri="{28A0092B-C50C-407E-A947-70E740481C1C}">
                 <a14:useLocalDpi xmlns:a14="http://schemas.microsoft.com/office/drawing/2010/main" val="0"/>
@@ -40491,17 +40189,17 @@
         </p:blipFill>
         <p:spPr>
           <a:xfrm>
-            <a:off x="9136814" y="2428875"/>
-            <a:ext cx="1066800" cy="1066800"/>
+            <a:off x="8747458" y="2886074"/>
+            <a:ext cx="1845511" cy="1845511"/>
           </a:xfrm>
         </p:spPr>
       </p:pic>
       <p:sp>
         <p:nvSpPr>
-          <p:cNvPr id="51" name="텍스트 개체 틀 50">
-            <a:extLst>
-              <a:ext uri="{FF2B5EF4-FFF2-40B4-BE49-F238E27FC236}">
-                <a16:creationId xmlns:a16="http://schemas.microsoft.com/office/drawing/2014/main" id="{C1C77C5B-2A5F-4999-A5BF-F60EA88DE493}"/>
+          <p:cNvPr id="35" name="텍스트 개체 틀 34">
+            <a:extLst>
+              <a:ext uri="{FF2B5EF4-FFF2-40B4-BE49-F238E27FC236}">
+                <a16:creationId xmlns:a16="http://schemas.microsoft.com/office/drawing/2014/main" id="{60D37431-6A3A-47F6-A367-B5ADCF66AE37}"/>
               </a:ext>
             </a:extLst>
           </p:cNvPr>
@@ -40514,8 +40212,8 @@
         </p:nvSpPr>
         <p:spPr>
           <a:xfrm>
-            <a:off x="8759806" y="3654378"/>
-            <a:ext cx="1828800" cy="343061"/>
+            <a:off x="8618152" y="5084524"/>
+            <a:ext cx="2132984" cy="343061"/>
           </a:xfrm>
         </p:spPr>
         <p:txBody>
@@ -40532,10 +40230,10 @@
       </p:sp>
       <p:sp>
         <p:nvSpPr>
-          <p:cNvPr id="63" name="텍스트 개체 틀 62">
-            <a:extLst>
-              <a:ext uri="{FF2B5EF4-FFF2-40B4-BE49-F238E27FC236}">
-                <a16:creationId xmlns:a16="http://schemas.microsoft.com/office/drawing/2014/main" id="{41797063-0A46-4FCE-86CB-FC66F997C5F4}"/>
+          <p:cNvPr id="39" name="텍스트 개체 틀 38">
+            <a:extLst>
+              <a:ext uri="{FF2B5EF4-FFF2-40B4-BE49-F238E27FC236}">
+                <a16:creationId xmlns:a16="http://schemas.microsoft.com/office/drawing/2014/main" id="{59D9F00A-8CF0-41E8-9BB6-3B8ECDA55D49}"/>
               </a:ext>
             </a:extLst>
           </p:cNvPr>
@@ -40548,8 +40246,8 @@
         </p:nvSpPr>
         <p:spPr>
           <a:xfrm>
-            <a:off x="8634432" y="3782039"/>
-            <a:ext cx="2057400" cy="343061"/>
+            <a:off x="8747458" y="5464114"/>
+            <a:ext cx="1845510" cy="343061"/>
           </a:xfrm>
         </p:spPr>
         <p:txBody>
@@ -40562,62 +40260,32 @@
               <a:t>마케팅 부사장</a:t>
             </a:r>
           </a:p>
-        </p:txBody>
-      </p:sp>
-      <p:pic>
-        <p:nvPicPr>
-          <p:cNvPr id="58" name="그림 개체 틀 57" descr="팀 구성원 얼굴 사진">
-            <a:extLst>
-              <a:ext uri="{FF2B5EF4-FFF2-40B4-BE49-F238E27FC236}">
-                <a16:creationId xmlns:a16="http://schemas.microsoft.com/office/drawing/2014/main" id="{84ACB9E1-B019-4966-9E07-8D06D40BDDD3}"/>
-              </a:ext>
-            </a:extLst>
-          </p:cNvPr>
-          <p:cNvPicPr>
-            <a:picLocks noGrp="1" noChangeAspect="1"/>
-          </p:cNvPicPr>
-          <p:nvPr>
-            <p:ph type="pic" sz="quarter" idx="26"/>
-          </p:nvPr>
-        </p:nvPicPr>
-        <p:blipFill rotWithShape="1">
-          <a:blip r:embed="rId7">
-            <a:extLst>
-              <a:ext uri="{28A0092B-C50C-407E-A947-70E740481C1C}">
-                <a14:useLocalDpi xmlns:a14="http://schemas.microsoft.com/office/drawing/2010/main" val="0"/>
-              </a:ext>
-            </a:extLst>
-          </a:blip>
-          <a:srcRect/>
-          <a:stretch/>
-        </p:blipFill>
-        <p:spPr>
-          <a:xfrm>
-            <a:off x="1877176" y="4287711"/>
-            <a:ext cx="1066800" cy="1066800"/>
-          </a:xfrm>
-        </p:spPr>
-      </p:pic>
-      <p:sp>
-        <p:nvSpPr>
-          <p:cNvPr id="64" name="텍스트 개체 틀 63">
-            <a:extLst>
-              <a:ext uri="{FF2B5EF4-FFF2-40B4-BE49-F238E27FC236}">
-                <a16:creationId xmlns:a16="http://schemas.microsoft.com/office/drawing/2014/main" id="{3ECD1D6F-7DAE-4DCC-BBB4-CD519379CDF6}"/>
-              </a:ext>
-            </a:extLst>
-          </p:cNvPr>
-          <p:cNvSpPr>
-            <a:spLocks noGrp="1"/>
-          </p:cNvSpPr>
-          <p:nvPr>
-            <p:ph type="body" idx="25"/>
-          </p:nvPr>
-        </p:nvSpPr>
-        <p:spPr>
-          <a:xfrm>
-            <a:off x="1500168" y="5513214"/>
-            <a:ext cx="1828800" cy="343061"/>
+          <a:p>
+            <a:pPr rtl="0"/>
+            <a:endParaRPr lang="ko-KR" altLang="en-US"/>
+          </a:p>
+        </p:txBody>
+      </p:sp>
+      <p:sp>
+        <p:nvSpPr>
+          <p:cNvPr id="3" name="날짜 개체 틀 2">
+            <a:extLst>
+              <a:ext uri="{FF2B5EF4-FFF2-40B4-BE49-F238E27FC236}">
+                <a16:creationId xmlns:a16="http://schemas.microsoft.com/office/drawing/2014/main" id="{02F9CC1F-102C-49CC-B646-8E6826368A81}"/>
+              </a:ext>
+            </a:extLst>
+          </p:cNvPr>
+          <p:cNvSpPr>
+            <a:spLocks noGrp="1"/>
+          </p:cNvSpPr>
+          <p:nvPr>
+            <p:ph type="dt" sz="half" idx="10"/>
+          </p:nvPr>
+        </p:nvSpPr>
+        <p:spPr>
+          <a:xfrm>
+            <a:off x="838200" y="6356350"/>
+            <a:ext cx="2743200" cy="365125"/>
           </a:xfrm>
         </p:spPr>
         <p:txBody>
@@ -40626,36 +40294,36 @@
           <a:p>
             <a:pPr rtl="0"/>
             <a:r>
+              <a:rPr lang="en-US" altLang="ko-KR"/>
+              <a:t>20XX</a:t>
+            </a:r>
+            <a:r>
               <a:rPr lang="ko-KR" altLang="en-US"/>
-              <a:t>임진식</a:t>
-            </a:r>
-          </a:p>
-          <a:p>
-            <a:pPr rtl="0"/>
-            <a:endParaRPr lang="ko-KR" altLang="en-US"/>
-          </a:p>
-        </p:txBody>
-      </p:sp>
-      <p:sp>
-        <p:nvSpPr>
-          <p:cNvPr id="72" name="텍스트 개체 틀 71">
-            <a:extLst>
-              <a:ext uri="{FF2B5EF4-FFF2-40B4-BE49-F238E27FC236}">
-                <a16:creationId xmlns:a16="http://schemas.microsoft.com/office/drawing/2014/main" id="{0420E7B5-7D79-437C-BC6E-11C9C9C73D12}"/>
-              </a:ext>
-            </a:extLst>
-          </p:cNvPr>
-          <p:cNvSpPr>
-            <a:spLocks noGrp="1"/>
-          </p:cNvSpPr>
-          <p:nvPr>
-            <p:ph type="body" idx="33"/>
-          </p:nvPr>
-        </p:nvSpPr>
-        <p:spPr>
-          <a:xfrm>
-            <a:off x="1390120" y="5640875"/>
-            <a:ext cx="2057400" cy="343061"/>
+              <a:t>년</a:t>
+            </a:r>
+          </a:p>
+        </p:txBody>
+      </p:sp>
+      <p:sp>
+        <p:nvSpPr>
+          <p:cNvPr id="4" name="바닥글 개체 틀 3">
+            <a:extLst>
+              <a:ext uri="{FF2B5EF4-FFF2-40B4-BE49-F238E27FC236}">
+                <a16:creationId xmlns:a16="http://schemas.microsoft.com/office/drawing/2014/main" id="{33808A03-6EC3-48BE-9D18-5A746D09243E}"/>
+              </a:ext>
+            </a:extLst>
+          </p:cNvPr>
+          <p:cNvSpPr>
+            <a:spLocks noGrp="1"/>
+          </p:cNvSpPr>
+          <p:nvPr>
+            <p:ph type="ftr" sz="quarter" idx="11"/>
+          </p:nvPr>
+        </p:nvSpPr>
+        <p:spPr>
+          <a:xfrm>
+            <a:off x="4038600" y="6356350"/>
+            <a:ext cx="4114800" cy="365125"/>
           </a:xfrm>
         </p:spPr>
         <p:txBody>
@@ -40665,392 +40333,6 @@
             <a:pPr rtl="0"/>
             <a:r>
               <a:rPr lang="ko-KR" altLang="en-US"/>
-              <a:t>제품 부사장</a:t>
-            </a:r>
-          </a:p>
-        </p:txBody>
-      </p:sp>
-      <p:pic>
-        <p:nvPicPr>
-          <p:cNvPr id="66" name="그림 개체 틀 65" descr="팀 구성원 얼굴 사진">
-            <a:extLst>
-              <a:ext uri="{FF2B5EF4-FFF2-40B4-BE49-F238E27FC236}">
-                <a16:creationId xmlns:a16="http://schemas.microsoft.com/office/drawing/2014/main" id="{D61AF03E-3F4A-4F5E-BA7C-C1DF611CEA4F}"/>
-              </a:ext>
-            </a:extLst>
-          </p:cNvPr>
-          <p:cNvPicPr>
-            <a:picLocks noGrp="1" noChangeAspect="1"/>
-          </p:cNvPicPr>
-          <p:nvPr>
-            <p:ph type="pic" sz="quarter" idx="27"/>
-          </p:nvPr>
-        </p:nvPicPr>
-        <p:blipFill rotWithShape="1">
-          <a:blip r:embed="rId8">
-            <a:extLst>
-              <a:ext uri="{28A0092B-C50C-407E-A947-70E740481C1C}">
-                <a14:useLocalDpi xmlns:a14="http://schemas.microsoft.com/office/drawing/2010/main" val="0"/>
-              </a:ext>
-            </a:extLst>
-          </a:blip>
-          <a:srcRect/>
-          <a:stretch/>
-        </p:blipFill>
-        <p:spPr>
-          <a:xfrm>
-            <a:off x="4226270" y="4287711"/>
-            <a:ext cx="1066800" cy="1066800"/>
-          </a:xfrm>
-        </p:spPr>
-      </p:pic>
-      <p:sp>
-        <p:nvSpPr>
-          <p:cNvPr id="69" name="텍스트 개체 틀 68">
-            <a:extLst>
-              <a:ext uri="{FF2B5EF4-FFF2-40B4-BE49-F238E27FC236}">
-                <a16:creationId xmlns:a16="http://schemas.microsoft.com/office/drawing/2014/main" id="{A5A9CD8D-31A9-4139-87B2-349EA8E14781}"/>
-              </a:ext>
-            </a:extLst>
-          </p:cNvPr>
-          <p:cNvSpPr>
-            <a:spLocks noGrp="1"/>
-          </p:cNvSpPr>
-          <p:nvPr>
-            <p:ph type="body" idx="30"/>
-          </p:nvPr>
-        </p:nvSpPr>
-        <p:spPr>
-          <a:xfrm>
-            <a:off x="3849262" y="5527896"/>
-            <a:ext cx="1828800" cy="343061"/>
-          </a:xfrm>
-        </p:spPr>
-        <p:txBody>
-          <a:bodyPr rtlCol="0"/>
-          <a:lstStyle/>
-          <a:p>
-            <a:pPr rtl="0"/>
-            <a:r>
-              <a:rPr lang="ko-KR" altLang="en-US"/>
-              <a:t>황철무</a:t>
-            </a:r>
-          </a:p>
-          <a:p>
-            <a:pPr rtl="0"/>
-            <a:endParaRPr lang="ko-KR" altLang="en-US"/>
-          </a:p>
-        </p:txBody>
-      </p:sp>
-      <p:sp>
-        <p:nvSpPr>
-          <p:cNvPr id="73" name="텍스트 개체 틀 72">
-            <a:extLst>
-              <a:ext uri="{FF2B5EF4-FFF2-40B4-BE49-F238E27FC236}">
-                <a16:creationId xmlns:a16="http://schemas.microsoft.com/office/drawing/2014/main" id="{E1FCDD58-01CD-47CF-AB15-A511E9D3612F}"/>
-              </a:ext>
-            </a:extLst>
-          </p:cNvPr>
-          <p:cNvSpPr>
-            <a:spLocks noGrp="1"/>
-          </p:cNvSpPr>
-          <p:nvPr>
-            <p:ph type="body" idx="34"/>
-          </p:nvPr>
-        </p:nvSpPr>
-        <p:spPr>
-          <a:xfrm>
-            <a:off x="3739214" y="5655557"/>
-            <a:ext cx="2057400" cy="343061"/>
-          </a:xfrm>
-        </p:spPr>
-        <p:txBody>
-          <a:bodyPr rtlCol="0"/>
-          <a:lstStyle/>
-          <a:p>
-            <a:pPr rtl="0"/>
-            <a:r>
-              <a:rPr lang="en-US" altLang="ko-KR"/>
-              <a:t>SEO </a:t>
-            </a:r>
-            <a:r>
-              <a:rPr lang="ko-KR" altLang="en-US"/>
-              <a:t>전략</a:t>
-            </a:r>
-          </a:p>
-        </p:txBody>
-      </p:sp>
-      <p:pic>
-        <p:nvPicPr>
-          <p:cNvPr id="78" name="그림 개체 틀 77" descr="팀 구성원 얼굴 사진">
-            <a:extLst>
-              <a:ext uri="{FF2B5EF4-FFF2-40B4-BE49-F238E27FC236}">
-                <a16:creationId xmlns:a16="http://schemas.microsoft.com/office/drawing/2014/main" id="{C0C63D45-D8C0-4899-A4AC-EA536EBA3E9D}"/>
-              </a:ext>
-            </a:extLst>
-          </p:cNvPr>
-          <p:cNvPicPr>
-            <a:picLocks noGrp="1" noChangeAspect="1"/>
-          </p:cNvPicPr>
-          <p:nvPr>
-            <p:ph type="pic" sz="quarter" idx="28"/>
-          </p:nvPr>
-        </p:nvPicPr>
-        <p:blipFill rotWithShape="1">
-          <a:blip r:embed="rId9">
-            <a:extLst>
-              <a:ext uri="{28A0092B-C50C-407E-A947-70E740481C1C}">
-                <a14:useLocalDpi xmlns:a14="http://schemas.microsoft.com/office/drawing/2010/main" val="0"/>
-              </a:ext>
-            </a:extLst>
-          </a:blip>
-          <a:srcRect/>
-          <a:stretch/>
-        </p:blipFill>
-        <p:spPr>
-          <a:xfrm>
-            <a:off x="6716934" y="4287711"/>
-            <a:ext cx="1066800" cy="1066800"/>
-          </a:xfrm>
-        </p:spPr>
-      </p:pic>
-      <p:sp>
-        <p:nvSpPr>
-          <p:cNvPr id="70" name="텍스트 개체 틀 69">
-            <a:extLst>
-              <a:ext uri="{FF2B5EF4-FFF2-40B4-BE49-F238E27FC236}">
-                <a16:creationId xmlns:a16="http://schemas.microsoft.com/office/drawing/2014/main" id="{58753412-8033-48AD-80DF-945C72BC7335}"/>
-              </a:ext>
-            </a:extLst>
-          </p:cNvPr>
-          <p:cNvSpPr>
-            <a:spLocks noGrp="1"/>
-          </p:cNvSpPr>
-          <p:nvPr>
-            <p:ph type="body" idx="31"/>
-          </p:nvPr>
-        </p:nvSpPr>
-        <p:spPr>
-          <a:xfrm>
-            <a:off x="6339926" y="5527896"/>
-            <a:ext cx="1828800" cy="343061"/>
-          </a:xfrm>
-        </p:spPr>
-        <p:txBody>
-          <a:bodyPr rtlCol="0"/>
-          <a:lstStyle/>
-          <a:p>
-            <a:pPr rtl="0"/>
-            <a:r>
-              <a:rPr lang="ko-KR" altLang="en-US"/>
-              <a:t>조지민</a:t>
-            </a:r>
-          </a:p>
-        </p:txBody>
-      </p:sp>
-      <p:sp>
-        <p:nvSpPr>
-          <p:cNvPr id="74" name="텍스트 개체 틀 73">
-            <a:extLst>
-              <a:ext uri="{FF2B5EF4-FFF2-40B4-BE49-F238E27FC236}">
-                <a16:creationId xmlns:a16="http://schemas.microsoft.com/office/drawing/2014/main" id="{2E2604A9-4BB8-4144-914B-DCF4F13DF3DB}"/>
-              </a:ext>
-            </a:extLst>
-          </p:cNvPr>
-          <p:cNvSpPr>
-            <a:spLocks noGrp="1"/>
-          </p:cNvSpPr>
-          <p:nvPr>
-            <p:ph type="body" idx="35"/>
-          </p:nvPr>
-        </p:nvSpPr>
-        <p:spPr>
-          <a:xfrm>
-            <a:off x="6229878" y="5655557"/>
-            <a:ext cx="2057400" cy="343061"/>
-          </a:xfrm>
-        </p:spPr>
-        <p:txBody>
-          <a:bodyPr rtlCol="0"/>
-          <a:lstStyle/>
-          <a:p>
-            <a:pPr rtl="0"/>
-            <a:r>
-              <a:rPr lang="ko-KR" altLang="en-US"/>
-              <a:t>제품 디자이너</a:t>
-            </a:r>
-          </a:p>
-        </p:txBody>
-      </p:sp>
-      <p:pic>
-        <p:nvPicPr>
-          <p:cNvPr id="83" name="그림 개체 틀 82" descr="팀 구성원 얼굴 사진">
-            <a:extLst>
-              <a:ext uri="{FF2B5EF4-FFF2-40B4-BE49-F238E27FC236}">
-                <a16:creationId xmlns:a16="http://schemas.microsoft.com/office/drawing/2014/main" id="{3640DB2F-E9FF-4506-B751-D3C6F935A4DD}"/>
-              </a:ext>
-            </a:extLst>
-          </p:cNvPr>
-          <p:cNvPicPr>
-            <a:picLocks noGrp="1" noChangeAspect="1"/>
-          </p:cNvPicPr>
-          <p:nvPr>
-            <p:ph type="pic" sz="quarter" idx="29"/>
-          </p:nvPr>
-        </p:nvPicPr>
-        <p:blipFill rotWithShape="1">
-          <a:blip r:embed="rId10">
-            <a:extLst>
-              <a:ext uri="{28A0092B-C50C-407E-A947-70E740481C1C}">
-                <a14:useLocalDpi xmlns:a14="http://schemas.microsoft.com/office/drawing/2010/main" val="0"/>
-              </a:ext>
-            </a:extLst>
-          </a:blip>
-          <a:srcRect/>
-          <a:stretch/>
-        </p:blipFill>
-        <p:spPr>
-          <a:xfrm>
-            <a:off x="9136814" y="4287711"/>
-            <a:ext cx="1066800" cy="1066800"/>
-          </a:xfrm>
-        </p:spPr>
-      </p:pic>
-      <p:sp>
-        <p:nvSpPr>
-          <p:cNvPr id="71" name="텍스트 개체 틀 70">
-            <a:extLst>
-              <a:ext uri="{FF2B5EF4-FFF2-40B4-BE49-F238E27FC236}">
-                <a16:creationId xmlns:a16="http://schemas.microsoft.com/office/drawing/2014/main" id="{A45FE9A3-15E0-49FA-B6E5-DB16CD0C2C8F}"/>
-              </a:ext>
-            </a:extLst>
-          </p:cNvPr>
-          <p:cNvSpPr>
-            <a:spLocks noGrp="1"/>
-          </p:cNvSpPr>
-          <p:nvPr>
-            <p:ph type="body" idx="32"/>
-          </p:nvPr>
-        </p:nvSpPr>
-        <p:spPr>
-          <a:xfrm>
-            <a:off x="8759806" y="5513214"/>
-            <a:ext cx="1828800" cy="343061"/>
-          </a:xfrm>
-        </p:spPr>
-        <p:txBody>
-          <a:bodyPr rtlCol="0"/>
-          <a:lstStyle/>
-          <a:p>
-            <a:pPr rtl="0"/>
-            <a:r>
-              <a:rPr lang="ko-KR" altLang="en-US"/>
-              <a:t>김배식</a:t>
-            </a:r>
-          </a:p>
-        </p:txBody>
-      </p:sp>
-      <p:sp>
-        <p:nvSpPr>
-          <p:cNvPr id="75" name="텍스트 개체 틀 74">
-            <a:extLst>
-              <a:ext uri="{FF2B5EF4-FFF2-40B4-BE49-F238E27FC236}">
-                <a16:creationId xmlns:a16="http://schemas.microsoft.com/office/drawing/2014/main" id="{72076C4D-9688-4C1A-AB51-8F1051A803A9}"/>
-              </a:ext>
-            </a:extLst>
-          </p:cNvPr>
-          <p:cNvSpPr>
-            <a:spLocks noGrp="1"/>
-          </p:cNvSpPr>
-          <p:nvPr>
-            <p:ph type="body" idx="36"/>
-          </p:nvPr>
-        </p:nvSpPr>
-        <p:spPr>
-          <a:xfrm>
-            <a:off x="8634432" y="5640875"/>
-            <a:ext cx="2057400" cy="343061"/>
-          </a:xfrm>
-        </p:spPr>
-        <p:txBody>
-          <a:bodyPr rtlCol="0"/>
-          <a:lstStyle/>
-          <a:p>
-            <a:pPr rtl="0"/>
-            <a:r>
-              <a:rPr lang="ko-KR" altLang="en-US"/>
-              <a:t>콘텐츠 개발자</a:t>
-            </a:r>
-          </a:p>
-        </p:txBody>
-      </p:sp>
-      <p:sp>
-        <p:nvSpPr>
-          <p:cNvPr id="3" name="날짜 개체 틀 2">
-            <a:extLst>
-              <a:ext uri="{FF2B5EF4-FFF2-40B4-BE49-F238E27FC236}">
-                <a16:creationId xmlns:a16="http://schemas.microsoft.com/office/drawing/2014/main" id="{1833164A-09D8-4E05-899E-C830A562A446}"/>
-              </a:ext>
-            </a:extLst>
-          </p:cNvPr>
-          <p:cNvSpPr>
-            <a:spLocks noGrp="1"/>
-          </p:cNvSpPr>
-          <p:nvPr>
-            <p:ph type="dt" sz="half" idx="10"/>
-          </p:nvPr>
-        </p:nvSpPr>
-        <p:spPr>
-          <a:xfrm>
-            <a:off x="838200" y="6356350"/>
-            <a:ext cx="2743200" cy="365125"/>
-          </a:xfrm>
-        </p:spPr>
-        <p:txBody>
-          <a:bodyPr rtlCol="0"/>
-          <a:lstStyle/>
-          <a:p>
-            <a:pPr rtl="0"/>
-            <a:r>
-              <a:rPr lang="en-US" altLang="ko-KR"/>
-              <a:t>20XX</a:t>
-            </a:r>
-            <a:r>
-              <a:rPr lang="ko-KR" altLang="en-US"/>
-              <a:t>년</a:t>
-            </a:r>
-          </a:p>
-        </p:txBody>
-      </p:sp>
-      <p:sp>
-        <p:nvSpPr>
-          <p:cNvPr id="4" name="바닥글 개체 틀 3">
-            <a:extLst>
-              <a:ext uri="{FF2B5EF4-FFF2-40B4-BE49-F238E27FC236}">
-                <a16:creationId xmlns:a16="http://schemas.microsoft.com/office/drawing/2014/main" id="{79EB4DEA-4DCD-421C-A905-7EFCAE898907}"/>
-              </a:ext>
-            </a:extLst>
-          </p:cNvPr>
-          <p:cNvSpPr>
-            <a:spLocks noGrp="1"/>
-          </p:cNvSpPr>
-          <p:nvPr>
-            <p:ph type="ftr" sz="quarter" idx="11"/>
-          </p:nvPr>
-        </p:nvSpPr>
-        <p:spPr>
-          <a:xfrm>
-            <a:off x="4038600" y="6356350"/>
-            <a:ext cx="4114800" cy="365125"/>
-          </a:xfrm>
-        </p:spPr>
-        <p:txBody>
-          <a:bodyPr rtlCol="0"/>
-          <a:lstStyle/>
-          <a:p>
-            <a:pPr rtl="0"/>
-            <a:r>
-              <a:rPr lang="ko-KR" altLang="en-US"/>
               <a:t>설명 자료</a:t>
             </a:r>
           </a:p>
@@ -41061,7 +40343,7 @@
           <p:cNvPr id="5" name="슬라이드 번호 개체 틀 4">
             <a:extLst>
               <a:ext uri="{FF2B5EF4-FFF2-40B4-BE49-F238E27FC236}">
-                <a16:creationId xmlns:a16="http://schemas.microsoft.com/office/drawing/2014/main" id="{2E1923C7-5010-4C4F-A932-4BDA0B62A7C0}"/>
+                <a16:creationId xmlns:a16="http://schemas.microsoft.com/office/drawing/2014/main" id="{46868410-BE8A-4C98-9C72-20D0A2A6A8B9}"/>
               </a:ext>
             </a:extLst>
           </p:cNvPr>
@@ -41095,7 +40377,7 @@
     </p:spTree>
     <p:extLst>
       <p:ext uri="{BB962C8B-B14F-4D97-AF65-F5344CB8AC3E}">
-        <p14:creationId xmlns:p14="http://schemas.microsoft.com/office/powerpoint/2010/main" val="3396266754"/>
+        <p14:creationId xmlns:p14="http://schemas.microsoft.com/office/powerpoint/2010/main" val="3477453048"/>
       </p:ext>
     </p:extLst>
   </p:cSld>
@@ -41127,7 +40409,7 @@
           <p:cNvPr id="2" name="제목 1">
             <a:extLst>
               <a:ext uri="{FF2B5EF4-FFF2-40B4-BE49-F238E27FC236}">
-                <a16:creationId xmlns:a16="http://schemas.microsoft.com/office/drawing/2014/main" id="{9C1BF33B-5572-4A00-A55C-1E13A6B3A8F1}"/>
+                <a16:creationId xmlns:a16="http://schemas.microsoft.com/office/drawing/2014/main" id="{27A6F7BB-30A8-4980-AD4A-2FB0B53FA6C9}"/>
               </a:ext>
             </a:extLst>
           </p:cNvPr>
@@ -41150,49 +40432,52 @@
           <a:p>
             <a:pPr rtl="0"/>
             <a:r>
-              <a:rPr lang="ko-KR" altLang="en-US" dirty="0"/>
-              <a:t>자금 조달</a:t>
-            </a:r>
-          </a:p>
-        </p:txBody>
-      </p:sp>
-      <p:graphicFrame>
-        <p:nvGraphicFramePr>
-          <p:cNvPr id="126" name="내용 개체 틀 125" title="자금 조달 차트">
-            <a:extLst>
-              <a:ext uri="{FF2B5EF4-FFF2-40B4-BE49-F238E27FC236}">
-                <a16:creationId xmlns:a16="http://schemas.microsoft.com/office/drawing/2014/main" id="{A036AFA2-B0F0-4DE7-B7AE-E4B852EB3D36}"/>
-              </a:ext>
-            </a:extLst>
-          </p:cNvPr>
-          <p:cNvGraphicFramePr>
-            <a:graphicFrameLocks noGrp="1"/>
-          </p:cNvGraphicFramePr>
-          <p:nvPr>
-            <p:ph sz="quarter" idx="21"/>
-            <p:extLst>
-              <p:ext uri="{D42A27DB-BD31-4B8C-83A1-F6EECF244321}">
-                <p14:modId xmlns:p14="http://schemas.microsoft.com/office/powerpoint/2010/main" val="2115783209"/>
-              </p:ext>
-            </p:extLst>
-          </p:nvPr>
-        </p:nvGraphicFramePr>
-        <p:xfrm>
-          <a:off x="1074738" y="2119313"/>
-          <a:ext cx="1857375" cy="1663700"/>
-        </p:xfrm>
-        <a:graphic>
-          <a:graphicData uri="http://schemas.openxmlformats.org/drawingml/2006/chart">
-            <c:chart xmlns:c="http://schemas.openxmlformats.org/drawingml/2006/chart" xmlns:r="http://schemas.openxmlformats.org/officeDocument/2006/relationships" r:id="rId3"/>
-          </a:graphicData>
-        </a:graphic>
-      </p:graphicFrame>
-      <p:sp>
-        <p:nvSpPr>
-          <p:cNvPr id="3" name="텍스트 개체 틀 2">
-            <a:extLst>
-              <a:ext uri="{FF2B5EF4-FFF2-40B4-BE49-F238E27FC236}">
-                <a16:creationId xmlns:a16="http://schemas.microsoft.com/office/drawing/2014/main" id="{82A4739B-8DE9-4523-8034-4E83861CCF73}"/>
+              <a:rPr lang="ko-KR" altLang="en-US"/>
+              <a:t>팀 소개 </a:t>
+            </a:r>
+          </a:p>
+        </p:txBody>
+      </p:sp>
+      <p:pic>
+        <p:nvPicPr>
+          <p:cNvPr id="38" name="그림 개체 틀 37" descr="팀 구성원 얼굴 사진">
+            <a:extLst>
+              <a:ext uri="{FF2B5EF4-FFF2-40B4-BE49-F238E27FC236}">
+                <a16:creationId xmlns:a16="http://schemas.microsoft.com/office/drawing/2014/main" id="{76554518-1C01-4B26-9940-1C04FC9D73BA}"/>
+              </a:ext>
+            </a:extLst>
+          </p:cNvPr>
+          <p:cNvPicPr>
+            <a:picLocks noGrp="1" noChangeAspect="1"/>
+          </p:cNvPicPr>
+          <p:nvPr>
+            <p:ph type="pic" sz="quarter" idx="14"/>
+          </p:nvPr>
+        </p:nvPicPr>
+        <p:blipFill rotWithShape="1">
+          <a:blip r:embed="rId3">
+            <a:extLst>
+              <a:ext uri="{28A0092B-C50C-407E-A947-70E740481C1C}">
+                <a14:useLocalDpi xmlns:a14="http://schemas.microsoft.com/office/drawing/2010/main" val="0"/>
+              </a:ext>
+            </a:extLst>
+          </a:blip>
+          <a:srcRect/>
+          <a:stretch/>
+        </p:blipFill>
+        <p:spPr>
+          <a:xfrm>
+            <a:off x="1877176" y="2428875"/>
+            <a:ext cx="1066800" cy="1066800"/>
+          </a:xfrm>
+        </p:spPr>
+      </p:pic>
+      <p:sp>
+        <p:nvSpPr>
+          <p:cNvPr id="36" name="텍스트 개체 틀 35">
+            <a:extLst>
+              <a:ext uri="{FF2B5EF4-FFF2-40B4-BE49-F238E27FC236}">
+                <a16:creationId xmlns:a16="http://schemas.microsoft.com/office/drawing/2014/main" id="{23BA8AAF-B08B-441B-AAF3-590A568329BF}"/>
               </a:ext>
             </a:extLst>
           </p:cNvPr>
@@ -41205,8 +40490,8 @@
         </p:nvSpPr>
         <p:spPr>
           <a:xfrm>
-            <a:off x="838200" y="3788813"/>
-            <a:ext cx="2330726" cy="804859"/>
+            <a:off x="1500168" y="3654378"/>
+            <a:ext cx="1828800" cy="343061"/>
           </a:xfrm>
         </p:spPr>
         <p:txBody>
@@ -41215,37 +40500,36 @@
           <a:p>
             <a:pPr rtl="0"/>
             <a:r>
-              <a:rPr lang="ko-KR" altLang="en-US" dirty="0"/>
-              <a:t>₩</a:t>
-            </a:r>
-            <a:r>
-              <a:rPr lang="en-US" altLang="ko-KR" dirty="0"/>
-              <a:t>14,000</a:t>
-            </a:r>
-            <a:endParaRPr lang="ko-KR" altLang="en-US" dirty="0"/>
-          </a:p>
-        </p:txBody>
-      </p:sp>
-      <p:sp>
-        <p:nvSpPr>
-          <p:cNvPr id="14" name="텍스트 개체 틀 13">
-            <a:extLst>
-              <a:ext uri="{FF2B5EF4-FFF2-40B4-BE49-F238E27FC236}">
-                <a16:creationId xmlns:a16="http://schemas.microsoft.com/office/drawing/2014/main" id="{C487CCC0-D329-4C1F-A1CD-04930A23C5C3}"/>
-              </a:ext>
-            </a:extLst>
-          </p:cNvPr>
-          <p:cNvSpPr>
-            <a:spLocks noGrp="1"/>
-          </p:cNvSpPr>
-          <p:nvPr>
-            <p:ph type="body" idx="17"/>
-          </p:nvPr>
-        </p:nvSpPr>
-        <p:spPr>
-          <a:xfrm>
-            <a:off x="838200" y="4464810"/>
-            <a:ext cx="2330726" cy="438505"/>
+              <a:rPr lang="ko-KR" altLang="en-US"/>
+              <a:t>이봉진</a:t>
+            </a:r>
+          </a:p>
+          <a:p>
+            <a:pPr rtl="0"/>
+            <a:endParaRPr lang="ko-KR" altLang="en-US"/>
+          </a:p>
+        </p:txBody>
+      </p:sp>
+      <p:sp>
+        <p:nvSpPr>
+          <p:cNvPr id="52" name="텍스트 개체 틀 51">
+            <a:extLst>
+              <a:ext uri="{FF2B5EF4-FFF2-40B4-BE49-F238E27FC236}">
+                <a16:creationId xmlns:a16="http://schemas.microsoft.com/office/drawing/2014/main" id="{E07741A2-243F-4086-945C-BCA1F24E6DB5}"/>
+              </a:ext>
+            </a:extLst>
+          </p:cNvPr>
+          <p:cNvSpPr>
+            <a:spLocks noGrp="1"/>
+          </p:cNvSpPr>
+          <p:nvPr>
+            <p:ph type="body" idx="21"/>
+          </p:nvPr>
+        </p:nvSpPr>
+        <p:spPr>
+          <a:xfrm>
+            <a:off x="1390120" y="3782039"/>
+            <a:ext cx="2057400" cy="343061"/>
           </a:xfrm>
         </p:spPr>
         <p:txBody>
@@ -41254,32 +40538,66 @@
           <a:p>
             <a:pPr rtl="0"/>
             <a:r>
-              <a:rPr lang="ko-KR" altLang="en-US" dirty="0"/>
-              <a:t>엔젤 투자</a:t>
-            </a:r>
-          </a:p>
-        </p:txBody>
-      </p:sp>
-      <p:sp>
-        <p:nvSpPr>
-          <p:cNvPr id="4" name="내용 개체 틀 3">
-            <a:extLst>
-              <a:ext uri="{FF2B5EF4-FFF2-40B4-BE49-F238E27FC236}">
-                <a16:creationId xmlns:a16="http://schemas.microsoft.com/office/drawing/2014/main" id="{21CF2BB3-1E12-4189-9F5F-EF136C62E39B}"/>
-              </a:ext>
-            </a:extLst>
-          </p:cNvPr>
-          <p:cNvSpPr>
-            <a:spLocks noGrp="1"/>
-          </p:cNvSpPr>
-          <p:nvPr>
-            <p:ph sz="half" idx="2"/>
-          </p:nvPr>
-        </p:nvSpPr>
-        <p:spPr>
-          <a:xfrm>
-            <a:off x="838200" y="5120722"/>
-            <a:ext cx="2330726" cy="853167"/>
+              <a:rPr lang="ko-KR" altLang="en-US"/>
+              <a:t>대표</a:t>
+            </a:r>
+          </a:p>
+        </p:txBody>
+      </p:sp>
+      <p:pic>
+        <p:nvPicPr>
+          <p:cNvPr id="42" name="그림 개체 틀 41" descr="팀 구성원 얼굴 사진">
+            <a:extLst>
+              <a:ext uri="{FF2B5EF4-FFF2-40B4-BE49-F238E27FC236}">
+                <a16:creationId xmlns:a16="http://schemas.microsoft.com/office/drawing/2014/main" id="{CB092FE3-5F48-4433-B8FF-114D1CD7437D}"/>
+              </a:ext>
+            </a:extLst>
+          </p:cNvPr>
+          <p:cNvPicPr>
+            <a:picLocks noGrp="1" noChangeAspect="1"/>
+          </p:cNvPicPr>
+          <p:nvPr>
+            <p:ph type="pic" sz="quarter" idx="15"/>
+          </p:nvPr>
+        </p:nvPicPr>
+        <p:blipFill rotWithShape="1">
+          <a:blip r:embed="rId4">
+            <a:extLst>
+              <a:ext uri="{28A0092B-C50C-407E-A947-70E740481C1C}">
+                <a14:useLocalDpi xmlns:a14="http://schemas.microsoft.com/office/drawing/2010/main" val="0"/>
+              </a:ext>
+            </a:extLst>
+          </a:blip>
+          <a:srcRect/>
+          <a:stretch/>
+        </p:blipFill>
+        <p:spPr>
+          <a:xfrm>
+            <a:off x="4226270" y="2428875"/>
+            <a:ext cx="1066800" cy="1066800"/>
+          </a:xfrm>
+        </p:spPr>
+      </p:pic>
+      <p:sp>
+        <p:nvSpPr>
+          <p:cNvPr id="49" name="텍스트 개체 틀 48">
+            <a:extLst>
+              <a:ext uri="{FF2B5EF4-FFF2-40B4-BE49-F238E27FC236}">
+                <a16:creationId xmlns:a16="http://schemas.microsoft.com/office/drawing/2014/main" id="{27CB5CB7-B854-4F48-954C-5CF86CC9146D}"/>
+              </a:ext>
+            </a:extLst>
+          </p:cNvPr>
+          <p:cNvSpPr>
+            <a:spLocks noGrp="1"/>
+          </p:cNvSpPr>
+          <p:nvPr>
+            <p:ph type="body" idx="18"/>
+          </p:nvPr>
+        </p:nvSpPr>
+        <p:spPr>
+          <a:xfrm>
+            <a:off x="3849262" y="3669060"/>
+            <a:ext cx="1828800" cy="343061"/>
           </a:xfrm>
         </p:spPr>
         <p:txBody>
@@ -41288,63 +40606,32 @@
           <a:p>
             <a:pPr rtl="0"/>
             <a:r>
-              <a:rPr lang="ko-KR" altLang="en-US" dirty="0"/>
-              <a:t>다른 투자자를 통해 얻은 금액</a:t>
-            </a:r>
-          </a:p>
-        </p:txBody>
-      </p:sp>
-      <p:graphicFrame>
-        <p:nvGraphicFramePr>
-          <p:cNvPr id="127" name="내용 개체 틀 126" title="자금 조달 차트">
-            <a:extLst>
-              <a:ext uri="{FF2B5EF4-FFF2-40B4-BE49-F238E27FC236}">
-                <a16:creationId xmlns:a16="http://schemas.microsoft.com/office/drawing/2014/main" id="{47DB352F-5059-4378-B91D-92E59C6B1B91}"/>
-              </a:ext>
-            </a:extLst>
-          </p:cNvPr>
-          <p:cNvGraphicFramePr>
-            <a:graphicFrameLocks noGrp="1"/>
-          </p:cNvGraphicFramePr>
-          <p:nvPr>
-            <p:ph sz="quarter" idx="22"/>
-            <p:extLst>
-              <p:ext uri="{D42A27DB-BD31-4B8C-83A1-F6EECF244321}">
-                <p14:modId xmlns:p14="http://schemas.microsoft.com/office/powerpoint/2010/main" val="4164325061"/>
-              </p:ext>
-            </p:extLst>
-          </p:nvPr>
-        </p:nvGraphicFramePr>
-        <p:xfrm>
-          <a:off x="3811588" y="2119313"/>
-          <a:ext cx="1855787" cy="1663700"/>
-        </p:xfrm>
-        <a:graphic>
-          <a:graphicData uri="http://schemas.openxmlformats.org/drawingml/2006/chart">
-            <c:chart xmlns:c="http://schemas.openxmlformats.org/drawingml/2006/chart" xmlns:r="http://schemas.openxmlformats.org/officeDocument/2006/relationships" r:id="rId4"/>
-          </a:graphicData>
-        </a:graphic>
-      </p:graphicFrame>
-      <p:sp>
-        <p:nvSpPr>
-          <p:cNvPr id="5" name="텍스트 개체 틀 4">
-            <a:extLst>
-              <a:ext uri="{FF2B5EF4-FFF2-40B4-BE49-F238E27FC236}">
-                <a16:creationId xmlns:a16="http://schemas.microsoft.com/office/drawing/2014/main" id="{68145D0E-892D-492B-8AD6-551CF27DD5F7}"/>
-              </a:ext>
-            </a:extLst>
-          </p:cNvPr>
-          <p:cNvSpPr>
-            <a:spLocks noGrp="1"/>
-          </p:cNvSpPr>
-          <p:nvPr>
-            <p:ph type="body" sz="quarter" idx="3"/>
-          </p:nvPr>
-        </p:nvSpPr>
-        <p:spPr>
-          <a:xfrm>
-            <a:off x="3562665" y="3788813"/>
-            <a:ext cx="2342205" cy="804859"/>
+              <a:rPr lang="ko-KR" altLang="en-US"/>
+              <a:t>심현기</a:t>
+            </a:r>
+          </a:p>
+        </p:txBody>
+      </p:sp>
+      <p:sp>
+        <p:nvSpPr>
+          <p:cNvPr id="61" name="텍스트 개체 틀 60">
+            <a:extLst>
+              <a:ext uri="{FF2B5EF4-FFF2-40B4-BE49-F238E27FC236}">
+                <a16:creationId xmlns:a16="http://schemas.microsoft.com/office/drawing/2014/main" id="{F1C860E6-FF87-419F-8B26-B8EA4D5F3D3D}"/>
+              </a:ext>
+            </a:extLst>
+          </p:cNvPr>
+          <p:cNvSpPr>
+            <a:spLocks noGrp="1"/>
+          </p:cNvSpPr>
+          <p:nvPr>
+            <p:ph type="body" idx="22"/>
+          </p:nvPr>
+        </p:nvSpPr>
+        <p:spPr>
+          <a:xfrm>
+            <a:off x="3739214" y="3796721"/>
+            <a:ext cx="2057400" cy="343061"/>
           </a:xfrm>
         </p:spPr>
         <p:txBody>
@@ -41353,37 +40640,66 @@
           <a:p>
             <a:pPr rtl="0"/>
             <a:r>
-              <a:rPr lang="ko-KR" altLang="en-US" dirty="0"/>
-              <a:t>₩</a:t>
-            </a:r>
-            <a:r>
-              <a:rPr lang="en-US" altLang="ko-KR" dirty="0"/>
-              <a:t>12,000</a:t>
-            </a:r>
-            <a:endParaRPr lang="ko-KR" altLang="en-US" dirty="0"/>
-          </a:p>
-        </p:txBody>
-      </p:sp>
-      <p:sp>
-        <p:nvSpPr>
-          <p:cNvPr id="15" name="텍스트 개체 틀 14">
-            <a:extLst>
-              <a:ext uri="{FF2B5EF4-FFF2-40B4-BE49-F238E27FC236}">
-                <a16:creationId xmlns:a16="http://schemas.microsoft.com/office/drawing/2014/main" id="{34E62770-EE0A-4D83-B50E-CD868056030E}"/>
-              </a:ext>
-            </a:extLst>
-          </p:cNvPr>
-          <p:cNvSpPr>
-            <a:spLocks noGrp="1"/>
-          </p:cNvSpPr>
-          <p:nvPr>
-            <p:ph type="body" sz="quarter" idx="18"/>
-          </p:nvPr>
-        </p:nvSpPr>
-        <p:spPr>
-          <a:xfrm>
-            <a:off x="3562665" y="4464810"/>
-            <a:ext cx="2342205" cy="438505"/>
+              <a:rPr lang="ko-KR" altLang="en-US"/>
+              <a:t>최고 경영자</a:t>
+            </a:r>
+          </a:p>
+        </p:txBody>
+      </p:sp>
+      <p:pic>
+        <p:nvPicPr>
+          <p:cNvPr id="46" name="그림 개체 틀 45" descr="팀 구성원 얼굴 사진">
+            <a:extLst>
+              <a:ext uri="{FF2B5EF4-FFF2-40B4-BE49-F238E27FC236}">
+                <a16:creationId xmlns:a16="http://schemas.microsoft.com/office/drawing/2014/main" id="{570FC090-540A-41E2-99FA-7B7BC171A64E}"/>
+              </a:ext>
+            </a:extLst>
+          </p:cNvPr>
+          <p:cNvPicPr>
+            <a:picLocks noGrp="1" noChangeAspect="1"/>
+          </p:cNvPicPr>
+          <p:nvPr>
+            <p:ph type="pic" sz="quarter" idx="16"/>
+          </p:nvPr>
+        </p:nvPicPr>
+        <p:blipFill rotWithShape="1">
+          <a:blip r:embed="rId5">
+            <a:extLst>
+              <a:ext uri="{28A0092B-C50C-407E-A947-70E740481C1C}">
+                <a14:useLocalDpi xmlns:a14="http://schemas.microsoft.com/office/drawing/2010/main" val="0"/>
+              </a:ext>
+            </a:extLst>
+          </a:blip>
+          <a:srcRect/>
+          <a:stretch/>
+        </p:blipFill>
+        <p:spPr>
+          <a:xfrm>
+            <a:off x="6716934" y="2428875"/>
+            <a:ext cx="1066800" cy="1066800"/>
+          </a:xfrm>
+        </p:spPr>
+      </p:pic>
+      <p:sp>
+        <p:nvSpPr>
+          <p:cNvPr id="50" name="텍스트 개체 틀 49">
+            <a:extLst>
+              <a:ext uri="{FF2B5EF4-FFF2-40B4-BE49-F238E27FC236}">
+                <a16:creationId xmlns:a16="http://schemas.microsoft.com/office/drawing/2014/main" id="{540F887C-E8EB-4467-90FE-023D47FFB454}"/>
+              </a:ext>
+            </a:extLst>
+          </p:cNvPr>
+          <p:cNvSpPr>
+            <a:spLocks noGrp="1"/>
+          </p:cNvSpPr>
+          <p:nvPr>
+            <p:ph type="body" idx="19"/>
+          </p:nvPr>
+        </p:nvSpPr>
+        <p:spPr>
+          <a:xfrm>
+            <a:off x="6339926" y="3669060"/>
+            <a:ext cx="1828800" cy="343061"/>
           </a:xfrm>
         </p:spPr>
         <p:txBody>
@@ -41392,32 +40708,36 @@
           <a:p>
             <a:pPr rtl="0"/>
             <a:r>
-              <a:rPr lang="ko-KR" altLang="en-US" dirty="0"/>
-              <a:t>재산</a:t>
-            </a:r>
-          </a:p>
-        </p:txBody>
-      </p:sp>
-      <p:sp>
-        <p:nvSpPr>
-          <p:cNvPr id="6" name="내용 개체 틀 5">
-            <a:extLst>
-              <a:ext uri="{FF2B5EF4-FFF2-40B4-BE49-F238E27FC236}">
-                <a16:creationId xmlns:a16="http://schemas.microsoft.com/office/drawing/2014/main" id="{3ED3951E-8DE6-4BA9-B9BA-CFCDF432226C}"/>
-              </a:ext>
-            </a:extLst>
-          </p:cNvPr>
-          <p:cNvSpPr>
-            <a:spLocks noGrp="1"/>
-          </p:cNvSpPr>
-          <p:nvPr>
-            <p:ph sz="quarter" idx="4"/>
-          </p:nvPr>
-        </p:nvSpPr>
-        <p:spPr>
-          <a:xfrm>
-            <a:off x="3562665" y="5120722"/>
-            <a:ext cx="2342205" cy="853167"/>
+              <a:rPr lang="ko-KR" altLang="en-US"/>
+              <a:t>심희영</a:t>
+            </a:r>
+          </a:p>
+          <a:p>
+            <a:pPr rtl="0"/>
+            <a:endParaRPr lang="ko-KR" altLang="en-US"/>
+          </a:p>
+        </p:txBody>
+      </p:sp>
+      <p:sp>
+        <p:nvSpPr>
+          <p:cNvPr id="62" name="텍스트 개체 틀 61">
+            <a:extLst>
+              <a:ext uri="{FF2B5EF4-FFF2-40B4-BE49-F238E27FC236}">
+                <a16:creationId xmlns:a16="http://schemas.microsoft.com/office/drawing/2014/main" id="{F1AF6C54-9939-432B-BBC2-5E0C0F8B2D8C}"/>
+              </a:ext>
+            </a:extLst>
+          </p:cNvPr>
+          <p:cNvSpPr>
+            <a:spLocks noGrp="1"/>
+          </p:cNvSpPr>
+          <p:nvPr>
+            <p:ph type="body" idx="23"/>
+          </p:nvPr>
+        </p:nvSpPr>
+        <p:spPr>
+          <a:xfrm>
+            <a:off x="6217963" y="3796721"/>
+            <a:ext cx="2057400" cy="343061"/>
           </a:xfrm>
         </p:spPr>
         <p:txBody>
@@ -41426,63 +40746,66 @@
           <a:p>
             <a:pPr rtl="0"/>
             <a:r>
-              <a:rPr lang="ko-KR" altLang="en-US" dirty="0"/>
-              <a:t>재산 임대로 얻은 수익</a:t>
-            </a:r>
-          </a:p>
-        </p:txBody>
-      </p:sp>
-      <p:graphicFrame>
-        <p:nvGraphicFramePr>
-          <p:cNvPr id="128" name="내용 개체 틀 127" title="자금 조달 차트">
-            <a:extLst>
-              <a:ext uri="{FF2B5EF4-FFF2-40B4-BE49-F238E27FC236}">
-                <a16:creationId xmlns:a16="http://schemas.microsoft.com/office/drawing/2014/main" id="{87227872-8A65-49E5-922E-C5FA7A158972}"/>
-              </a:ext>
-            </a:extLst>
-          </p:cNvPr>
-          <p:cNvGraphicFramePr>
-            <a:graphicFrameLocks noGrp="1"/>
-          </p:cNvGraphicFramePr>
-          <p:nvPr>
-            <p:ph sz="quarter" idx="23"/>
-            <p:extLst>
-              <p:ext uri="{D42A27DB-BD31-4B8C-83A1-F6EECF244321}">
-                <p14:modId xmlns:p14="http://schemas.microsoft.com/office/powerpoint/2010/main" val="631544523"/>
-              </p:ext>
-            </p:extLst>
-          </p:nvPr>
-        </p:nvGraphicFramePr>
-        <p:xfrm>
-          <a:off x="6524625" y="2119313"/>
-          <a:ext cx="1855788" cy="1663700"/>
-        </p:xfrm>
-        <a:graphic>
-          <a:graphicData uri="http://schemas.openxmlformats.org/drawingml/2006/chart">
-            <c:chart xmlns:c="http://schemas.openxmlformats.org/drawingml/2006/chart" xmlns:r="http://schemas.openxmlformats.org/officeDocument/2006/relationships" r:id="rId5"/>
-          </a:graphicData>
-        </a:graphic>
-      </p:graphicFrame>
-      <p:sp>
-        <p:nvSpPr>
-          <p:cNvPr id="10" name="텍스트 개체 틀 9">
-            <a:extLst>
-              <a:ext uri="{FF2B5EF4-FFF2-40B4-BE49-F238E27FC236}">
-                <a16:creationId xmlns:a16="http://schemas.microsoft.com/office/drawing/2014/main" id="{C66E4F1A-AD73-4086-B578-235F0B9F1FC4}"/>
-              </a:ext>
-            </a:extLst>
-          </p:cNvPr>
-          <p:cNvSpPr>
-            <a:spLocks noGrp="1"/>
-          </p:cNvSpPr>
-          <p:nvPr>
-            <p:ph type="body" idx="13"/>
-          </p:nvPr>
-        </p:nvSpPr>
-        <p:spPr>
-          <a:xfrm>
-            <a:off x="6298609" y="3788813"/>
-            <a:ext cx="2330726" cy="804859"/>
+              <a:rPr lang="ko-KR" altLang="en-US"/>
+              <a:t>최고 운영 책임자</a:t>
+            </a:r>
+          </a:p>
+        </p:txBody>
+      </p:sp>
+      <p:pic>
+        <p:nvPicPr>
+          <p:cNvPr id="54" name="그림 개체 틀 53" descr="팀 구성원 얼굴 사진">
+            <a:extLst>
+              <a:ext uri="{FF2B5EF4-FFF2-40B4-BE49-F238E27FC236}">
+                <a16:creationId xmlns:a16="http://schemas.microsoft.com/office/drawing/2014/main" id="{79B06025-9CB9-45C4-BF20-7D0D27D1B814}"/>
+              </a:ext>
+            </a:extLst>
+          </p:cNvPr>
+          <p:cNvPicPr>
+            <a:picLocks noGrp="1" noChangeAspect="1"/>
+          </p:cNvPicPr>
+          <p:nvPr>
+            <p:ph type="pic" sz="quarter" idx="17"/>
+          </p:nvPr>
+        </p:nvPicPr>
+        <p:blipFill rotWithShape="1">
+          <a:blip r:embed="rId6">
+            <a:extLst>
+              <a:ext uri="{28A0092B-C50C-407E-A947-70E740481C1C}">
+                <a14:useLocalDpi xmlns:a14="http://schemas.microsoft.com/office/drawing/2010/main" val="0"/>
+              </a:ext>
+            </a:extLst>
+          </a:blip>
+          <a:srcRect/>
+          <a:stretch/>
+        </p:blipFill>
+        <p:spPr>
+          <a:xfrm>
+            <a:off x="9136814" y="2428875"/>
+            <a:ext cx="1066800" cy="1066800"/>
+          </a:xfrm>
+        </p:spPr>
+      </p:pic>
+      <p:sp>
+        <p:nvSpPr>
+          <p:cNvPr id="51" name="텍스트 개체 틀 50">
+            <a:extLst>
+              <a:ext uri="{FF2B5EF4-FFF2-40B4-BE49-F238E27FC236}">
+                <a16:creationId xmlns:a16="http://schemas.microsoft.com/office/drawing/2014/main" id="{C1C77C5B-2A5F-4999-A5BF-F60EA88DE493}"/>
+              </a:ext>
+            </a:extLst>
+          </p:cNvPr>
+          <p:cNvSpPr>
+            <a:spLocks noGrp="1"/>
+          </p:cNvSpPr>
+          <p:nvPr>
+            <p:ph type="body" idx="20"/>
+          </p:nvPr>
+        </p:nvSpPr>
+        <p:spPr>
+          <a:xfrm>
+            <a:off x="8759806" y="3654378"/>
+            <a:ext cx="1828800" cy="343061"/>
           </a:xfrm>
         </p:spPr>
         <p:txBody>
@@ -41491,37 +40814,32 @@
           <a:p>
             <a:pPr rtl="0"/>
             <a:r>
-              <a:rPr lang="ko-KR" altLang="en-US" dirty="0"/>
-              <a:t>₩</a:t>
-            </a:r>
-            <a:r>
-              <a:rPr lang="en-US" altLang="ko-KR" dirty="0"/>
-              <a:t>82,000</a:t>
-            </a:r>
-            <a:endParaRPr lang="ko-KR" altLang="en-US" dirty="0"/>
-          </a:p>
-        </p:txBody>
-      </p:sp>
-      <p:sp>
-        <p:nvSpPr>
-          <p:cNvPr id="16" name="텍스트 개체 틀 15">
-            <a:extLst>
-              <a:ext uri="{FF2B5EF4-FFF2-40B4-BE49-F238E27FC236}">
-                <a16:creationId xmlns:a16="http://schemas.microsoft.com/office/drawing/2014/main" id="{AAB421C5-B6AC-48B8-8AEB-AB16AAE5010E}"/>
-              </a:ext>
-            </a:extLst>
-          </p:cNvPr>
-          <p:cNvSpPr>
-            <a:spLocks noGrp="1"/>
-          </p:cNvSpPr>
-          <p:nvPr>
-            <p:ph type="body" idx="19"/>
-          </p:nvPr>
-        </p:nvSpPr>
-        <p:spPr>
-          <a:xfrm>
-            <a:off x="6298609" y="4464810"/>
-            <a:ext cx="2330726" cy="438505"/>
+              <a:rPr lang="ko-KR" altLang="en-US"/>
+              <a:t>진현준</a:t>
+            </a:r>
+          </a:p>
+        </p:txBody>
+      </p:sp>
+      <p:sp>
+        <p:nvSpPr>
+          <p:cNvPr id="63" name="텍스트 개체 틀 62">
+            <a:extLst>
+              <a:ext uri="{FF2B5EF4-FFF2-40B4-BE49-F238E27FC236}">
+                <a16:creationId xmlns:a16="http://schemas.microsoft.com/office/drawing/2014/main" id="{41797063-0A46-4FCE-86CB-FC66F997C5F4}"/>
+              </a:ext>
+            </a:extLst>
+          </p:cNvPr>
+          <p:cNvSpPr>
+            <a:spLocks noGrp="1"/>
+          </p:cNvSpPr>
+          <p:nvPr>
+            <p:ph type="body" idx="24"/>
+          </p:nvPr>
+        </p:nvSpPr>
+        <p:spPr>
+          <a:xfrm>
+            <a:off x="8634432" y="3782039"/>
+            <a:ext cx="2057400" cy="343061"/>
           </a:xfrm>
         </p:spPr>
         <p:txBody>
@@ -41530,32 +40848,66 @@
           <a:p>
             <a:pPr rtl="0"/>
             <a:r>
-              <a:rPr lang="ko-KR" altLang="en-US" dirty="0"/>
-              <a:t>지분</a:t>
-            </a:r>
-          </a:p>
-        </p:txBody>
-      </p:sp>
-      <p:sp>
-        <p:nvSpPr>
-          <p:cNvPr id="11" name="내용 개체 틀 10">
-            <a:extLst>
-              <a:ext uri="{FF2B5EF4-FFF2-40B4-BE49-F238E27FC236}">
-                <a16:creationId xmlns:a16="http://schemas.microsoft.com/office/drawing/2014/main" id="{345C82A0-3F56-47BD-9FB2-6B56DA715F93}"/>
-              </a:ext>
-            </a:extLst>
-          </p:cNvPr>
-          <p:cNvSpPr>
-            <a:spLocks noGrp="1"/>
-          </p:cNvSpPr>
-          <p:nvPr>
-            <p:ph sz="half" idx="14"/>
-          </p:nvPr>
-        </p:nvSpPr>
-        <p:spPr>
-          <a:xfrm>
-            <a:off x="6298609" y="5120722"/>
-            <a:ext cx="2330726" cy="853167"/>
+              <a:rPr lang="ko-KR" altLang="en-US"/>
+              <a:t>마케팅 부사장</a:t>
+            </a:r>
+          </a:p>
+        </p:txBody>
+      </p:sp>
+      <p:pic>
+        <p:nvPicPr>
+          <p:cNvPr id="58" name="그림 개체 틀 57" descr="팀 구성원 얼굴 사진">
+            <a:extLst>
+              <a:ext uri="{FF2B5EF4-FFF2-40B4-BE49-F238E27FC236}">
+                <a16:creationId xmlns:a16="http://schemas.microsoft.com/office/drawing/2014/main" id="{84ACB9E1-B019-4966-9E07-8D06D40BDDD3}"/>
+              </a:ext>
+            </a:extLst>
+          </p:cNvPr>
+          <p:cNvPicPr>
+            <a:picLocks noGrp="1" noChangeAspect="1"/>
+          </p:cNvPicPr>
+          <p:nvPr>
+            <p:ph type="pic" sz="quarter" idx="26"/>
+          </p:nvPr>
+        </p:nvPicPr>
+        <p:blipFill rotWithShape="1">
+          <a:blip r:embed="rId7">
+            <a:extLst>
+              <a:ext uri="{28A0092B-C50C-407E-A947-70E740481C1C}">
+                <a14:useLocalDpi xmlns:a14="http://schemas.microsoft.com/office/drawing/2010/main" val="0"/>
+              </a:ext>
+            </a:extLst>
+          </a:blip>
+          <a:srcRect/>
+          <a:stretch/>
+        </p:blipFill>
+        <p:spPr>
+          <a:xfrm>
+            <a:off x="1877176" y="4287711"/>
+            <a:ext cx="1066800" cy="1066800"/>
+          </a:xfrm>
+        </p:spPr>
+      </p:pic>
+      <p:sp>
+        <p:nvSpPr>
+          <p:cNvPr id="64" name="텍스트 개체 틀 63">
+            <a:extLst>
+              <a:ext uri="{FF2B5EF4-FFF2-40B4-BE49-F238E27FC236}">
+                <a16:creationId xmlns:a16="http://schemas.microsoft.com/office/drawing/2014/main" id="{3ECD1D6F-7DAE-4DCC-BBB4-CD519379CDF6}"/>
+              </a:ext>
+            </a:extLst>
+          </p:cNvPr>
+          <p:cNvSpPr>
+            <a:spLocks noGrp="1"/>
+          </p:cNvSpPr>
+          <p:nvPr>
+            <p:ph type="body" idx="25"/>
+          </p:nvPr>
+        </p:nvSpPr>
+        <p:spPr>
+          <a:xfrm>
+            <a:off x="1500168" y="5513214"/>
+            <a:ext cx="1828800" cy="343061"/>
           </a:xfrm>
         </p:spPr>
         <p:txBody>
@@ -41564,71 +40916,36 @@
           <a:p>
             <a:pPr rtl="0"/>
             <a:r>
-              <a:rPr lang="en-US" altLang="ko-KR" dirty="0"/>
-              <a:t>USD</a:t>
-            </a:r>
-            <a:r>
-              <a:rPr lang="ko-KR" altLang="en-US" dirty="0"/>
-              <a:t>로 변환한 지분</a:t>
+              <a:rPr lang="ko-KR" altLang="en-US"/>
+              <a:t>임진식</a:t>
             </a:r>
           </a:p>
           <a:p>
             <a:pPr rtl="0"/>
-            <a:endParaRPr lang="ko-KR" altLang="en-US" noProof="1"/>
-          </a:p>
-        </p:txBody>
-      </p:sp>
-      <p:graphicFrame>
-        <p:nvGraphicFramePr>
-          <p:cNvPr id="129" name="내용 개체 틀 128" title="자금 조달 차트">
-            <a:extLst>
-              <a:ext uri="{FF2B5EF4-FFF2-40B4-BE49-F238E27FC236}">
-                <a16:creationId xmlns:a16="http://schemas.microsoft.com/office/drawing/2014/main" id="{C5A16E70-0D42-492E-9123-5E9A696ECB43}"/>
-              </a:ext>
-            </a:extLst>
-          </p:cNvPr>
-          <p:cNvGraphicFramePr>
-            <a:graphicFrameLocks noGrp="1"/>
-          </p:cNvGraphicFramePr>
-          <p:nvPr>
-            <p:ph sz="quarter" idx="24"/>
-            <p:extLst>
-              <p:ext uri="{D42A27DB-BD31-4B8C-83A1-F6EECF244321}">
-                <p14:modId xmlns:p14="http://schemas.microsoft.com/office/powerpoint/2010/main" val="3187417116"/>
-              </p:ext>
-            </p:extLst>
-          </p:nvPr>
-        </p:nvGraphicFramePr>
-        <p:xfrm>
-          <a:off x="9259888" y="2119313"/>
-          <a:ext cx="1857375" cy="1663700"/>
-        </p:xfrm>
-        <a:graphic>
-          <a:graphicData uri="http://schemas.openxmlformats.org/drawingml/2006/chart">
-            <c:chart xmlns:c="http://schemas.openxmlformats.org/drawingml/2006/chart" xmlns:r="http://schemas.openxmlformats.org/officeDocument/2006/relationships" r:id="rId6"/>
-          </a:graphicData>
-        </a:graphic>
-      </p:graphicFrame>
-      <p:sp>
-        <p:nvSpPr>
-          <p:cNvPr id="12" name="텍스트 개체 틀 11">
-            <a:extLst>
-              <a:ext uri="{FF2B5EF4-FFF2-40B4-BE49-F238E27FC236}">
-                <a16:creationId xmlns:a16="http://schemas.microsoft.com/office/drawing/2014/main" id="{F70E657A-85D8-48A8-B017-274F0C32C5C9}"/>
-              </a:ext>
-            </a:extLst>
-          </p:cNvPr>
-          <p:cNvSpPr>
-            <a:spLocks noGrp="1"/>
-          </p:cNvSpPr>
-          <p:nvPr>
-            <p:ph type="body" idx="15"/>
-          </p:nvPr>
-        </p:nvSpPr>
-        <p:spPr>
-          <a:xfrm>
-            <a:off x="9023074" y="3788457"/>
-            <a:ext cx="2330726" cy="804859"/>
+            <a:endParaRPr lang="ko-KR" altLang="en-US"/>
+          </a:p>
+        </p:txBody>
+      </p:sp>
+      <p:sp>
+        <p:nvSpPr>
+          <p:cNvPr id="72" name="텍스트 개체 틀 71">
+            <a:extLst>
+              <a:ext uri="{FF2B5EF4-FFF2-40B4-BE49-F238E27FC236}">
+                <a16:creationId xmlns:a16="http://schemas.microsoft.com/office/drawing/2014/main" id="{0420E7B5-7D79-437C-BC6E-11C9C9C73D12}"/>
+              </a:ext>
+            </a:extLst>
+          </p:cNvPr>
+          <p:cNvSpPr>
+            <a:spLocks noGrp="1"/>
+          </p:cNvSpPr>
+          <p:nvPr>
+            <p:ph type="body" idx="33"/>
+          </p:nvPr>
+        </p:nvSpPr>
+        <p:spPr>
+          <a:xfrm>
+            <a:off x="1390120" y="5640875"/>
+            <a:ext cx="2057400" cy="343061"/>
           </a:xfrm>
         </p:spPr>
         <p:txBody>
@@ -41637,37 +40954,66 @@
           <a:p>
             <a:pPr rtl="0"/>
             <a:r>
-              <a:rPr lang="ko-KR" altLang="en-US" dirty="0"/>
-              <a:t>₩</a:t>
-            </a:r>
-            <a:r>
-              <a:rPr lang="en-US" altLang="ko-KR" dirty="0"/>
-              <a:t>32,000</a:t>
-            </a:r>
-            <a:endParaRPr lang="ko-KR" altLang="en-US" dirty="0"/>
-          </a:p>
-        </p:txBody>
-      </p:sp>
-      <p:sp>
-        <p:nvSpPr>
-          <p:cNvPr id="17" name="텍스트 개체 틀 16">
-            <a:extLst>
-              <a:ext uri="{FF2B5EF4-FFF2-40B4-BE49-F238E27FC236}">
-                <a16:creationId xmlns:a16="http://schemas.microsoft.com/office/drawing/2014/main" id="{025753CB-8973-4FAE-BB5D-5CC96CE338D4}"/>
-              </a:ext>
-            </a:extLst>
-          </p:cNvPr>
-          <p:cNvSpPr>
-            <a:spLocks noGrp="1"/>
-          </p:cNvSpPr>
-          <p:nvPr>
-            <p:ph type="body" idx="20"/>
-          </p:nvPr>
-        </p:nvSpPr>
-        <p:spPr>
-          <a:xfrm>
-            <a:off x="9023074" y="4464454"/>
-            <a:ext cx="2330726" cy="438505"/>
+              <a:rPr lang="ko-KR" altLang="en-US"/>
+              <a:t>제품 부사장</a:t>
+            </a:r>
+          </a:p>
+        </p:txBody>
+      </p:sp>
+      <p:pic>
+        <p:nvPicPr>
+          <p:cNvPr id="66" name="그림 개체 틀 65" descr="팀 구성원 얼굴 사진">
+            <a:extLst>
+              <a:ext uri="{FF2B5EF4-FFF2-40B4-BE49-F238E27FC236}">
+                <a16:creationId xmlns:a16="http://schemas.microsoft.com/office/drawing/2014/main" id="{D61AF03E-3F4A-4F5E-BA7C-C1DF611CEA4F}"/>
+              </a:ext>
+            </a:extLst>
+          </p:cNvPr>
+          <p:cNvPicPr>
+            <a:picLocks noGrp="1" noChangeAspect="1"/>
+          </p:cNvPicPr>
+          <p:nvPr>
+            <p:ph type="pic" sz="quarter" idx="27"/>
+          </p:nvPr>
+        </p:nvPicPr>
+        <p:blipFill rotWithShape="1">
+          <a:blip r:embed="rId8">
+            <a:extLst>
+              <a:ext uri="{28A0092B-C50C-407E-A947-70E740481C1C}">
+                <a14:useLocalDpi xmlns:a14="http://schemas.microsoft.com/office/drawing/2010/main" val="0"/>
+              </a:ext>
+            </a:extLst>
+          </a:blip>
+          <a:srcRect/>
+          <a:stretch/>
+        </p:blipFill>
+        <p:spPr>
+          <a:xfrm>
+            <a:off x="4226270" y="4287711"/>
+            <a:ext cx="1066800" cy="1066800"/>
+          </a:xfrm>
+        </p:spPr>
+      </p:pic>
+      <p:sp>
+        <p:nvSpPr>
+          <p:cNvPr id="69" name="텍스트 개체 틀 68">
+            <a:extLst>
+              <a:ext uri="{FF2B5EF4-FFF2-40B4-BE49-F238E27FC236}">
+                <a16:creationId xmlns:a16="http://schemas.microsoft.com/office/drawing/2014/main" id="{A5A9CD8D-31A9-4139-87B2-349EA8E14781}"/>
+              </a:ext>
+            </a:extLst>
+          </p:cNvPr>
+          <p:cNvSpPr>
+            <a:spLocks noGrp="1"/>
+          </p:cNvSpPr>
+          <p:nvPr>
+            <p:ph type="body" idx="30"/>
+          </p:nvPr>
+        </p:nvSpPr>
+        <p:spPr>
+          <a:xfrm>
+            <a:off x="3849262" y="5527896"/>
+            <a:ext cx="1828800" cy="343061"/>
           </a:xfrm>
         </p:spPr>
         <p:txBody>
@@ -41676,32 +41022,36 @@
           <a:p>
             <a:pPr rtl="0"/>
             <a:r>
-              <a:rPr lang="ko-KR" altLang="en-US" dirty="0"/>
-              <a:t>현금</a:t>
-            </a:r>
-          </a:p>
-        </p:txBody>
-      </p:sp>
-      <p:sp>
-        <p:nvSpPr>
-          <p:cNvPr id="13" name="내용 개체 틀 12">
-            <a:extLst>
-              <a:ext uri="{FF2B5EF4-FFF2-40B4-BE49-F238E27FC236}">
-                <a16:creationId xmlns:a16="http://schemas.microsoft.com/office/drawing/2014/main" id="{69F9DEC9-77BC-482D-ACFB-0F2B6DC65F9F}"/>
-              </a:ext>
-            </a:extLst>
-          </p:cNvPr>
-          <p:cNvSpPr>
-            <a:spLocks noGrp="1"/>
-          </p:cNvSpPr>
-          <p:nvPr>
-            <p:ph sz="half" idx="16"/>
-          </p:nvPr>
-        </p:nvSpPr>
-        <p:spPr>
-          <a:xfrm>
-            <a:off x="9023074" y="5120366"/>
-            <a:ext cx="2330726" cy="853167"/>
+              <a:rPr lang="ko-KR" altLang="en-US"/>
+              <a:t>황철무</a:t>
+            </a:r>
+          </a:p>
+          <a:p>
+            <a:pPr rtl="0"/>
+            <a:endParaRPr lang="ko-KR" altLang="en-US"/>
+          </a:p>
+        </p:txBody>
+      </p:sp>
+      <p:sp>
+        <p:nvSpPr>
+          <p:cNvPr id="73" name="텍스트 개체 틀 72">
+            <a:extLst>
+              <a:ext uri="{FF2B5EF4-FFF2-40B4-BE49-F238E27FC236}">
+                <a16:creationId xmlns:a16="http://schemas.microsoft.com/office/drawing/2014/main" id="{E1FCDD58-01CD-47CF-AB15-A511E9D3612F}"/>
+              </a:ext>
+            </a:extLst>
+          </p:cNvPr>
+          <p:cNvSpPr>
+            <a:spLocks noGrp="1"/>
+          </p:cNvSpPr>
+          <p:nvPr>
+            <p:ph type="body" idx="34"/>
+          </p:nvPr>
+        </p:nvSpPr>
+        <p:spPr>
+          <a:xfrm>
+            <a:off x="3739214" y="5655557"/>
+            <a:ext cx="2057400" cy="343061"/>
           </a:xfrm>
         </p:spPr>
         <p:txBody>
@@ -41710,29 +41060,226 @@
           <a:p>
             <a:pPr rtl="0"/>
             <a:r>
-              <a:rPr lang="ko-KR" altLang="en-US" noProof="1"/>
-              <a:t>유동 현금 </a:t>
-            </a:r>
-            <a:br>
-              <a:rPr lang="ko-KR" altLang="en-US" noProof="1"/>
-            </a:br>
-            <a:r>
-              <a:rPr lang="ko-KR" altLang="en-US" noProof="1"/>
-              <a:t>보유</a:t>
-            </a:r>
-          </a:p>
+              <a:rPr lang="en-US" altLang="ko-KR"/>
+              <a:t>SEO </a:t>
+            </a:r>
+            <a:r>
+              <a:rPr lang="ko-KR" altLang="en-US"/>
+              <a:t>전략</a:t>
+            </a:r>
+          </a:p>
+        </p:txBody>
+      </p:sp>
+      <p:pic>
+        <p:nvPicPr>
+          <p:cNvPr id="78" name="그림 개체 틀 77" descr="팀 구성원 얼굴 사진">
+            <a:extLst>
+              <a:ext uri="{FF2B5EF4-FFF2-40B4-BE49-F238E27FC236}">
+                <a16:creationId xmlns:a16="http://schemas.microsoft.com/office/drawing/2014/main" id="{C0C63D45-D8C0-4899-A4AC-EA536EBA3E9D}"/>
+              </a:ext>
+            </a:extLst>
+          </p:cNvPr>
+          <p:cNvPicPr>
+            <a:picLocks noGrp="1" noChangeAspect="1"/>
+          </p:cNvPicPr>
+          <p:nvPr>
+            <p:ph type="pic" sz="quarter" idx="28"/>
+          </p:nvPr>
+        </p:nvPicPr>
+        <p:blipFill rotWithShape="1">
+          <a:blip r:embed="rId9">
+            <a:extLst>
+              <a:ext uri="{28A0092B-C50C-407E-A947-70E740481C1C}">
+                <a14:useLocalDpi xmlns:a14="http://schemas.microsoft.com/office/drawing/2010/main" val="0"/>
+              </a:ext>
+            </a:extLst>
+          </a:blip>
+          <a:srcRect/>
+          <a:stretch/>
+        </p:blipFill>
+        <p:spPr>
+          <a:xfrm>
+            <a:off x="6716934" y="4287711"/>
+            <a:ext cx="1066800" cy="1066800"/>
+          </a:xfrm>
+        </p:spPr>
+      </p:pic>
+      <p:sp>
+        <p:nvSpPr>
+          <p:cNvPr id="70" name="텍스트 개체 틀 69">
+            <a:extLst>
+              <a:ext uri="{FF2B5EF4-FFF2-40B4-BE49-F238E27FC236}">
+                <a16:creationId xmlns:a16="http://schemas.microsoft.com/office/drawing/2014/main" id="{58753412-8033-48AD-80DF-945C72BC7335}"/>
+              </a:ext>
+            </a:extLst>
+          </p:cNvPr>
+          <p:cNvSpPr>
+            <a:spLocks noGrp="1"/>
+          </p:cNvSpPr>
+          <p:nvPr>
+            <p:ph type="body" idx="31"/>
+          </p:nvPr>
+        </p:nvSpPr>
+        <p:spPr>
+          <a:xfrm>
+            <a:off x="6339926" y="5527896"/>
+            <a:ext cx="1828800" cy="343061"/>
+          </a:xfrm>
+        </p:spPr>
+        <p:txBody>
+          <a:bodyPr rtlCol="0"/>
+          <a:lstStyle/>
           <a:p>
             <a:pPr rtl="0"/>
-            <a:endParaRPr lang="ko-KR" altLang="en-US" dirty="0"/>
-          </a:p>
-        </p:txBody>
-      </p:sp>
-      <p:sp>
-        <p:nvSpPr>
-          <p:cNvPr id="7" name="날짜 개체 틀 6">
-            <a:extLst>
-              <a:ext uri="{FF2B5EF4-FFF2-40B4-BE49-F238E27FC236}">
-                <a16:creationId xmlns:a16="http://schemas.microsoft.com/office/drawing/2014/main" id="{A563C171-5812-4E79-804A-ED04E1BD313F}"/>
+            <a:r>
+              <a:rPr lang="ko-KR" altLang="en-US"/>
+              <a:t>조지민</a:t>
+            </a:r>
+          </a:p>
+        </p:txBody>
+      </p:sp>
+      <p:sp>
+        <p:nvSpPr>
+          <p:cNvPr id="74" name="텍스트 개체 틀 73">
+            <a:extLst>
+              <a:ext uri="{FF2B5EF4-FFF2-40B4-BE49-F238E27FC236}">
+                <a16:creationId xmlns:a16="http://schemas.microsoft.com/office/drawing/2014/main" id="{2E2604A9-4BB8-4144-914B-DCF4F13DF3DB}"/>
+              </a:ext>
+            </a:extLst>
+          </p:cNvPr>
+          <p:cNvSpPr>
+            <a:spLocks noGrp="1"/>
+          </p:cNvSpPr>
+          <p:nvPr>
+            <p:ph type="body" idx="35"/>
+          </p:nvPr>
+        </p:nvSpPr>
+        <p:spPr>
+          <a:xfrm>
+            <a:off x="6229878" y="5655557"/>
+            <a:ext cx="2057400" cy="343061"/>
+          </a:xfrm>
+        </p:spPr>
+        <p:txBody>
+          <a:bodyPr rtlCol="0"/>
+          <a:lstStyle/>
+          <a:p>
+            <a:pPr rtl="0"/>
+            <a:r>
+              <a:rPr lang="ko-KR" altLang="en-US"/>
+              <a:t>제품 디자이너</a:t>
+            </a:r>
+          </a:p>
+        </p:txBody>
+      </p:sp>
+      <p:pic>
+        <p:nvPicPr>
+          <p:cNvPr id="83" name="그림 개체 틀 82" descr="팀 구성원 얼굴 사진">
+            <a:extLst>
+              <a:ext uri="{FF2B5EF4-FFF2-40B4-BE49-F238E27FC236}">
+                <a16:creationId xmlns:a16="http://schemas.microsoft.com/office/drawing/2014/main" id="{3640DB2F-E9FF-4506-B751-D3C6F935A4DD}"/>
+              </a:ext>
+            </a:extLst>
+          </p:cNvPr>
+          <p:cNvPicPr>
+            <a:picLocks noGrp="1" noChangeAspect="1"/>
+          </p:cNvPicPr>
+          <p:nvPr>
+            <p:ph type="pic" sz="quarter" idx="29"/>
+          </p:nvPr>
+        </p:nvPicPr>
+        <p:blipFill rotWithShape="1">
+          <a:blip r:embed="rId10">
+            <a:extLst>
+              <a:ext uri="{28A0092B-C50C-407E-A947-70E740481C1C}">
+                <a14:useLocalDpi xmlns:a14="http://schemas.microsoft.com/office/drawing/2010/main" val="0"/>
+              </a:ext>
+            </a:extLst>
+          </a:blip>
+          <a:srcRect/>
+          <a:stretch/>
+        </p:blipFill>
+        <p:spPr>
+          <a:xfrm>
+            <a:off x="9136814" y="4287711"/>
+            <a:ext cx="1066800" cy="1066800"/>
+          </a:xfrm>
+        </p:spPr>
+      </p:pic>
+      <p:sp>
+        <p:nvSpPr>
+          <p:cNvPr id="71" name="텍스트 개체 틀 70">
+            <a:extLst>
+              <a:ext uri="{FF2B5EF4-FFF2-40B4-BE49-F238E27FC236}">
+                <a16:creationId xmlns:a16="http://schemas.microsoft.com/office/drawing/2014/main" id="{A45FE9A3-15E0-49FA-B6E5-DB16CD0C2C8F}"/>
+              </a:ext>
+            </a:extLst>
+          </p:cNvPr>
+          <p:cNvSpPr>
+            <a:spLocks noGrp="1"/>
+          </p:cNvSpPr>
+          <p:nvPr>
+            <p:ph type="body" idx="32"/>
+          </p:nvPr>
+        </p:nvSpPr>
+        <p:spPr>
+          <a:xfrm>
+            <a:off x="8759806" y="5513214"/>
+            <a:ext cx="1828800" cy="343061"/>
+          </a:xfrm>
+        </p:spPr>
+        <p:txBody>
+          <a:bodyPr rtlCol="0"/>
+          <a:lstStyle/>
+          <a:p>
+            <a:pPr rtl="0"/>
+            <a:r>
+              <a:rPr lang="ko-KR" altLang="en-US"/>
+              <a:t>김배식</a:t>
+            </a:r>
+          </a:p>
+        </p:txBody>
+      </p:sp>
+      <p:sp>
+        <p:nvSpPr>
+          <p:cNvPr id="75" name="텍스트 개체 틀 74">
+            <a:extLst>
+              <a:ext uri="{FF2B5EF4-FFF2-40B4-BE49-F238E27FC236}">
+                <a16:creationId xmlns:a16="http://schemas.microsoft.com/office/drawing/2014/main" id="{72076C4D-9688-4C1A-AB51-8F1051A803A9}"/>
+              </a:ext>
+            </a:extLst>
+          </p:cNvPr>
+          <p:cNvSpPr>
+            <a:spLocks noGrp="1"/>
+          </p:cNvSpPr>
+          <p:nvPr>
+            <p:ph type="body" idx="36"/>
+          </p:nvPr>
+        </p:nvSpPr>
+        <p:spPr>
+          <a:xfrm>
+            <a:off x="8634432" y="5640875"/>
+            <a:ext cx="2057400" cy="343061"/>
+          </a:xfrm>
+        </p:spPr>
+        <p:txBody>
+          <a:bodyPr rtlCol="0"/>
+          <a:lstStyle/>
+          <a:p>
+            <a:pPr rtl="0"/>
+            <a:r>
+              <a:rPr lang="ko-KR" altLang="en-US"/>
+              <a:t>콘텐츠 개발자</a:t>
+            </a:r>
+          </a:p>
+        </p:txBody>
+      </p:sp>
+      <p:sp>
+        <p:nvSpPr>
+          <p:cNvPr id="3" name="날짜 개체 틀 2">
+            <a:extLst>
+              <a:ext uri="{FF2B5EF4-FFF2-40B4-BE49-F238E27FC236}">
+                <a16:creationId xmlns:a16="http://schemas.microsoft.com/office/drawing/2014/main" id="{1833164A-09D8-4E05-899E-C830A562A446}"/>
               </a:ext>
             </a:extLst>
           </p:cNvPr>
@@ -41755,11 +41302,11 @@
           <a:p>
             <a:pPr rtl="0"/>
             <a:r>
-              <a:rPr lang="en-US" altLang="ko-KR" dirty="0"/>
+              <a:rPr lang="en-US" altLang="ko-KR"/>
               <a:t>20XX</a:t>
             </a:r>
             <a:r>
-              <a:rPr lang="ko-KR" altLang="en-US" dirty="0"/>
+              <a:rPr lang="ko-KR" altLang="en-US"/>
               <a:t>년</a:t>
             </a:r>
           </a:p>
@@ -41767,10 +41314,10 @@
       </p:sp>
       <p:sp>
         <p:nvSpPr>
-          <p:cNvPr id="8" name="바닥글 개체 틀 7">
-            <a:extLst>
-              <a:ext uri="{FF2B5EF4-FFF2-40B4-BE49-F238E27FC236}">
-                <a16:creationId xmlns:a16="http://schemas.microsoft.com/office/drawing/2014/main" id="{3AD8A4DC-ECAA-4D59-BE12-EBEDDE9E2A7D}"/>
+          <p:cNvPr id="4" name="바닥글 개체 틀 3">
+            <a:extLst>
+              <a:ext uri="{FF2B5EF4-FFF2-40B4-BE49-F238E27FC236}">
+                <a16:creationId xmlns:a16="http://schemas.microsoft.com/office/drawing/2014/main" id="{79EB4DEA-4DCD-421C-A905-7EFCAE898907}"/>
               </a:ext>
             </a:extLst>
           </p:cNvPr>
@@ -41793,7 +41340,7 @@
           <a:p>
             <a:pPr rtl="0"/>
             <a:r>
-              <a:rPr lang="ko-KR" altLang="en-US" dirty="0"/>
+              <a:rPr lang="ko-KR" altLang="en-US"/>
               <a:t>설명 자료</a:t>
             </a:r>
           </a:p>
@@ -41801,10 +41348,10 @@
       </p:sp>
       <p:sp>
         <p:nvSpPr>
-          <p:cNvPr id="9" name="슬라이드 번호 개체 틀 8">
-            <a:extLst>
-              <a:ext uri="{FF2B5EF4-FFF2-40B4-BE49-F238E27FC236}">
-                <a16:creationId xmlns:a16="http://schemas.microsoft.com/office/drawing/2014/main" id="{9BFC0B64-8F13-426F-B6C5-9C9427ACAD7E}"/>
+          <p:cNvPr id="5" name="슬라이드 번호 개체 틀 4">
+            <a:extLst>
+              <a:ext uri="{FF2B5EF4-FFF2-40B4-BE49-F238E27FC236}">
+                <a16:creationId xmlns:a16="http://schemas.microsoft.com/office/drawing/2014/main" id="{2E1923C7-5010-4C4F-A932-4BDA0B62A7C0}"/>
               </a:ext>
             </a:extLst>
           </p:cNvPr>
@@ -41831,14 +41378,14 @@
               <a:pPr rtl="0"/>
               <a:t>37</a:t>
             </a:fld>
-            <a:endParaRPr lang="ko-KR" altLang="en-US" dirty="0"/>
+            <a:endParaRPr lang="ko-KR" altLang="en-US"/>
           </a:p>
         </p:txBody>
       </p:sp>
     </p:spTree>
     <p:extLst>
       <p:ext uri="{BB962C8B-B14F-4D97-AF65-F5344CB8AC3E}">
-        <p14:creationId xmlns:p14="http://schemas.microsoft.com/office/powerpoint/2010/main" val="696615438"/>
+        <p14:creationId xmlns:p14="http://schemas.microsoft.com/office/powerpoint/2010/main" val="3396266754"/>
       </p:ext>
     </p:extLst>
   </p:cSld>
@@ -41870,7 +41417,7 @@
           <p:cNvPr id="2" name="제목 1">
             <a:extLst>
               <a:ext uri="{FF2B5EF4-FFF2-40B4-BE49-F238E27FC236}">
-                <a16:creationId xmlns:a16="http://schemas.microsoft.com/office/drawing/2014/main" id="{38FFA191-5CCC-43CB-BD83-4F80ED362608}"/>
+                <a16:creationId xmlns:a16="http://schemas.microsoft.com/office/drawing/2014/main" id="{9C1BF33B-5572-4A00-A55C-1E13A6B3A8F1}"/>
               </a:ext>
             </a:extLst>
           </p:cNvPr>
@@ -41883,8 +41430,8 @@
         </p:nvSpPr>
         <p:spPr>
           <a:xfrm>
-            <a:off x="5476875" y="1671639"/>
-            <a:ext cx="5111750" cy="1204912"/>
+            <a:off x="1885156" y="892177"/>
+            <a:ext cx="8421688" cy="1325563"/>
           </a:xfrm>
         </p:spPr>
         <p:txBody>
@@ -41893,18 +41440,49 @@
           <a:p>
             <a:pPr rtl="0"/>
             <a:r>
-              <a:rPr lang="ko-KR" altLang="en-US"/>
-              <a:t>요약</a:t>
-            </a:r>
-          </a:p>
-        </p:txBody>
-      </p:sp>
-      <p:sp>
-        <p:nvSpPr>
-          <p:cNvPr id="3" name="내용 개체 틀 2">
-            <a:extLst>
-              <a:ext uri="{FF2B5EF4-FFF2-40B4-BE49-F238E27FC236}">
-                <a16:creationId xmlns:a16="http://schemas.microsoft.com/office/drawing/2014/main" id="{E14BBEAF-B516-45F4-9EF6-A9F65111580F}"/>
+              <a:rPr lang="ko-KR" altLang="en-US" dirty="0"/>
+              <a:t>자금 조달</a:t>
+            </a:r>
+          </a:p>
+        </p:txBody>
+      </p:sp>
+      <p:graphicFrame>
+        <p:nvGraphicFramePr>
+          <p:cNvPr id="126" name="내용 개체 틀 125" title="자금 조달 차트">
+            <a:extLst>
+              <a:ext uri="{FF2B5EF4-FFF2-40B4-BE49-F238E27FC236}">
+                <a16:creationId xmlns:a16="http://schemas.microsoft.com/office/drawing/2014/main" id="{A036AFA2-B0F0-4DE7-B7AE-E4B852EB3D36}"/>
+              </a:ext>
+            </a:extLst>
+          </p:cNvPr>
+          <p:cNvGraphicFramePr>
+            <a:graphicFrameLocks noGrp="1"/>
+          </p:cNvGraphicFramePr>
+          <p:nvPr>
+            <p:ph sz="quarter" idx="21"/>
+            <p:extLst>
+              <p:ext uri="{D42A27DB-BD31-4B8C-83A1-F6EECF244321}">
+                <p14:modId xmlns:p14="http://schemas.microsoft.com/office/powerpoint/2010/main" val="2115783209"/>
+              </p:ext>
+            </p:extLst>
+          </p:nvPr>
+        </p:nvGraphicFramePr>
+        <p:xfrm>
+          <a:off x="1074738" y="2119313"/>
+          <a:ext cx="1857375" cy="1663700"/>
+        </p:xfrm>
+        <a:graphic>
+          <a:graphicData uri="http://schemas.openxmlformats.org/drawingml/2006/chart">
+            <c:chart xmlns:c="http://schemas.openxmlformats.org/drawingml/2006/chart" xmlns:r="http://schemas.openxmlformats.org/officeDocument/2006/relationships" r:id="rId3"/>
+          </a:graphicData>
+        </a:graphic>
+      </p:graphicFrame>
+      <p:sp>
+        <p:nvSpPr>
+          <p:cNvPr id="3" name="텍스트 개체 틀 2">
+            <a:extLst>
+              <a:ext uri="{FF2B5EF4-FFF2-40B4-BE49-F238E27FC236}">
+                <a16:creationId xmlns:a16="http://schemas.microsoft.com/office/drawing/2014/main" id="{82A4739B-8DE9-4523-8034-4E83861CCF73}"/>
               </a:ext>
             </a:extLst>
           </p:cNvPr>
@@ -41917,94 +41495,534 @@
         </p:nvSpPr>
         <p:spPr>
           <a:xfrm>
-            <a:off x="5476875" y="3682546"/>
-            <a:ext cx="5111750" cy="1525588"/>
-          </a:xfrm>
-        </p:spPr>
-        <p:txBody>
-          <a:bodyPr vert="horz" lIns="91440" tIns="45720" rIns="91440" bIns="45720" rtlCol="0" anchor="b">
-            <a:normAutofit/>
-          </a:bodyPr>
+            <a:off x="838200" y="3788813"/>
+            <a:ext cx="2330726" cy="804859"/>
+          </a:xfrm>
+        </p:spPr>
+        <p:txBody>
+          <a:bodyPr rtlCol="0"/>
           <a:lstStyle/>
           <a:p>
             <a:pPr rtl="0"/>
             <a:r>
+              <a:rPr lang="ko-KR" altLang="en-US" dirty="0"/>
+              <a:t>₩</a:t>
+            </a:r>
+            <a:r>
               <a:rPr lang="en-US" altLang="ko-KR" dirty="0"/>
-              <a:t>Contoso</a:t>
-            </a:r>
+              <a:t>14,000</a:t>
+            </a:r>
+            <a:endParaRPr lang="ko-KR" altLang="en-US" dirty="0"/>
+          </a:p>
+        </p:txBody>
+      </p:sp>
+      <p:sp>
+        <p:nvSpPr>
+          <p:cNvPr id="14" name="텍스트 개체 틀 13">
+            <a:extLst>
+              <a:ext uri="{FF2B5EF4-FFF2-40B4-BE49-F238E27FC236}">
+                <a16:creationId xmlns:a16="http://schemas.microsoft.com/office/drawing/2014/main" id="{C487CCC0-D329-4C1F-A1CD-04930A23C5C3}"/>
+              </a:ext>
+            </a:extLst>
+          </p:cNvPr>
+          <p:cNvSpPr>
+            <a:spLocks noGrp="1"/>
+          </p:cNvSpPr>
+          <p:nvPr>
+            <p:ph type="body" idx="17"/>
+          </p:nvPr>
+        </p:nvSpPr>
+        <p:spPr>
+          <a:xfrm>
+            <a:off x="838200" y="4464810"/>
+            <a:ext cx="2330726" cy="438505"/>
+          </a:xfrm>
+        </p:spPr>
+        <p:txBody>
+          <a:bodyPr rtlCol="0"/>
+          <a:lstStyle/>
+          <a:p>
+            <a:pPr rtl="0"/>
             <a:r>
               <a:rPr lang="ko-KR" altLang="en-US" dirty="0"/>
-              <a:t>에서는 </a:t>
+              <a:t>엔젤 투자</a:t>
+            </a:r>
+          </a:p>
+        </p:txBody>
+      </p:sp>
+      <p:sp>
+        <p:nvSpPr>
+          <p:cNvPr id="4" name="내용 개체 틀 3">
+            <a:extLst>
+              <a:ext uri="{FF2B5EF4-FFF2-40B4-BE49-F238E27FC236}">
+                <a16:creationId xmlns:a16="http://schemas.microsoft.com/office/drawing/2014/main" id="{21CF2BB3-1E12-4189-9F5F-EF136C62E39B}"/>
+              </a:ext>
+            </a:extLst>
+          </p:cNvPr>
+          <p:cNvSpPr>
+            <a:spLocks noGrp="1"/>
+          </p:cNvSpPr>
+          <p:nvPr>
+            <p:ph sz="half" idx="2"/>
+          </p:nvPr>
+        </p:nvSpPr>
+        <p:spPr>
+          <a:xfrm>
+            <a:off x="838200" y="5120722"/>
+            <a:ext cx="2330726" cy="853167"/>
+          </a:xfrm>
+        </p:spPr>
+        <p:txBody>
+          <a:bodyPr rtlCol="0"/>
+          <a:lstStyle/>
+          <a:p>
+            <a:pPr rtl="0"/>
+            <a:r>
+              <a:rPr lang="ko-KR" altLang="en-US" dirty="0"/>
+              <a:t>다른 투자자를 통해 얻은 금액</a:t>
+            </a:r>
+          </a:p>
+        </p:txBody>
+      </p:sp>
+      <p:graphicFrame>
+        <p:nvGraphicFramePr>
+          <p:cNvPr id="127" name="내용 개체 틀 126" title="자금 조달 차트">
+            <a:extLst>
+              <a:ext uri="{FF2B5EF4-FFF2-40B4-BE49-F238E27FC236}">
+                <a16:creationId xmlns:a16="http://schemas.microsoft.com/office/drawing/2014/main" id="{47DB352F-5059-4378-B91D-92E59C6B1B91}"/>
+              </a:ext>
+            </a:extLst>
+          </p:cNvPr>
+          <p:cNvGraphicFramePr>
+            <a:graphicFrameLocks noGrp="1"/>
+          </p:cNvGraphicFramePr>
+          <p:nvPr>
+            <p:ph sz="quarter" idx="22"/>
+            <p:extLst>
+              <p:ext uri="{D42A27DB-BD31-4B8C-83A1-F6EECF244321}">
+                <p14:modId xmlns:p14="http://schemas.microsoft.com/office/powerpoint/2010/main" val="4164325061"/>
+              </p:ext>
+            </p:extLst>
+          </p:nvPr>
+        </p:nvGraphicFramePr>
+        <p:xfrm>
+          <a:off x="3811588" y="2119313"/>
+          <a:ext cx="1855787" cy="1663700"/>
+        </p:xfrm>
+        <a:graphic>
+          <a:graphicData uri="http://schemas.openxmlformats.org/drawingml/2006/chart">
+            <c:chart xmlns:c="http://schemas.openxmlformats.org/drawingml/2006/chart" xmlns:r="http://schemas.openxmlformats.org/officeDocument/2006/relationships" r:id="rId4"/>
+          </a:graphicData>
+        </a:graphic>
+      </p:graphicFrame>
+      <p:sp>
+        <p:nvSpPr>
+          <p:cNvPr id="5" name="텍스트 개체 틀 4">
+            <a:extLst>
+              <a:ext uri="{FF2B5EF4-FFF2-40B4-BE49-F238E27FC236}">
+                <a16:creationId xmlns:a16="http://schemas.microsoft.com/office/drawing/2014/main" id="{68145D0E-892D-492B-8AD6-551CF27DD5F7}"/>
+              </a:ext>
+            </a:extLst>
+          </p:cNvPr>
+          <p:cNvSpPr>
+            <a:spLocks noGrp="1"/>
+          </p:cNvSpPr>
+          <p:nvPr>
+            <p:ph type="body" sz="quarter" idx="3"/>
+          </p:nvPr>
+        </p:nvSpPr>
+        <p:spPr>
+          <a:xfrm>
+            <a:off x="3562665" y="3788813"/>
+            <a:ext cx="2342205" cy="804859"/>
+          </a:xfrm>
+        </p:spPr>
+        <p:txBody>
+          <a:bodyPr rtlCol="0"/>
+          <a:lstStyle/>
+          <a:p>
+            <a:pPr rtl="0"/>
+            <a:r>
+              <a:rPr lang="ko-KR" altLang="en-US" dirty="0"/>
+              <a:t>₩</a:t>
             </a:r>
             <a:r>
               <a:rPr lang="en-US" altLang="ko-KR" dirty="0"/>
-              <a:t>110%</a:t>
-            </a:r>
+              <a:t>12,000</a:t>
+            </a:r>
+            <a:endParaRPr lang="ko-KR" altLang="en-US" dirty="0"/>
+          </a:p>
+        </p:txBody>
+      </p:sp>
+      <p:sp>
+        <p:nvSpPr>
+          <p:cNvPr id="15" name="텍스트 개체 틀 14">
+            <a:extLst>
+              <a:ext uri="{FF2B5EF4-FFF2-40B4-BE49-F238E27FC236}">
+                <a16:creationId xmlns:a16="http://schemas.microsoft.com/office/drawing/2014/main" id="{34E62770-EE0A-4D83-B50E-CD868056030E}"/>
+              </a:ext>
+            </a:extLst>
+          </p:cNvPr>
+          <p:cNvSpPr>
+            <a:spLocks noGrp="1"/>
+          </p:cNvSpPr>
+          <p:nvPr>
+            <p:ph type="body" sz="quarter" idx="18"/>
+          </p:nvPr>
+        </p:nvSpPr>
+        <p:spPr>
+          <a:xfrm>
+            <a:off x="3562665" y="4464810"/>
+            <a:ext cx="2342205" cy="438505"/>
+          </a:xfrm>
+        </p:spPr>
+        <p:txBody>
+          <a:bodyPr rtlCol="0"/>
+          <a:lstStyle/>
+          <a:p>
+            <a:pPr rtl="0"/>
             <a:r>
               <a:rPr lang="ko-KR" altLang="en-US" dirty="0"/>
-              <a:t>를 제공합니다</a:t>
+              <a:t>재산</a:t>
+            </a:r>
+          </a:p>
+        </p:txBody>
+      </p:sp>
+      <p:sp>
+        <p:nvSpPr>
+          <p:cNvPr id="6" name="내용 개체 틀 5">
+            <a:extLst>
+              <a:ext uri="{FF2B5EF4-FFF2-40B4-BE49-F238E27FC236}">
+                <a16:creationId xmlns:a16="http://schemas.microsoft.com/office/drawing/2014/main" id="{3ED3951E-8DE6-4BA9-B9BA-CFCDF432226C}"/>
+              </a:ext>
+            </a:extLst>
+          </p:cNvPr>
+          <p:cNvSpPr>
+            <a:spLocks noGrp="1"/>
+          </p:cNvSpPr>
+          <p:nvPr>
+            <p:ph sz="quarter" idx="4"/>
+          </p:nvPr>
+        </p:nvSpPr>
+        <p:spPr>
+          <a:xfrm>
+            <a:off x="3562665" y="5120722"/>
+            <a:ext cx="2342205" cy="853167"/>
+          </a:xfrm>
+        </p:spPr>
+        <p:txBody>
+          <a:bodyPr rtlCol="0"/>
+          <a:lstStyle/>
+          <a:p>
+            <a:pPr rtl="0"/>
+            <a:r>
+              <a:rPr lang="ko-KR" altLang="en-US" dirty="0"/>
+              <a:t>재산 임대로 얻은 수익</a:t>
+            </a:r>
+          </a:p>
+        </p:txBody>
+      </p:sp>
+      <p:graphicFrame>
+        <p:nvGraphicFramePr>
+          <p:cNvPr id="128" name="내용 개체 틀 127" title="자금 조달 차트">
+            <a:extLst>
+              <a:ext uri="{FF2B5EF4-FFF2-40B4-BE49-F238E27FC236}">
+                <a16:creationId xmlns:a16="http://schemas.microsoft.com/office/drawing/2014/main" id="{87227872-8A65-49E5-922E-C5FA7A158972}"/>
+              </a:ext>
+            </a:extLst>
+          </p:cNvPr>
+          <p:cNvGraphicFramePr>
+            <a:graphicFrameLocks noGrp="1"/>
+          </p:cNvGraphicFramePr>
+          <p:nvPr>
+            <p:ph sz="quarter" idx="23"/>
+            <p:extLst>
+              <p:ext uri="{D42A27DB-BD31-4B8C-83A1-F6EECF244321}">
+                <p14:modId xmlns:p14="http://schemas.microsoft.com/office/powerpoint/2010/main" val="631544523"/>
+              </p:ext>
+            </p:extLst>
+          </p:nvPr>
+        </p:nvGraphicFramePr>
+        <p:xfrm>
+          <a:off x="6524625" y="2119313"/>
+          <a:ext cx="1855788" cy="1663700"/>
+        </p:xfrm>
+        <a:graphic>
+          <a:graphicData uri="http://schemas.openxmlformats.org/drawingml/2006/chart">
+            <c:chart xmlns:c="http://schemas.openxmlformats.org/drawingml/2006/chart" xmlns:r="http://schemas.openxmlformats.org/officeDocument/2006/relationships" r:id="rId5"/>
+          </a:graphicData>
+        </a:graphic>
+      </p:graphicFrame>
+      <p:sp>
+        <p:nvSpPr>
+          <p:cNvPr id="10" name="텍스트 개체 틀 9">
+            <a:extLst>
+              <a:ext uri="{FF2B5EF4-FFF2-40B4-BE49-F238E27FC236}">
+                <a16:creationId xmlns:a16="http://schemas.microsoft.com/office/drawing/2014/main" id="{C66E4F1A-AD73-4086-B578-235F0B9F1FC4}"/>
+              </a:ext>
+            </a:extLst>
+          </p:cNvPr>
+          <p:cNvSpPr>
+            <a:spLocks noGrp="1"/>
+          </p:cNvSpPr>
+          <p:nvPr>
+            <p:ph type="body" idx="13"/>
+          </p:nvPr>
+        </p:nvSpPr>
+        <p:spPr>
+          <a:xfrm>
+            <a:off x="6298609" y="3788813"/>
+            <a:ext cx="2330726" cy="804859"/>
+          </a:xfrm>
+        </p:spPr>
+        <p:txBody>
+          <a:bodyPr rtlCol="0"/>
+          <a:lstStyle/>
+          <a:p>
+            <a:pPr rtl="0"/>
+            <a:r>
+              <a:rPr lang="ko-KR" altLang="en-US" dirty="0"/>
+              <a:t>₩</a:t>
             </a:r>
             <a:r>
               <a:rPr lang="en-US" altLang="ko-KR" dirty="0"/>
-              <a:t>. </a:t>
-            </a:r>
+              <a:t>82,000</a:t>
+            </a:r>
+            <a:endParaRPr lang="ko-KR" altLang="en-US" dirty="0"/>
+          </a:p>
+        </p:txBody>
+      </p:sp>
+      <p:sp>
+        <p:nvSpPr>
+          <p:cNvPr id="16" name="텍스트 개체 틀 15">
+            <a:extLst>
+              <a:ext uri="{FF2B5EF4-FFF2-40B4-BE49-F238E27FC236}">
+                <a16:creationId xmlns:a16="http://schemas.microsoft.com/office/drawing/2014/main" id="{AAB421C5-B6AC-48B8-8AEB-AB16AAE5010E}"/>
+              </a:ext>
+            </a:extLst>
+          </p:cNvPr>
+          <p:cNvSpPr>
+            <a:spLocks noGrp="1"/>
+          </p:cNvSpPr>
+          <p:nvPr>
+            <p:ph type="body" idx="19"/>
+          </p:nvPr>
+        </p:nvSpPr>
+        <p:spPr>
+          <a:xfrm>
+            <a:off x="6298609" y="4464810"/>
+            <a:ext cx="2330726" cy="438505"/>
+          </a:xfrm>
+        </p:spPr>
+        <p:txBody>
+          <a:bodyPr rtlCol="0"/>
+          <a:lstStyle/>
+          <a:p>
+            <a:pPr rtl="0"/>
             <a:r>
               <a:rPr lang="ko-KR" altLang="en-US" dirty="0"/>
-              <a:t>차세대 데이터 아키텍처를 사용하여 조직에서 </a:t>
-            </a:r>
+              <a:t>지분</a:t>
+            </a:r>
+          </a:p>
+        </p:txBody>
+      </p:sp>
+      <p:sp>
+        <p:nvSpPr>
+          <p:cNvPr id="11" name="내용 개체 틀 10">
+            <a:extLst>
+              <a:ext uri="{FF2B5EF4-FFF2-40B4-BE49-F238E27FC236}">
+                <a16:creationId xmlns:a16="http://schemas.microsoft.com/office/drawing/2014/main" id="{345C82A0-3F56-47BD-9FB2-6B56DA715F93}"/>
+              </a:ext>
+            </a:extLst>
+          </p:cNvPr>
+          <p:cNvSpPr>
+            <a:spLocks noGrp="1"/>
+          </p:cNvSpPr>
+          <p:nvPr>
+            <p:ph sz="half" idx="14"/>
+          </p:nvPr>
+        </p:nvSpPr>
+        <p:spPr>
+          <a:xfrm>
+            <a:off x="6298609" y="5120722"/>
+            <a:ext cx="2330726" cy="853167"/>
+          </a:xfrm>
+        </p:spPr>
+        <p:txBody>
+          <a:bodyPr rtlCol="0"/>
+          <a:lstStyle/>
+          <a:p>
+            <a:pPr rtl="0"/>
             <a:r>
               <a:rPr lang="en-US" altLang="ko-KR" dirty="0"/>
-              <a:t>Agile </a:t>
+              <a:t>USD</a:t>
             </a:r>
             <a:r>
               <a:rPr lang="ko-KR" altLang="en-US" dirty="0"/>
-              <a:t>워크플로를 가상으로 관리할 수 있도록 지원합니다</a:t>
+              <a:t>로 변환한 지분</a:t>
+            </a:r>
+          </a:p>
+          <a:p>
+            <a:pPr rtl="0"/>
+            <a:endParaRPr lang="ko-KR" altLang="en-US" noProof="1"/>
+          </a:p>
+        </p:txBody>
+      </p:sp>
+      <p:graphicFrame>
+        <p:nvGraphicFramePr>
+          <p:cNvPr id="129" name="내용 개체 틀 128" title="자금 조달 차트">
+            <a:extLst>
+              <a:ext uri="{FF2B5EF4-FFF2-40B4-BE49-F238E27FC236}">
+                <a16:creationId xmlns:a16="http://schemas.microsoft.com/office/drawing/2014/main" id="{C5A16E70-0D42-492E-9123-5E9A696ECB43}"/>
+              </a:ext>
+            </a:extLst>
+          </p:cNvPr>
+          <p:cNvGraphicFramePr>
+            <a:graphicFrameLocks noGrp="1"/>
+          </p:cNvGraphicFramePr>
+          <p:nvPr>
+            <p:ph sz="quarter" idx="24"/>
+            <p:extLst>
+              <p:ext uri="{D42A27DB-BD31-4B8C-83A1-F6EECF244321}">
+                <p14:modId xmlns:p14="http://schemas.microsoft.com/office/powerpoint/2010/main" val="3187417116"/>
+              </p:ext>
+            </p:extLst>
+          </p:nvPr>
+        </p:nvGraphicFramePr>
+        <p:xfrm>
+          <a:off x="9259888" y="2119313"/>
+          <a:ext cx="1857375" cy="1663700"/>
+        </p:xfrm>
+        <a:graphic>
+          <a:graphicData uri="http://schemas.openxmlformats.org/drawingml/2006/chart">
+            <c:chart xmlns:c="http://schemas.openxmlformats.org/drawingml/2006/chart" xmlns:r="http://schemas.openxmlformats.org/officeDocument/2006/relationships" r:id="rId6"/>
+          </a:graphicData>
+        </a:graphic>
+      </p:graphicFrame>
+      <p:sp>
+        <p:nvSpPr>
+          <p:cNvPr id="12" name="텍스트 개체 틀 11">
+            <a:extLst>
+              <a:ext uri="{FF2B5EF4-FFF2-40B4-BE49-F238E27FC236}">
+                <a16:creationId xmlns:a16="http://schemas.microsoft.com/office/drawing/2014/main" id="{F70E657A-85D8-48A8-B017-274F0C32C5C9}"/>
+              </a:ext>
+            </a:extLst>
+          </p:cNvPr>
+          <p:cNvSpPr>
+            <a:spLocks noGrp="1"/>
+          </p:cNvSpPr>
+          <p:nvPr>
+            <p:ph type="body" idx="15"/>
+          </p:nvPr>
+        </p:nvSpPr>
+        <p:spPr>
+          <a:xfrm>
+            <a:off x="9023074" y="3788457"/>
+            <a:ext cx="2330726" cy="804859"/>
+          </a:xfrm>
+        </p:spPr>
+        <p:txBody>
+          <a:bodyPr rtlCol="0"/>
+          <a:lstStyle/>
+          <a:p>
+            <a:pPr rtl="0"/>
+            <a:r>
+              <a:rPr lang="ko-KR" altLang="en-US" dirty="0"/>
+              <a:t>₩</a:t>
             </a:r>
             <a:r>
               <a:rPr lang="en-US" altLang="ko-KR" dirty="0"/>
-              <a:t>. Contoso</a:t>
-            </a:r>
+              <a:t>32,000</a:t>
+            </a:r>
+            <a:endParaRPr lang="ko-KR" altLang="en-US" dirty="0"/>
+          </a:p>
+        </p:txBody>
+      </p:sp>
+      <p:sp>
+        <p:nvSpPr>
+          <p:cNvPr id="17" name="텍스트 개체 틀 16">
+            <a:extLst>
+              <a:ext uri="{FF2B5EF4-FFF2-40B4-BE49-F238E27FC236}">
+                <a16:creationId xmlns:a16="http://schemas.microsoft.com/office/drawing/2014/main" id="{025753CB-8973-4FAE-BB5D-5CC96CE338D4}"/>
+              </a:ext>
+            </a:extLst>
+          </p:cNvPr>
+          <p:cNvSpPr>
+            <a:spLocks noGrp="1"/>
+          </p:cNvSpPr>
+          <p:nvPr>
+            <p:ph type="body" idx="20"/>
+          </p:nvPr>
+        </p:nvSpPr>
+        <p:spPr>
+          <a:xfrm>
+            <a:off x="9023074" y="4464454"/>
+            <a:ext cx="2330726" cy="438505"/>
+          </a:xfrm>
+        </p:spPr>
+        <p:txBody>
+          <a:bodyPr rtlCol="0"/>
+          <a:lstStyle/>
+          <a:p>
+            <a:pPr rtl="0"/>
             <a:r>
               <a:rPr lang="ko-KR" altLang="en-US" dirty="0"/>
-              <a:t>는 시장 지식과 제품 뒤의 훌륭한 팀 덕택에 성공하고 있습니다</a:t>
-            </a:r>
-            <a:r>
-              <a:rPr lang="en-US" altLang="ko-KR" dirty="0"/>
-              <a:t>. CEO</a:t>
-            </a:r>
-            <a:r>
-              <a:rPr lang="ko-KR" altLang="en-US" dirty="0"/>
-              <a:t>는 “적극적인 </a:t>
-            </a:r>
-            <a:r>
-              <a:rPr lang="ko-KR" altLang="en-US" dirty="0" err="1"/>
-              <a:t>비스니스</a:t>
-            </a:r>
-            <a:r>
-              <a:rPr lang="ko-KR" altLang="en-US" dirty="0"/>
-              <a:t> 혁신으로 효율성을 얻게 될 </a:t>
-            </a:r>
-            <a:r>
-              <a:rPr lang="ko-KR" altLang="en-US" dirty="0" err="1"/>
-              <a:t>것입니다”라고</a:t>
-            </a:r>
-            <a:r>
-              <a:rPr lang="ko-KR" altLang="en-US" dirty="0"/>
-              <a:t> 말합니다</a:t>
-            </a:r>
-            <a:r>
-              <a:rPr lang="en-US" altLang="ko-KR" dirty="0"/>
-              <a:t>.</a:t>
-            </a:r>
-          </a:p>
-        </p:txBody>
-      </p:sp>
-      <p:sp>
-        <p:nvSpPr>
-          <p:cNvPr id="4" name="날짜 개체 틀 3">
-            <a:extLst>
-              <a:ext uri="{FF2B5EF4-FFF2-40B4-BE49-F238E27FC236}">
-                <a16:creationId xmlns:a16="http://schemas.microsoft.com/office/drawing/2014/main" id="{13F8C8B5-F6EC-489B-BD0F-CD89A73CAB3A}"/>
+              <a:t>현금</a:t>
+            </a:r>
+          </a:p>
+        </p:txBody>
+      </p:sp>
+      <p:sp>
+        <p:nvSpPr>
+          <p:cNvPr id="13" name="내용 개체 틀 12">
+            <a:extLst>
+              <a:ext uri="{FF2B5EF4-FFF2-40B4-BE49-F238E27FC236}">
+                <a16:creationId xmlns:a16="http://schemas.microsoft.com/office/drawing/2014/main" id="{69F9DEC9-77BC-482D-ACFB-0F2B6DC65F9F}"/>
+              </a:ext>
+            </a:extLst>
+          </p:cNvPr>
+          <p:cNvSpPr>
+            <a:spLocks noGrp="1"/>
+          </p:cNvSpPr>
+          <p:nvPr>
+            <p:ph sz="half" idx="16"/>
+          </p:nvPr>
+        </p:nvSpPr>
+        <p:spPr>
+          <a:xfrm>
+            <a:off x="9023074" y="5120366"/>
+            <a:ext cx="2330726" cy="853167"/>
+          </a:xfrm>
+        </p:spPr>
+        <p:txBody>
+          <a:bodyPr rtlCol="0"/>
+          <a:lstStyle/>
+          <a:p>
+            <a:pPr rtl="0"/>
+            <a:r>
+              <a:rPr lang="ko-KR" altLang="en-US" noProof="1"/>
+              <a:t>유동 현금 </a:t>
+            </a:r>
+            <a:br>
+              <a:rPr lang="ko-KR" altLang="en-US" noProof="1"/>
+            </a:br>
+            <a:r>
+              <a:rPr lang="ko-KR" altLang="en-US" noProof="1"/>
+              <a:t>보유</a:t>
+            </a:r>
+          </a:p>
+          <a:p>
+            <a:pPr rtl="0"/>
+            <a:endParaRPr lang="ko-KR" altLang="en-US" dirty="0"/>
+          </a:p>
+        </p:txBody>
+      </p:sp>
+      <p:sp>
+        <p:nvSpPr>
+          <p:cNvPr id="7" name="날짜 개체 틀 6">
+            <a:extLst>
+              <a:ext uri="{FF2B5EF4-FFF2-40B4-BE49-F238E27FC236}">
+                <a16:creationId xmlns:a16="http://schemas.microsoft.com/office/drawing/2014/main" id="{A563C171-5812-4E79-804A-ED04E1BD313F}"/>
               </a:ext>
             </a:extLst>
           </p:cNvPr>
@@ -42027,11 +42045,11 @@
           <a:p>
             <a:pPr rtl="0"/>
             <a:r>
-              <a:rPr lang="en-US" altLang="ko-KR"/>
+              <a:rPr lang="en-US" altLang="ko-KR" dirty="0"/>
               <a:t>20XX</a:t>
             </a:r>
             <a:r>
-              <a:rPr lang="ko-KR" altLang="en-US"/>
+              <a:rPr lang="ko-KR" altLang="en-US" dirty="0"/>
               <a:t>년</a:t>
             </a:r>
           </a:p>
@@ -42039,10 +42057,10 @@
       </p:sp>
       <p:sp>
         <p:nvSpPr>
-          <p:cNvPr id="5" name="바닥글 개체 틀 4">
-            <a:extLst>
-              <a:ext uri="{FF2B5EF4-FFF2-40B4-BE49-F238E27FC236}">
-                <a16:creationId xmlns:a16="http://schemas.microsoft.com/office/drawing/2014/main" id="{11AEA823-8519-4F9D-81FA-3673131076FC}"/>
+          <p:cNvPr id="8" name="바닥글 개체 틀 7">
+            <a:extLst>
+              <a:ext uri="{FF2B5EF4-FFF2-40B4-BE49-F238E27FC236}">
+                <a16:creationId xmlns:a16="http://schemas.microsoft.com/office/drawing/2014/main" id="{3AD8A4DC-ECAA-4D59-BE12-EBEDDE9E2A7D}"/>
               </a:ext>
             </a:extLst>
           </p:cNvPr>
@@ -42065,7 +42083,7 @@
           <a:p>
             <a:pPr rtl="0"/>
             <a:r>
-              <a:rPr lang="ko-KR" altLang="en-US"/>
+              <a:rPr lang="ko-KR" altLang="en-US" dirty="0"/>
               <a:t>설명 자료</a:t>
             </a:r>
           </a:p>
@@ -42073,10 +42091,10 @@
       </p:sp>
       <p:sp>
         <p:nvSpPr>
-          <p:cNvPr id="6" name="슬라이드 번호 개체 틀 5">
-            <a:extLst>
-              <a:ext uri="{FF2B5EF4-FFF2-40B4-BE49-F238E27FC236}">
-                <a16:creationId xmlns:a16="http://schemas.microsoft.com/office/drawing/2014/main" id="{BAEFF51B-0E28-4171-AE7C-A31AAB42BC73}"/>
+          <p:cNvPr id="9" name="슬라이드 번호 개체 틀 8">
+            <a:extLst>
+              <a:ext uri="{FF2B5EF4-FFF2-40B4-BE49-F238E27FC236}">
+                <a16:creationId xmlns:a16="http://schemas.microsoft.com/office/drawing/2014/main" id="{9BFC0B64-8F13-426F-B6C5-9C9427ACAD7E}"/>
               </a:ext>
             </a:extLst>
           </p:cNvPr>
@@ -42103,14 +42121,14 @@
               <a:pPr rtl="0"/>
               <a:t>38</a:t>
             </a:fld>
-            <a:endParaRPr lang="ko-KR" altLang="en-US"/>
+            <a:endParaRPr lang="ko-KR" altLang="en-US" dirty="0"/>
           </a:p>
         </p:txBody>
       </p:sp>
     </p:spTree>
     <p:extLst>
       <p:ext uri="{BB962C8B-B14F-4D97-AF65-F5344CB8AC3E}">
-        <p14:creationId xmlns:p14="http://schemas.microsoft.com/office/powerpoint/2010/main" val="920173932"/>
+        <p14:creationId xmlns:p14="http://schemas.microsoft.com/office/powerpoint/2010/main" val="696615438"/>
       </p:ext>
     </p:extLst>
   </p:cSld>
@@ -42142,21 +42160,21 @@
           <p:cNvPr id="2" name="제목 1">
             <a:extLst>
               <a:ext uri="{FF2B5EF4-FFF2-40B4-BE49-F238E27FC236}">
-                <a16:creationId xmlns:a16="http://schemas.microsoft.com/office/drawing/2014/main" id="{BCCAEE93-8585-46D4-A7EC-F184E317CB2E}"/>
-              </a:ext>
-            </a:extLst>
-          </p:cNvPr>
-          <p:cNvSpPr>
-            <a:spLocks noGrp="1"/>
-          </p:cNvSpPr>
-          <p:nvPr>
-            <p:ph type="ctrTitle"/>
-          </p:nvPr>
-        </p:nvSpPr>
-        <p:spPr>
-          <a:xfrm>
-            <a:off x="4267200" y="1615736"/>
-            <a:ext cx="4179570" cy="1524735"/>
+                <a16:creationId xmlns:a16="http://schemas.microsoft.com/office/drawing/2014/main" id="{38FFA191-5CCC-43CB-BD83-4F80ED362608}"/>
+              </a:ext>
+            </a:extLst>
+          </p:cNvPr>
+          <p:cNvSpPr>
+            <a:spLocks noGrp="1"/>
+          </p:cNvSpPr>
+          <p:nvPr>
+            <p:ph type="title"/>
+          </p:nvPr>
+        </p:nvSpPr>
+        <p:spPr>
+          <a:xfrm>
+            <a:off x="5476875" y="1671639"/>
+            <a:ext cx="5111750" cy="1204912"/>
           </a:xfrm>
         </p:spPr>
         <p:txBody>
@@ -42166,11 +42184,7 @@
             <a:pPr rtl="0"/>
             <a:r>
               <a:rPr lang="ko-KR" altLang="en-US"/>
-              <a:t>감사합니다</a:t>
-            </a:r>
-            <a:r>
-              <a:rPr lang="en-US" altLang="ko-KR"/>
-              <a:t>.</a:t>
+              <a:t>요약</a:t>
             </a:r>
           </a:p>
         </p:txBody>
@@ -42180,58 +42194,98 @@
           <p:cNvPr id="3" name="내용 개체 틀 2">
             <a:extLst>
               <a:ext uri="{FF2B5EF4-FFF2-40B4-BE49-F238E27FC236}">
-                <a16:creationId xmlns:a16="http://schemas.microsoft.com/office/drawing/2014/main" id="{24AFFC60-19C3-4901-93F7-7AAF4C09F8C6}"/>
-              </a:ext>
-            </a:extLst>
-          </p:cNvPr>
-          <p:cNvSpPr>
-            <a:spLocks noGrp="1"/>
-          </p:cNvSpPr>
-          <p:nvPr>
-            <p:ph type="subTitle" idx="1"/>
-          </p:nvPr>
-        </p:nvSpPr>
-        <p:spPr>
-          <a:xfrm>
-            <a:off x="4267200" y="3238103"/>
-            <a:ext cx="4179570" cy="2004161"/>
-          </a:xfrm>
-        </p:spPr>
-        <p:txBody>
-          <a:bodyPr rtlCol="0">
+                <a16:creationId xmlns:a16="http://schemas.microsoft.com/office/drawing/2014/main" id="{E14BBEAF-B516-45F4-9EF6-A9F65111580F}"/>
+              </a:ext>
+            </a:extLst>
+          </p:cNvPr>
+          <p:cNvSpPr>
+            <a:spLocks noGrp="1"/>
+          </p:cNvSpPr>
+          <p:nvPr>
+            <p:ph type="body" idx="1"/>
+          </p:nvPr>
+        </p:nvSpPr>
+        <p:spPr>
+          <a:xfrm>
+            <a:off x="5476875" y="3682546"/>
+            <a:ext cx="5111750" cy="1525588"/>
+          </a:xfrm>
+        </p:spPr>
+        <p:txBody>
+          <a:bodyPr vert="horz" lIns="91440" tIns="45720" rIns="91440" bIns="45720" rtlCol="0" anchor="b">
             <a:normAutofit/>
           </a:bodyPr>
           <a:lstStyle/>
           <a:p>
             <a:pPr rtl="0"/>
             <a:r>
-              <a:rPr lang="ko-KR" altLang="en-US"/>
-              <a:t>심현기</a:t>
-            </a:r>
-          </a:p>
-          <a:p>
-            <a:pPr rtl="0"/>
-            <a:r>
-              <a:rPr lang="en-US" altLang="ko-KR"/>
-              <a:t>206-555-0146</a:t>
-            </a:r>
-            <a:endParaRPr lang="ko-KR" altLang="en-US"/>
-          </a:p>
-          <a:p>
-            <a:pPr rtl="0"/>
-            <a:r>
-              <a:rPr lang="en-US" altLang="ko-KR"/>
-              <a:t>hyun-ki@contoso.com</a:t>
-            </a:r>
-            <a:endParaRPr lang="ko-KR" altLang="en-US"/>
-          </a:p>
-          <a:p>
-            <a:pPr rtl="0"/>
-            <a:r>
-              <a:rPr lang="en-US" altLang="ko-KR"/>
-              <a:t>www.contoso.com</a:t>
-            </a:r>
-            <a:endParaRPr lang="ko-KR" altLang="en-US"/>
+              <a:rPr lang="en-US" altLang="ko-KR" dirty="0"/>
+              <a:t>Contoso</a:t>
+            </a:r>
+            <a:r>
+              <a:rPr lang="ko-KR" altLang="en-US" dirty="0"/>
+              <a:t>에서는 </a:t>
+            </a:r>
+            <a:r>
+              <a:rPr lang="en-US" altLang="ko-KR" dirty="0"/>
+              <a:t>110%</a:t>
+            </a:r>
+            <a:r>
+              <a:rPr lang="ko-KR" altLang="en-US" dirty="0"/>
+              <a:t>를 제공합니다</a:t>
+            </a:r>
+            <a:r>
+              <a:rPr lang="en-US" altLang="ko-KR" dirty="0"/>
+              <a:t>. </a:t>
+            </a:r>
+            <a:r>
+              <a:rPr lang="ko-KR" altLang="en-US" dirty="0"/>
+              <a:t>차세대 데이터 아키텍처를 사용하여 조직에서 </a:t>
+            </a:r>
+            <a:r>
+              <a:rPr lang="en-US" altLang="ko-KR" dirty="0"/>
+              <a:t>Agile </a:t>
+            </a:r>
+            <a:r>
+              <a:rPr lang="ko-KR" altLang="en-US" dirty="0"/>
+              <a:t>워크플로를 가상으로 관리할 수 있도록 지원합니다</a:t>
+            </a:r>
+            <a:r>
+              <a:rPr lang="en-US" altLang="ko-KR" dirty="0"/>
+              <a:t>. Contoso</a:t>
+            </a:r>
+            <a:r>
+              <a:rPr lang="ko-KR" altLang="en-US" dirty="0"/>
+              <a:t>는 시장 지식과 제품 뒤의 훌륭한 팀 덕택에 성공하고 있습니다</a:t>
+            </a:r>
+            <a:r>
+              <a:rPr lang="en-US" altLang="ko-KR" dirty="0"/>
+              <a:t>. CEO</a:t>
+            </a:r>
+            <a:r>
+              <a:rPr lang="ko-KR" altLang="en-US" dirty="0"/>
+              <a:t>는 “적극적인 </a:t>
+            </a:r>
+            <a:r>
+              <a:rPr lang="ko-KR" altLang="en-US" dirty="0" err="1"/>
+              <a:t>비스니스</a:t>
+            </a:r>
+            <a:r>
+              <a:rPr lang="ko-KR" altLang="en-US" dirty="0"/>
+              <a:t> 혁신으로 효율성을 얻게 될 </a:t>
+            </a:r>
+            <a:r>
+              <a:rPr lang="ko-KR" altLang="en-US" dirty="0" err="1"/>
+              <a:t>것입니다”라고</a:t>
+            </a:r>
+            <a:r>
+              <a:rPr lang="ko-KR" altLang="en-US" dirty="0"/>
+              <a:t> 말합니다</a:t>
+            </a:r>
+            <a:r>
+              <a:rPr lang="en-US" altLang="ko-KR" dirty="0"/>
+              <a:t>.</a:t>
+            </a:r>
           </a:p>
         </p:txBody>
       </p:sp>
@@ -42240,7 +42294,7 @@
           <p:cNvPr id="4" name="날짜 개체 틀 3">
             <a:extLst>
               <a:ext uri="{FF2B5EF4-FFF2-40B4-BE49-F238E27FC236}">
-                <a16:creationId xmlns:a16="http://schemas.microsoft.com/office/drawing/2014/main" id="{72DA7980-C870-4C9A-84FA-4120D8AF5DE8}"/>
+                <a16:creationId xmlns:a16="http://schemas.microsoft.com/office/drawing/2014/main" id="{13F8C8B5-F6EC-489B-BD0F-CD89A73CAB3A}"/>
               </a:ext>
             </a:extLst>
           </p:cNvPr>
@@ -42253,8 +42307,8 @@
         </p:nvSpPr>
         <p:spPr>
           <a:xfrm>
-            <a:off x="4267200" y="6356350"/>
-            <a:ext cx="1774371" cy="365125"/>
+            <a:off x="838200" y="6356350"/>
+            <a:ext cx="2743200" cy="365125"/>
           </a:xfrm>
         </p:spPr>
         <p:txBody>
@@ -42278,7 +42332,7 @@
           <p:cNvPr id="5" name="바닥글 개체 틀 4">
             <a:extLst>
               <a:ext uri="{FF2B5EF4-FFF2-40B4-BE49-F238E27FC236}">
-                <a16:creationId xmlns:a16="http://schemas.microsoft.com/office/drawing/2014/main" id="{0DFADE42-1A3F-40C8-A071-E57644F3D843}"/>
+                <a16:creationId xmlns:a16="http://schemas.microsoft.com/office/drawing/2014/main" id="{11AEA823-8519-4F9D-81FA-3673131076FC}"/>
               </a:ext>
             </a:extLst>
           </p:cNvPr>
@@ -42291,8 +42345,8 @@
         </p:nvSpPr>
         <p:spPr>
           <a:xfrm>
-            <a:off x="6479721" y="6356350"/>
-            <a:ext cx="2661557" cy="365125"/>
+            <a:off x="4038600" y="6356350"/>
+            <a:ext cx="4114800" cy="365125"/>
           </a:xfrm>
         </p:spPr>
         <p:txBody>
@@ -42312,7 +42366,7 @@
           <p:cNvPr id="6" name="슬라이드 번호 개체 틀 5">
             <a:extLst>
               <a:ext uri="{FF2B5EF4-FFF2-40B4-BE49-F238E27FC236}">
-                <a16:creationId xmlns:a16="http://schemas.microsoft.com/office/drawing/2014/main" id="{5EDCFF82-B70F-4971-9182-7C3AEA3CFD26}"/>
+                <a16:creationId xmlns:a16="http://schemas.microsoft.com/office/drawing/2014/main" id="{BAEFF51B-0E28-4171-AE7C-A31AAB42BC73}"/>
               </a:ext>
             </a:extLst>
           </p:cNvPr>
@@ -42325,8 +42379,8 @@
         </p:nvSpPr>
         <p:spPr>
           <a:xfrm>
-            <a:off x="9579428" y="6356350"/>
-            <a:ext cx="1774371" cy="365125"/>
+            <a:off x="8610600" y="6356350"/>
+            <a:ext cx="2743200" cy="365125"/>
           </a:xfrm>
         </p:spPr>
         <p:txBody>
@@ -42346,7 +42400,7 @@
     </p:spTree>
     <p:extLst>
       <p:ext uri="{BB962C8B-B14F-4D97-AF65-F5344CB8AC3E}">
-        <p14:creationId xmlns:p14="http://schemas.microsoft.com/office/powerpoint/2010/main" val="2436493926"/>
+        <p14:creationId xmlns:p14="http://schemas.microsoft.com/office/powerpoint/2010/main" val="920173932"/>
       </p:ext>
     </p:extLst>
   </p:cSld>
@@ -42600,6 +42654,242 @@
     <p:extLst>
       <p:ext uri="{BB962C8B-B14F-4D97-AF65-F5344CB8AC3E}">
         <p14:creationId xmlns:p14="http://schemas.microsoft.com/office/powerpoint/2010/main" val="4173441638"/>
+      </p:ext>
+    </p:extLst>
+  </p:cSld>
+  <p:clrMapOvr>
+    <a:masterClrMapping/>
+  </p:clrMapOvr>
+</p:sld>
+</file>
+
+<file path=ppt/slides/slide40.xml><?xml version="1.0" encoding="utf-8"?>
+<p:sld xmlns:a="http://schemas.openxmlformats.org/drawingml/2006/main" xmlns:r="http://schemas.openxmlformats.org/officeDocument/2006/relationships" xmlns:p="http://schemas.openxmlformats.org/presentationml/2006/main">
+  <p:cSld>
+    <p:spTree>
+      <p:nvGrpSpPr>
+        <p:cNvPr id="1" name=""/>
+        <p:cNvGrpSpPr/>
+        <p:nvPr/>
+      </p:nvGrpSpPr>
+      <p:grpSpPr>
+        <a:xfrm>
+          <a:off x="0" y="0"/>
+          <a:ext cx="0" cy="0"/>
+          <a:chOff x="0" y="0"/>
+          <a:chExt cx="0" cy="0"/>
+        </a:xfrm>
+      </p:grpSpPr>
+      <p:sp>
+        <p:nvSpPr>
+          <p:cNvPr id="2" name="제목 1">
+            <a:extLst>
+              <a:ext uri="{FF2B5EF4-FFF2-40B4-BE49-F238E27FC236}">
+                <a16:creationId xmlns:a16="http://schemas.microsoft.com/office/drawing/2014/main" id="{BCCAEE93-8585-46D4-A7EC-F184E317CB2E}"/>
+              </a:ext>
+            </a:extLst>
+          </p:cNvPr>
+          <p:cNvSpPr>
+            <a:spLocks noGrp="1"/>
+          </p:cNvSpPr>
+          <p:nvPr>
+            <p:ph type="ctrTitle"/>
+          </p:nvPr>
+        </p:nvSpPr>
+        <p:spPr>
+          <a:xfrm>
+            <a:off x="4267200" y="1615736"/>
+            <a:ext cx="4179570" cy="1524735"/>
+          </a:xfrm>
+        </p:spPr>
+        <p:txBody>
+          <a:bodyPr rtlCol="0"/>
+          <a:lstStyle/>
+          <a:p>
+            <a:pPr rtl="0"/>
+            <a:r>
+              <a:rPr lang="ko-KR" altLang="en-US"/>
+              <a:t>감사합니다</a:t>
+            </a:r>
+            <a:r>
+              <a:rPr lang="en-US" altLang="ko-KR"/>
+              <a:t>.</a:t>
+            </a:r>
+          </a:p>
+        </p:txBody>
+      </p:sp>
+      <p:sp>
+        <p:nvSpPr>
+          <p:cNvPr id="3" name="내용 개체 틀 2">
+            <a:extLst>
+              <a:ext uri="{FF2B5EF4-FFF2-40B4-BE49-F238E27FC236}">
+                <a16:creationId xmlns:a16="http://schemas.microsoft.com/office/drawing/2014/main" id="{24AFFC60-19C3-4901-93F7-7AAF4C09F8C6}"/>
+              </a:ext>
+            </a:extLst>
+          </p:cNvPr>
+          <p:cNvSpPr>
+            <a:spLocks noGrp="1"/>
+          </p:cNvSpPr>
+          <p:nvPr>
+            <p:ph type="subTitle" idx="1"/>
+          </p:nvPr>
+        </p:nvSpPr>
+        <p:spPr>
+          <a:xfrm>
+            <a:off x="4267200" y="3238103"/>
+            <a:ext cx="4179570" cy="2004161"/>
+          </a:xfrm>
+        </p:spPr>
+        <p:txBody>
+          <a:bodyPr rtlCol="0">
+            <a:normAutofit/>
+          </a:bodyPr>
+          <a:lstStyle/>
+          <a:p>
+            <a:pPr rtl="0"/>
+            <a:r>
+              <a:rPr lang="ko-KR" altLang="en-US"/>
+              <a:t>심현기</a:t>
+            </a:r>
+          </a:p>
+          <a:p>
+            <a:pPr rtl="0"/>
+            <a:r>
+              <a:rPr lang="en-US" altLang="ko-KR"/>
+              <a:t>206-555-0146</a:t>
+            </a:r>
+            <a:endParaRPr lang="ko-KR" altLang="en-US"/>
+          </a:p>
+          <a:p>
+            <a:pPr rtl="0"/>
+            <a:r>
+              <a:rPr lang="en-US" altLang="ko-KR"/>
+              <a:t>hyun-ki@contoso.com</a:t>
+            </a:r>
+            <a:endParaRPr lang="ko-KR" altLang="en-US"/>
+          </a:p>
+          <a:p>
+            <a:pPr rtl="0"/>
+            <a:r>
+              <a:rPr lang="en-US" altLang="ko-KR"/>
+              <a:t>www.contoso.com</a:t>
+            </a:r>
+            <a:endParaRPr lang="ko-KR" altLang="en-US"/>
+          </a:p>
+        </p:txBody>
+      </p:sp>
+      <p:sp>
+        <p:nvSpPr>
+          <p:cNvPr id="4" name="날짜 개체 틀 3">
+            <a:extLst>
+              <a:ext uri="{FF2B5EF4-FFF2-40B4-BE49-F238E27FC236}">
+                <a16:creationId xmlns:a16="http://schemas.microsoft.com/office/drawing/2014/main" id="{72DA7980-C870-4C9A-84FA-4120D8AF5DE8}"/>
+              </a:ext>
+            </a:extLst>
+          </p:cNvPr>
+          <p:cNvSpPr>
+            <a:spLocks noGrp="1"/>
+          </p:cNvSpPr>
+          <p:nvPr>
+            <p:ph type="dt" sz="half" idx="10"/>
+          </p:nvPr>
+        </p:nvSpPr>
+        <p:spPr>
+          <a:xfrm>
+            <a:off x="4267200" y="6356350"/>
+            <a:ext cx="1774371" cy="365125"/>
+          </a:xfrm>
+        </p:spPr>
+        <p:txBody>
+          <a:bodyPr rtlCol="0"/>
+          <a:lstStyle/>
+          <a:p>
+            <a:pPr rtl="0"/>
+            <a:r>
+              <a:rPr lang="en-US" altLang="ko-KR"/>
+              <a:t>20XX</a:t>
+            </a:r>
+            <a:r>
+              <a:rPr lang="ko-KR" altLang="en-US"/>
+              <a:t>년</a:t>
+            </a:r>
+          </a:p>
+        </p:txBody>
+      </p:sp>
+      <p:sp>
+        <p:nvSpPr>
+          <p:cNvPr id="5" name="바닥글 개체 틀 4">
+            <a:extLst>
+              <a:ext uri="{FF2B5EF4-FFF2-40B4-BE49-F238E27FC236}">
+                <a16:creationId xmlns:a16="http://schemas.microsoft.com/office/drawing/2014/main" id="{0DFADE42-1A3F-40C8-A071-E57644F3D843}"/>
+              </a:ext>
+            </a:extLst>
+          </p:cNvPr>
+          <p:cNvSpPr>
+            <a:spLocks noGrp="1"/>
+          </p:cNvSpPr>
+          <p:nvPr>
+            <p:ph type="ftr" sz="quarter" idx="11"/>
+          </p:nvPr>
+        </p:nvSpPr>
+        <p:spPr>
+          <a:xfrm>
+            <a:off x="6479721" y="6356350"/>
+            <a:ext cx="2661557" cy="365125"/>
+          </a:xfrm>
+        </p:spPr>
+        <p:txBody>
+          <a:bodyPr rtlCol="0"/>
+          <a:lstStyle/>
+          <a:p>
+            <a:pPr rtl="0"/>
+            <a:r>
+              <a:rPr lang="ko-KR" altLang="en-US"/>
+              <a:t>설명 자료</a:t>
+            </a:r>
+          </a:p>
+        </p:txBody>
+      </p:sp>
+      <p:sp>
+        <p:nvSpPr>
+          <p:cNvPr id="6" name="슬라이드 번호 개체 틀 5">
+            <a:extLst>
+              <a:ext uri="{FF2B5EF4-FFF2-40B4-BE49-F238E27FC236}">
+                <a16:creationId xmlns:a16="http://schemas.microsoft.com/office/drawing/2014/main" id="{5EDCFF82-B70F-4971-9182-7C3AEA3CFD26}"/>
+              </a:ext>
+            </a:extLst>
+          </p:cNvPr>
+          <p:cNvSpPr>
+            <a:spLocks noGrp="1"/>
+          </p:cNvSpPr>
+          <p:nvPr>
+            <p:ph type="sldNum" sz="quarter" idx="12"/>
+          </p:nvPr>
+        </p:nvSpPr>
+        <p:spPr>
+          <a:xfrm>
+            <a:off x="9579428" y="6356350"/>
+            <a:ext cx="1774371" cy="365125"/>
+          </a:xfrm>
+        </p:spPr>
+        <p:txBody>
+          <a:bodyPr rtlCol="0"/>
+          <a:lstStyle/>
+          <a:p>
+            <a:pPr rtl="0"/>
+            <a:fld id="{B5CEABB6-07DC-46E8-9B57-56EC44A396E5}" type="slidenum">
+              <a:rPr lang="en-US" altLang="ko-KR" smtClean="0"/>
+              <a:pPr rtl="0"/>
+              <a:t>40</a:t>
+            </a:fld>
+            <a:endParaRPr lang="ko-KR" altLang="en-US"/>
+          </a:p>
+        </p:txBody>
+      </p:sp>
+    </p:spTree>
+    <p:extLst>
+      <p:ext uri="{BB962C8B-B14F-4D97-AF65-F5344CB8AC3E}">
+        <p14:creationId xmlns:p14="http://schemas.microsoft.com/office/powerpoint/2010/main" val="2436493926"/>
       </p:ext>
     </p:extLst>
   </p:cSld>
@@ -42953,13 +43243,6 @@
             <a:r>
               <a:rPr lang="ko-KR" altLang="en-US" dirty="0"/>
               <a:t>상태천이도</a:t>
-            </a:r>
-            <a:br>
-              <a:rPr lang="en-US" altLang="ko-KR" dirty="0"/>
-            </a:br>
-            <a:r>
-              <a:rPr lang="ko-KR" altLang="en-US" dirty="0"/>
-              <a:t>데이터 흐름도</a:t>
             </a:r>
             <a:endParaRPr lang="en-US" altLang="ko-KR" dirty="0"/>
           </a:p>
@@ -44617,25 +44900,6 @@
 </file>
 
 <file path=customXml/item1.xml><?xml version="1.0" encoding="utf-8"?>
-<p:properties xmlns:p="http://schemas.microsoft.com/office/2006/metadata/properties" xmlns:xsi="http://www.w3.org/2001/XMLSchema-instance" xmlns:pc="http://schemas.microsoft.com/office/infopath/2007/PartnerControls">
-  <documentManagement>
-    <_ip_UnifiedCompliancePolicyUIAction xmlns="http://schemas.microsoft.com/sharepoint/v3" xsi:nil="true"/>
-    <Image xmlns="71af3243-3dd4-4a8d-8c0d-dd76da1f02a5">
-      <Url xsi:nil="true"/>
-      <Description xsi:nil="true"/>
-    </Image>
-    <Status xmlns="71af3243-3dd4-4a8d-8c0d-dd76da1f02a5">Not started</Status>
-    <_ip_UnifiedCompliancePolicyProperties xmlns="http://schemas.microsoft.com/sharepoint/v3" xsi:nil="true"/>
-    <ImageTagsTaxHTField xmlns="71af3243-3dd4-4a8d-8c0d-dd76da1f02a5">
-      <Terms xmlns="http://schemas.microsoft.com/office/infopath/2007/PartnerControls"/>
-    </ImageTagsTaxHTField>
-    <TaxCatchAll xmlns="230e9df3-be65-4c73-a93b-d1236ebd677e"/>
-    <MediaServiceKeyPoints xmlns="71af3243-3dd4-4a8d-8c0d-dd76da1f02a5" xsi:nil="true"/>
-  </documentManagement>
-</p:properties>
-</file>
-
-<file path=customXml/item2.xml><?xml version="1.0" encoding="utf-8"?>
 <ct:contentTypeSchema xmlns:ct="http://schemas.microsoft.com/office/2006/metadata/contentType" xmlns:ma="http://schemas.microsoft.com/office/2006/metadata/properties/metaAttributes" ct:_="" ma:_="" ma:contentTypeName="Document" ma:contentTypeID="0x01010079F111ED35F8CC479449609E8A0923A6" ma:contentTypeVersion="20" ma:contentTypeDescription="Create a new document." ma:contentTypeScope="" ma:versionID="1267097ee5f5874adfcc408041ae252e">
   <xsd:schema xmlns:xsd="http://www.w3.org/2001/XMLSchema" xmlns:xs="http://www.w3.org/2001/XMLSchema" xmlns:p="http://schemas.microsoft.com/office/2006/metadata/properties" xmlns:ns1="http://schemas.microsoft.com/sharepoint/v3" xmlns:ns2="71af3243-3dd4-4a8d-8c0d-dd76da1f02a5" xmlns:ns3="16c05727-aa75-4e4a-9b5f-8a80a1165891" xmlns:ns4="230e9df3-be65-4c73-a93b-d1236ebd677e" targetNamespace="http://schemas.microsoft.com/office/2006/metadata/properties" ma:root="true" ma:fieldsID="395891a93df65b14727750f2c06c306c" ns1:_="" ns2:_="" ns3:_="" ns4:_="">
     <xsd:import namespace="http://schemas.microsoft.com/sharepoint/v3"/>
@@ -44911,7 +45175,7 @@
 </ct:contentTypeSchema>
 </file>
 
-<file path=customXml/item3.xml><?xml version="1.0" encoding="utf-8"?>
+<file path=customXml/item2.xml><?xml version="1.0" encoding="utf-8"?>
 <?mso-contentType ?>
 <FormTemplates xmlns="http://schemas.microsoft.com/sharepoint/v3/contenttype/forms">
   <Display>DocumentLibraryForm</Display>
@@ -44920,19 +45184,26 @@
 </FormTemplates>
 </file>
 
-<file path=customXml/itemProps1.xml><?xml version="1.0" encoding="utf-8"?>
-<ds:datastoreItem xmlns:ds="http://schemas.openxmlformats.org/officeDocument/2006/customXml" ds:itemID="{B5BA3906-9696-4247-AC0D-DD5C26B2A70A}">
-  <ds:schemaRefs>
-    <ds:schemaRef ds:uri="http://schemas.microsoft.com/office/2006/metadata/properties"/>
-    <ds:schemaRef ds:uri="http://schemas.microsoft.com/office/infopath/2007/PartnerControls"/>
-    <ds:schemaRef ds:uri="http://schemas.microsoft.com/sharepoint/v3"/>
-    <ds:schemaRef ds:uri="71af3243-3dd4-4a8d-8c0d-dd76da1f02a5"/>
-    <ds:schemaRef ds:uri="230e9df3-be65-4c73-a93b-d1236ebd677e"/>
-  </ds:schemaRefs>
-</ds:datastoreItem>
+<file path=customXml/item3.xml><?xml version="1.0" encoding="utf-8"?>
+<p:properties xmlns:p="http://schemas.microsoft.com/office/2006/metadata/properties" xmlns:xsi="http://www.w3.org/2001/XMLSchema-instance" xmlns:pc="http://schemas.microsoft.com/office/infopath/2007/PartnerControls">
+  <documentManagement>
+    <_ip_UnifiedCompliancePolicyUIAction xmlns="http://schemas.microsoft.com/sharepoint/v3" xsi:nil="true"/>
+    <Image xmlns="71af3243-3dd4-4a8d-8c0d-dd76da1f02a5">
+      <Url xsi:nil="true"/>
+      <Description xsi:nil="true"/>
+    </Image>
+    <Status xmlns="71af3243-3dd4-4a8d-8c0d-dd76da1f02a5">Not started</Status>
+    <_ip_UnifiedCompliancePolicyProperties xmlns="http://schemas.microsoft.com/sharepoint/v3" xsi:nil="true"/>
+    <ImageTagsTaxHTField xmlns="71af3243-3dd4-4a8d-8c0d-dd76da1f02a5">
+      <Terms xmlns="http://schemas.microsoft.com/office/infopath/2007/PartnerControls"/>
+    </ImageTagsTaxHTField>
+    <TaxCatchAll xmlns="230e9df3-be65-4c73-a93b-d1236ebd677e"/>
+    <MediaServiceKeyPoints xmlns="71af3243-3dd4-4a8d-8c0d-dd76da1f02a5" xsi:nil="true"/>
+  </documentManagement>
+</p:properties>
 </file>
 
-<file path=customXml/itemProps2.xml><?xml version="1.0" encoding="utf-8"?>
+<file path=customXml/itemProps1.xml><?xml version="1.0" encoding="utf-8"?>
 <ds:datastoreItem xmlns:ds="http://schemas.openxmlformats.org/officeDocument/2006/customXml" ds:itemID="{01E84A1C-2814-43A7-9448-348326113A45}">
   <ds:schemaRefs>
     <ds:schemaRef ds:uri="http://schemas.microsoft.com/office/2006/metadata/contentType"/>
@@ -44953,10 +45224,22 @@
 </ds:datastoreItem>
 </file>
 
-<file path=customXml/itemProps3.xml><?xml version="1.0" encoding="utf-8"?>
+<file path=customXml/itemProps2.xml><?xml version="1.0" encoding="utf-8"?>
 <ds:datastoreItem xmlns:ds="http://schemas.openxmlformats.org/officeDocument/2006/customXml" ds:itemID="{2D446390-8521-40A2-A462-EA068123BED9}">
   <ds:schemaRefs>
     <ds:schemaRef ds:uri="http://schemas.microsoft.com/sharepoint/v3/contenttype/forms"/>
+  </ds:schemaRefs>
+</ds:datastoreItem>
+</file>
+
+<file path=customXml/itemProps3.xml><?xml version="1.0" encoding="utf-8"?>
+<ds:datastoreItem xmlns:ds="http://schemas.openxmlformats.org/officeDocument/2006/customXml" ds:itemID="{B5BA3906-9696-4247-AC0D-DD5C26B2A70A}">
+  <ds:schemaRefs>
+    <ds:schemaRef ds:uri="http://schemas.microsoft.com/office/2006/metadata/properties"/>
+    <ds:schemaRef ds:uri="http://schemas.microsoft.com/office/infopath/2007/PartnerControls"/>
+    <ds:schemaRef ds:uri="http://schemas.microsoft.com/sharepoint/v3"/>
+    <ds:schemaRef ds:uri="71af3243-3dd4-4a8d-8c0d-dd76da1f02a5"/>
+    <ds:schemaRef ds:uri="230e9df3-be65-4c73-a93b-d1236ebd677e"/>
   </ds:schemaRefs>
 </ds:datastoreItem>
 </file>
